--- a/introduction.pptx
+++ b/introduction.pptx
@@ -7,10 +7,13 @@
   <p:sldIdLst>
     <p:sldId id="256" r:id="rId2"/>
     <p:sldId id="259" r:id="rId3"/>
-    <p:sldId id="258" r:id="rId4"/>
-    <p:sldId id="257" r:id="rId5"/>
-    <p:sldId id="260" r:id="rId6"/>
-    <p:sldId id="261" r:id="rId7"/>
+    <p:sldId id="264" r:id="rId4"/>
+    <p:sldId id="258" r:id="rId5"/>
+    <p:sldId id="257" r:id="rId6"/>
+    <p:sldId id="263" r:id="rId7"/>
+    <p:sldId id="260" r:id="rId8"/>
+    <p:sldId id="261" r:id="rId9"/>
+    <p:sldId id="262" r:id="rId10"/>
   </p:sldIdLst>
   <p:sldSz cx="9144000" cy="6858000" type="screen4x3"/>
   <p:notesSz cx="6858000" cy="9144000"/>
@@ -111,7 +114,7 @@
   </p:defaultTextStyle>
   <p:extLst>
     <p:ext uri="{EFAFB233-063F-42B5-8137-9DF3F51BA10A}">
-      <p15:sldGuideLst xmlns:p15="http://schemas.microsoft.com/office/powerpoint/2012/main"/>
+      <p15:sldGuideLst xmlns="" xmlns:p15="http://schemas.microsoft.com/office/powerpoint/2012/main"/>
     </p:ext>
   </p:extLst>
 </p:presentation>
@@ -252,7 +255,8 @@
           <a:p>
             <a:fld id="{83F10594-1B62-4B90-920A-44E63AFA5E18}" type="datetimeFigureOut">
               <a:rPr kumimoji="1" lang="ja-JP" altLang="en-US" smtClean="0"/>
-              <a:t>2018/10/10</a:t>
+              <a:pPr/>
+              <a:t>2018/10/12</a:t>
             </a:fld>
             <a:endParaRPr kumimoji="1" lang="ja-JP" altLang="en-US"/>
           </a:p>
@@ -294,7 +298,8 @@
           <a:p>
             <a:fld id="{CDF576D3-9ECB-45A3-8D62-56DB5EAEA9D1}" type="slidenum">
               <a:rPr kumimoji="1" lang="ja-JP" altLang="en-US" smtClean="0"/>
-              <a:t>‹#›</a:t>
+              <a:pPr/>
+              <a:t>&lt;#&gt;</a:t>
             </a:fld>
             <a:endParaRPr kumimoji="1" lang="ja-JP" altLang="en-US"/>
           </a:p>
@@ -305,7 +310,7 @@
           <p:cNvPr id="7" name="正方形/長方形 6">
             <a:extLst>
               <a:ext uri="{FF2B5EF4-FFF2-40B4-BE49-F238E27FC236}">
-                <a16:creationId xmlns:a16="http://schemas.microsoft.com/office/drawing/2014/main" id="{8E09D8F2-B19A-4E1F-88A4-FBF53DDCECE5}"/>
+                <a16:creationId xmlns="" xmlns:a16="http://schemas.microsoft.com/office/drawing/2014/main" id="{8E09D8F2-B19A-4E1F-88A4-FBF53DDCECE5}"/>
               </a:ext>
             </a:extLst>
           </p:cNvPr>
@@ -357,7 +362,7 @@
     </p:spTree>
     <p:extLst>
       <p:ext uri="{BB962C8B-B14F-4D97-AF65-F5344CB8AC3E}">
-        <p14:creationId xmlns:p14="http://schemas.microsoft.com/office/powerpoint/2010/main" val="1527794837"/>
+        <p14:creationId xmlns="" xmlns:p14="http://schemas.microsoft.com/office/powerpoint/2010/main" val="1527794837"/>
       </p:ext>
     </p:extLst>
   </p:cSld>
@@ -559,7 +564,8 @@
           <a:p>
             <a:fld id="{83F10594-1B62-4B90-920A-44E63AFA5E18}" type="datetimeFigureOut">
               <a:rPr kumimoji="1" lang="ja-JP" altLang="en-US" smtClean="0"/>
-              <a:t>2018/10/10</a:t>
+              <a:pPr/>
+              <a:t>2018/10/12</a:t>
             </a:fld>
             <a:endParaRPr kumimoji="1" lang="ja-JP" altLang="en-US"/>
           </a:p>
@@ -606,7 +612,8 @@
           <a:p>
             <a:fld id="{CDF576D3-9ECB-45A3-8D62-56DB5EAEA9D1}" type="slidenum">
               <a:rPr kumimoji="1" lang="ja-JP" altLang="en-US" smtClean="0"/>
-              <a:t>‹#›</a:t>
+              <a:pPr/>
+              <a:t>&lt;#&gt;</a:t>
             </a:fld>
             <a:endParaRPr kumimoji="1" lang="ja-JP" altLang="en-US"/>
           </a:p>
@@ -617,7 +624,7 @@
           <p:cNvPr id="7" name="正方形/長方形 6">
             <a:extLst>
               <a:ext uri="{FF2B5EF4-FFF2-40B4-BE49-F238E27FC236}">
-                <a16:creationId xmlns:a16="http://schemas.microsoft.com/office/drawing/2014/main" id="{0BD2FA1D-34A1-4A8A-B9D8-7E60615E5C22}"/>
+                <a16:creationId xmlns="" xmlns:a16="http://schemas.microsoft.com/office/drawing/2014/main" id="{0BD2FA1D-34A1-4A8A-B9D8-7E60615E5C22}"/>
               </a:ext>
             </a:extLst>
           </p:cNvPr>
@@ -669,7 +676,7 @@
     </p:spTree>
     <p:extLst>
       <p:ext uri="{BB962C8B-B14F-4D97-AF65-F5344CB8AC3E}">
-        <p14:creationId xmlns:p14="http://schemas.microsoft.com/office/powerpoint/2010/main" val="2177417066"/>
+        <p14:creationId xmlns="" xmlns:p14="http://schemas.microsoft.com/office/powerpoint/2010/main" val="2177417066"/>
       </p:ext>
     </p:extLst>
   </p:cSld>
@@ -990,7 +997,8 @@
           <a:p>
             <a:fld id="{83F10594-1B62-4B90-920A-44E63AFA5E18}" type="datetimeFigureOut">
               <a:rPr kumimoji="1" lang="ja-JP" altLang="en-US" smtClean="0"/>
-              <a:t>2018/10/10</a:t>
+              <a:pPr/>
+              <a:t>2018/10/12</a:t>
             </a:fld>
             <a:endParaRPr kumimoji="1" lang="ja-JP" altLang="en-US"/>
           </a:p>
@@ -1037,8 +1045,63 @@
           <a:p>
             <a:fld id="{CDF576D3-9ECB-45A3-8D62-56DB5EAEA9D1}" type="slidenum">
               <a:rPr kumimoji="1" lang="ja-JP" altLang="en-US" smtClean="0"/>
-              <a:t>‹#›</a:t>
+              <a:pPr/>
+              <a:t>&lt;#&gt;</a:t>
             </a:fld>
+            <a:endParaRPr kumimoji="1" lang="ja-JP" altLang="en-US"/>
+          </a:p>
+        </p:txBody>
+      </p:sp>
+      <p:sp>
+        <p:nvSpPr>
+          <p:cNvPr id="8" name="正方形/長方形 7">
+            <a:extLst>
+              <a:ext uri="{FF2B5EF4-FFF2-40B4-BE49-F238E27FC236}">
+                <a16:creationId xmlns="" xmlns:a16="http://schemas.microsoft.com/office/drawing/2014/main" id="{0BD2FA1D-34A1-4A8A-B9D8-7E60615E5C22}"/>
+              </a:ext>
+            </a:extLst>
+          </p:cNvPr>
+          <p:cNvSpPr/>
+          <p:nvPr userDrawn="1"/>
+        </p:nvSpPr>
+        <p:spPr>
+          <a:xfrm>
+            <a:off x="0" y="948089"/>
+            <a:ext cx="9144000" cy="57751"/>
+          </a:xfrm>
+          <a:prstGeom prst="rect">
+            <a:avLst/>
+          </a:prstGeom>
+          <a:solidFill>
+            <a:schemeClr val="bg1">
+              <a:lumMod val="50000"/>
+            </a:schemeClr>
+          </a:solidFill>
+          <a:ln>
+            <a:noFill/>
+          </a:ln>
+        </p:spPr>
+        <p:style>
+          <a:lnRef idx="2">
+            <a:schemeClr val="accent1">
+              <a:shade val="50000"/>
+            </a:schemeClr>
+          </a:lnRef>
+          <a:fillRef idx="1">
+            <a:schemeClr val="accent1"/>
+          </a:fillRef>
+          <a:effectRef idx="0">
+            <a:schemeClr val="accent1"/>
+          </a:effectRef>
+          <a:fontRef idx="minor">
+            <a:schemeClr val="lt1"/>
+          </a:fontRef>
+        </p:style>
+        <p:txBody>
+          <a:bodyPr rtlCol="0" anchor="ctr"/>
+          <a:lstStyle/>
+          <a:p>
+            <a:pPr algn="ctr"/>
             <a:endParaRPr kumimoji="1" lang="ja-JP" altLang="en-US"/>
           </a:p>
         </p:txBody>
@@ -1046,7 +1109,7 @@
     </p:spTree>
     <p:extLst>
       <p:ext uri="{BB962C8B-B14F-4D97-AF65-F5344CB8AC3E}">
-        <p14:creationId xmlns:p14="http://schemas.microsoft.com/office/powerpoint/2010/main" val="1697902975"/>
+        <p14:creationId xmlns="" xmlns:p14="http://schemas.microsoft.com/office/powerpoint/2010/main" val="1697902975"/>
       </p:ext>
     </p:extLst>
   </p:cSld>
@@ -1128,7 +1191,8 @@
           <a:p>
             <a:fld id="{83F10594-1B62-4B90-920A-44E63AFA5E18}" type="datetimeFigureOut">
               <a:rPr kumimoji="1" lang="ja-JP" altLang="en-US" smtClean="0"/>
-              <a:t>2018/10/10</a:t>
+              <a:pPr/>
+              <a:t>2018/10/12</a:t>
             </a:fld>
             <a:endParaRPr kumimoji="1" lang="ja-JP" altLang="en-US"/>
           </a:p>
@@ -1175,7 +1239,8 @@
           <a:p>
             <a:fld id="{CDF576D3-9ECB-45A3-8D62-56DB5EAEA9D1}" type="slidenum">
               <a:rPr kumimoji="1" lang="ja-JP" altLang="en-US" smtClean="0"/>
-              <a:t>‹#›</a:t>
+              <a:pPr/>
+              <a:t>&lt;#&gt;</a:t>
             </a:fld>
             <a:endParaRPr kumimoji="1" lang="ja-JP" altLang="en-US"/>
           </a:p>
@@ -1184,7 +1249,7 @@
     </p:spTree>
     <p:extLst>
       <p:ext uri="{BB962C8B-B14F-4D97-AF65-F5344CB8AC3E}">
-        <p14:creationId xmlns:p14="http://schemas.microsoft.com/office/powerpoint/2010/main" val="1120881282"/>
+        <p14:creationId xmlns="" xmlns:p14="http://schemas.microsoft.com/office/powerpoint/2010/main" val="1120881282"/>
       </p:ext>
     </p:extLst>
   </p:cSld>
@@ -1233,7 +1298,8 @@
           <a:p>
             <a:fld id="{83F10594-1B62-4B90-920A-44E63AFA5E18}" type="datetimeFigureOut">
               <a:rPr kumimoji="1" lang="ja-JP" altLang="en-US" smtClean="0"/>
-              <a:t>2018/10/10</a:t>
+              <a:pPr/>
+              <a:t>2018/10/12</a:t>
             </a:fld>
             <a:endParaRPr kumimoji="1" lang="ja-JP" altLang="en-US"/>
           </a:p>
@@ -1280,7 +1346,8 @@
           <a:p>
             <a:fld id="{CDF576D3-9ECB-45A3-8D62-56DB5EAEA9D1}" type="slidenum">
               <a:rPr kumimoji="1" lang="ja-JP" altLang="en-US" smtClean="0"/>
-              <a:t>‹#›</a:t>
+              <a:pPr/>
+              <a:t>&lt;#&gt;</a:t>
             </a:fld>
             <a:endParaRPr kumimoji="1" lang="ja-JP" altLang="en-US"/>
           </a:p>
@@ -1289,7 +1356,7 @@
     </p:spTree>
     <p:extLst>
       <p:ext uri="{BB962C8B-B14F-4D97-AF65-F5344CB8AC3E}">
-        <p14:creationId xmlns:p14="http://schemas.microsoft.com/office/powerpoint/2010/main" val="577926763"/>
+        <p14:creationId xmlns="" xmlns:p14="http://schemas.microsoft.com/office/powerpoint/2010/main" val="577926763"/>
       </p:ext>
     </p:extLst>
   </p:cSld>
@@ -1481,7 +1548,8 @@
           <a:p>
             <a:fld id="{83F10594-1B62-4B90-920A-44E63AFA5E18}" type="datetimeFigureOut">
               <a:rPr kumimoji="1" lang="ja-JP" altLang="en-US" smtClean="0"/>
-              <a:t>2018/10/10</a:t>
+              <a:pPr/>
+              <a:t>2018/10/12</a:t>
             </a:fld>
             <a:endParaRPr kumimoji="1" lang="ja-JP" altLang="en-US"/>
           </a:p>
@@ -1559,7 +1627,8 @@
           <a:p>
             <a:fld id="{CDF576D3-9ECB-45A3-8D62-56DB5EAEA9D1}" type="slidenum">
               <a:rPr kumimoji="1" lang="ja-JP" altLang="en-US" smtClean="0"/>
-              <a:t>‹#›</a:t>
+              <a:pPr/>
+              <a:t>&lt;#&gt;</a:t>
             </a:fld>
             <a:endParaRPr kumimoji="1" lang="ja-JP" altLang="en-US"/>
           </a:p>
@@ -1568,7 +1637,7 @@
     </p:spTree>
     <p:extLst>
       <p:ext uri="{BB962C8B-B14F-4D97-AF65-F5344CB8AC3E}">
-        <p14:creationId xmlns:p14="http://schemas.microsoft.com/office/powerpoint/2010/main" val="3490964650"/>
+        <p14:creationId xmlns="" xmlns:p14="http://schemas.microsoft.com/office/powerpoint/2010/main" val="3490964650"/>
       </p:ext>
     </p:extLst>
   </p:cSld>
@@ -1937,7 +2006,7 @@
     </p:spTree>
     <p:extLst>
       <p:ext uri="{BB962C8B-B14F-4D97-AF65-F5344CB8AC3E}">
-        <p14:creationId xmlns:p14="http://schemas.microsoft.com/office/powerpoint/2010/main" val="3672349352"/>
+        <p14:creationId xmlns="" xmlns:p14="http://schemas.microsoft.com/office/powerpoint/2010/main" val="3672349352"/>
       </p:ext>
     </p:extLst>
   </p:cSld>
@@ -1969,7 +2038,7 @@
           <p:cNvPr id="24" name="テキスト ボックス 47">
             <a:extLst>
               <a:ext uri="{FF2B5EF4-FFF2-40B4-BE49-F238E27FC236}">
-                <a16:creationId xmlns:a16="http://schemas.microsoft.com/office/drawing/2014/main" id="{5416F896-6195-41A2-A43D-D823E5B09EE3}"/>
+                <a16:creationId xmlns="" xmlns:a16="http://schemas.microsoft.com/office/drawing/2014/main" id="{5416F896-6195-41A2-A43D-D823E5B09EE3}"/>
               </a:ext>
             </a:extLst>
           </p:cNvPr>
@@ -2272,7 +2341,7 @@
           <p:cNvPr id="2" name="タイトル 1">
             <a:extLst>
               <a:ext uri="{FF2B5EF4-FFF2-40B4-BE49-F238E27FC236}">
-                <a16:creationId xmlns:a16="http://schemas.microsoft.com/office/drawing/2014/main" id="{CBF655C4-B456-4EF5-BAD0-4712FEF04E70}"/>
+                <a16:creationId xmlns="" xmlns:a16="http://schemas.microsoft.com/office/drawing/2014/main" id="{CBF655C4-B456-4EF5-BAD0-4712FEF04E70}"/>
               </a:ext>
             </a:extLst>
           </p:cNvPr>
@@ -2289,10 +2358,14 @@
           <a:lstStyle/>
           <a:p>
             <a:r>
-              <a:rPr kumimoji="1" lang="en-US" altLang="ja-JP" dirty="0"/>
-              <a:t>Bandit Algorithms</a:t>
-            </a:r>
-            <a:endParaRPr kumimoji="1" lang="ja-JP" altLang="en-US" dirty="0"/>
+              <a:rPr kumimoji="1" lang="en-US" altLang="ja-JP" b="1" dirty="0" smtClean="0"/>
+              <a:t>Past 1: Bandit </a:t>
+            </a:r>
+            <a:r>
+              <a:rPr kumimoji="1" lang="en-US" altLang="ja-JP" b="1" dirty="0"/>
+              <a:t>Algorithms</a:t>
+            </a:r>
+            <a:endParaRPr kumimoji="1" lang="ja-JP" altLang="en-US" b="1" dirty="0"/>
           </a:p>
         </p:txBody>
       </p:sp>
@@ -2301,7 +2374,7 @@
           <p:cNvPr id="3" name="コンテンツ プレースホルダー 2">
             <a:extLst>
               <a:ext uri="{FF2B5EF4-FFF2-40B4-BE49-F238E27FC236}">
-                <a16:creationId xmlns:a16="http://schemas.microsoft.com/office/drawing/2014/main" id="{132252F9-3FF1-41B7-8684-A4C4E017BB43}"/>
+                <a16:creationId xmlns="" xmlns:a16="http://schemas.microsoft.com/office/drawing/2014/main" id="{132252F9-3FF1-41B7-8684-A4C4E017BB43}"/>
               </a:ext>
             </a:extLst>
           </p:cNvPr>
@@ -2337,7 +2410,7 @@
           <p:cNvPr id="25" name="コンテンツ プレースホルダー 24">
             <a:extLst>
               <a:ext uri="{FF2B5EF4-FFF2-40B4-BE49-F238E27FC236}">
-                <a16:creationId xmlns:a16="http://schemas.microsoft.com/office/drawing/2014/main" id="{BEE61A8E-41C6-41A6-8146-E49066372604}"/>
+                <a16:creationId xmlns="" xmlns:a16="http://schemas.microsoft.com/office/drawing/2014/main" id="{BEE61A8E-41C6-41A6-8146-E49066372604}"/>
               </a:ext>
             </a:extLst>
           </p:cNvPr>
@@ -2373,7 +2446,7 @@
           <p:cNvPr id="4" name="table">
             <a:extLst>
               <a:ext uri="{FF2B5EF4-FFF2-40B4-BE49-F238E27FC236}">
-                <a16:creationId xmlns:a16="http://schemas.microsoft.com/office/drawing/2014/main" id="{3E2ECF5A-B893-42E8-9BE4-7C183432E08C}"/>
+                <a16:creationId xmlns="" xmlns:a16="http://schemas.microsoft.com/office/drawing/2014/main" id="{3E2ECF5A-B893-42E8-9BE4-7C183432E08C}"/>
               </a:ext>
             </a:extLst>
           </p:cNvPr>
@@ -2383,7 +2456,7 @@
           <p:nvPr/>
         </p:nvPicPr>
         <p:blipFill>
-          <a:blip r:embed="rId2"/>
+          <a:blip r:embed="rId2" cstate="print"/>
           <a:stretch>
             <a:fillRect/>
           </a:stretch>
@@ -2403,7 +2476,7 @@
           <p:cNvPr id="5" name="table">
             <a:extLst>
               <a:ext uri="{FF2B5EF4-FFF2-40B4-BE49-F238E27FC236}">
-                <a16:creationId xmlns:a16="http://schemas.microsoft.com/office/drawing/2014/main" id="{971B4F94-FC7E-440D-925F-6ACC6773A2F0}"/>
+                <a16:creationId xmlns="" xmlns:a16="http://schemas.microsoft.com/office/drawing/2014/main" id="{971B4F94-FC7E-440D-925F-6ACC6773A2F0}"/>
               </a:ext>
             </a:extLst>
           </p:cNvPr>
@@ -2413,7 +2486,7 @@
           <p:nvPr/>
         </p:nvPicPr>
         <p:blipFill>
-          <a:blip r:embed="rId3"/>
+          <a:blip r:embed="rId3" cstate="print"/>
           <a:stretch>
             <a:fillRect/>
           </a:stretch>
@@ -2433,7 +2506,7 @@
           <p:cNvPr id="6" name="テキスト ボックス 29">
             <a:extLst>
               <a:ext uri="{FF2B5EF4-FFF2-40B4-BE49-F238E27FC236}">
-                <a16:creationId xmlns:a16="http://schemas.microsoft.com/office/drawing/2014/main" id="{D4003599-68AE-4A32-8EF2-D85321B728A1}"/>
+                <a16:creationId xmlns="" xmlns:a16="http://schemas.microsoft.com/office/drawing/2014/main" id="{D4003599-68AE-4A32-8EF2-D85321B728A1}"/>
               </a:ext>
             </a:extLst>
           </p:cNvPr>
@@ -2623,7 +2696,7 @@
           <p:cNvPr id="7" name="テキスト ボックス 30">
             <a:extLst>
               <a:ext uri="{FF2B5EF4-FFF2-40B4-BE49-F238E27FC236}">
-                <a16:creationId xmlns:a16="http://schemas.microsoft.com/office/drawing/2014/main" id="{FD24A5C8-ADF8-4498-906A-22765B4A36BF}"/>
+                <a16:creationId xmlns="" xmlns:a16="http://schemas.microsoft.com/office/drawing/2014/main" id="{FD24A5C8-ADF8-4498-906A-22765B4A36BF}"/>
               </a:ext>
             </a:extLst>
           </p:cNvPr>
@@ -2813,7 +2886,7 @@
           <p:cNvPr id="8" name="テキスト ボックス 31">
             <a:extLst>
               <a:ext uri="{FF2B5EF4-FFF2-40B4-BE49-F238E27FC236}">
-                <a16:creationId xmlns:a16="http://schemas.microsoft.com/office/drawing/2014/main" id="{1D327E90-A98A-4D82-BD2C-F8C5B774CEF9}"/>
+                <a16:creationId xmlns="" xmlns:a16="http://schemas.microsoft.com/office/drawing/2014/main" id="{1D327E90-A98A-4D82-BD2C-F8C5B774CEF9}"/>
               </a:ext>
             </a:extLst>
           </p:cNvPr>
@@ -3003,7 +3076,7 @@
           <p:cNvPr id="9" name="テキスト ボックス 32">
             <a:extLst>
               <a:ext uri="{FF2B5EF4-FFF2-40B4-BE49-F238E27FC236}">
-                <a16:creationId xmlns:a16="http://schemas.microsoft.com/office/drawing/2014/main" id="{A021F472-759B-4A88-977C-15BD93A5BB4B}"/>
+                <a16:creationId xmlns="" xmlns:a16="http://schemas.microsoft.com/office/drawing/2014/main" id="{A021F472-759B-4A88-977C-15BD93A5BB4B}"/>
               </a:ext>
             </a:extLst>
           </p:cNvPr>
@@ -3193,7 +3266,7 @@
           <p:cNvPr id="10" name="テキスト ボックス 33">
             <a:extLst>
               <a:ext uri="{FF2B5EF4-FFF2-40B4-BE49-F238E27FC236}">
-                <a16:creationId xmlns:a16="http://schemas.microsoft.com/office/drawing/2014/main" id="{5D6299EF-625C-449C-8FBF-5B9D5D7CAA28}"/>
+                <a16:creationId xmlns="" xmlns:a16="http://schemas.microsoft.com/office/drawing/2014/main" id="{5D6299EF-625C-449C-8FBF-5B9D5D7CAA28}"/>
               </a:ext>
             </a:extLst>
           </p:cNvPr>
@@ -3383,7 +3456,7 @@
           <p:cNvPr id="11" name="テキスト ボックス 34">
             <a:extLst>
               <a:ext uri="{FF2B5EF4-FFF2-40B4-BE49-F238E27FC236}">
-                <a16:creationId xmlns:a16="http://schemas.microsoft.com/office/drawing/2014/main" id="{36B1759D-007F-493F-81B0-57266CDB86C5}"/>
+                <a16:creationId xmlns="" xmlns:a16="http://schemas.microsoft.com/office/drawing/2014/main" id="{36B1759D-007F-493F-81B0-57266CDB86C5}"/>
               </a:ext>
             </a:extLst>
           </p:cNvPr>
@@ -3573,7 +3646,7 @@
           <p:cNvPr id="12" name="右矢印 35">
             <a:extLst>
               <a:ext uri="{FF2B5EF4-FFF2-40B4-BE49-F238E27FC236}">
-                <a16:creationId xmlns:a16="http://schemas.microsoft.com/office/drawing/2014/main" id="{33B4F5F7-1419-48DE-BF80-251476109D8F}"/>
+                <a16:creationId xmlns="" xmlns:a16="http://schemas.microsoft.com/office/drawing/2014/main" id="{33B4F5F7-1419-48DE-BF80-251476109D8F}"/>
               </a:ext>
             </a:extLst>
           </p:cNvPr>
@@ -3748,7 +3821,7 @@
           <p:cNvPr id="13" name="テキスト ボックス 36">
             <a:extLst>
               <a:ext uri="{FF2B5EF4-FFF2-40B4-BE49-F238E27FC236}">
-                <a16:creationId xmlns:a16="http://schemas.microsoft.com/office/drawing/2014/main" id="{70442508-8D55-4DF0-BD35-71441A5AFF45}"/>
+                <a16:creationId xmlns="" xmlns:a16="http://schemas.microsoft.com/office/drawing/2014/main" id="{70442508-8D55-4DF0-BD35-71441A5AFF45}"/>
               </a:ext>
             </a:extLst>
           </p:cNvPr>
@@ -4051,7 +4124,7 @@
           <p:cNvPr id="14" name="テキスト ボックス 37">
             <a:extLst>
               <a:ext uri="{FF2B5EF4-FFF2-40B4-BE49-F238E27FC236}">
-                <a16:creationId xmlns:a16="http://schemas.microsoft.com/office/drawing/2014/main" id="{5AAA953D-B7B2-4B0D-81A8-9B64D6EF3197}"/>
+                <a16:creationId xmlns="" xmlns:a16="http://schemas.microsoft.com/office/drawing/2014/main" id="{5AAA953D-B7B2-4B0D-81A8-9B64D6EF3197}"/>
               </a:ext>
             </a:extLst>
           </p:cNvPr>
@@ -4241,7 +4314,7 @@
           <p:cNvPr id="15" name="テキスト ボックス 38">
             <a:extLst>
               <a:ext uri="{FF2B5EF4-FFF2-40B4-BE49-F238E27FC236}">
-                <a16:creationId xmlns:a16="http://schemas.microsoft.com/office/drawing/2014/main" id="{7659E81F-1AD6-4165-82B7-FD2CE1DA0035}"/>
+                <a16:creationId xmlns="" xmlns:a16="http://schemas.microsoft.com/office/drawing/2014/main" id="{7659E81F-1AD6-4165-82B7-FD2CE1DA0035}"/>
               </a:ext>
             </a:extLst>
           </p:cNvPr>
@@ -4431,7 +4504,7 @@
           <p:cNvPr id="16" name="テキスト ボックス 39">
             <a:extLst>
               <a:ext uri="{FF2B5EF4-FFF2-40B4-BE49-F238E27FC236}">
-                <a16:creationId xmlns:a16="http://schemas.microsoft.com/office/drawing/2014/main" id="{C3B12169-753E-464D-8D8A-DAA4B156D233}"/>
+                <a16:creationId xmlns="" xmlns:a16="http://schemas.microsoft.com/office/drawing/2014/main" id="{C3B12169-753E-464D-8D8A-DAA4B156D233}"/>
               </a:ext>
             </a:extLst>
           </p:cNvPr>
@@ -4621,7 +4694,7 @@
           <p:cNvPr id="17" name="テキスト ボックス 40">
             <a:extLst>
               <a:ext uri="{FF2B5EF4-FFF2-40B4-BE49-F238E27FC236}">
-                <a16:creationId xmlns:a16="http://schemas.microsoft.com/office/drawing/2014/main" id="{A5E6FD0E-52B7-4E65-8C6A-2D9D9EE5E9C5}"/>
+                <a16:creationId xmlns="" xmlns:a16="http://schemas.microsoft.com/office/drawing/2014/main" id="{A5E6FD0E-52B7-4E65-8C6A-2D9D9EE5E9C5}"/>
               </a:ext>
             </a:extLst>
           </p:cNvPr>
@@ -4811,7 +4884,7 @@
           <p:cNvPr id="18" name="グループ化 17">
             <a:extLst>
               <a:ext uri="{FF2B5EF4-FFF2-40B4-BE49-F238E27FC236}">
-                <a16:creationId xmlns:a16="http://schemas.microsoft.com/office/drawing/2014/main" id="{BDEC91C9-0A2D-4EC7-B308-6C224B517016}"/>
+                <a16:creationId xmlns="" xmlns:a16="http://schemas.microsoft.com/office/drawing/2014/main" id="{BDEC91C9-0A2D-4EC7-B308-6C224B517016}"/>
               </a:ext>
             </a:extLst>
           </p:cNvPr>
@@ -4831,7 +4904,7 @@
             <p:cNvPr id="19" name="図 18">
               <a:extLst>
                 <a:ext uri="{FF2B5EF4-FFF2-40B4-BE49-F238E27FC236}">
-                  <a16:creationId xmlns:a16="http://schemas.microsoft.com/office/drawing/2014/main" id="{6FD70CC3-BC34-473D-BBD9-4398C364CA48}"/>
+                  <a16:creationId xmlns="" xmlns:a16="http://schemas.microsoft.com/office/drawing/2014/main" id="{6FD70CC3-BC34-473D-BBD9-4398C364CA48}"/>
                 </a:ext>
               </a:extLst>
             </p:cNvPr>
@@ -4844,7 +4917,7 @@
             <a:blip r:embed="rId4" cstate="print">
               <a:extLst>
                 <a:ext uri="{28A0092B-C50C-407E-A947-70E740481C1C}">
-                  <a14:useLocalDpi xmlns:a14="http://schemas.microsoft.com/office/drawing/2010/main" val="0"/>
+                  <a14:useLocalDpi xmlns="" xmlns:a14="http://schemas.microsoft.com/office/drawing/2010/main" val="0"/>
                 </a:ext>
               </a:extLst>
             </a:blip>
@@ -4867,7 +4940,7 @@
             <p:cNvPr id="20" name="テキスト ボックス 43">
               <a:extLst>
                 <a:ext uri="{FF2B5EF4-FFF2-40B4-BE49-F238E27FC236}">
-                  <a16:creationId xmlns:a16="http://schemas.microsoft.com/office/drawing/2014/main" id="{3F7C3C63-0F10-4D10-A4F8-A97A535AAAA3}"/>
+                  <a16:creationId xmlns="" xmlns:a16="http://schemas.microsoft.com/office/drawing/2014/main" id="{3F7C3C63-0F10-4D10-A4F8-A97A535AAAA3}"/>
                 </a:ext>
               </a:extLst>
             </p:cNvPr>
@@ -5057,7 +5130,7 @@
           <p:cNvPr id="21" name="グループ化 20">
             <a:extLst>
               <a:ext uri="{FF2B5EF4-FFF2-40B4-BE49-F238E27FC236}">
-                <a16:creationId xmlns:a16="http://schemas.microsoft.com/office/drawing/2014/main" id="{155E3861-C6B1-4C19-AD81-3A3CAD69747C}"/>
+                <a16:creationId xmlns="" xmlns:a16="http://schemas.microsoft.com/office/drawing/2014/main" id="{155E3861-C6B1-4C19-AD81-3A3CAD69747C}"/>
               </a:ext>
             </a:extLst>
           </p:cNvPr>
@@ -5077,7 +5150,7 @@
             <p:cNvPr id="22" name="図 21">
               <a:extLst>
                 <a:ext uri="{FF2B5EF4-FFF2-40B4-BE49-F238E27FC236}">
-                  <a16:creationId xmlns:a16="http://schemas.microsoft.com/office/drawing/2014/main" id="{419ECEF7-68BA-4F11-84A3-CCD902287250}"/>
+                  <a16:creationId xmlns="" xmlns:a16="http://schemas.microsoft.com/office/drawing/2014/main" id="{419ECEF7-68BA-4F11-84A3-CCD902287250}"/>
                 </a:ext>
               </a:extLst>
             </p:cNvPr>
@@ -5090,7 +5163,7 @@
             <a:blip r:embed="rId4" cstate="print">
               <a:extLst>
                 <a:ext uri="{28A0092B-C50C-407E-A947-70E740481C1C}">
-                  <a14:useLocalDpi xmlns:a14="http://schemas.microsoft.com/office/drawing/2010/main" val="0"/>
+                  <a14:useLocalDpi xmlns="" xmlns:a14="http://schemas.microsoft.com/office/drawing/2010/main" val="0"/>
                 </a:ext>
               </a:extLst>
             </a:blip>
@@ -5113,7 +5186,7 @@
             <p:cNvPr id="23" name="テキスト ボックス 46">
               <a:extLst>
                 <a:ext uri="{FF2B5EF4-FFF2-40B4-BE49-F238E27FC236}">
-                  <a16:creationId xmlns:a16="http://schemas.microsoft.com/office/drawing/2014/main" id="{F81883E9-FEB0-48E4-9EB4-98F2D3F336C7}"/>
+                  <a16:creationId xmlns="" xmlns:a16="http://schemas.microsoft.com/office/drawing/2014/main" id="{F81883E9-FEB0-48E4-9EB4-98F2D3F336C7}"/>
                 </a:ext>
               </a:extLst>
             </p:cNvPr>
@@ -5301,7 +5374,7 @@
     </p:spTree>
     <p:extLst>
       <p:ext uri="{BB962C8B-B14F-4D97-AF65-F5344CB8AC3E}">
-        <p14:creationId xmlns:p14="http://schemas.microsoft.com/office/powerpoint/2010/main" val="1055569525"/>
+        <p14:creationId xmlns="" xmlns:p14="http://schemas.microsoft.com/office/powerpoint/2010/main" val="1055569525"/>
       </p:ext>
     </p:extLst>
   </p:cSld>
@@ -5330,10 +5403,164 @@
       </p:grpSpPr>
       <p:sp>
         <p:nvSpPr>
+          <p:cNvPr id="5" name="タイトル 4"/>
+          <p:cNvSpPr>
+            <a:spLocks noGrp="1"/>
+          </p:cNvSpPr>
+          <p:nvPr>
+            <p:ph type="title"/>
+          </p:nvPr>
+        </p:nvSpPr>
+        <p:spPr/>
+        <p:txBody>
+          <a:bodyPr/>
+          <a:lstStyle/>
+          <a:p>
+            <a:r>
+              <a:rPr lang="en-US" altLang="ja-JP" dirty="0" smtClean="0"/>
+              <a:t>Past 1: Bandit Algorithms</a:t>
+            </a:r>
+            <a:endParaRPr kumimoji="1" lang="ja-JP" altLang="en-US" dirty="0"/>
+          </a:p>
+        </p:txBody>
+      </p:sp>
+      <p:sp>
+        <p:nvSpPr>
+          <p:cNvPr id="6" name="コンテンツ プレースホルダ 5"/>
+          <p:cNvSpPr>
+            <a:spLocks noGrp="1"/>
+          </p:cNvSpPr>
+          <p:nvPr>
+            <p:ph idx="1"/>
+          </p:nvPr>
+        </p:nvSpPr>
+        <p:spPr/>
+        <p:txBody>
+          <a:bodyPr/>
+          <a:lstStyle/>
+          <a:p>
+            <a:r>
+              <a:rPr kumimoji="1" lang="en-US" altLang="ja-JP" dirty="0" smtClean="0"/>
+              <a:t>Applications</a:t>
+            </a:r>
+          </a:p>
+          <a:p>
+            <a:pPr lvl="1"/>
+            <a:r>
+              <a:rPr lang="en-US" altLang="ja-JP" dirty="0" smtClean="0"/>
+              <a:t>Bandit algorithm platform for A/B test</a:t>
+            </a:r>
+            <a:endParaRPr lang="ja-JP" altLang="ja-JP" dirty="0" smtClean="0"/>
+          </a:p>
+          <a:p>
+            <a:pPr lvl="1"/>
+            <a:r>
+              <a:rPr lang="en-US" altLang="ja-JP" dirty="0" smtClean="0"/>
+              <a:t>Event page optimization (</a:t>
+            </a:r>
+            <a:r>
+              <a:rPr lang="en-US" altLang="ja-JP" b="1" dirty="0" smtClean="0"/>
+              <a:t>2-3%</a:t>
+            </a:r>
+            <a:r>
+              <a:rPr lang="en-US" altLang="ja-JP" dirty="0" smtClean="0"/>
+              <a:t> improvement in CVR)</a:t>
+            </a:r>
+            <a:endParaRPr lang="ja-JP" altLang="ja-JP" dirty="0" smtClean="0"/>
+          </a:p>
+          <a:p>
+            <a:pPr lvl="1"/>
+            <a:r>
+              <a:rPr lang="en-US" altLang="ja-JP" dirty="0" smtClean="0"/>
+              <a:t>Advertisement optimization (</a:t>
+            </a:r>
+            <a:r>
+              <a:rPr lang="en-US" altLang="ja-JP" b="1" dirty="0" smtClean="0"/>
+              <a:t>3-5%</a:t>
+            </a:r>
+            <a:r>
+              <a:rPr lang="en-US" altLang="ja-JP" dirty="0" smtClean="0"/>
+              <a:t> improvement in CTR)</a:t>
+            </a:r>
+            <a:endParaRPr lang="ja-JP" altLang="ja-JP" dirty="0" smtClean="0"/>
+          </a:p>
+          <a:p>
+            <a:pPr lvl="1"/>
+            <a:r>
+              <a:rPr lang="en-US" altLang="ja-JP" dirty="0" smtClean="0"/>
+              <a:t>Web </a:t>
+            </a:r>
+            <a:r>
+              <a:rPr lang="en-US" altLang="ja-JP" dirty="0" smtClean="0"/>
+              <a:t>page </a:t>
+            </a:r>
+            <a:r>
+              <a:rPr lang="en-US" altLang="ja-JP" dirty="0" smtClean="0"/>
+              <a:t>optimization (</a:t>
+            </a:r>
+            <a:r>
+              <a:rPr lang="en-US" altLang="ja-JP" b="1" dirty="0" smtClean="0"/>
+              <a:t>3%</a:t>
+            </a:r>
+            <a:r>
+              <a:rPr lang="en-US" altLang="ja-JP" dirty="0" smtClean="0"/>
+              <a:t> improvement in CTR)</a:t>
+            </a:r>
+            <a:endParaRPr lang="ja-JP" altLang="ja-JP" dirty="0" smtClean="0"/>
+          </a:p>
+          <a:p>
+            <a:pPr lvl="1"/>
+            <a:r>
+              <a:rPr lang="en-US" altLang="ja-JP" dirty="0" smtClean="0"/>
+              <a:t>Coupon distribution strategy optimization (</a:t>
+            </a:r>
+            <a:r>
+              <a:rPr lang="en-US" altLang="ja-JP" b="1" dirty="0" smtClean="0"/>
+              <a:t>5%</a:t>
+            </a:r>
+            <a:r>
+              <a:rPr lang="en-US" altLang="ja-JP" dirty="0" smtClean="0"/>
+              <a:t> improvement in reservation rate</a:t>
+            </a:r>
+            <a:r>
+              <a:rPr lang="en-US" altLang="ja-JP" dirty="0" smtClean="0"/>
+              <a:t>)</a:t>
+            </a:r>
+            <a:endParaRPr kumimoji="1" lang="ja-JP" altLang="en-US" dirty="0"/>
+          </a:p>
+        </p:txBody>
+      </p:sp>
+    </p:spTree>
+  </p:cSld>
+  <p:clrMapOvr>
+    <a:masterClrMapping/>
+  </p:clrMapOvr>
+</p:sld>
+</file>
+
+<file path=ppt/slides/slide4.xml><?xml version="1.0" encoding="utf-8"?>
+<p:sld xmlns:a="http://schemas.openxmlformats.org/drawingml/2006/main" xmlns:r="http://schemas.openxmlformats.org/officeDocument/2006/relationships" xmlns:p="http://schemas.openxmlformats.org/presentationml/2006/main">
+  <p:cSld>
+    <p:spTree>
+      <p:nvGrpSpPr>
+        <p:cNvPr id="1" name=""/>
+        <p:cNvGrpSpPr/>
+        <p:nvPr/>
+      </p:nvGrpSpPr>
+      <p:grpSpPr>
+        <a:xfrm>
+          <a:off x="0" y="0"/>
+          <a:ext cx="0" cy="0"/>
+          <a:chOff x="0" y="0"/>
+          <a:chExt cx="0" cy="0"/>
+        </a:xfrm>
+      </p:grpSpPr>
+      <p:sp>
+        <p:nvSpPr>
           <p:cNvPr id="2" name="タイトル 1">
             <a:extLst>
               <a:ext uri="{FF2B5EF4-FFF2-40B4-BE49-F238E27FC236}">
-                <a16:creationId xmlns:a16="http://schemas.microsoft.com/office/drawing/2014/main" id="{9DF79987-81E0-40A7-BC58-B476EF510BC7}"/>
+                <a16:creationId xmlns="" xmlns:a16="http://schemas.microsoft.com/office/drawing/2014/main" id="{9DF79987-81E0-40A7-BC58-B476EF510BC7}"/>
               </a:ext>
             </a:extLst>
           </p:cNvPr>
@@ -5346,12 +5573,18 @@
         </p:nvSpPr>
         <p:spPr/>
         <p:txBody>
-          <a:bodyPr/>
+          <a:bodyPr>
+            <a:normAutofit/>
+          </a:bodyPr>
           <a:lstStyle/>
           <a:p>
             <a:r>
+              <a:rPr kumimoji="1" lang="en-US" altLang="ja-JP" dirty="0" smtClean="0"/>
+              <a:t>Past 2: User </a:t>
+            </a:r>
+            <a:r>
               <a:rPr kumimoji="1" lang="en-US" altLang="ja-JP" dirty="0"/>
-              <a:t>User Preference Analysis</a:t>
+              <a:t>Preference Analysis</a:t>
             </a:r>
             <a:endParaRPr kumimoji="1" lang="ja-JP" altLang="en-US" dirty="0"/>
           </a:p>
@@ -5362,7 +5595,7 @@
           <p:cNvPr id="3" name="コンテンツ プレースホルダー 2">
             <a:extLst>
               <a:ext uri="{FF2B5EF4-FFF2-40B4-BE49-F238E27FC236}">
-                <a16:creationId xmlns:a16="http://schemas.microsoft.com/office/drawing/2014/main" id="{44DD5554-7094-42E0-9522-D29A24C635A8}"/>
+                <a16:creationId xmlns="" xmlns:a16="http://schemas.microsoft.com/office/drawing/2014/main" id="{44DD5554-7094-42E0-9522-D29A24C635A8}"/>
               </a:ext>
             </a:extLst>
           </p:cNvPr>
@@ -5392,13 +5625,13 @@
           </a:p>
           <a:p>
             <a:pPr lvl="1"/>
-            <a:endParaRPr lang="en-US" altLang="ja-JP" dirty="0"/>
-          </a:p>
-          <a:p>
-            <a:pPr lvl="1"/>
+            <a:r>
+              <a:rPr lang="en-US" altLang="ja-JP" dirty="0" smtClean="0"/>
+              <a:t>User </a:t>
+            </a:r>
             <a:r>
               <a:rPr lang="en-US" altLang="ja-JP" dirty="0"/>
-              <a:t>User preferences and item attributes extraction</a:t>
+              <a:t>preferences and item attributes extraction</a:t>
             </a:r>
           </a:p>
           <a:p>
@@ -5412,26 +5645,43 @@
             <a:pPr lvl="2"/>
             <a:r>
               <a:rPr lang="en-US" altLang="ja-JP" dirty="0"/>
-              <a:t>LDA with purchase history  x  W2V with browsing history</a:t>
+              <a:t>LDA with purchase history  x  W2V with browsing </a:t>
+            </a:r>
+            <a:r>
+              <a:rPr lang="en-US" altLang="ja-JP" dirty="0" smtClean="0"/>
+              <a:t>history</a:t>
             </a:r>
             <a:endParaRPr kumimoji="1" lang="en-US" altLang="ja-JP" dirty="0"/>
           </a:p>
           <a:p>
+            <a:r>
+              <a:rPr kumimoji="1" lang="en-US" altLang="ja-JP" dirty="0" smtClean="0"/>
+              <a:t>Applications</a:t>
+            </a:r>
+          </a:p>
+          <a:p>
             <a:pPr lvl="1"/>
-            <a:endParaRPr kumimoji="1" lang="en-US" altLang="ja-JP" dirty="0"/>
+            <a:r>
+              <a:rPr kumimoji="1" lang="en-US" altLang="ja-JP" dirty="0" smtClean="0"/>
+              <a:t>User </a:t>
+            </a:r>
+            <a:r>
+              <a:rPr kumimoji="1" lang="en-US" altLang="ja-JP" dirty="0"/>
+              <a:t>fashion style extraction and prediction</a:t>
+            </a:r>
           </a:p>
           <a:p>
             <a:pPr lvl="1"/>
             <a:r>
-              <a:rPr kumimoji="1" lang="en-US" altLang="ja-JP" dirty="0"/>
-              <a:t>Application 1: User fashion style extraction and prediction</a:t>
+              <a:rPr lang="en-US" altLang="ja-JP" dirty="0" smtClean="0"/>
+              <a:t>Shop recommender system</a:t>
             </a:r>
           </a:p>
           <a:p>
             <a:pPr lvl="1"/>
             <a:r>
-              <a:rPr lang="en-US" altLang="ja-JP" dirty="0"/>
-              <a:t>Application 2: Recommender system</a:t>
+              <a:rPr lang="en-US" altLang="ja-JP" dirty="0" smtClean="0"/>
+              <a:t>Potential customer extraction</a:t>
             </a:r>
             <a:endParaRPr kumimoji="1" lang="ja-JP" altLang="en-US" dirty="0"/>
           </a:p>
@@ -5442,7 +5692,7 @@
           <p:cNvPr id="27" name="グループ化 26">
             <a:extLst>
               <a:ext uri="{FF2B5EF4-FFF2-40B4-BE49-F238E27FC236}">
-                <a16:creationId xmlns:a16="http://schemas.microsoft.com/office/drawing/2014/main" id="{342A7FD8-A0F3-4F71-B6DA-31C9D758B542}"/>
+                <a16:creationId xmlns="" xmlns:a16="http://schemas.microsoft.com/office/drawing/2014/main" id="{342A7FD8-A0F3-4F71-B6DA-31C9D758B542}"/>
               </a:ext>
             </a:extLst>
           </p:cNvPr>
@@ -5462,7 +5712,7 @@
             <p:cNvPr id="4" name="図 3">
               <a:extLst>
                 <a:ext uri="{FF2B5EF4-FFF2-40B4-BE49-F238E27FC236}">
-                  <a16:creationId xmlns:a16="http://schemas.microsoft.com/office/drawing/2014/main" id="{6BAC3437-F8AE-4BCE-ADF0-0C8EAA550087}"/>
+                  <a16:creationId xmlns="" xmlns:a16="http://schemas.microsoft.com/office/drawing/2014/main" id="{6BAC3437-F8AE-4BCE-ADF0-0C8EAA550087}"/>
                 </a:ext>
               </a:extLst>
             </p:cNvPr>
@@ -5472,7 +5722,7 @@
             <p:nvPr/>
           </p:nvPicPr>
           <p:blipFill>
-            <a:blip r:embed="rId2"/>
+            <a:blip r:embed="rId2" cstate="print"/>
             <a:stretch>
               <a:fillRect/>
             </a:stretch>
@@ -5492,7 +5742,7 @@
             <p:cNvPr id="5" name="テキスト ボックス 4">
               <a:extLst>
                 <a:ext uri="{FF2B5EF4-FFF2-40B4-BE49-F238E27FC236}">
-                  <a16:creationId xmlns:a16="http://schemas.microsoft.com/office/drawing/2014/main" id="{36380AB5-23F6-4ED0-BC88-05D53E477CB2}"/>
+                  <a16:creationId xmlns="" xmlns:a16="http://schemas.microsoft.com/office/drawing/2014/main" id="{36380AB5-23F6-4ED0-BC88-05D53E477CB2}"/>
                 </a:ext>
               </a:extLst>
             </p:cNvPr>
@@ -5538,7 +5788,7 @@
             <p:cNvPr id="6" name="テキスト ボックス 5">
               <a:extLst>
                 <a:ext uri="{FF2B5EF4-FFF2-40B4-BE49-F238E27FC236}">
-                  <a16:creationId xmlns:a16="http://schemas.microsoft.com/office/drawing/2014/main" id="{906F228D-62BB-4028-A139-DA619FD9D2F1}"/>
+                  <a16:creationId xmlns="" xmlns:a16="http://schemas.microsoft.com/office/drawing/2014/main" id="{906F228D-62BB-4028-A139-DA619FD9D2F1}"/>
                 </a:ext>
               </a:extLst>
             </p:cNvPr>
@@ -5585,7 +5835,7 @@
             <p:cNvPr id="7" name="正方形/長方形 6">
               <a:extLst>
                 <a:ext uri="{FF2B5EF4-FFF2-40B4-BE49-F238E27FC236}">
-                  <a16:creationId xmlns:a16="http://schemas.microsoft.com/office/drawing/2014/main" id="{E58D5CAB-D2A1-49F1-9ACB-19A92D1B5878}"/>
+                  <a16:creationId xmlns="" xmlns:a16="http://schemas.microsoft.com/office/drawing/2014/main" id="{E58D5CAB-D2A1-49F1-9ACB-19A92D1B5878}"/>
                 </a:ext>
               </a:extLst>
             </p:cNvPr>
@@ -5642,7 +5892,7 @@
             <p:cNvPr id="8" name="テキスト ボックス 7">
               <a:extLst>
                 <a:ext uri="{FF2B5EF4-FFF2-40B4-BE49-F238E27FC236}">
-                  <a16:creationId xmlns:a16="http://schemas.microsoft.com/office/drawing/2014/main" id="{BA4FCCED-6BE0-4025-95E7-CF4DB96D7B40}"/>
+                  <a16:creationId xmlns="" xmlns:a16="http://schemas.microsoft.com/office/drawing/2014/main" id="{BA4FCCED-6BE0-4025-95E7-CF4DB96D7B40}"/>
                 </a:ext>
               </a:extLst>
             </p:cNvPr>
@@ -5688,7 +5938,7 @@
             <p:cNvPr id="9" name="テキスト ボックス 8">
               <a:extLst>
                 <a:ext uri="{FF2B5EF4-FFF2-40B4-BE49-F238E27FC236}">
-                  <a16:creationId xmlns:a16="http://schemas.microsoft.com/office/drawing/2014/main" id="{846046F0-E4F9-4930-922B-8D3E1F7B7362}"/>
+                  <a16:creationId xmlns="" xmlns:a16="http://schemas.microsoft.com/office/drawing/2014/main" id="{846046F0-E4F9-4930-922B-8D3E1F7B7362}"/>
                 </a:ext>
               </a:extLst>
             </p:cNvPr>
@@ -5734,7 +5984,7 @@
             <p:cNvPr id="10" name="楕円 9">
               <a:extLst>
                 <a:ext uri="{FF2B5EF4-FFF2-40B4-BE49-F238E27FC236}">
-                  <a16:creationId xmlns:a16="http://schemas.microsoft.com/office/drawing/2014/main" id="{5F8D72BF-0568-4B78-BC57-F609EEB01097}"/>
+                  <a16:creationId xmlns="" xmlns:a16="http://schemas.microsoft.com/office/drawing/2014/main" id="{5F8D72BF-0568-4B78-BC57-F609EEB01097}"/>
                 </a:ext>
               </a:extLst>
             </p:cNvPr>
@@ -5781,7 +6031,7 @@
             <p:cNvPr id="11" name="楕円 10">
               <a:extLst>
                 <a:ext uri="{FF2B5EF4-FFF2-40B4-BE49-F238E27FC236}">
-                  <a16:creationId xmlns:a16="http://schemas.microsoft.com/office/drawing/2014/main" id="{F488FB98-13AA-4755-8BE7-881968E2B1A9}"/>
+                  <a16:creationId xmlns="" xmlns:a16="http://schemas.microsoft.com/office/drawing/2014/main" id="{F488FB98-13AA-4755-8BE7-881968E2B1A9}"/>
                 </a:ext>
               </a:extLst>
             </p:cNvPr>
@@ -5828,7 +6078,7 @@
             <p:cNvPr id="12" name="楕円 11">
               <a:extLst>
                 <a:ext uri="{FF2B5EF4-FFF2-40B4-BE49-F238E27FC236}">
-                  <a16:creationId xmlns:a16="http://schemas.microsoft.com/office/drawing/2014/main" id="{52C27C85-6C11-487B-8BED-1F04B9FC84FE}"/>
+                  <a16:creationId xmlns="" xmlns:a16="http://schemas.microsoft.com/office/drawing/2014/main" id="{52C27C85-6C11-487B-8BED-1F04B9FC84FE}"/>
                 </a:ext>
               </a:extLst>
             </p:cNvPr>
@@ -5875,7 +6125,7 @@
             <p:cNvPr id="13" name="楕円 12">
               <a:extLst>
                 <a:ext uri="{FF2B5EF4-FFF2-40B4-BE49-F238E27FC236}">
-                  <a16:creationId xmlns:a16="http://schemas.microsoft.com/office/drawing/2014/main" id="{94465D8F-7C8C-40B6-A894-F328847C6F29}"/>
+                  <a16:creationId xmlns="" xmlns:a16="http://schemas.microsoft.com/office/drawing/2014/main" id="{94465D8F-7C8C-40B6-A894-F328847C6F29}"/>
                 </a:ext>
               </a:extLst>
             </p:cNvPr>
@@ -5922,7 +6172,7 @@
             <p:cNvPr id="14" name="楕円 13">
               <a:extLst>
                 <a:ext uri="{FF2B5EF4-FFF2-40B4-BE49-F238E27FC236}">
-                  <a16:creationId xmlns:a16="http://schemas.microsoft.com/office/drawing/2014/main" id="{AECF29FF-4106-4ED0-8AE8-8F6FFB35D5AC}"/>
+                  <a16:creationId xmlns="" xmlns:a16="http://schemas.microsoft.com/office/drawing/2014/main" id="{AECF29FF-4106-4ED0-8AE8-8F6FFB35D5AC}"/>
                 </a:ext>
               </a:extLst>
             </p:cNvPr>
@@ -5969,7 +6219,7 @@
             <p:cNvPr id="15" name="楕円 14">
               <a:extLst>
                 <a:ext uri="{FF2B5EF4-FFF2-40B4-BE49-F238E27FC236}">
-                  <a16:creationId xmlns:a16="http://schemas.microsoft.com/office/drawing/2014/main" id="{CAF751AB-7942-4BBC-9C85-46EF837F19B1}"/>
+                  <a16:creationId xmlns="" xmlns:a16="http://schemas.microsoft.com/office/drawing/2014/main" id="{CAF751AB-7942-4BBC-9C85-46EF837F19B1}"/>
                 </a:ext>
               </a:extLst>
             </p:cNvPr>
@@ -6016,7 +6266,7 @@
             <p:cNvPr id="16" name="テキスト ボックス 15">
               <a:extLst>
                 <a:ext uri="{FF2B5EF4-FFF2-40B4-BE49-F238E27FC236}">
-                  <a16:creationId xmlns:a16="http://schemas.microsoft.com/office/drawing/2014/main" id="{7E687423-9215-4510-9382-8D9C0C25BE89}"/>
+                  <a16:creationId xmlns="" xmlns:a16="http://schemas.microsoft.com/office/drawing/2014/main" id="{7E687423-9215-4510-9382-8D9C0C25BE89}"/>
                 </a:ext>
               </a:extLst>
             </p:cNvPr>
@@ -6058,7 +6308,7 @@
           <p:cNvPr id="26" name="グループ化 25">
             <a:extLst>
               <a:ext uri="{FF2B5EF4-FFF2-40B4-BE49-F238E27FC236}">
-                <a16:creationId xmlns:a16="http://schemas.microsoft.com/office/drawing/2014/main" id="{8C8DE570-F5C3-41A5-B44A-6C115AC9A66A}"/>
+                <a16:creationId xmlns="" xmlns:a16="http://schemas.microsoft.com/office/drawing/2014/main" id="{8C8DE570-F5C3-41A5-B44A-6C115AC9A66A}"/>
               </a:ext>
             </a:extLst>
           </p:cNvPr>
@@ -6078,7 +6328,7 @@
             <p:cNvPr id="17" name="図 16">
               <a:extLst>
                 <a:ext uri="{FF2B5EF4-FFF2-40B4-BE49-F238E27FC236}">
-                  <a16:creationId xmlns:a16="http://schemas.microsoft.com/office/drawing/2014/main" id="{06EA6447-3FA4-4F75-861C-F80EFFCFDC2C}"/>
+                  <a16:creationId xmlns="" xmlns:a16="http://schemas.microsoft.com/office/drawing/2014/main" id="{06EA6447-3FA4-4F75-861C-F80EFFCFDC2C}"/>
                 </a:ext>
               </a:extLst>
             </p:cNvPr>
@@ -6088,7 +6338,7 @@
             <p:nvPr/>
           </p:nvPicPr>
           <p:blipFill>
-            <a:blip r:embed="rId3"/>
+            <a:blip r:embed="rId3" cstate="print"/>
             <a:stretch>
               <a:fillRect/>
             </a:stretch>
@@ -6108,7 +6358,7 @@
             <p:cNvPr id="18" name="テキスト ボックス 17">
               <a:extLst>
                 <a:ext uri="{FF2B5EF4-FFF2-40B4-BE49-F238E27FC236}">
-                  <a16:creationId xmlns:a16="http://schemas.microsoft.com/office/drawing/2014/main" id="{9C485ACF-441E-4D12-A40D-199246C0CFB1}"/>
+                  <a16:creationId xmlns="" xmlns:a16="http://schemas.microsoft.com/office/drawing/2014/main" id="{9C485ACF-441E-4D12-A40D-199246C0CFB1}"/>
                 </a:ext>
               </a:extLst>
             </p:cNvPr>
@@ -6155,7 +6405,7 @@
             <p:cNvPr id="19" name="テキスト ボックス 18">
               <a:extLst>
                 <a:ext uri="{FF2B5EF4-FFF2-40B4-BE49-F238E27FC236}">
-                  <a16:creationId xmlns:a16="http://schemas.microsoft.com/office/drawing/2014/main" id="{927AC9E7-627E-4DE4-8924-FCB3ED4ECDC8}"/>
+                  <a16:creationId xmlns="" xmlns:a16="http://schemas.microsoft.com/office/drawing/2014/main" id="{927AC9E7-627E-4DE4-8924-FCB3ED4ECDC8}"/>
                 </a:ext>
               </a:extLst>
             </p:cNvPr>
@@ -6202,7 +6452,7 @@
             <p:cNvPr id="20" name="正方形/長方形 19">
               <a:extLst>
                 <a:ext uri="{FF2B5EF4-FFF2-40B4-BE49-F238E27FC236}">
-                  <a16:creationId xmlns:a16="http://schemas.microsoft.com/office/drawing/2014/main" id="{EB948586-403E-47C9-B15C-C7E4C3CCE50B}"/>
+                  <a16:creationId xmlns="" xmlns:a16="http://schemas.microsoft.com/office/drawing/2014/main" id="{EB948586-403E-47C9-B15C-C7E4C3CCE50B}"/>
                 </a:ext>
               </a:extLst>
             </p:cNvPr>
@@ -6259,7 +6509,7 @@
             <p:cNvPr id="21" name="テキスト ボックス 20">
               <a:extLst>
                 <a:ext uri="{FF2B5EF4-FFF2-40B4-BE49-F238E27FC236}">
-                  <a16:creationId xmlns:a16="http://schemas.microsoft.com/office/drawing/2014/main" id="{9B67C697-356D-4D25-96E6-4CAE94FD025D}"/>
+                  <a16:creationId xmlns="" xmlns:a16="http://schemas.microsoft.com/office/drawing/2014/main" id="{9B67C697-356D-4D25-96E6-4CAE94FD025D}"/>
                 </a:ext>
               </a:extLst>
             </p:cNvPr>
@@ -6305,7 +6555,7 @@
             <p:cNvPr id="22" name="テキスト ボックス 21">
               <a:extLst>
                 <a:ext uri="{FF2B5EF4-FFF2-40B4-BE49-F238E27FC236}">
-                  <a16:creationId xmlns:a16="http://schemas.microsoft.com/office/drawing/2014/main" id="{5AC62616-6CCC-40A4-9CC8-4C39318E839C}"/>
+                  <a16:creationId xmlns="" xmlns:a16="http://schemas.microsoft.com/office/drawing/2014/main" id="{5AC62616-6CCC-40A4-9CC8-4C39318E839C}"/>
                 </a:ext>
               </a:extLst>
             </p:cNvPr>
@@ -6351,7 +6601,7 @@
             <p:cNvPr id="23" name="テキスト ボックス 22">
               <a:extLst>
                 <a:ext uri="{FF2B5EF4-FFF2-40B4-BE49-F238E27FC236}">
-                  <a16:creationId xmlns:a16="http://schemas.microsoft.com/office/drawing/2014/main" id="{681924FD-122A-45B3-9EC3-380DFE30C79B}"/>
+                  <a16:creationId xmlns="" xmlns:a16="http://schemas.microsoft.com/office/drawing/2014/main" id="{681924FD-122A-45B3-9EC3-380DFE30C79B}"/>
                 </a:ext>
               </a:extLst>
             </p:cNvPr>
@@ -6393,7 +6643,7 @@
           <p:cNvPr id="25" name="テキスト ボックス 24">
             <a:extLst>
               <a:ext uri="{FF2B5EF4-FFF2-40B4-BE49-F238E27FC236}">
-                <a16:creationId xmlns:a16="http://schemas.microsoft.com/office/drawing/2014/main" id="{FDEE5310-3D52-450A-B08B-96CF94B55D96}"/>
+                <a16:creationId xmlns="" xmlns:a16="http://schemas.microsoft.com/office/drawing/2014/main" id="{FDEE5310-3D52-450A-B08B-96CF94B55D96}"/>
               </a:ext>
             </a:extLst>
           </p:cNvPr>
@@ -6439,7 +6689,7 @@
           <p:cNvPr id="28" name="二等辺三角形 27">
             <a:extLst>
               <a:ext uri="{FF2B5EF4-FFF2-40B4-BE49-F238E27FC236}">
-                <a16:creationId xmlns:a16="http://schemas.microsoft.com/office/drawing/2014/main" id="{D66DD561-A1E2-4DBE-849A-5940619BB90A}"/>
+                <a16:creationId xmlns="" xmlns:a16="http://schemas.microsoft.com/office/drawing/2014/main" id="{D66DD561-A1E2-4DBE-849A-5940619BB90A}"/>
               </a:ext>
             </a:extLst>
           </p:cNvPr>
@@ -6490,10 +6740,802 @@
           </a:p>
         </p:txBody>
       </p:sp>
+      <p:sp>
+        <p:nvSpPr>
+          <p:cNvPr id="29" name="正方形/長方形 28">
+            <a:extLst>
+              <a:ext uri="{FF2B5EF4-FFF2-40B4-BE49-F238E27FC236}">
+                <a16:creationId xmlns="" xmlns:a16="http://schemas.microsoft.com/office/drawing/2014/main" id="{D9C1C1FB-31AA-4307-90CA-6FEEC016AF14}"/>
+              </a:ext>
+            </a:extLst>
+          </p:cNvPr>
+          <p:cNvSpPr/>
+          <p:nvPr/>
+        </p:nvSpPr>
+        <p:spPr bwMode="auto">
+          <a:xfrm>
+            <a:off x="7133963" y="1176013"/>
+            <a:ext cx="1686339" cy="1654488"/>
+          </a:xfrm>
+          <a:prstGeom prst="rect">
+            <a:avLst/>
+          </a:prstGeom>
+          <a:solidFill>
+            <a:schemeClr val="accent1">
+              <a:lumMod val="20000"/>
+              <a:lumOff val="80000"/>
+            </a:schemeClr>
+          </a:solidFill>
+          <a:ln w="9525">
+            <a:solidFill>
+              <a:schemeClr val="tx2"/>
+            </a:solidFill>
+            <a:miter lim="800000"/>
+            <a:headEnd/>
+            <a:tailEnd/>
+          </a:ln>
+          <a:effectLst/>
+        </p:spPr>
+        <p:txBody>
+          <a:bodyPr wrap="none" rtlCol="0" anchor="ctr" anchorCtr="0">
+            <a:noAutofit/>
+          </a:bodyPr>
+          <a:lstStyle/>
+          <a:p>
+            <a:pPr algn="ctr"/>
+            <a:endParaRPr kumimoji="1" lang="ja-JP" altLang="en-US" sz="1800" dirty="0">
+              <a:solidFill>
+                <a:schemeClr val="tx1"/>
+              </a:solidFill>
+              <a:latin typeface="Arial Rounded MT Bold" pitchFamily="34" charset="0"/>
+            </a:endParaRPr>
+          </a:p>
+        </p:txBody>
+      </p:sp>
+      <p:sp>
+        <p:nvSpPr>
+          <p:cNvPr id="30" name="楕円 21">
+            <a:extLst>
+              <a:ext uri="{FF2B5EF4-FFF2-40B4-BE49-F238E27FC236}">
+                <a16:creationId xmlns="" xmlns:a16="http://schemas.microsoft.com/office/drawing/2014/main" id="{22DA3659-26C7-4777-A69C-1441E0AF3A89}"/>
+              </a:ext>
+            </a:extLst>
+          </p:cNvPr>
+          <p:cNvSpPr/>
+          <p:nvPr/>
+        </p:nvSpPr>
+        <p:spPr bwMode="auto">
+          <a:xfrm>
+            <a:off x="7276322" y="1471280"/>
+            <a:ext cx="360165" cy="354179"/>
+          </a:xfrm>
+          <a:prstGeom prst="ellipse">
+            <a:avLst/>
+          </a:prstGeom>
+          <a:solidFill>
+            <a:schemeClr val="bg1"/>
+          </a:solidFill>
+          <a:ln w="9525">
+            <a:solidFill>
+              <a:schemeClr val="tx2"/>
+            </a:solidFill>
+            <a:miter lim="800000"/>
+            <a:headEnd/>
+            <a:tailEnd/>
+          </a:ln>
+          <a:effectLst/>
+        </p:spPr>
+        <p:txBody>
+          <a:bodyPr wrap="none" rtlCol="0" anchor="ctr" anchorCtr="0">
+            <a:noAutofit/>
+          </a:bodyPr>
+          <a:lstStyle/>
+          <a:p>
+            <a:pPr algn="ctr"/>
+            <a:r>
+              <a:rPr lang="en-US" altLang="ja-JP" sz="2000" b="1" dirty="0">
+                <a:solidFill>
+                  <a:schemeClr val="tx1"/>
+                </a:solidFill>
+                <a:latin typeface="Arial Rounded MT Bold" pitchFamily="34" charset="0"/>
+                <a:cs typeface="Courier New" panose="02070309020205020404" pitchFamily="49" charset="0"/>
+              </a:rPr>
+              <a:t>α</a:t>
+            </a:r>
+            <a:endParaRPr kumimoji="1" lang="ja-JP" altLang="en-US" sz="2000" b="1" dirty="0">
+              <a:solidFill>
+                <a:schemeClr val="tx1"/>
+              </a:solidFill>
+              <a:latin typeface="Arial Rounded MT Bold" pitchFamily="34" charset="0"/>
+              <a:cs typeface="Courier New" panose="02070309020205020404" pitchFamily="49" charset="0"/>
+            </a:endParaRPr>
+          </a:p>
+        </p:txBody>
+      </p:sp>
+      <p:sp>
+        <p:nvSpPr>
+          <p:cNvPr id="31" name="正方形/長方形 30">
+            <a:extLst>
+              <a:ext uri="{FF2B5EF4-FFF2-40B4-BE49-F238E27FC236}">
+                <a16:creationId xmlns="" xmlns:a16="http://schemas.microsoft.com/office/drawing/2014/main" id="{1E7CCE8F-EBBD-4882-98E0-85B70D36FAA0}"/>
+              </a:ext>
+            </a:extLst>
+          </p:cNvPr>
+          <p:cNvSpPr/>
+          <p:nvPr/>
+        </p:nvSpPr>
+        <p:spPr bwMode="auto">
+          <a:xfrm>
+            <a:off x="7219716" y="2016330"/>
+            <a:ext cx="1546884" cy="623300"/>
+          </a:xfrm>
+          <a:prstGeom prst="rect">
+            <a:avLst/>
+          </a:prstGeom>
+          <a:solidFill>
+            <a:schemeClr val="bg1"/>
+          </a:solidFill>
+          <a:ln w="9525">
+            <a:solidFill>
+              <a:schemeClr val="tx2"/>
+            </a:solidFill>
+            <a:miter lim="800000"/>
+            <a:headEnd/>
+            <a:tailEnd/>
+          </a:ln>
+          <a:effectLst/>
+        </p:spPr>
+        <p:txBody>
+          <a:bodyPr wrap="none" rtlCol="0" anchor="ctr" anchorCtr="0">
+            <a:noAutofit/>
+          </a:bodyPr>
+          <a:lstStyle/>
+          <a:p>
+            <a:pPr algn="ctr"/>
+            <a:endParaRPr kumimoji="1" lang="ja-JP" altLang="en-US" sz="1800" dirty="0">
+              <a:solidFill>
+                <a:schemeClr val="tx1"/>
+              </a:solidFill>
+              <a:latin typeface="Arial Rounded MT Bold" pitchFamily="34" charset="0"/>
+            </a:endParaRPr>
+          </a:p>
+        </p:txBody>
+      </p:sp>
+      <p:sp>
+        <p:nvSpPr>
+          <p:cNvPr id="32" name="楕円 23">
+            <a:extLst>
+              <a:ext uri="{FF2B5EF4-FFF2-40B4-BE49-F238E27FC236}">
+                <a16:creationId xmlns="" xmlns:a16="http://schemas.microsoft.com/office/drawing/2014/main" id="{546594A9-C1FF-4BA0-996B-364E71836C05}"/>
+              </a:ext>
+            </a:extLst>
+          </p:cNvPr>
+          <p:cNvSpPr/>
+          <p:nvPr/>
+        </p:nvSpPr>
+        <p:spPr bwMode="auto">
+          <a:xfrm>
+            <a:off x="7276322" y="2150477"/>
+            <a:ext cx="360165" cy="354179"/>
+          </a:xfrm>
+          <a:prstGeom prst="ellipse">
+            <a:avLst/>
+          </a:prstGeom>
+          <a:solidFill>
+            <a:schemeClr val="bg1"/>
+          </a:solidFill>
+          <a:ln w="9525">
+            <a:solidFill>
+              <a:schemeClr val="tx2"/>
+            </a:solidFill>
+            <a:miter lim="800000"/>
+            <a:headEnd/>
+            <a:tailEnd/>
+          </a:ln>
+          <a:effectLst/>
+        </p:spPr>
+        <p:txBody>
+          <a:bodyPr wrap="none" rtlCol="0" anchor="ctr" anchorCtr="0">
+            <a:noAutofit/>
+          </a:bodyPr>
+          <a:lstStyle/>
+          <a:p>
+            <a:pPr algn="ctr"/>
+            <a:r>
+              <a:rPr lang="en-US" altLang="ja-JP" sz="2000" b="1" dirty="0">
+                <a:solidFill>
+                  <a:schemeClr val="tx1"/>
+                </a:solidFill>
+                <a:latin typeface="Arial Rounded MT Bold" pitchFamily="34" charset="0"/>
+                <a:cs typeface="Courier New" panose="02070309020205020404" pitchFamily="49" charset="0"/>
+              </a:rPr>
+              <a:t>θ</a:t>
+            </a:r>
+            <a:endParaRPr kumimoji="1" lang="ja-JP" altLang="en-US" sz="2000" b="1" dirty="0">
+              <a:solidFill>
+                <a:schemeClr val="tx1"/>
+              </a:solidFill>
+              <a:latin typeface="Arial Rounded MT Bold" pitchFamily="34" charset="0"/>
+              <a:cs typeface="Courier New" panose="02070309020205020404" pitchFamily="49" charset="0"/>
+            </a:endParaRPr>
+          </a:p>
+        </p:txBody>
+      </p:sp>
+      <p:sp>
+        <p:nvSpPr>
+          <p:cNvPr id="33" name="正方形/長方形 32">
+            <a:extLst>
+              <a:ext uri="{FF2B5EF4-FFF2-40B4-BE49-F238E27FC236}">
+                <a16:creationId xmlns="" xmlns:a16="http://schemas.microsoft.com/office/drawing/2014/main" id="{7659758C-4841-4CDB-866B-78B8A3D94A11}"/>
+              </a:ext>
+            </a:extLst>
+          </p:cNvPr>
+          <p:cNvSpPr/>
+          <p:nvPr/>
+        </p:nvSpPr>
+        <p:spPr bwMode="auto">
+          <a:xfrm>
+            <a:off x="7726340" y="2064702"/>
+            <a:ext cx="979416" cy="521556"/>
+          </a:xfrm>
+          <a:prstGeom prst="rect">
+            <a:avLst/>
+          </a:prstGeom>
+          <a:solidFill>
+            <a:schemeClr val="bg1"/>
+          </a:solidFill>
+          <a:ln w="9525">
+            <a:solidFill>
+              <a:schemeClr val="tx2"/>
+            </a:solidFill>
+            <a:miter lim="800000"/>
+            <a:headEnd/>
+            <a:tailEnd/>
+          </a:ln>
+          <a:effectLst/>
+        </p:spPr>
+        <p:txBody>
+          <a:bodyPr wrap="none" rtlCol="0" anchor="ctr" anchorCtr="0">
+            <a:noAutofit/>
+          </a:bodyPr>
+          <a:lstStyle/>
+          <a:p>
+            <a:pPr algn="ctr"/>
+            <a:endParaRPr kumimoji="1" lang="ja-JP" altLang="en-US" sz="1800" dirty="0">
+              <a:solidFill>
+                <a:schemeClr val="tx1"/>
+              </a:solidFill>
+              <a:latin typeface="Arial Rounded MT Bold" pitchFamily="34" charset="0"/>
+            </a:endParaRPr>
+          </a:p>
+        </p:txBody>
+      </p:sp>
+      <p:sp>
+        <p:nvSpPr>
+          <p:cNvPr id="34" name="楕円 25">
+            <a:extLst>
+              <a:ext uri="{FF2B5EF4-FFF2-40B4-BE49-F238E27FC236}">
+                <a16:creationId xmlns="" xmlns:a16="http://schemas.microsoft.com/office/drawing/2014/main" id="{086DFA6F-F420-4D4F-AFBE-50C29A70C856}"/>
+              </a:ext>
+            </a:extLst>
+          </p:cNvPr>
+          <p:cNvSpPr/>
+          <p:nvPr/>
+        </p:nvSpPr>
+        <p:spPr bwMode="auto">
+          <a:xfrm>
+            <a:off x="7784865" y="2150476"/>
+            <a:ext cx="360165" cy="354179"/>
+          </a:xfrm>
+          <a:prstGeom prst="ellipse">
+            <a:avLst/>
+          </a:prstGeom>
+          <a:solidFill>
+            <a:schemeClr val="bg1"/>
+          </a:solidFill>
+          <a:ln w="9525">
+            <a:solidFill>
+              <a:schemeClr val="tx2"/>
+            </a:solidFill>
+            <a:miter lim="800000"/>
+            <a:headEnd/>
+            <a:tailEnd/>
+          </a:ln>
+          <a:effectLst/>
+        </p:spPr>
+        <p:txBody>
+          <a:bodyPr wrap="none" rtlCol="0" anchor="ctr" anchorCtr="0">
+            <a:noAutofit/>
+          </a:bodyPr>
+          <a:lstStyle/>
+          <a:p>
+            <a:pPr algn="ctr"/>
+            <a:r>
+              <a:rPr lang="ja-JP" altLang="en-US" sz="1400" b="1" dirty="0">
+                <a:solidFill>
+                  <a:schemeClr val="tx1"/>
+                </a:solidFill>
+                <a:latin typeface="Arial Rounded MT Bold" pitchFamily="34" charset="0"/>
+                <a:cs typeface="Courier New" panose="02070309020205020404" pitchFamily="49" charset="0"/>
+              </a:rPr>
+              <a:t>Ｚ</a:t>
+            </a:r>
+            <a:endParaRPr kumimoji="1" lang="ja-JP" altLang="en-US" sz="1400" b="1" dirty="0">
+              <a:solidFill>
+                <a:schemeClr val="tx1"/>
+              </a:solidFill>
+              <a:latin typeface="Arial Rounded MT Bold" pitchFamily="34" charset="0"/>
+              <a:cs typeface="Courier New" panose="02070309020205020404" pitchFamily="49" charset="0"/>
+            </a:endParaRPr>
+          </a:p>
+        </p:txBody>
+      </p:sp>
+      <p:sp>
+        <p:nvSpPr>
+          <p:cNvPr id="35" name="楕円 26">
+            <a:extLst>
+              <a:ext uri="{FF2B5EF4-FFF2-40B4-BE49-F238E27FC236}">
+                <a16:creationId xmlns="" xmlns:a16="http://schemas.microsoft.com/office/drawing/2014/main" id="{2F4D71A3-C7E5-4B4F-8F71-062260BFF637}"/>
+              </a:ext>
+            </a:extLst>
+          </p:cNvPr>
+          <p:cNvSpPr/>
+          <p:nvPr/>
+        </p:nvSpPr>
+        <p:spPr bwMode="auto">
+          <a:xfrm>
+            <a:off x="8294399" y="2148391"/>
+            <a:ext cx="360165" cy="354179"/>
+          </a:xfrm>
+          <a:prstGeom prst="ellipse">
+            <a:avLst/>
+          </a:prstGeom>
+          <a:solidFill>
+            <a:schemeClr val="bg1">
+              <a:lumMod val="75000"/>
+            </a:schemeClr>
+          </a:solidFill>
+          <a:ln w="9525">
+            <a:solidFill>
+              <a:schemeClr val="tx2"/>
+            </a:solidFill>
+            <a:miter lim="800000"/>
+            <a:headEnd/>
+            <a:tailEnd/>
+          </a:ln>
+          <a:effectLst/>
+        </p:spPr>
+        <p:txBody>
+          <a:bodyPr wrap="none" rtlCol="0" anchor="ctr" anchorCtr="0">
+            <a:noAutofit/>
+          </a:bodyPr>
+          <a:lstStyle/>
+          <a:p>
+            <a:pPr algn="ctr"/>
+            <a:r>
+              <a:rPr lang="ja-JP" altLang="en-US" sz="1400" b="1" dirty="0">
+                <a:solidFill>
+                  <a:schemeClr val="tx1"/>
+                </a:solidFill>
+                <a:latin typeface="Arial Rounded MT Bold" pitchFamily="34" charset="0"/>
+                <a:cs typeface="Courier New" panose="02070309020205020404" pitchFamily="49" charset="0"/>
+              </a:rPr>
+              <a:t>Ｘ</a:t>
+            </a:r>
+            <a:endParaRPr kumimoji="1" lang="ja-JP" altLang="en-US" sz="1400" b="1" dirty="0">
+              <a:solidFill>
+                <a:schemeClr val="tx1"/>
+              </a:solidFill>
+              <a:latin typeface="Arial Rounded MT Bold" pitchFamily="34" charset="0"/>
+              <a:cs typeface="Courier New" panose="02070309020205020404" pitchFamily="49" charset="0"/>
+            </a:endParaRPr>
+          </a:p>
+        </p:txBody>
+      </p:sp>
+      <p:sp>
+        <p:nvSpPr>
+          <p:cNvPr id="36" name="楕円 27">
+            <a:extLst>
+              <a:ext uri="{FF2B5EF4-FFF2-40B4-BE49-F238E27FC236}">
+                <a16:creationId xmlns="" xmlns:a16="http://schemas.microsoft.com/office/drawing/2014/main" id="{5D495AB2-65D5-4F55-9930-E7AA960800EF}"/>
+              </a:ext>
+            </a:extLst>
+          </p:cNvPr>
+          <p:cNvSpPr/>
+          <p:nvPr/>
+        </p:nvSpPr>
+        <p:spPr bwMode="auto">
+          <a:xfrm>
+            <a:off x="7795547" y="1466282"/>
+            <a:ext cx="360165" cy="354179"/>
+          </a:xfrm>
+          <a:prstGeom prst="ellipse">
+            <a:avLst/>
+          </a:prstGeom>
+          <a:solidFill>
+            <a:schemeClr val="bg1"/>
+          </a:solidFill>
+          <a:ln w="9525">
+            <a:solidFill>
+              <a:schemeClr val="tx2"/>
+            </a:solidFill>
+            <a:miter lim="800000"/>
+            <a:headEnd/>
+            <a:tailEnd/>
+          </a:ln>
+          <a:effectLst/>
+        </p:spPr>
+        <p:txBody>
+          <a:bodyPr wrap="none" rtlCol="0" anchor="ctr" anchorCtr="0">
+            <a:noAutofit/>
+          </a:bodyPr>
+          <a:lstStyle/>
+          <a:p>
+            <a:pPr algn="ctr"/>
+            <a:r>
+              <a:rPr lang="en-US" altLang="ja-JP" sz="2000" b="1" dirty="0">
+                <a:solidFill>
+                  <a:schemeClr val="tx1"/>
+                </a:solidFill>
+                <a:latin typeface="Arial Rounded MT Bold" pitchFamily="34" charset="0"/>
+                <a:cs typeface="Courier New" panose="02070309020205020404" pitchFamily="49" charset="0"/>
+              </a:rPr>
+              <a:t>β</a:t>
+            </a:r>
+            <a:endParaRPr kumimoji="1" lang="ja-JP" altLang="en-US" sz="2000" b="1" dirty="0">
+              <a:solidFill>
+                <a:schemeClr val="tx1"/>
+              </a:solidFill>
+              <a:latin typeface="Arial Rounded MT Bold" pitchFamily="34" charset="0"/>
+              <a:cs typeface="Courier New" panose="02070309020205020404" pitchFamily="49" charset="0"/>
+            </a:endParaRPr>
+          </a:p>
+        </p:txBody>
+      </p:sp>
+      <p:sp>
+        <p:nvSpPr>
+          <p:cNvPr id="37" name="正方形/長方形 36">
+            <a:extLst>
+              <a:ext uri="{FF2B5EF4-FFF2-40B4-BE49-F238E27FC236}">
+                <a16:creationId xmlns="" xmlns:a16="http://schemas.microsoft.com/office/drawing/2014/main" id="{5382B2B3-DB64-43EF-831B-3BD794D2CD21}"/>
+              </a:ext>
+            </a:extLst>
+          </p:cNvPr>
+          <p:cNvSpPr/>
+          <p:nvPr/>
+        </p:nvSpPr>
+        <p:spPr bwMode="auto">
+          <a:xfrm>
+            <a:off x="8221586" y="1390517"/>
+            <a:ext cx="488908" cy="521556"/>
+          </a:xfrm>
+          <a:prstGeom prst="rect">
+            <a:avLst/>
+          </a:prstGeom>
+          <a:solidFill>
+            <a:schemeClr val="bg1"/>
+          </a:solidFill>
+          <a:ln w="9525">
+            <a:solidFill>
+              <a:schemeClr val="tx2"/>
+            </a:solidFill>
+            <a:miter lim="800000"/>
+            <a:headEnd/>
+            <a:tailEnd/>
+          </a:ln>
+          <a:effectLst/>
+        </p:spPr>
+        <p:txBody>
+          <a:bodyPr wrap="none" rtlCol="0" anchor="ctr" anchorCtr="0">
+            <a:noAutofit/>
+          </a:bodyPr>
+          <a:lstStyle/>
+          <a:p>
+            <a:pPr algn="ctr"/>
+            <a:endParaRPr kumimoji="1" lang="ja-JP" altLang="en-US" sz="1800" dirty="0">
+              <a:solidFill>
+                <a:schemeClr val="tx1"/>
+              </a:solidFill>
+              <a:latin typeface="Arial Rounded MT Bold" pitchFamily="34" charset="0"/>
+            </a:endParaRPr>
+          </a:p>
+        </p:txBody>
+      </p:sp>
+      <p:sp>
+        <p:nvSpPr>
+          <p:cNvPr id="38" name="楕円 29">
+            <a:extLst>
+              <a:ext uri="{FF2B5EF4-FFF2-40B4-BE49-F238E27FC236}">
+                <a16:creationId xmlns="" xmlns:a16="http://schemas.microsoft.com/office/drawing/2014/main" id="{14F473B4-DF4F-448E-8F32-2206BCC2CBF1}"/>
+              </a:ext>
+            </a:extLst>
+          </p:cNvPr>
+          <p:cNvSpPr/>
+          <p:nvPr/>
+        </p:nvSpPr>
+        <p:spPr bwMode="auto">
+          <a:xfrm>
+            <a:off x="8292172" y="1466283"/>
+            <a:ext cx="360165" cy="354179"/>
+          </a:xfrm>
+          <a:prstGeom prst="ellipse">
+            <a:avLst/>
+          </a:prstGeom>
+          <a:solidFill>
+            <a:schemeClr val="bg1"/>
+          </a:solidFill>
+          <a:ln w="9525">
+            <a:solidFill>
+              <a:schemeClr val="tx2"/>
+            </a:solidFill>
+            <a:miter lim="800000"/>
+            <a:headEnd/>
+            <a:tailEnd/>
+          </a:ln>
+          <a:effectLst/>
+        </p:spPr>
+        <p:txBody>
+          <a:bodyPr wrap="none" rtlCol="0" anchor="ctr" anchorCtr="0">
+            <a:noAutofit/>
+          </a:bodyPr>
+          <a:lstStyle/>
+          <a:p>
+            <a:pPr algn="ctr"/>
+            <a:r>
+              <a:rPr lang="en-US" altLang="ja-JP" sz="2000" b="1" dirty="0">
+                <a:solidFill>
+                  <a:schemeClr val="tx1"/>
+                </a:solidFill>
+                <a:latin typeface="Arial Rounded MT Bold" pitchFamily="34" charset="0"/>
+                <a:cs typeface="Courier New" panose="02070309020205020404" pitchFamily="49" charset="0"/>
+              </a:rPr>
+              <a:t>φ</a:t>
+            </a:r>
+            <a:endParaRPr kumimoji="1" lang="ja-JP" altLang="en-US" sz="2000" b="1" dirty="0">
+              <a:solidFill>
+                <a:schemeClr val="tx1"/>
+              </a:solidFill>
+              <a:latin typeface="Arial Rounded MT Bold" pitchFamily="34" charset="0"/>
+              <a:cs typeface="Courier New" panose="02070309020205020404" pitchFamily="49" charset="0"/>
+            </a:endParaRPr>
+          </a:p>
+        </p:txBody>
+      </p:sp>
+      <p:cxnSp>
+        <p:nvCxnSpPr>
+          <p:cNvPr id="39" name="直線矢印コネクタ 38">
+            <a:extLst>
+              <a:ext uri="{FF2B5EF4-FFF2-40B4-BE49-F238E27FC236}">
+                <a16:creationId xmlns="" xmlns:a16="http://schemas.microsoft.com/office/drawing/2014/main" id="{47CC9691-C4D4-4685-838A-BCC4C62A5446}"/>
+              </a:ext>
+            </a:extLst>
+          </p:cNvPr>
+          <p:cNvCxnSpPr>
+            <a:stCxn id="36" idx="6"/>
+            <a:endCxn id="38" idx="2"/>
+          </p:cNvCxnSpPr>
+          <p:nvPr/>
+        </p:nvCxnSpPr>
+        <p:spPr bwMode="auto">
+          <a:xfrm>
+            <a:off x="8155712" y="1643372"/>
+            <a:ext cx="136460" cy="1"/>
+          </a:xfrm>
+          <a:prstGeom prst="straightConnector1">
+            <a:avLst/>
+          </a:prstGeom>
+          <a:noFill/>
+          <a:ln w="9525" cap="flat" cmpd="sng" algn="ctr">
+            <a:solidFill>
+              <a:schemeClr val="tx1"/>
+            </a:solidFill>
+            <a:prstDash val="solid"/>
+            <a:round/>
+            <a:headEnd type="none" w="med" len="med"/>
+            <a:tailEnd type="triangle" w="med" len="sm"/>
+          </a:ln>
+          <a:effectLst/>
+        </p:spPr>
+      </p:cxnSp>
+      <p:cxnSp>
+        <p:nvCxnSpPr>
+          <p:cNvPr id="40" name="直線矢印コネクタ 39">
+            <a:extLst>
+              <a:ext uri="{FF2B5EF4-FFF2-40B4-BE49-F238E27FC236}">
+                <a16:creationId xmlns="" xmlns:a16="http://schemas.microsoft.com/office/drawing/2014/main" id="{2EF6C453-353D-41B6-AE4E-11EB39D9FBF9}"/>
+              </a:ext>
+            </a:extLst>
+          </p:cNvPr>
+          <p:cNvCxnSpPr>
+            <a:cxnSpLocks/>
+            <a:stCxn id="30" idx="4"/>
+            <a:endCxn id="32" idx="0"/>
+          </p:cNvCxnSpPr>
+          <p:nvPr/>
+        </p:nvCxnSpPr>
+        <p:spPr bwMode="auto">
+          <a:xfrm>
+            <a:off x="7456405" y="1825459"/>
+            <a:ext cx="0" cy="325018"/>
+          </a:xfrm>
+          <a:prstGeom prst="straightConnector1">
+            <a:avLst/>
+          </a:prstGeom>
+          <a:noFill/>
+          <a:ln w="9525" cap="flat" cmpd="sng" algn="ctr">
+            <a:solidFill>
+              <a:schemeClr val="tx1"/>
+            </a:solidFill>
+            <a:prstDash val="solid"/>
+            <a:round/>
+            <a:headEnd type="none" w="med" len="med"/>
+            <a:tailEnd type="triangle" w="med" len="sm"/>
+          </a:ln>
+          <a:effectLst/>
+        </p:spPr>
+      </p:cxnSp>
+      <p:cxnSp>
+        <p:nvCxnSpPr>
+          <p:cNvPr id="41" name="直線矢印コネクタ 40">
+            <a:extLst>
+              <a:ext uri="{FF2B5EF4-FFF2-40B4-BE49-F238E27FC236}">
+                <a16:creationId xmlns="" xmlns:a16="http://schemas.microsoft.com/office/drawing/2014/main" id="{5DCE5B91-A104-4564-8D5A-1BF3FB2598FC}"/>
+              </a:ext>
+            </a:extLst>
+          </p:cNvPr>
+          <p:cNvCxnSpPr>
+            <a:cxnSpLocks/>
+            <a:stCxn id="32" idx="6"/>
+            <a:endCxn id="34" idx="2"/>
+          </p:cNvCxnSpPr>
+          <p:nvPr/>
+        </p:nvCxnSpPr>
+        <p:spPr bwMode="auto">
+          <a:xfrm flipV="1">
+            <a:off x="7636487" y="2327566"/>
+            <a:ext cx="148378" cy="1"/>
+          </a:xfrm>
+          <a:prstGeom prst="straightConnector1">
+            <a:avLst/>
+          </a:prstGeom>
+          <a:noFill/>
+          <a:ln w="9525" cap="flat" cmpd="sng" algn="ctr">
+            <a:solidFill>
+              <a:schemeClr val="tx1"/>
+            </a:solidFill>
+            <a:prstDash val="solid"/>
+            <a:round/>
+            <a:headEnd type="none" w="med" len="med"/>
+            <a:tailEnd type="triangle" w="med" len="sm"/>
+          </a:ln>
+          <a:effectLst/>
+        </p:spPr>
+      </p:cxnSp>
+      <p:cxnSp>
+        <p:nvCxnSpPr>
+          <p:cNvPr id="42" name="直線矢印コネクタ 41">
+            <a:extLst>
+              <a:ext uri="{FF2B5EF4-FFF2-40B4-BE49-F238E27FC236}">
+                <a16:creationId xmlns="" xmlns:a16="http://schemas.microsoft.com/office/drawing/2014/main" id="{1DBC9EB7-00F8-492E-90F0-D68B63014CF4}"/>
+              </a:ext>
+            </a:extLst>
+          </p:cNvPr>
+          <p:cNvCxnSpPr>
+            <a:cxnSpLocks/>
+            <a:stCxn id="34" idx="6"/>
+            <a:endCxn id="35" idx="2"/>
+          </p:cNvCxnSpPr>
+          <p:nvPr/>
+        </p:nvCxnSpPr>
+        <p:spPr bwMode="auto">
+          <a:xfrm flipV="1">
+            <a:off x="8145030" y="2325481"/>
+            <a:ext cx="149369" cy="2085"/>
+          </a:xfrm>
+          <a:prstGeom prst="straightConnector1">
+            <a:avLst/>
+          </a:prstGeom>
+          <a:noFill/>
+          <a:ln w="9525" cap="flat" cmpd="sng" algn="ctr">
+            <a:solidFill>
+              <a:schemeClr val="tx1"/>
+            </a:solidFill>
+            <a:prstDash val="solid"/>
+            <a:round/>
+            <a:headEnd type="none" w="med" len="med"/>
+            <a:tailEnd type="triangle" w="med" len="sm"/>
+          </a:ln>
+          <a:effectLst/>
+        </p:spPr>
+      </p:cxnSp>
+      <p:cxnSp>
+        <p:nvCxnSpPr>
+          <p:cNvPr id="43" name="直線矢印コネクタ 42">
+            <a:extLst>
+              <a:ext uri="{FF2B5EF4-FFF2-40B4-BE49-F238E27FC236}">
+                <a16:creationId xmlns="" xmlns:a16="http://schemas.microsoft.com/office/drawing/2014/main" id="{E6E00A7E-42A7-48C9-833C-27E8C6C66224}"/>
+              </a:ext>
+            </a:extLst>
+          </p:cNvPr>
+          <p:cNvCxnSpPr>
+            <a:cxnSpLocks/>
+            <a:stCxn id="38" idx="4"/>
+            <a:endCxn id="35" idx="0"/>
+          </p:cNvCxnSpPr>
+          <p:nvPr/>
+        </p:nvCxnSpPr>
+        <p:spPr bwMode="auto">
+          <a:xfrm>
+            <a:off x="8472255" y="1820462"/>
+            <a:ext cx="2227" cy="327929"/>
+          </a:xfrm>
+          <a:prstGeom prst="straightConnector1">
+            <a:avLst/>
+          </a:prstGeom>
+          <a:noFill/>
+          <a:ln w="9525" cap="flat" cmpd="sng" algn="ctr">
+            <a:solidFill>
+              <a:schemeClr val="tx1"/>
+            </a:solidFill>
+            <a:prstDash val="solid"/>
+            <a:round/>
+            <a:headEnd type="none" w="med" len="med"/>
+            <a:tailEnd type="triangle" w="med" len="sm"/>
+          </a:ln>
+          <a:effectLst/>
+        </p:spPr>
+      </p:cxnSp>
+      <p:sp>
+        <p:nvSpPr>
+          <p:cNvPr id="44" name="テキスト ボックス 43">
+            <a:extLst>
+              <a:ext uri="{FF2B5EF4-FFF2-40B4-BE49-F238E27FC236}">
+                <a16:creationId xmlns="" xmlns:a16="http://schemas.microsoft.com/office/drawing/2014/main" id="{150412F5-614C-477A-B848-929E5607F60A}"/>
+              </a:ext>
+            </a:extLst>
+          </p:cNvPr>
+          <p:cNvSpPr txBox="1"/>
+          <p:nvPr/>
+        </p:nvSpPr>
+        <p:spPr>
+          <a:xfrm>
+            <a:off x="7612192" y="2836706"/>
+            <a:ext cx="705514" cy="400110"/>
+          </a:xfrm>
+          <a:prstGeom prst="rect">
+            <a:avLst/>
+          </a:prstGeom>
+          <a:noFill/>
+        </p:spPr>
+        <p:txBody>
+          <a:bodyPr wrap="none" rtlCol="0">
+            <a:spAutoFit/>
+          </a:bodyPr>
+          <a:lstStyle/>
+          <a:p>
+            <a:pPr algn="ctr"/>
+            <a:r>
+              <a:rPr kumimoji="1" lang="en-US" altLang="ja-JP" sz="2000" b="1" dirty="0" smtClean="0">
+                <a:solidFill>
+                  <a:schemeClr val="tx1"/>
+                </a:solidFill>
+                <a:latin typeface="Arial Rounded MT Bold" pitchFamily="34" charset="0"/>
+              </a:rPr>
+              <a:t>LDA</a:t>
+            </a:r>
+            <a:endParaRPr kumimoji="1" lang="ja-JP" altLang="en-US" sz="2000" b="1" dirty="0">
+              <a:solidFill>
+                <a:schemeClr val="tx1"/>
+              </a:solidFill>
+              <a:latin typeface="Arial Rounded MT Bold" pitchFamily="34" charset="0"/>
+            </a:endParaRPr>
+          </a:p>
+        </p:txBody>
+      </p:sp>
     </p:spTree>
     <p:extLst>
       <p:ext uri="{BB962C8B-B14F-4D97-AF65-F5344CB8AC3E}">
-        <p14:creationId xmlns:p14="http://schemas.microsoft.com/office/powerpoint/2010/main" val="3750200443"/>
+        <p14:creationId xmlns="" xmlns:p14="http://schemas.microsoft.com/office/powerpoint/2010/main" val="3750200443"/>
       </p:ext>
     </p:extLst>
   </p:cSld>
@@ -6503,7 +7545,7 @@
 </p:sld>
 </file>
 
-<file path=ppt/slides/slide4.xml><?xml version="1.0" encoding="utf-8"?>
+<file path=ppt/slides/slide5.xml><?xml version="1.0" encoding="utf-8"?>
 <p:sld xmlns:a="http://schemas.openxmlformats.org/drawingml/2006/main" xmlns:r="http://schemas.openxmlformats.org/officeDocument/2006/relationships" xmlns:p="http://schemas.openxmlformats.org/presentationml/2006/main">
   <p:cSld>
     <p:spTree>
@@ -6525,7 +7567,7 @@
           <p:cNvPr id="2" name="タイトル 1">
             <a:extLst>
               <a:ext uri="{FF2B5EF4-FFF2-40B4-BE49-F238E27FC236}">
-                <a16:creationId xmlns:a16="http://schemas.microsoft.com/office/drawing/2014/main" id="{CA824B6B-A4BB-4ACB-8B2C-FAD7A2F3FD64}"/>
+                <a16:creationId xmlns="" xmlns:a16="http://schemas.microsoft.com/office/drawing/2014/main" id="{CA824B6B-A4BB-4ACB-8B2C-FAD7A2F3FD64}"/>
               </a:ext>
             </a:extLst>
           </p:cNvPr>
@@ -6538,12 +7580,14 @@
         </p:nvSpPr>
         <p:spPr/>
         <p:txBody>
-          <a:bodyPr/>
+          <a:bodyPr>
+            <a:normAutofit/>
+          </a:bodyPr>
           <a:lstStyle/>
           <a:p>
             <a:r>
-              <a:rPr kumimoji="1" lang="en-US" altLang="zh-CN" dirty="0"/>
-              <a:t>Long Tail in Transaction Data</a:t>
+              <a:rPr kumimoji="1" lang="en-US" altLang="zh-CN" dirty="0" smtClean="0"/>
+              <a:t>Future: Bandit for Long Tail &amp; Cold-Start</a:t>
             </a:r>
             <a:endParaRPr kumimoji="1" lang="ja-JP" altLang="en-US" dirty="0"/>
           </a:p>
@@ -6554,7 +7598,7 @@
           <p:cNvPr id="3" name="コンテンツ プレースホルダー 2">
             <a:extLst>
               <a:ext uri="{FF2B5EF4-FFF2-40B4-BE49-F238E27FC236}">
-                <a16:creationId xmlns:a16="http://schemas.microsoft.com/office/drawing/2014/main" id="{65194ADE-F2E3-48AA-B1EF-0E082931F573}"/>
+                <a16:creationId xmlns="" xmlns:a16="http://schemas.microsoft.com/office/drawing/2014/main" id="{65194ADE-F2E3-48AA-B1EF-0E082931F573}"/>
               </a:ext>
             </a:extLst>
           </p:cNvPr>
@@ -6571,16 +7615,36 @@
           <a:lstStyle/>
           <a:p>
             <a:r>
+              <a:rPr kumimoji="1" lang="en-US" altLang="ja-JP" dirty="0" smtClean="0"/>
+              <a:t>Situation: Matching </a:t>
+            </a:r>
+            <a:r>
+              <a:rPr kumimoji="1" lang="en-US" altLang="ja-JP" dirty="0" smtClean="0"/>
+              <a:t>users </a:t>
+            </a:r>
+            <a:r>
+              <a:rPr kumimoji="1" lang="en-US" altLang="zh-CN" dirty="0" smtClean="0"/>
+              <a:t>with</a:t>
+            </a:r>
+            <a:r>
+              <a:rPr kumimoji="1" lang="en-US" altLang="ja-JP" dirty="0" smtClean="0"/>
+              <a:t> </a:t>
+            </a:r>
+            <a:r>
               <a:rPr kumimoji="1" lang="en-US" altLang="ja-JP" dirty="0"/>
-              <a:t>Matching to the </a:t>
-            </a:r>
-            <a:r>
-              <a:rPr lang="en-US" altLang="ja-JP" dirty="0"/>
-              <a:t>light data is difficult in </a:t>
+              <a:t>the </a:t>
+            </a:r>
+            <a:r>
+              <a:rPr lang="en-US" altLang="ja-JP" dirty="0" smtClean="0"/>
+              <a:t>items for </a:t>
             </a:r>
             <a:r>
               <a:rPr kumimoji="1" lang="en-US" altLang="ja-JP" dirty="0"/>
-              <a:t>long tail data !</a:t>
+              <a:t>long tail </a:t>
+            </a:r>
+            <a:r>
+              <a:rPr kumimoji="1" lang="en-US" altLang="ja-JP" dirty="0" smtClean="0"/>
+              <a:t>is difficult!</a:t>
             </a:r>
             <a:endParaRPr kumimoji="1" lang="ja-JP" altLang="en-US" dirty="0"/>
           </a:p>
@@ -6591,7 +7655,7 @@
           <p:cNvPr id="4" name="四角形: 角を丸くする 3">
             <a:extLst>
               <a:ext uri="{FF2B5EF4-FFF2-40B4-BE49-F238E27FC236}">
-                <a16:creationId xmlns:a16="http://schemas.microsoft.com/office/drawing/2014/main" id="{1C8E8EB0-A2FF-46EC-93A1-E71D76BC9168}"/>
+                <a16:creationId xmlns="" xmlns:a16="http://schemas.microsoft.com/office/drawing/2014/main" id="{1C8E8EB0-A2FF-46EC-93A1-E71D76BC9168}"/>
               </a:ext>
             </a:extLst>
           </p:cNvPr>
@@ -6649,7 +7713,7 @@
           <p:cNvPr id="5" name="四角形: 角を丸くする 4">
             <a:extLst>
               <a:ext uri="{FF2B5EF4-FFF2-40B4-BE49-F238E27FC236}">
-                <a16:creationId xmlns:a16="http://schemas.microsoft.com/office/drawing/2014/main" id="{B8E6CE02-BE39-4D6B-BB7F-05540C929CE5}"/>
+                <a16:creationId xmlns="" xmlns:a16="http://schemas.microsoft.com/office/drawing/2014/main" id="{B8E6CE02-BE39-4D6B-BB7F-05540C929CE5}"/>
               </a:ext>
             </a:extLst>
           </p:cNvPr>
@@ -6700,7 +7764,7 @@
           <p:cNvPr id="6" name="グループ化 5">
             <a:extLst>
               <a:ext uri="{FF2B5EF4-FFF2-40B4-BE49-F238E27FC236}">
-                <a16:creationId xmlns:a16="http://schemas.microsoft.com/office/drawing/2014/main" id="{E0180774-C96C-4669-BFE5-3F06D3E6A7E5}"/>
+                <a16:creationId xmlns="" xmlns:a16="http://schemas.microsoft.com/office/drawing/2014/main" id="{E0180774-C96C-4669-BFE5-3F06D3E6A7E5}"/>
               </a:ext>
             </a:extLst>
           </p:cNvPr>
@@ -6723,7 +7787,7 @@
             <p:cNvPr id="7" name="五角形 6">
               <a:extLst>
                 <a:ext uri="{FF2B5EF4-FFF2-40B4-BE49-F238E27FC236}">
-                  <a16:creationId xmlns:a16="http://schemas.microsoft.com/office/drawing/2014/main" id="{E74C623D-7A7A-4D2C-9807-48303B358122}"/>
+                  <a16:creationId xmlns="" xmlns:a16="http://schemas.microsoft.com/office/drawing/2014/main" id="{E74C623D-7A7A-4D2C-9807-48303B358122}"/>
                 </a:ext>
               </a:extLst>
             </p:cNvPr>
@@ -6771,7 +7835,7 @@
             <p:cNvPr id="8" name="楕円 7">
               <a:extLst>
                 <a:ext uri="{FF2B5EF4-FFF2-40B4-BE49-F238E27FC236}">
-                  <a16:creationId xmlns:a16="http://schemas.microsoft.com/office/drawing/2014/main" id="{FCBF9486-4387-45F6-BE77-961EFD85FC21}"/>
+                  <a16:creationId xmlns="" xmlns:a16="http://schemas.microsoft.com/office/drawing/2014/main" id="{FCBF9486-4387-45F6-BE77-961EFD85FC21}"/>
                 </a:ext>
               </a:extLst>
             </p:cNvPr>
@@ -6820,7 +7884,7 @@
           <p:cNvPr id="9" name="直方体 8">
             <a:extLst>
               <a:ext uri="{FF2B5EF4-FFF2-40B4-BE49-F238E27FC236}">
-                <a16:creationId xmlns:a16="http://schemas.microsoft.com/office/drawing/2014/main" id="{F8F6EB3A-E5AF-457D-9B4F-C72738EDBF4D}"/>
+                <a16:creationId xmlns="" xmlns:a16="http://schemas.microsoft.com/office/drawing/2014/main" id="{F8F6EB3A-E5AF-457D-9B4F-C72738EDBF4D}"/>
               </a:ext>
             </a:extLst>
           </p:cNvPr>
@@ -6870,7 +7934,7 @@
           <p:cNvPr id="10" name="グループ化 9">
             <a:extLst>
               <a:ext uri="{FF2B5EF4-FFF2-40B4-BE49-F238E27FC236}">
-                <a16:creationId xmlns:a16="http://schemas.microsoft.com/office/drawing/2014/main" id="{B7101CFA-E73A-4E40-AF59-002DB6FEDC98}"/>
+                <a16:creationId xmlns="" xmlns:a16="http://schemas.microsoft.com/office/drawing/2014/main" id="{B7101CFA-E73A-4E40-AF59-002DB6FEDC98}"/>
               </a:ext>
             </a:extLst>
           </p:cNvPr>
@@ -6893,7 +7957,7 @@
             <p:cNvPr id="11" name="五角形 10">
               <a:extLst>
                 <a:ext uri="{FF2B5EF4-FFF2-40B4-BE49-F238E27FC236}">
-                  <a16:creationId xmlns:a16="http://schemas.microsoft.com/office/drawing/2014/main" id="{B3236D2F-D393-452D-8AD9-F2AFAE2815DF}"/>
+                  <a16:creationId xmlns="" xmlns:a16="http://schemas.microsoft.com/office/drawing/2014/main" id="{B3236D2F-D393-452D-8AD9-F2AFAE2815DF}"/>
                 </a:ext>
               </a:extLst>
             </p:cNvPr>
@@ -6941,7 +8005,7 @@
             <p:cNvPr id="12" name="楕円 11">
               <a:extLst>
                 <a:ext uri="{FF2B5EF4-FFF2-40B4-BE49-F238E27FC236}">
-                  <a16:creationId xmlns:a16="http://schemas.microsoft.com/office/drawing/2014/main" id="{64062B2F-DD91-4492-9495-8AC9197F2A6D}"/>
+                  <a16:creationId xmlns="" xmlns:a16="http://schemas.microsoft.com/office/drawing/2014/main" id="{64062B2F-DD91-4492-9495-8AC9197F2A6D}"/>
                 </a:ext>
               </a:extLst>
             </p:cNvPr>
@@ -6990,7 +8054,7 @@
           <p:cNvPr id="13" name="直方体 12">
             <a:extLst>
               <a:ext uri="{FF2B5EF4-FFF2-40B4-BE49-F238E27FC236}">
-                <a16:creationId xmlns:a16="http://schemas.microsoft.com/office/drawing/2014/main" id="{D48AE28D-1648-4DC0-8446-25490367D708}"/>
+                <a16:creationId xmlns="" xmlns:a16="http://schemas.microsoft.com/office/drawing/2014/main" id="{D48AE28D-1648-4DC0-8446-25490367D708}"/>
               </a:ext>
             </a:extLst>
           </p:cNvPr>
@@ -7040,7 +8104,7 @@
           <p:cNvPr id="14" name="グループ化 13">
             <a:extLst>
               <a:ext uri="{FF2B5EF4-FFF2-40B4-BE49-F238E27FC236}">
-                <a16:creationId xmlns:a16="http://schemas.microsoft.com/office/drawing/2014/main" id="{E79FF0F9-E401-47BF-BE16-FCD1B2435293}"/>
+                <a16:creationId xmlns="" xmlns:a16="http://schemas.microsoft.com/office/drawing/2014/main" id="{E79FF0F9-E401-47BF-BE16-FCD1B2435293}"/>
               </a:ext>
             </a:extLst>
           </p:cNvPr>
@@ -7063,7 +8127,7 @@
             <p:cNvPr id="15" name="五角形 14">
               <a:extLst>
                 <a:ext uri="{FF2B5EF4-FFF2-40B4-BE49-F238E27FC236}">
-                  <a16:creationId xmlns:a16="http://schemas.microsoft.com/office/drawing/2014/main" id="{B0CADF01-E558-44ED-842F-93BEBA5733CC}"/>
+                  <a16:creationId xmlns="" xmlns:a16="http://schemas.microsoft.com/office/drawing/2014/main" id="{B0CADF01-E558-44ED-842F-93BEBA5733CC}"/>
                 </a:ext>
               </a:extLst>
             </p:cNvPr>
@@ -7111,7 +8175,7 @@
             <p:cNvPr id="16" name="楕円 15">
               <a:extLst>
                 <a:ext uri="{FF2B5EF4-FFF2-40B4-BE49-F238E27FC236}">
-                  <a16:creationId xmlns:a16="http://schemas.microsoft.com/office/drawing/2014/main" id="{0A4BD2DB-6F85-479F-AB77-253EDB5431BF}"/>
+                  <a16:creationId xmlns="" xmlns:a16="http://schemas.microsoft.com/office/drawing/2014/main" id="{0A4BD2DB-6F85-479F-AB77-253EDB5431BF}"/>
                 </a:ext>
               </a:extLst>
             </p:cNvPr>
@@ -7160,7 +8224,7 @@
           <p:cNvPr id="17" name="直方体 16">
             <a:extLst>
               <a:ext uri="{FF2B5EF4-FFF2-40B4-BE49-F238E27FC236}">
-                <a16:creationId xmlns:a16="http://schemas.microsoft.com/office/drawing/2014/main" id="{E4A3A51C-D058-424B-8D44-F3F39E003B55}"/>
+                <a16:creationId xmlns="" xmlns:a16="http://schemas.microsoft.com/office/drawing/2014/main" id="{E4A3A51C-D058-424B-8D44-F3F39E003B55}"/>
               </a:ext>
             </a:extLst>
           </p:cNvPr>
@@ -7210,7 +8274,7 @@
           <p:cNvPr id="18" name="グループ化 17">
             <a:extLst>
               <a:ext uri="{FF2B5EF4-FFF2-40B4-BE49-F238E27FC236}">
-                <a16:creationId xmlns:a16="http://schemas.microsoft.com/office/drawing/2014/main" id="{5C23887A-DC06-4539-B0FA-B9B1071D9765}"/>
+                <a16:creationId xmlns="" xmlns:a16="http://schemas.microsoft.com/office/drawing/2014/main" id="{5C23887A-DC06-4539-B0FA-B9B1071D9765}"/>
               </a:ext>
             </a:extLst>
           </p:cNvPr>
@@ -7233,7 +8297,7 @@
             <p:cNvPr id="19" name="五角形 18">
               <a:extLst>
                 <a:ext uri="{FF2B5EF4-FFF2-40B4-BE49-F238E27FC236}">
-                  <a16:creationId xmlns:a16="http://schemas.microsoft.com/office/drawing/2014/main" id="{5F9AB986-270F-4F73-A150-0E9B2FE97301}"/>
+                  <a16:creationId xmlns="" xmlns:a16="http://schemas.microsoft.com/office/drawing/2014/main" id="{5F9AB986-270F-4F73-A150-0E9B2FE97301}"/>
                 </a:ext>
               </a:extLst>
             </p:cNvPr>
@@ -7281,7 +8345,7 @@
             <p:cNvPr id="20" name="楕円 19">
               <a:extLst>
                 <a:ext uri="{FF2B5EF4-FFF2-40B4-BE49-F238E27FC236}">
-                  <a16:creationId xmlns:a16="http://schemas.microsoft.com/office/drawing/2014/main" id="{320C5E2D-639B-427B-B2E8-D1F694451CED}"/>
+                  <a16:creationId xmlns="" xmlns:a16="http://schemas.microsoft.com/office/drawing/2014/main" id="{320C5E2D-639B-427B-B2E8-D1F694451CED}"/>
                 </a:ext>
               </a:extLst>
             </p:cNvPr>
@@ -7330,7 +8394,7 @@
           <p:cNvPr id="21" name="直方体 20">
             <a:extLst>
               <a:ext uri="{FF2B5EF4-FFF2-40B4-BE49-F238E27FC236}">
-                <a16:creationId xmlns:a16="http://schemas.microsoft.com/office/drawing/2014/main" id="{08711F2A-EC7B-4196-B07C-41687E2353AF}"/>
+                <a16:creationId xmlns="" xmlns:a16="http://schemas.microsoft.com/office/drawing/2014/main" id="{08711F2A-EC7B-4196-B07C-41687E2353AF}"/>
               </a:ext>
             </a:extLst>
           </p:cNvPr>
@@ -7380,7 +8444,7 @@
           <p:cNvPr id="22" name="グループ化 21">
             <a:extLst>
               <a:ext uri="{FF2B5EF4-FFF2-40B4-BE49-F238E27FC236}">
-                <a16:creationId xmlns:a16="http://schemas.microsoft.com/office/drawing/2014/main" id="{4EB9E946-B23B-4EBE-8181-70828DA728D1}"/>
+                <a16:creationId xmlns="" xmlns:a16="http://schemas.microsoft.com/office/drawing/2014/main" id="{4EB9E946-B23B-4EBE-8181-70828DA728D1}"/>
               </a:ext>
             </a:extLst>
           </p:cNvPr>
@@ -7403,7 +8467,7 @@
             <p:cNvPr id="23" name="五角形 22">
               <a:extLst>
                 <a:ext uri="{FF2B5EF4-FFF2-40B4-BE49-F238E27FC236}">
-                  <a16:creationId xmlns:a16="http://schemas.microsoft.com/office/drawing/2014/main" id="{6550E04D-41DD-4DF3-B486-1CE2F8C64D8D}"/>
+                  <a16:creationId xmlns="" xmlns:a16="http://schemas.microsoft.com/office/drawing/2014/main" id="{6550E04D-41DD-4DF3-B486-1CE2F8C64D8D}"/>
                 </a:ext>
               </a:extLst>
             </p:cNvPr>
@@ -7451,7 +8515,7 @@
             <p:cNvPr id="24" name="楕円 23">
               <a:extLst>
                 <a:ext uri="{FF2B5EF4-FFF2-40B4-BE49-F238E27FC236}">
-                  <a16:creationId xmlns:a16="http://schemas.microsoft.com/office/drawing/2014/main" id="{F5597071-6507-46C3-8A63-53A0FA31525D}"/>
+                  <a16:creationId xmlns="" xmlns:a16="http://schemas.microsoft.com/office/drawing/2014/main" id="{F5597071-6507-46C3-8A63-53A0FA31525D}"/>
                 </a:ext>
               </a:extLst>
             </p:cNvPr>
@@ -7500,7 +8564,7 @@
           <p:cNvPr id="25" name="直方体 24">
             <a:extLst>
               <a:ext uri="{FF2B5EF4-FFF2-40B4-BE49-F238E27FC236}">
-                <a16:creationId xmlns:a16="http://schemas.microsoft.com/office/drawing/2014/main" id="{AB1D9CD0-1E3C-4A82-9A9C-2703538FE59D}"/>
+                <a16:creationId xmlns="" xmlns:a16="http://schemas.microsoft.com/office/drawing/2014/main" id="{AB1D9CD0-1E3C-4A82-9A9C-2703538FE59D}"/>
               </a:ext>
             </a:extLst>
           </p:cNvPr>
@@ -7550,7 +8614,7 @@
           <p:cNvPr id="26" name="グループ化 25">
             <a:extLst>
               <a:ext uri="{FF2B5EF4-FFF2-40B4-BE49-F238E27FC236}">
-                <a16:creationId xmlns:a16="http://schemas.microsoft.com/office/drawing/2014/main" id="{A685B2F2-1904-47A5-A679-E094D3869C00}"/>
+                <a16:creationId xmlns="" xmlns:a16="http://schemas.microsoft.com/office/drawing/2014/main" id="{A685B2F2-1904-47A5-A679-E094D3869C00}"/>
               </a:ext>
             </a:extLst>
           </p:cNvPr>
@@ -7573,7 +8637,7 @@
             <p:cNvPr id="27" name="五角形 26">
               <a:extLst>
                 <a:ext uri="{FF2B5EF4-FFF2-40B4-BE49-F238E27FC236}">
-                  <a16:creationId xmlns:a16="http://schemas.microsoft.com/office/drawing/2014/main" id="{454FDD77-4098-4797-8DA6-635B442D03D0}"/>
+                  <a16:creationId xmlns="" xmlns:a16="http://schemas.microsoft.com/office/drawing/2014/main" id="{454FDD77-4098-4797-8DA6-635B442D03D0}"/>
                 </a:ext>
               </a:extLst>
             </p:cNvPr>
@@ -7621,7 +8685,7 @@
             <p:cNvPr id="28" name="楕円 27">
               <a:extLst>
                 <a:ext uri="{FF2B5EF4-FFF2-40B4-BE49-F238E27FC236}">
-                  <a16:creationId xmlns:a16="http://schemas.microsoft.com/office/drawing/2014/main" id="{91CD242C-A251-4EE3-9697-57D45C2145EA}"/>
+                  <a16:creationId xmlns="" xmlns:a16="http://schemas.microsoft.com/office/drawing/2014/main" id="{91CD242C-A251-4EE3-9697-57D45C2145EA}"/>
                 </a:ext>
               </a:extLst>
             </p:cNvPr>
@@ -7670,7 +8734,7 @@
           <p:cNvPr id="29" name="直方体 28">
             <a:extLst>
               <a:ext uri="{FF2B5EF4-FFF2-40B4-BE49-F238E27FC236}">
-                <a16:creationId xmlns:a16="http://schemas.microsoft.com/office/drawing/2014/main" id="{1DD51282-C557-4E5B-94E2-00E796F3FEEE}"/>
+                <a16:creationId xmlns="" xmlns:a16="http://schemas.microsoft.com/office/drawing/2014/main" id="{1DD51282-C557-4E5B-94E2-00E796F3FEEE}"/>
               </a:ext>
             </a:extLst>
           </p:cNvPr>
@@ -7720,7 +8784,7 @@
           <p:cNvPr id="30" name="グループ化 29">
             <a:extLst>
               <a:ext uri="{FF2B5EF4-FFF2-40B4-BE49-F238E27FC236}">
-                <a16:creationId xmlns:a16="http://schemas.microsoft.com/office/drawing/2014/main" id="{F7361FD3-8E7A-4F01-ADBE-5EB492D41DC9}"/>
+                <a16:creationId xmlns="" xmlns:a16="http://schemas.microsoft.com/office/drawing/2014/main" id="{F7361FD3-8E7A-4F01-ADBE-5EB492D41DC9}"/>
               </a:ext>
             </a:extLst>
           </p:cNvPr>
@@ -7743,7 +8807,7 @@
             <p:cNvPr id="31" name="五角形 30">
               <a:extLst>
                 <a:ext uri="{FF2B5EF4-FFF2-40B4-BE49-F238E27FC236}">
-                  <a16:creationId xmlns:a16="http://schemas.microsoft.com/office/drawing/2014/main" id="{47A91B61-FC5B-4A18-9732-7873EF76B1A5}"/>
+                  <a16:creationId xmlns="" xmlns:a16="http://schemas.microsoft.com/office/drawing/2014/main" id="{47A91B61-FC5B-4A18-9732-7873EF76B1A5}"/>
                 </a:ext>
               </a:extLst>
             </p:cNvPr>
@@ -7791,7 +8855,7 @@
             <p:cNvPr id="32" name="楕円 31">
               <a:extLst>
                 <a:ext uri="{FF2B5EF4-FFF2-40B4-BE49-F238E27FC236}">
-                  <a16:creationId xmlns:a16="http://schemas.microsoft.com/office/drawing/2014/main" id="{588D3650-DF59-4112-9D48-7CB18EDFE224}"/>
+                  <a16:creationId xmlns="" xmlns:a16="http://schemas.microsoft.com/office/drawing/2014/main" id="{588D3650-DF59-4112-9D48-7CB18EDFE224}"/>
                 </a:ext>
               </a:extLst>
             </p:cNvPr>
@@ -7840,7 +8904,7 @@
           <p:cNvPr id="33" name="直方体 32">
             <a:extLst>
               <a:ext uri="{FF2B5EF4-FFF2-40B4-BE49-F238E27FC236}">
-                <a16:creationId xmlns:a16="http://schemas.microsoft.com/office/drawing/2014/main" id="{510BF982-3E7D-406E-927D-E964C5842A73}"/>
+                <a16:creationId xmlns="" xmlns:a16="http://schemas.microsoft.com/office/drawing/2014/main" id="{510BF982-3E7D-406E-927D-E964C5842A73}"/>
               </a:ext>
             </a:extLst>
           </p:cNvPr>
@@ -7890,7 +8954,7 @@
           <p:cNvPr id="34" name="グループ化 33">
             <a:extLst>
               <a:ext uri="{FF2B5EF4-FFF2-40B4-BE49-F238E27FC236}">
-                <a16:creationId xmlns:a16="http://schemas.microsoft.com/office/drawing/2014/main" id="{E6BB2FA9-6064-4DB2-AE34-1BA130F58BA1}"/>
+                <a16:creationId xmlns="" xmlns:a16="http://schemas.microsoft.com/office/drawing/2014/main" id="{E6BB2FA9-6064-4DB2-AE34-1BA130F58BA1}"/>
               </a:ext>
             </a:extLst>
           </p:cNvPr>
@@ -7913,7 +8977,7 @@
             <p:cNvPr id="35" name="五角形 34">
               <a:extLst>
                 <a:ext uri="{FF2B5EF4-FFF2-40B4-BE49-F238E27FC236}">
-                  <a16:creationId xmlns:a16="http://schemas.microsoft.com/office/drawing/2014/main" id="{F59084ED-1F80-4D83-95D7-67DC366DA540}"/>
+                  <a16:creationId xmlns="" xmlns:a16="http://schemas.microsoft.com/office/drawing/2014/main" id="{F59084ED-1F80-4D83-95D7-67DC366DA540}"/>
                 </a:ext>
               </a:extLst>
             </p:cNvPr>
@@ -7961,7 +9025,7 @@
             <p:cNvPr id="36" name="楕円 35">
               <a:extLst>
                 <a:ext uri="{FF2B5EF4-FFF2-40B4-BE49-F238E27FC236}">
-                  <a16:creationId xmlns:a16="http://schemas.microsoft.com/office/drawing/2014/main" id="{7F1F41F8-DFA0-4BE5-AD22-50A9E0E0E02C}"/>
+                  <a16:creationId xmlns="" xmlns:a16="http://schemas.microsoft.com/office/drawing/2014/main" id="{7F1F41F8-DFA0-4BE5-AD22-50A9E0E0E02C}"/>
                 </a:ext>
               </a:extLst>
             </p:cNvPr>
@@ -8010,7 +9074,7 @@
           <p:cNvPr id="37" name="直方体 36">
             <a:extLst>
               <a:ext uri="{FF2B5EF4-FFF2-40B4-BE49-F238E27FC236}">
-                <a16:creationId xmlns:a16="http://schemas.microsoft.com/office/drawing/2014/main" id="{80E5C473-E436-4910-9637-90D06E153EDD}"/>
+                <a16:creationId xmlns="" xmlns:a16="http://schemas.microsoft.com/office/drawing/2014/main" id="{80E5C473-E436-4910-9637-90D06E153EDD}"/>
               </a:ext>
             </a:extLst>
           </p:cNvPr>
@@ -8060,7 +9124,7 @@
           <p:cNvPr id="38" name="グループ化 37">
             <a:extLst>
               <a:ext uri="{FF2B5EF4-FFF2-40B4-BE49-F238E27FC236}">
-                <a16:creationId xmlns:a16="http://schemas.microsoft.com/office/drawing/2014/main" id="{D583B5DD-A99F-4AB1-8CBA-05BD26A37AED}"/>
+                <a16:creationId xmlns="" xmlns:a16="http://schemas.microsoft.com/office/drawing/2014/main" id="{D583B5DD-A99F-4AB1-8CBA-05BD26A37AED}"/>
               </a:ext>
             </a:extLst>
           </p:cNvPr>
@@ -8083,7 +9147,7 @@
             <p:cNvPr id="39" name="五角形 38">
               <a:extLst>
                 <a:ext uri="{FF2B5EF4-FFF2-40B4-BE49-F238E27FC236}">
-                  <a16:creationId xmlns:a16="http://schemas.microsoft.com/office/drawing/2014/main" id="{54AAB55E-6C56-4887-9B2C-B1827B49588F}"/>
+                  <a16:creationId xmlns="" xmlns:a16="http://schemas.microsoft.com/office/drawing/2014/main" id="{54AAB55E-6C56-4887-9B2C-B1827B49588F}"/>
                 </a:ext>
               </a:extLst>
             </p:cNvPr>
@@ -8131,7 +9195,7 @@
             <p:cNvPr id="40" name="楕円 39">
               <a:extLst>
                 <a:ext uri="{FF2B5EF4-FFF2-40B4-BE49-F238E27FC236}">
-                  <a16:creationId xmlns:a16="http://schemas.microsoft.com/office/drawing/2014/main" id="{3E805B31-06B3-4C76-813F-73FAD17FF163}"/>
+                  <a16:creationId xmlns="" xmlns:a16="http://schemas.microsoft.com/office/drawing/2014/main" id="{3E805B31-06B3-4C76-813F-73FAD17FF163}"/>
                 </a:ext>
               </a:extLst>
             </p:cNvPr>
@@ -8180,7 +9244,7 @@
           <p:cNvPr id="41" name="直方体 40">
             <a:extLst>
               <a:ext uri="{FF2B5EF4-FFF2-40B4-BE49-F238E27FC236}">
-                <a16:creationId xmlns:a16="http://schemas.microsoft.com/office/drawing/2014/main" id="{464F3BCD-0E80-4476-937F-FB94CDF67C79}"/>
+                <a16:creationId xmlns="" xmlns:a16="http://schemas.microsoft.com/office/drawing/2014/main" id="{464F3BCD-0E80-4476-937F-FB94CDF67C79}"/>
               </a:ext>
             </a:extLst>
           </p:cNvPr>
@@ -8230,7 +9294,7 @@
           <p:cNvPr id="42" name="グループ化 41">
             <a:extLst>
               <a:ext uri="{FF2B5EF4-FFF2-40B4-BE49-F238E27FC236}">
-                <a16:creationId xmlns:a16="http://schemas.microsoft.com/office/drawing/2014/main" id="{01F1D714-5C91-43FD-8299-82E48DCDDBFE}"/>
+                <a16:creationId xmlns="" xmlns:a16="http://schemas.microsoft.com/office/drawing/2014/main" id="{01F1D714-5C91-43FD-8299-82E48DCDDBFE}"/>
               </a:ext>
             </a:extLst>
           </p:cNvPr>
@@ -8253,7 +9317,7 @@
             <p:cNvPr id="43" name="五角形 42">
               <a:extLst>
                 <a:ext uri="{FF2B5EF4-FFF2-40B4-BE49-F238E27FC236}">
-                  <a16:creationId xmlns:a16="http://schemas.microsoft.com/office/drawing/2014/main" id="{4D7D4CE5-2249-4822-A57B-0815B1E49712}"/>
+                  <a16:creationId xmlns="" xmlns:a16="http://schemas.microsoft.com/office/drawing/2014/main" id="{4D7D4CE5-2249-4822-A57B-0815B1E49712}"/>
                 </a:ext>
               </a:extLst>
             </p:cNvPr>
@@ -8301,7 +9365,7 @@
             <p:cNvPr id="44" name="楕円 43">
               <a:extLst>
                 <a:ext uri="{FF2B5EF4-FFF2-40B4-BE49-F238E27FC236}">
-                  <a16:creationId xmlns:a16="http://schemas.microsoft.com/office/drawing/2014/main" id="{6B372A32-F21B-431A-B3E8-36B8258C41AC}"/>
+                  <a16:creationId xmlns="" xmlns:a16="http://schemas.microsoft.com/office/drawing/2014/main" id="{6B372A32-F21B-431A-B3E8-36B8258C41AC}"/>
                 </a:ext>
               </a:extLst>
             </p:cNvPr>
@@ -8339,7 +9403,7 @@
                   <a:solidFill>
                     <a:srgbClr val="C00000"/>
                   </a:solidFill>
-                  <a:latin typeface="Arial Black" panose="020B0A04020102020204" pitchFamily="34" charset="0"/>
+                  <a:latin typeface="Arial Rounded MT Bold" pitchFamily="34" charset="0"/>
                 </a:rPr>
                 <a:t>？</a:t>
               </a:r>
@@ -8347,7 +9411,7 @@
                 <a:solidFill>
                   <a:srgbClr val="C00000"/>
                 </a:solidFill>
-                <a:latin typeface="Arial Black" panose="020B0A04020102020204" pitchFamily="34" charset="0"/>
+                <a:latin typeface="Arial Rounded MT Bold" pitchFamily="34" charset="0"/>
               </a:endParaRPr>
             </a:p>
             <a:p>
@@ -8368,7 +9432,7 @@
           <p:cNvPr id="45" name="直方体 44">
             <a:extLst>
               <a:ext uri="{FF2B5EF4-FFF2-40B4-BE49-F238E27FC236}">
-                <a16:creationId xmlns:a16="http://schemas.microsoft.com/office/drawing/2014/main" id="{0D976335-5C15-4A48-A953-966830E05495}"/>
+                <a16:creationId xmlns="" xmlns:a16="http://schemas.microsoft.com/office/drawing/2014/main" id="{0D976335-5C15-4A48-A953-966830E05495}"/>
               </a:ext>
             </a:extLst>
           </p:cNvPr>
@@ -8408,8 +9472,7 @@
                 <a:solidFill>
                   <a:srgbClr val="0070C0"/>
                 </a:solidFill>
-                <a:latin typeface="+mn-ea"/>
-                <a:ea typeface="+mn-ea"/>
+                <a:latin typeface="Arial Rounded MT Bold" pitchFamily="34" charset="0"/>
               </a:rPr>
               <a:t>？</a:t>
             </a:r>
@@ -8417,8 +9480,7 @@
               <a:solidFill>
                 <a:srgbClr val="0070C0"/>
               </a:solidFill>
-              <a:latin typeface="+mn-ea"/>
-              <a:ea typeface="+mn-ea"/>
+              <a:latin typeface="Arial Rounded MT Bold" pitchFamily="34" charset="0"/>
             </a:endParaRPr>
           </a:p>
           <a:p>
@@ -8438,7 +9500,7 @@
           <p:cNvPr id="46" name="直線矢印コネクタ 45">
             <a:extLst>
               <a:ext uri="{FF2B5EF4-FFF2-40B4-BE49-F238E27FC236}">
-                <a16:creationId xmlns:a16="http://schemas.microsoft.com/office/drawing/2014/main" id="{2705368B-4862-4542-8F77-1DC434798FEA}"/>
+                <a16:creationId xmlns="" xmlns:a16="http://schemas.microsoft.com/office/drawing/2014/main" id="{2705368B-4862-4542-8F77-1DC434798FEA}"/>
               </a:ext>
             </a:extLst>
           </p:cNvPr>
@@ -8473,7 +9535,7 @@
           <p:cNvPr id="47" name="直線矢印コネクタ 46">
             <a:extLst>
               <a:ext uri="{FF2B5EF4-FFF2-40B4-BE49-F238E27FC236}">
-                <a16:creationId xmlns:a16="http://schemas.microsoft.com/office/drawing/2014/main" id="{159BC7E9-7B42-4DD1-A49E-58331BA56FAB}"/>
+                <a16:creationId xmlns="" xmlns:a16="http://schemas.microsoft.com/office/drawing/2014/main" id="{159BC7E9-7B42-4DD1-A49E-58331BA56FAB}"/>
               </a:ext>
             </a:extLst>
           </p:cNvPr>
@@ -8508,7 +9570,7 @@
           <p:cNvPr id="48" name="直線矢印コネクタ 47">
             <a:extLst>
               <a:ext uri="{FF2B5EF4-FFF2-40B4-BE49-F238E27FC236}">
-                <a16:creationId xmlns:a16="http://schemas.microsoft.com/office/drawing/2014/main" id="{B70E6811-5B42-4552-A42E-2CA2B553CB9C}"/>
+                <a16:creationId xmlns="" xmlns:a16="http://schemas.microsoft.com/office/drawing/2014/main" id="{B70E6811-5B42-4552-A42E-2CA2B553CB9C}"/>
               </a:ext>
             </a:extLst>
           </p:cNvPr>
@@ -8543,7 +9605,7 @@
           <p:cNvPr id="49" name="直線矢印コネクタ 48">
             <a:extLst>
               <a:ext uri="{FF2B5EF4-FFF2-40B4-BE49-F238E27FC236}">
-                <a16:creationId xmlns:a16="http://schemas.microsoft.com/office/drawing/2014/main" id="{D8C146E8-742E-42CE-93A3-11F2BBE7CAA8}"/>
+                <a16:creationId xmlns="" xmlns:a16="http://schemas.microsoft.com/office/drawing/2014/main" id="{D8C146E8-742E-42CE-93A3-11F2BBE7CAA8}"/>
               </a:ext>
             </a:extLst>
           </p:cNvPr>
@@ -8578,7 +9640,7 @@
           <p:cNvPr id="50" name="直線矢印コネクタ 49">
             <a:extLst>
               <a:ext uri="{FF2B5EF4-FFF2-40B4-BE49-F238E27FC236}">
-                <a16:creationId xmlns:a16="http://schemas.microsoft.com/office/drawing/2014/main" id="{DA2DC87F-5429-48FB-8D75-829B1B653BFD}"/>
+                <a16:creationId xmlns="" xmlns:a16="http://schemas.microsoft.com/office/drawing/2014/main" id="{DA2DC87F-5429-48FB-8D75-829B1B653BFD}"/>
               </a:ext>
             </a:extLst>
           </p:cNvPr>
@@ -8613,7 +9675,7 @@
           <p:cNvPr id="51" name="直線矢印コネクタ 50">
             <a:extLst>
               <a:ext uri="{FF2B5EF4-FFF2-40B4-BE49-F238E27FC236}">
-                <a16:creationId xmlns:a16="http://schemas.microsoft.com/office/drawing/2014/main" id="{3D144E56-CE56-4A39-8D9F-37D6216E8D01}"/>
+                <a16:creationId xmlns="" xmlns:a16="http://schemas.microsoft.com/office/drawing/2014/main" id="{3D144E56-CE56-4A39-8D9F-37D6216E8D01}"/>
               </a:ext>
             </a:extLst>
           </p:cNvPr>
@@ -8648,7 +9710,7 @@
           <p:cNvPr id="52" name="直線矢印コネクタ 51">
             <a:extLst>
               <a:ext uri="{FF2B5EF4-FFF2-40B4-BE49-F238E27FC236}">
-                <a16:creationId xmlns:a16="http://schemas.microsoft.com/office/drawing/2014/main" id="{F4578E9F-B02C-48F5-9373-98A15FA74536}"/>
+                <a16:creationId xmlns="" xmlns:a16="http://schemas.microsoft.com/office/drawing/2014/main" id="{F4578E9F-B02C-48F5-9373-98A15FA74536}"/>
               </a:ext>
             </a:extLst>
           </p:cNvPr>
@@ -8683,7 +9745,7 @@
           <p:cNvPr id="53" name="直線矢印コネクタ 52">
             <a:extLst>
               <a:ext uri="{FF2B5EF4-FFF2-40B4-BE49-F238E27FC236}">
-                <a16:creationId xmlns:a16="http://schemas.microsoft.com/office/drawing/2014/main" id="{D5156690-8F7F-4F1D-A4AC-9DD949166B8E}"/>
+                <a16:creationId xmlns="" xmlns:a16="http://schemas.microsoft.com/office/drawing/2014/main" id="{D5156690-8F7F-4F1D-A4AC-9DD949166B8E}"/>
               </a:ext>
             </a:extLst>
           </p:cNvPr>
@@ -8718,7 +9780,7 @@
           <p:cNvPr id="54" name="直線矢印コネクタ 53">
             <a:extLst>
               <a:ext uri="{FF2B5EF4-FFF2-40B4-BE49-F238E27FC236}">
-                <a16:creationId xmlns:a16="http://schemas.microsoft.com/office/drawing/2014/main" id="{7328D394-FFBA-414C-ADFD-F876A2AFF054}"/>
+                <a16:creationId xmlns="" xmlns:a16="http://schemas.microsoft.com/office/drawing/2014/main" id="{7328D394-FFBA-414C-ADFD-F876A2AFF054}"/>
               </a:ext>
             </a:extLst>
           </p:cNvPr>
@@ -8753,7 +9815,7 @@
           <p:cNvPr id="55" name="直線矢印コネクタ 54">
             <a:extLst>
               <a:ext uri="{FF2B5EF4-FFF2-40B4-BE49-F238E27FC236}">
-                <a16:creationId xmlns:a16="http://schemas.microsoft.com/office/drawing/2014/main" id="{AB7E1375-2391-409B-92CB-A5CFF3AAC912}"/>
+                <a16:creationId xmlns="" xmlns:a16="http://schemas.microsoft.com/office/drawing/2014/main" id="{AB7E1375-2391-409B-92CB-A5CFF3AAC912}"/>
               </a:ext>
             </a:extLst>
           </p:cNvPr>
@@ -8788,7 +9850,7 @@
           <p:cNvPr id="56" name="直線矢印コネクタ 55">
             <a:extLst>
               <a:ext uri="{FF2B5EF4-FFF2-40B4-BE49-F238E27FC236}">
-                <a16:creationId xmlns:a16="http://schemas.microsoft.com/office/drawing/2014/main" id="{626B7B61-7B10-42CC-A5E9-2C58CD1C0E77}"/>
+                <a16:creationId xmlns="" xmlns:a16="http://schemas.microsoft.com/office/drawing/2014/main" id="{626B7B61-7B10-42CC-A5E9-2C58CD1C0E77}"/>
               </a:ext>
             </a:extLst>
           </p:cNvPr>
@@ -8823,7 +9885,7 @@
           <p:cNvPr id="57" name="直線矢印コネクタ 56">
             <a:extLst>
               <a:ext uri="{FF2B5EF4-FFF2-40B4-BE49-F238E27FC236}">
-                <a16:creationId xmlns:a16="http://schemas.microsoft.com/office/drawing/2014/main" id="{653D0D60-C1D7-40E5-87A2-9AB8A480A0BE}"/>
+                <a16:creationId xmlns="" xmlns:a16="http://schemas.microsoft.com/office/drawing/2014/main" id="{653D0D60-C1D7-40E5-87A2-9AB8A480A0BE}"/>
               </a:ext>
             </a:extLst>
           </p:cNvPr>
@@ -8858,7 +9920,7 @@
           <p:cNvPr id="58" name="直線矢印コネクタ 57">
             <a:extLst>
               <a:ext uri="{FF2B5EF4-FFF2-40B4-BE49-F238E27FC236}">
-                <a16:creationId xmlns:a16="http://schemas.microsoft.com/office/drawing/2014/main" id="{2119E052-D49D-4B64-9C75-BBA925E6F3CF}"/>
+                <a16:creationId xmlns="" xmlns:a16="http://schemas.microsoft.com/office/drawing/2014/main" id="{2119E052-D49D-4B64-9C75-BBA925E6F3CF}"/>
               </a:ext>
             </a:extLst>
           </p:cNvPr>
@@ -8893,7 +9955,7 @@
           <p:cNvPr id="59" name="直線矢印コネクタ 58">
             <a:extLst>
               <a:ext uri="{FF2B5EF4-FFF2-40B4-BE49-F238E27FC236}">
-                <a16:creationId xmlns:a16="http://schemas.microsoft.com/office/drawing/2014/main" id="{C940E4BB-BF17-47E5-85EE-6DB156F1E574}"/>
+                <a16:creationId xmlns="" xmlns:a16="http://schemas.microsoft.com/office/drawing/2014/main" id="{C940E4BB-BF17-47E5-85EE-6DB156F1E574}"/>
               </a:ext>
             </a:extLst>
           </p:cNvPr>
@@ -8928,7 +9990,7 @@
           <p:cNvPr id="60" name="直線矢印コネクタ 59">
             <a:extLst>
               <a:ext uri="{FF2B5EF4-FFF2-40B4-BE49-F238E27FC236}">
-                <a16:creationId xmlns:a16="http://schemas.microsoft.com/office/drawing/2014/main" id="{ED0F52A4-5A60-4A52-8027-522454C504B5}"/>
+                <a16:creationId xmlns="" xmlns:a16="http://schemas.microsoft.com/office/drawing/2014/main" id="{ED0F52A4-5A60-4A52-8027-522454C504B5}"/>
               </a:ext>
             </a:extLst>
           </p:cNvPr>
@@ -8963,7 +10025,7 @@
           <p:cNvPr id="61" name="直線矢印コネクタ 60">
             <a:extLst>
               <a:ext uri="{FF2B5EF4-FFF2-40B4-BE49-F238E27FC236}">
-                <a16:creationId xmlns:a16="http://schemas.microsoft.com/office/drawing/2014/main" id="{D4A73116-7B50-4C35-90CC-DC1770D8FE4E}"/>
+                <a16:creationId xmlns="" xmlns:a16="http://schemas.microsoft.com/office/drawing/2014/main" id="{D4A73116-7B50-4C35-90CC-DC1770D8FE4E}"/>
               </a:ext>
             </a:extLst>
           </p:cNvPr>
@@ -8998,7 +10060,7 @@
           <p:cNvPr id="62" name="テキスト ボックス 61">
             <a:extLst>
               <a:ext uri="{FF2B5EF4-FFF2-40B4-BE49-F238E27FC236}">
-                <a16:creationId xmlns:a16="http://schemas.microsoft.com/office/drawing/2014/main" id="{FC366BDB-7022-4AA3-84C6-0B0076183314}"/>
+                <a16:creationId xmlns="" xmlns:a16="http://schemas.microsoft.com/office/drawing/2014/main" id="{FC366BDB-7022-4AA3-84C6-0B0076183314}"/>
               </a:ext>
             </a:extLst>
           </p:cNvPr>
@@ -9047,7 +10109,7 @@
           <p:cNvPr id="63" name="テキスト ボックス 62">
             <a:extLst>
               <a:ext uri="{FF2B5EF4-FFF2-40B4-BE49-F238E27FC236}">
-                <a16:creationId xmlns:a16="http://schemas.microsoft.com/office/drawing/2014/main" id="{61F4855B-ECCC-437F-A651-0CBA089887A6}"/>
+                <a16:creationId xmlns="" xmlns:a16="http://schemas.microsoft.com/office/drawing/2014/main" id="{61F4855B-ECCC-437F-A651-0CBA089887A6}"/>
               </a:ext>
             </a:extLst>
           </p:cNvPr>
@@ -9096,7 +10158,7 @@
           <p:cNvPr id="64" name="テキスト ボックス 63">
             <a:extLst>
               <a:ext uri="{FF2B5EF4-FFF2-40B4-BE49-F238E27FC236}">
-                <a16:creationId xmlns:a16="http://schemas.microsoft.com/office/drawing/2014/main" id="{09CFBB4F-7CC9-4564-B0AF-1472E15EDD5D}"/>
+                <a16:creationId xmlns="" xmlns:a16="http://schemas.microsoft.com/office/drawing/2014/main" id="{09CFBB4F-7CC9-4564-B0AF-1472E15EDD5D}"/>
               </a:ext>
             </a:extLst>
           </p:cNvPr>
@@ -9185,7 +10247,7 @@
           <p:cNvPr id="65" name="テキスト ボックス 64">
             <a:extLst>
               <a:ext uri="{FF2B5EF4-FFF2-40B4-BE49-F238E27FC236}">
-                <a16:creationId xmlns:a16="http://schemas.microsoft.com/office/drawing/2014/main" id="{999140E7-F846-49BE-AB5C-395E940C9578}"/>
+                <a16:creationId xmlns="" xmlns:a16="http://schemas.microsoft.com/office/drawing/2014/main" id="{999140E7-F846-49BE-AB5C-395E940C9578}"/>
               </a:ext>
             </a:extLst>
           </p:cNvPr>
@@ -9244,7 +10306,7 @@
           <p:cNvPr id="66" name="グループ化 65">
             <a:extLst>
               <a:ext uri="{FF2B5EF4-FFF2-40B4-BE49-F238E27FC236}">
-                <a16:creationId xmlns:a16="http://schemas.microsoft.com/office/drawing/2014/main" id="{9D7A9070-DC2D-4CAC-8D24-2BB07BAA6461}"/>
+                <a16:creationId xmlns="" xmlns:a16="http://schemas.microsoft.com/office/drawing/2014/main" id="{9D7A9070-DC2D-4CAC-8D24-2BB07BAA6461}"/>
               </a:ext>
             </a:extLst>
           </p:cNvPr>
@@ -9264,7 +10326,7 @@
             <p:cNvPr id="67" name="テキスト ボックス 66">
               <a:extLst>
                 <a:ext uri="{FF2B5EF4-FFF2-40B4-BE49-F238E27FC236}">
-                  <a16:creationId xmlns:a16="http://schemas.microsoft.com/office/drawing/2014/main" id="{EFCDA429-41B8-43D9-9766-C626DD89E69D}"/>
+                  <a16:creationId xmlns="" xmlns:a16="http://schemas.microsoft.com/office/drawing/2014/main" id="{EFCDA429-41B8-43D9-9766-C626DD89E69D}"/>
                 </a:ext>
               </a:extLst>
             </p:cNvPr>
@@ -9298,7 +10360,7 @@
                   <a:solidFill>
                     <a:srgbClr val="C00000"/>
                   </a:solidFill>
-                  <a:latin typeface="Arial Black" panose="020B0A04020102020204" pitchFamily="34" charset="0"/>
+                  <a:latin typeface="Arial Rounded MT Bold" pitchFamily="34" charset="0"/>
                 </a:rPr>
                 <a:t>Heavy</a:t>
               </a:r>
@@ -9306,7 +10368,7 @@
                 <a:solidFill>
                   <a:srgbClr val="C00000"/>
                 </a:solidFill>
-                <a:latin typeface="Arial Black" panose="020B0A04020102020204" pitchFamily="34" charset="0"/>
+                <a:latin typeface="Arial Rounded MT Bold" pitchFamily="34" charset="0"/>
               </a:endParaRPr>
             </a:p>
           </p:txBody>
@@ -9316,7 +10378,7 @@
             <p:cNvPr id="68" name="テキスト ボックス 67">
               <a:extLst>
                 <a:ext uri="{FF2B5EF4-FFF2-40B4-BE49-F238E27FC236}">
-                  <a16:creationId xmlns:a16="http://schemas.microsoft.com/office/drawing/2014/main" id="{1B9A054D-84AB-45CA-8DEE-090CAE96E608}"/>
+                  <a16:creationId xmlns="" xmlns:a16="http://schemas.microsoft.com/office/drawing/2014/main" id="{1B9A054D-84AB-45CA-8DEE-090CAE96E608}"/>
                 </a:ext>
               </a:extLst>
             </p:cNvPr>
@@ -9352,7 +10414,7 @@
                   <a:solidFill>
                     <a:srgbClr val="C00000"/>
                   </a:solidFill>
-                  <a:latin typeface="Arial Black" panose="020B0A04020102020204" pitchFamily="34" charset="0"/>
+                  <a:latin typeface="Arial Rounded MT Bold" pitchFamily="34" charset="0"/>
                 </a:rPr>
                 <a:t>New</a:t>
               </a:r>
@@ -9360,7 +10422,7 @@
                 <a:solidFill>
                   <a:srgbClr val="C00000"/>
                 </a:solidFill>
-                <a:latin typeface="Arial Black" panose="020B0A04020102020204" pitchFamily="34" charset="0"/>
+                <a:latin typeface="Arial Rounded MT Bold" pitchFamily="34" charset="0"/>
               </a:endParaRPr>
             </a:p>
           </p:txBody>
@@ -9370,7 +10432,7 @@
             <p:cNvPr id="69" name="テキスト ボックス 68">
               <a:extLst>
                 <a:ext uri="{FF2B5EF4-FFF2-40B4-BE49-F238E27FC236}">
-                  <a16:creationId xmlns:a16="http://schemas.microsoft.com/office/drawing/2014/main" id="{6BBF90AD-06A6-4220-8E18-D2C117716B80}"/>
+                  <a16:creationId xmlns="" xmlns:a16="http://schemas.microsoft.com/office/drawing/2014/main" id="{6BBF90AD-06A6-4220-8E18-D2C117716B80}"/>
                 </a:ext>
               </a:extLst>
             </p:cNvPr>
@@ -9404,7 +10466,7 @@
                   <a:solidFill>
                     <a:srgbClr val="C00000"/>
                   </a:solidFill>
-                  <a:latin typeface="Arial Black" panose="020B0A04020102020204" pitchFamily="34" charset="0"/>
+                  <a:latin typeface="Arial Rounded MT Bold" pitchFamily="34" charset="0"/>
                 </a:rPr>
                 <a:t>Light</a:t>
               </a:r>
@@ -9412,7 +10474,7 @@
                 <a:solidFill>
                   <a:srgbClr val="C00000"/>
                 </a:solidFill>
-                <a:latin typeface="Arial Black" panose="020B0A04020102020204" pitchFamily="34" charset="0"/>
+                <a:latin typeface="Arial Rounded MT Bold" pitchFamily="34" charset="0"/>
               </a:endParaRPr>
             </a:p>
           </p:txBody>
@@ -9423,7 +10485,7 @@
           <p:cNvPr id="70" name="グループ化 69">
             <a:extLst>
               <a:ext uri="{FF2B5EF4-FFF2-40B4-BE49-F238E27FC236}">
-                <a16:creationId xmlns:a16="http://schemas.microsoft.com/office/drawing/2014/main" id="{A2F006C2-143B-447F-BBAD-8AE41E5EEF10}"/>
+                <a16:creationId xmlns="" xmlns:a16="http://schemas.microsoft.com/office/drawing/2014/main" id="{A2F006C2-143B-447F-BBAD-8AE41E5EEF10}"/>
               </a:ext>
             </a:extLst>
           </p:cNvPr>
@@ -9443,7 +10505,7 @@
             <p:cNvPr id="71" name="テキスト ボックス 70">
               <a:extLst>
                 <a:ext uri="{FF2B5EF4-FFF2-40B4-BE49-F238E27FC236}">
-                  <a16:creationId xmlns:a16="http://schemas.microsoft.com/office/drawing/2014/main" id="{D8BF6B19-0573-4772-A9CC-F8DA5F697F00}"/>
+                  <a16:creationId xmlns="" xmlns:a16="http://schemas.microsoft.com/office/drawing/2014/main" id="{D8BF6B19-0573-4772-A9CC-F8DA5F697F00}"/>
                 </a:ext>
               </a:extLst>
             </p:cNvPr>
@@ -9476,12 +10538,12 @@
               <a:pPr algn="ctr"/>
               <a:r>
                 <a:rPr kumimoji="1" lang="en-US" altLang="ja-JP" sz="1400" b="1" dirty="0">
-                  <a:latin typeface="Arial Black" panose="020B0A04020102020204" pitchFamily="34" charset="0"/>
+                  <a:latin typeface="Arial Rounded MT Bold" pitchFamily="34" charset="0"/>
                 </a:rPr>
                 <a:t>New</a:t>
               </a:r>
               <a:endParaRPr kumimoji="1" lang="ja-JP" altLang="en-US" sz="1400" b="1" dirty="0">
-                <a:latin typeface="Arial Black" panose="020B0A04020102020204" pitchFamily="34" charset="0"/>
+                <a:latin typeface="Arial Rounded MT Bold" pitchFamily="34" charset="0"/>
               </a:endParaRPr>
             </a:p>
           </p:txBody>
@@ -9491,7 +10553,7 @@
             <p:cNvPr id="72" name="テキスト ボックス 71">
               <a:extLst>
                 <a:ext uri="{FF2B5EF4-FFF2-40B4-BE49-F238E27FC236}">
-                  <a16:creationId xmlns:a16="http://schemas.microsoft.com/office/drawing/2014/main" id="{85413270-52B7-472E-A10B-8BF7A7C9F166}"/>
+                  <a16:creationId xmlns="" xmlns:a16="http://schemas.microsoft.com/office/drawing/2014/main" id="{85413270-52B7-472E-A10B-8BF7A7C9F166}"/>
                 </a:ext>
               </a:extLst>
             </p:cNvPr>
@@ -9522,12 +10584,12 @@
               <a:pPr algn="ctr"/>
               <a:r>
                 <a:rPr kumimoji="1" lang="en-US" altLang="ja-JP" sz="1400" b="1" dirty="0">
-                  <a:latin typeface="Arial Black" panose="020B0A04020102020204" pitchFamily="34" charset="0"/>
+                  <a:latin typeface="Arial Rounded MT Bold" pitchFamily="34" charset="0"/>
                 </a:rPr>
                 <a:t>Heavy</a:t>
               </a:r>
               <a:endParaRPr kumimoji="1" lang="ja-JP" altLang="en-US" sz="1400" b="1" dirty="0">
-                <a:latin typeface="Arial Black" panose="020B0A04020102020204" pitchFamily="34" charset="0"/>
+                <a:latin typeface="Arial Rounded MT Bold" pitchFamily="34" charset="0"/>
               </a:endParaRPr>
             </a:p>
           </p:txBody>
@@ -9537,7 +10599,7 @@
             <p:cNvPr id="73" name="テキスト ボックス 72">
               <a:extLst>
                 <a:ext uri="{FF2B5EF4-FFF2-40B4-BE49-F238E27FC236}">
-                  <a16:creationId xmlns:a16="http://schemas.microsoft.com/office/drawing/2014/main" id="{6299A024-0626-49FA-B88A-9C9E7B62BEAB}"/>
+                  <a16:creationId xmlns="" xmlns:a16="http://schemas.microsoft.com/office/drawing/2014/main" id="{6299A024-0626-49FA-B88A-9C9E7B62BEAB}"/>
                 </a:ext>
               </a:extLst>
             </p:cNvPr>
@@ -9568,12 +10630,12 @@
               <a:pPr algn="ctr"/>
               <a:r>
                 <a:rPr kumimoji="1" lang="en-US" altLang="ja-JP" sz="1400" b="1" dirty="0">
-                  <a:latin typeface="Arial Black" panose="020B0A04020102020204" pitchFamily="34" charset="0"/>
+                  <a:latin typeface="Arial Rounded MT Bold" pitchFamily="34" charset="0"/>
                 </a:rPr>
                 <a:t>Light</a:t>
               </a:r>
               <a:endParaRPr kumimoji="1" lang="ja-JP" altLang="en-US" sz="1400" b="1" dirty="0">
-                <a:latin typeface="Arial Black" panose="020B0A04020102020204" pitchFamily="34" charset="0"/>
+                <a:latin typeface="Arial Rounded MT Bold" pitchFamily="34" charset="0"/>
               </a:endParaRPr>
             </a:p>
           </p:txBody>
@@ -9584,7 +10646,7 @@
           <p:cNvPr id="74" name="図 73">
             <a:extLst>
               <a:ext uri="{FF2B5EF4-FFF2-40B4-BE49-F238E27FC236}">
-                <a16:creationId xmlns:a16="http://schemas.microsoft.com/office/drawing/2014/main" id="{2757D928-FE89-4E2E-860C-F1589F4DD50F}"/>
+                <a16:creationId xmlns="" xmlns:a16="http://schemas.microsoft.com/office/drawing/2014/main" id="{2757D928-FE89-4E2E-860C-F1589F4DD50F}"/>
               </a:ext>
             </a:extLst>
           </p:cNvPr>
@@ -9594,7 +10656,7 @@
           <p:nvPr/>
         </p:nvPicPr>
         <p:blipFill>
-          <a:blip r:embed="rId2"/>
+          <a:blip r:embed="rId2" cstate="print"/>
           <a:stretch>
             <a:fillRect/>
           </a:stretch>
@@ -9614,7 +10676,7 @@
           <p:cNvPr id="75" name="直線矢印コネクタ 74">
             <a:extLst>
               <a:ext uri="{FF2B5EF4-FFF2-40B4-BE49-F238E27FC236}">
-                <a16:creationId xmlns:a16="http://schemas.microsoft.com/office/drawing/2014/main" id="{26036CA4-A0DA-4812-A04F-4857D3C95AD4}"/>
+                <a16:creationId xmlns="" xmlns:a16="http://schemas.microsoft.com/office/drawing/2014/main" id="{26036CA4-A0DA-4812-A04F-4857D3C95AD4}"/>
               </a:ext>
             </a:extLst>
           </p:cNvPr>
@@ -9649,7 +10711,7 @@
           <p:cNvPr id="76" name="直線矢印コネクタ 75">
             <a:extLst>
               <a:ext uri="{FF2B5EF4-FFF2-40B4-BE49-F238E27FC236}">
-                <a16:creationId xmlns:a16="http://schemas.microsoft.com/office/drawing/2014/main" id="{0D304CB8-4FE6-422E-B4AC-A79340059928}"/>
+                <a16:creationId xmlns="" xmlns:a16="http://schemas.microsoft.com/office/drawing/2014/main" id="{0D304CB8-4FE6-422E-B4AC-A79340059928}"/>
               </a:ext>
             </a:extLst>
           </p:cNvPr>
@@ -9684,7 +10746,7 @@
           <p:cNvPr id="77" name="図 76">
             <a:extLst>
               <a:ext uri="{FF2B5EF4-FFF2-40B4-BE49-F238E27FC236}">
-                <a16:creationId xmlns:a16="http://schemas.microsoft.com/office/drawing/2014/main" id="{6BA63F6D-D12B-41A7-B79B-33A7F6D23435}"/>
+                <a16:creationId xmlns="" xmlns:a16="http://schemas.microsoft.com/office/drawing/2014/main" id="{6BA63F6D-D12B-41A7-B79B-33A7F6D23435}"/>
               </a:ext>
             </a:extLst>
           </p:cNvPr>
@@ -9694,7 +10756,7 @@
           <p:nvPr/>
         </p:nvPicPr>
         <p:blipFill>
-          <a:blip r:embed="rId3"/>
+          <a:blip r:embed="rId3" cstate="print"/>
           <a:stretch>
             <a:fillRect/>
           </a:stretch>
@@ -9714,7 +10776,7 @@
           <p:cNvPr id="86" name="グループ化 85">
             <a:extLst>
               <a:ext uri="{FF2B5EF4-FFF2-40B4-BE49-F238E27FC236}">
-                <a16:creationId xmlns:a16="http://schemas.microsoft.com/office/drawing/2014/main" id="{731873D3-5C7C-41A0-BF2F-4DB7C6A48DF9}"/>
+                <a16:creationId xmlns="" xmlns:a16="http://schemas.microsoft.com/office/drawing/2014/main" id="{731873D3-5C7C-41A0-BF2F-4DB7C6A48DF9}"/>
               </a:ext>
             </a:extLst>
           </p:cNvPr>
@@ -9734,7 +10796,7 @@
             <p:cNvPr id="81" name="図 80">
               <a:extLst>
                 <a:ext uri="{FF2B5EF4-FFF2-40B4-BE49-F238E27FC236}">
-                  <a16:creationId xmlns:a16="http://schemas.microsoft.com/office/drawing/2014/main" id="{2B62558E-00D4-4998-B60A-0A59E9884EFD}"/>
+                  <a16:creationId xmlns="" xmlns:a16="http://schemas.microsoft.com/office/drawing/2014/main" id="{2B62558E-00D4-4998-B60A-0A59E9884EFD}"/>
                 </a:ext>
               </a:extLst>
             </p:cNvPr>
@@ -9744,7 +10806,7 @@
             <p:nvPr/>
           </p:nvPicPr>
           <p:blipFill>
-            <a:blip r:embed="rId4"/>
+            <a:blip r:embed="rId4" cstate="print"/>
             <a:stretch>
               <a:fillRect/>
             </a:stretch>
@@ -9764,7 +10826,7 @@
             <p:cNvPr id="82" name="正方形/長方形 81">
               <a:extLst>
                 <a:ext uri="{FF2B5EF4-FFF2-40B4-BE49-F238E27FC236}">
-                  <a16:creationId xmlns:a16="http://schemas.microsoft.com/office/drawing/2014/main" id="{29B5FB21-E348-4F0D-9728-4C6629BF0281}"/>
+                  <a16:creationId xmlns="" xmlns:a16="http://schemas.microsoft.com/office/drawing/2014/main" id="{29B5FB21-E348-4F0D-9728-4C6629BF0281}"/>
                 </a:ext>
               </a:extLst>
             </p:cNvPr>
@@ -9801,19 +10863,40 @@
             <a:p>
               <a:pPr algn="ctr"/>
               <a:r>
-                <a:rPr kumimoji="1" lang="en-US" altLang="ja-JP" sz="1800" b="1" dirty="0">
+                <a:rPr kumimoji="1" lang="en-US" altLang="ja-JP" sz="1800" b="1" dirty="0" smtClean="0">
                   <a:solidFill>
-                    <a:srgbClr val="C00000"/>
+                    <a:srgbClr val="00B050"/>
                   </a:solidFill>
-                  <a:latin typeface="Arial Black" panose="020B0A04020102020204" pitchFamily="34" charset="0"/>
+                  <a:latin typeface="Arial Rounded MT Bold" pitchFamily="34" charset="0"/>
                 </a:rPr>
-                <a:t>Incomplete!</a:t>
+                <a:t>Incomplete</a:t>
+              </a:r>
+            </a:p>
+            <a:p>
+              <a:pPr algn="ctr"/>
+              <a:r>
+                <a:rPr lang="en-US" altLang="ja-JP" b="1" dirty="0" smtClean="0">
+                  <a:solidFill>
+                    <a:srgbClr val="00B050"/>
+                  </a:solidFill>
+                  <a:latin typeface="Arial Rounded MT Bold" pitchFamily="34" charset="0"/>
+                </a:rPr>
+                <a:t>Data</a:t>
+              </a:r>
+              <a:r>
+                <a:rPr kumimoji="1" lang="en-US" altLang="ja-JP" sz="1800" b="1" dirty="0" smtClean="0">
+                  <a:solidFill>
+                    <a:srgbClr val="00B050"/>
+                  </a:solidFill>
+                  <a:latin typeface="Arial Rounded MT Bold" pitchFamily="34" charset="0"/>
+                </a:rPr>
+                <a:t>!</a:t>
               </a:r>
               <a:endParaRPr kumimoji="1" lang="ja-JP" altLang="en-US" sz="1800" b="1" dirty="0">
                 <a:solidFill>
-                  <a:srgbClr val="C00000"/>
-                </a:solidFill>
-                <a:latin typeface="Arial Black" panose="020B0A04020102020204" pitchFamily="34" charset="0"/>
+                  <a:srgbClr val="00B050"/>
+                </a:solidFill>
+                <a:latin typeface="Arial Rounded MT Bold" pitchFamily="34" charset="0"/>
               </a:endParaRPr>
             </a:p>
           </p:txBody>
@@ -9823,7 +10906,7 @@
             <p:cNvPr id="83" name="正方形/長方形 82">
               <a:extLst>
                 <a:ext uri="{FF2B5EF4-FFF2-40B4-BE49-F238E27FC236}">
-                  <a16:creationId xmlns:a16="http://schemas.microsoft.com/office/drawing/2014/main" id="{59311676-83A5-4D66-97A9-0A7CDE791EF0}"/>
+                  <a16:creationId xmlns="" xmlns:a16="http://schemas.microsoft.com/office/drawing/2014/main" id="{59311676-83A5-4D66-97A9-0A7CDE791EF0}"/>
                 </a:ext>
               </a:extLst>
             </p:cNvPr>
@@ -9874,7 +10957,7 @@
             <p:cNvPr id="84" name="正方形/長方形 83">
               <a:extLst>
                 <a:ext uri="{FF2B5EF4-FFF2-40B4-BE49-F238E27FC236}">
-                  <a16:creationId xmlns:a16="http://schemas.microsoft.com/office/drawing/2014/main" id="{402A24A1-824F-40B6-A00B-C68B3411D049}"/>
+                  <a16:creationId xmlns="" xmlns:a16="http://schemas.microsoft.com/office/drawing/2014/main" id="{402A24A1-824F-40B6-A00B-C68B3411D049}"/>
                 </a:ext>
               </a:extLst>
             </p:cNvPr>
@@ -9921,10 +11004,494 @@
           </p:txBody>
         </p:sp>
       </p:grpSp>
+      <p:sp>
+        <p:nvSpPr>
+          <p:cNvPr id="85" name="上下矢印 84"/>
+          <p:cNvSpPr/>
+          <p:nvPr/>
+        </p:nvSpPr>
+        <p:spPr>
+          <a:xfrm>
+            <a:off x="1268963" y="2719873"/>
+            <a:ext cx="387221" cy="2808515"/>
+          </a:xfrm>
+          <a:prstGeom prst="upDownArrow">
+            <a:avLst/>
+          </a:prstGeom>
+          <a:solidFill>
+            <a:srgbClr val="F0C0C0"/>
+          </a:solidFill>
+          <a:ln>
+            <a:noFill/>
+          </a:ln>
+        </p:spPr>
+        <p:style>
+          <a:lnRef idx="2">
+            <a:schemeClr val="accent1">
+              <a:shade val="50000"/>
+            </a:schemeClr>
+          </a:lnRef>
+          <a:fillRef idx="1">
+            <a:schemeClr val="accent1"/>
+          </a:fillRef>
+          <a:effectRef idx="0">
+            <a:schemeClr val="accent1"/>
+          </a:effectRef>
+          <a:fontRef idx="minor">
+            <a:schemeClr val="lt1"/>
+          </a:fontRef>
+        </p:style>
+        <p:txBody>
+          <a:bodyPr rtlCol="0" anchor="ctr"/>
+          <a:lstStyle/>
+          <a:p>
+            <a:pPr algn="ctr"/>
+            <a:endParaRPr kumimoji="1" lang="ja-JP" altLang="en-US"/>
+          </a:p>
+        </p:txBody>
+      </p:sp>
+      <p:sp>
+        <p:nvSpPr>
+          <p:cNvPr id="87" name="上下矢印 86"/>
+          <p:cNvSpPr/>
+          <p:nvPr/>
+        </p:nvSpPr>
+        <p:spPr>
+          <a:xfrm>
+            <a:off x="1267408" y="5528388"/>
+            <a:ext cx="387221" cy="1045028"/>
+          </a:xfrm>
+          <a:prstGeom prst="upDownArrow">
+            <a:avLst/>
+          </a:prstGeom>
+          <a:solidFill>
+            <a:schemeClr val="bg1"/>
+          </a:solidFill>
+          <a:ln>
+            <a:solidFill>
+              <a:srgbClr val="C00000"/>
+            </a:solidFill>
+          </a:ln>
+        </p:spPr>
+        <p:style>
+          <a:lnRef idx="2">
+            <a:schemeClr val="accent1">
+              <a:shade val="50000"/>
+            </a:schemeClr>
+          </a:lnRef>
+          <a:fillRef idx="1">
+            <a:schemeClr val="accent1"/>
+          </a:fillRef>
+          <a:effectRef idx="0">
+            <a:schemeClr val="accent1"/>
+          </a:effectRef>
+          <a:fontRef idx="minor">
+            <a:schemeClr val="lt1"/>
+          </a:fontRef>
+        </p:style>
+        <p:txBody>
+          <a:bodyPr rtlCol="0" anchor="ctr"/>
+          <a:lstStyle/>
+          <a:p>
+            <a:pPr algn="ctr"/>
+            <a:endParaRPr kumimoji="1" lang="ja-JP" altLang="en-US"/>
+          </a:p>
+        </p:txBody>
+      </p:sp>
+      <p:sp>
+        <p:nvSpPr>
+          <p:cNvPr id="88" name="テキスト ボックス 87">
+            <a:extLst>
+              <a:ext uri="{FF2B5EF4-FFF2-40B4-BE49-F238E27FC236}">
+                <a16:creationId xmlns="" xmlns:a16="http://schemas.microsoft.com/office/drawing/2014/main" id="{09CFBB4F-7CC9-4564-B0AF-1472E15EDD5D}"/>
+              </a:ext>
+            </a:extLst>
+          </p:cNvPr>
+          <p:cNvSpPr txBox="1"/>
+          <p:nvPr/>
+        </p:nvSpPr>
+        <p:spPr>
+          <a:xfrm>
+            <a:off x="298623" y="3834915"/>
+            <a:ext cx="1086581" cy="584775"/>
+          </a:xfrm>
+          <a:prstGeom prst="rect">
+            <a:avLst/>
+          </a:prstGeom>
+          <a:noFill/>
+        </p:spPr>
+        <p:txBody>
+          <a:bodyPr wrap="none" rtlCol="0">
+            <a:spAutoFit/>
+          </a:bodyPr>
+          <a:lstStyle/>
+          <a:p>
+            <a:pPr algn="ctr"/>
+            <a:r>
+              <a:rPr kumimoji="1" lang="en-US" altLang="zh-CN" sz="1600" b="1" dirty="0">
+                <a:solidFill>
+                  <a:srgbClr val="C00000"/>
+                </a:solidFill>
+                <a:latin typeface="Arial Rounded MT Bold" panose="020F0704030504030204" pitchFamily="34" charset="0"/>
+                <a:cs typeface="Arial" panose="020B0604020202020204" pitchFamily="34" charset="0"/>
+              </a:rPr>
+              <a:t>Long </a:t>
+            </a:r>
+            <a:r>
+              <a:rPr kumimoji="1" lang="en-US" altLang="zh-CN" sz="1600" b="1" dirty="0" smtClean="0">
+                <a:solidFill>
+                  <a:srgbClr val="C00000"/>
+                </a:solidFill>
+                <a:latin typeface="Arial Rounded MT Bold" panose="020F0704030504030204" pitchFamily="34" charset="0"/>
+                <a:cs typeface="Arial" panose="020B0604020202020204" pitchFamily="34" charset="0"/>
+              </a:rPr>
+              <a:t>Tail</a:t>
+            </a:r>
+            <a:endParaRPr lang="en-US" altLang="zh-CN" sz="1600" b="1" dirty="0">
+              <a:solidFill>
+                <a:srgbClr val="C00000"/>
+              </a:solidFill>
+              <a:latin typeface="Arial Rounded MT Bold" panose="020F0704030504030204" pitchFamily="34" charset="0"/>
+              <a:cs typeface="Arial" panose="020B0604020202020204" pitchFamily="34" charset="0"/>
+            </a:endParaRPr>
+          </a:p>
+          <a:p>
+            <a:pPr algn="ctr"/>
+            <a:r>
+              <a:rPr kumimoji="1" lang="en-US" altLang="ja-JP" sz="1600" b="1" dirty="0" smtClean="0">
+                <a:solidFill>
+                  <a:srgbClr val="C00000"/>
+                </a:solidFill>
+                <a:latin typeface="Arial Rounded MT Bold" panose="020F0704030504030204" pitchFamily="34" charset="0"/>
+                <a:cs typeface="Arial" panose="020B0604020202020204" pitchFamily="34" charset="0"/>
+              </a:rPr>
+              <a:t>Problem</a:t>
+            </a:r>
+            <a:endParaRPr kumimoji="1" lang="ja-JP" altLang="en-US" sz="1600" b="1" dirty="0">
+              <a:solidFill>
+                <a:srgbClr val="C00000"/>
+              </a:solidFill>
+              <a:latin typeface="Arial Rounded MT Bold" panose="020F0704030504030204" pitchFamily="34" charset="0"/>
+              <a:cs typeface="Arial" panose="020B0604020202020204" pitchFamily="34" charset="0"/>
+            </a:endParaRPr>
+          </a:p>
+        </p:txBody>
+      </p:sp>
+      <p:sp>
+        <p:nvSpPr>
+          <p:cNvPr id="89" name="テキスト ボックス 88">
+            <a:extLst>
+              <a:ext uri="{FF2B5EF4-FFF2-40B4-BE49-F238E27FC236}">
+                <a16:creationId xmlns="" xmlns:a16="http://schemas.microsoft.com/office/drawing/2014/main" id="{09CFBB4F-7CC9-4564-B0AF-1472E15EDD5D}"/>
+              </a:ext>
+            </a:extLst>
+          </p:cNvPr>
+          <p:cNvSpPr txBox="1"/>
+          <p:nvPr/>
+        </p:nvSpPr>
+        <p:spPr>
+          <a:xfrm>
+            <a:off x="119565" y="5760850"/>
+            <a:ext cx="1245636" cy="584775"/>
+          </a:xfrm>
+          <a:prstGeom prst="rect">
+            <a:avLst/>
+          </a:prstGeom>
+          <a:noFill/>
+        </p:spPr>
+        <p:txBody>
+          <a:bodyPr wrap="square" rtlCol="0">
+            <a:spAutoFit/>
+          </a:bodyPr>
+          <a:lstStyle/>
+          <a:p>
+            <a:pPr algn="ctr"/>
+            <a:r>
+              <a:rPr kumimoji="1" lang="en-US" altLang="zh-CN" sz="1600" b="1" dirty="0" smtClean="0">
+                <a:solidFill>
+                  <a:srgbClr val="C00000"/>
+                </a:solidFill>
+                <a:latin typeface="Arial Rounded MT Bold" panose="020F0704030504030204" pitchFamily="34" charset="0"/>
+                <a:cs typeface="Arial" panose="020B0604020202020204" pitchFamily="34" charset="0"/>
+              </a:rPr>
+              <a:t>Cold-Start</a:t>
+            </a:r>
+            <a:r>
+              <a:rPr lang="ja-JP" altLang="en-US" sz="1600" b="1" dirty="0" smtClean="0">
+                <a:solidFill>
+                  <a:srgbClr val="C00000"/>
+                </a:solidFill>
+                <a:latin typeface="Arial Rounded MT Bold" panose="020F0704030504030204" pitchFamily="34" charset="0"/>
+                <a:cs typeface="Arial" panose="020B0604020202020204" pitchFamily="34" charset="0"/>
+              </a:rPr>
+              <a:t> </a:t>
+            </a:r>
+            <a:r>
+              <a:rPr kumimoji="1" lang="en-US" altLang="ja-JP" sz="1600" b="1" dirty="0" smtClean="0">
+                <a:solidFill>
+                  <a:srgbClr val="C00000"/>
+                </a:solidFill>
+                <a:latin typeface="Arial Rounded MT Bold" panose="020F0704030504030204" pitchFamily="34" charset="0"/>
+                <a:cs typeface="Arial" panose="020B0604020202020204" pitchFamily="34" charset="0"/>
+              </a:rPr>
+              <a:t>Problem</a:t>
+            </a:r>
+            <a:endParaRPr kumimoji="1" lang="ja-JP" altLang="en-US" sz="1600" b="1" dirty="0">
+              <a:solidFill>
+                <a:srgbClr val="C00000"/>
+              </a:solidFill>
+              <a:latin typeface="Arial Rounded MT Bold" panose="020F0704030504030204" pitchFamily="34" charset="0"/>
+              <a:cs typeface="Arial" panose="020B0604020202020204" pitchFamily="34" charset="0"/>
+            </a:endParaRPr>
+          </a:p>
+        </p:txBody>
+      </p:sp>
+      <p:sp>
+        <p:nvSpPr>
+          <p:cNvPr id="90" name="上下矢印 89"/>
+          <p:cNvSpPr/>
+          <p:nvPr/>
+        </p:nvSpPr>
+        <p:spPr>
+          <a:xfrm>
+            <a:off x="7476931" y="2713653"/>
+            <a:ext cx="387221" cy="2808515"/>
+          </a:xfrm>
+          <a:prstGeom prst="upDownArrow">
+            <a:avLst/>
+          </a:prstGeom>
+          <a:solidFill>
+            <a:srgbClr val="C0C0F0"/>
+          </a:solidFill>
+          <a:ln>
+            <a:noFill/>
+          </a:ln>
+        </p:spPr>
+        <p:style>
+          <a:lnRef idx="2">
+            <a:schemeClr val="accent1">
+              <a:shade val="50000"/>
+            </a:schemeClr>
+          </a:lnRef>
+          <a:fillRef idx="1">
+            <a:schemeClr val="accent1"/>
+          </a:fillRef>
+          <a:effectRef idx="0">
+            <a:schemeClr val="accent1"/>
+          </a:effectRef>
+          <a:fontRef idx="minor">
+            <a:schemeClr val="lt1"/>
+          </a:fontRef>
+        </p:style>
+        <p:txBody>
+          <a:bodyPr rtlCol="0" anchor="ctr"/>
+          <a:lstStyle/>
+          <a:p>
+            <a:pPr algn="ctr"/>
+            <a:endParaRPr kumimoji="1" lang="ja-JP" altLang="en-US"/>
+          </a:p>
+        </p:txBody>
+      </p:sp>
+      <p:sp>
+        <p:nvSpPr>
+          <p:cNvPr id="91" name="上下矢印 90"/>
+          <p:cNvSpPr/>
+          <p:nvPr/>
+        </p:nvSpPr>
+        <p:spPr>
+          <a:xfrm>
+            <a:off x="7475376" y="5522168"/>
+            <a:ext cx="387221" cy="1045028"/>
+          </a:xfrm>
+          <a:prstGeom prst="upDownArrow">
+            <a:avLst/>
+          </a:prstGeom>
+          <a:solidFill>
+            <a:schemeClr val="bg1"/>
+          </a:solidFill>
+          <a:ln>
+            <a:solidFill>
+              <a:srgbClr val="002060"/>
+            </a:solidFill>
+          </a:ln>
+        </p:spPr>
+        <p:style>
+          <a:lnRef idx="2">
+            <a:schemeClr val="accent1">
+              <a:shade val="50000"/>
+            </a:schemeClr>
+          </a:lnRef>
+          <a:fillRef idx="1">
+            <a:schemeClr val="accent1"/>
+          </a:fillRef>
+          <a:effectRef idx="0">
+            <a:schemeClr val="accent1"/>
+          </a:effectRef>
+          <a:fontRef idx="minor">
+            <a:schemeClr val="lt1"/>
+          </a:fontRef>
+        </p:style>
+        <p:txBody>
+          <a:bodyPr rtlCol="0" anchor="ctr"/>
+          <a:lstStyle/>
+          <a:p>
+            <a:pPr algn="ctr"/>
+            <a:endParaRPr kumimoji="1" lang="ja-JP" altLang="en-US"/>
+          </a:p>
+        </p:txBody>
+      </p:sp>
+      <p:sp>
+        <p:nvSpPr>
+          <p:cNvPr id="92" name="テキスト ボックス 91">
+            <a:extLst>
+              <a:ext uri="{FF2B5EF4-FFF2-40B4-BE49-F238E27FC236}">
+                <a16:creationId xmlns="" xmlns:a16="http://schemas.microsoft.com/office/drawing/2014/main" id="{09CFBB4F-7CC9-4564-B0AF-1472E15EDD5D}"/>
+              </a:ext>
+            </a:extLst>
+          </p:cNvPr>
+          <p:cNvSpPr txBox="1"/>
+          <p:nvPr/>
+        </p:nvSpPr>
+        <p:spPr>
+          <a:xfrm>
+            <a:off x="7752230" y="3824024"/>
+            <a:ext cx="1086581" cy="584775"/>
+          </a:xfrm>
+          <a:prstGeom prst="rect">
+            <a:avLst/>
+          </a:prstGeom>
+          <a:noFill/>
+        </p:spPr>
+        <p:txBody>
+          <a:bodyPr wrap="none" rtlCol="0">
+            <a:spAutoFit/>
+          </a:bodyPr>
+          <a:lstStyle/>
+          <a:p>
+            <a:pPr algn="ctr"/>
+            <a:r>
+              <a:rPr kumimoji="1" lang="en-US" altLang="zh-CN" sz="1600" b="1" dirty="0">
+                <a:solidFill>
+                  <a:srgbClr val="0070C0"/>
+                </a:solidFill>
+                <a:latin typeface="Arial Rounded MT Bold" panose="020F0704030504030204" pitchFamily="34" charset="0"/>
+                <a:cs typeface="Arial" panose="020B0604020202020204" pitchFamily="34" charset="0"/>
+              </a:rPr>
+              <a:t>Long </a:t>
+            </a:r>
+            <a:r>
+              <a:rPr kumimoji="1" lang="en-US" altLang="zh-CN" sz="1600" b="1" dirty="0" smtClean="0">
+                <a:solidFill>
+                  <a:srgbClr val="0070C0"/>
+                </a:solidFill>
+                <a:latin typeface="Arial Rounded MT Bold" panose="020F0704030504030204" pitchFamily="34" charset="0"/>
+                <a:cs typeface="Arial" panose="020B0604020202020204" pitchFamily="34" charset="0"/>
+              </a:rPr>
+              <a:t>Tail</a:t>
+            </a:r>
+            <a:endParaRPr lang="en-US" altLang="zh-CN" sz="1600" b="1" dirty="0">
+              <a:solidFill>
+                <a:srgbClr val="0070C0"/>
+              </a:solidFill>
+              <a:latin typeface="Arial Rounded MT Bold" panose="020F0704030504030204" pitchFamily="34" charset="0"/>
+              <a:cs typeface="Arial" panose="020B0604020202020204" pitchFamily="34" charset="0"/>
+            </a:endParaRPr>
+          </a:p>
+          <a:p>
+            <a:pPr algn="ctr"/>
+            <a:r>
+              <a:rPr kumimoji="1" lang="en-US" altLang="ja-JP" sz="1600" b="1" dirty="0" smtClean="0">
+                <a:solidFill>
+                  <a:srgbClr val="0070C0"/>
+                </a:solidFill>
+                <a:latin typeface="Arial Rounded MT Bold" panose="020F0704030504030204" pitchFamily="34" charset="0"/>
+                <a:cs typeface="Arial" panose="020B0604020202020204" pitchFamily="34" charset="0"/>
+              </a:rPr>
+              <a:t>Problem</a:t>
+            </a:r>
+            <a:endParaRPr kumimoji="1" lang="ja-JP" altLang="en-US" sz="1600" b="1" dirty="0">
+              <a:solidFill>
+                <a:srgbClr val="0070C0"/>
+              </a:solidFill>
+              <a:latin typeface="Arial Rounded MT Bold" panose="020F0704030504030204" pitchFamily="34" charset="0"/>
+              <a:cs typeface="Arial" panose="020B0604020202020204" pitchFamily="34" charset="0"/>
+            </a:endParaRPr>
+          </a:p>
+        </p:txBody>
+      </p:sp>
+      <p:sp>
+        <p:nvSpPr>
+          <p:cNvPr id="93" name="テキスト ボックス 92">
+            <a:extLst>
+              <a:ext uri="{FF2B5EF4-FFF2-40B4-BE49-F238E27FC236}">
+                <a16:creationId xmlns="" xmlns:a16="http://schemas.microsoft.com/office/drawing/2014/main" id="{09CFBB4F-7CC9-4564-B0AF-1472E15EDD5D}"/>
+              </a:ext>
+            </a:extLst>
+          </p:cNvPr>
+          <p:cNvSpPr txBox="1"/>
+          <p:nvPr/>
+        </p:nvSpPr>
+        <p:spPr>
+          <a:xfrm>
+            <a:off x="7764437" y="5749959"/>
+            <a:ext cx="1245636" cy="584775"/>
+          </a:xfrm>
+          <a:prstGeom prst="rect">
+            <a:avLst/>
+          </a:prstGeom>
+          <a:noFill/>
+        </p:spPr>
+        <p:txBody>
+          <a:bodyPr wrap="square" rtlCol="0">
+            <a:spAutoFit/>
+          </a:bodyPr>
+          <a:lstStyle/>
+          <a:p>
+            <a:pPr algn="ctr"/>
+            <a:r>
+              <a:rPr kumimoji="1" lang="en-US" altLang="zh-CN" sz="1600" b="1" dirty="0" smtClean="0">
+                <a:solidFill>
+                  <a:srgbClr val="0070C0"/>
+                </a:solidFill>
+                <a:latin typeface="Arial Rounded MT Bold" panose="020F0704030504030204" pitchFamily="34" charset="0"/>
+                <a:cs typeface="Arial" panose="020B0604020202020204" pitchFamily="34" charset="0"/>
+              </a:rPr>
+              <a:t>Cold-Start</a:t>
+            </a:r>
+            <a:r>
+              <a:rPr lang="ja-JP" altLang="en-US" sz="1600" b="1" dirty="0" smtClean="0">
+                <a:solidFill>
+                  <a:srgbClr val="0070C0"/>
+                </a:solidFill>
+                <a:latin typeface="Arial Rounded MT Bold" panose="020F0704030504030204" pitchFamily="34" charset="0"/>
+                <a:cs typeface="Arial" panose="020B0604020202020204" pitchFamily="34" charset="0"/>
+              </a:rPr>
+              <a:t> </a:t>
+            </a:r>
+            <a:r>
+              <a:rPr kumimoji="1" lang="en-US" altLang="ja-JP" sz="1600" b="1" dirty="0" smtClean="0">
+                <a:solidFill>
+                  <a:srgbClr val="0070C0"/>
+                </a:solidFill>
+                <a:latin typeface="Arial Rounded MT Bold" panose="020F0704030504030204" pitchFamily="34" charset="0"/>
+                <a:cs typeface="Arial" panose="020B0604020202020204" pitchFamily="34" charset="0"/>
+              </a:rPr>
+              <a:t>Problem</a:t>
+            </a:r>
+            <a:endParaRPr kumimoji="1" lang="ja-JP" altLang="en-US" sz="1600" b="1" dirty="0">
+              <a:solidFill>
+                <a:srgbClr val="0070C0"/>
+              </a:solidFill>
+              <a:latin typeface="Arial Rounded MT Bold" panose="020F0704030504030204" pitchFamily="34" charset="0"/>
+              <a:cs typeface="Arial" panose="020B0604020202020204" pitchFamily="34" charset="0"/>
+            </a:endParaRPr>
+          </a:p>
+        </p:txBody>
+      </p:sp>
     </p:spTree>
     <p:extLst>
       <p:ext uri="{BB962C8B-B14F-4D97-AF65-F5344CB8AC3E}">
-        <p14:creationId xmlns:p14="http://schemas.microsoft.com/office/powerpoint/2010/main" val="2107093398"/>
+        <p14:creationId xmlns="" xmlns:p14="http://schemas.microsoft.com/office/powerpoint/2010/main" val="2107093398"/>
       </p:ext>
     </p:extLst>
   </p:cSld>
@@ -9934,7 +11501,129 @@
 </p:sld>
 </file>
 
-<file path=ppt/slides/slide5.xml><?xml version="1.0" encoding="utf-8"?>
+<file path=ppt/slides/slide6.xml><?xml version="1.0" encoding="utf-8"?>
+<p:sld xmlns:a="http://schemas.openxmlformats.org/drawingml/2006/main" xmlns:r="http://schemas.openxmlformats.org/officeDocument/2006/relationships" xmlns:p="http://schemas.openxmlformats.org/presentationml/2006/main">
+  <p:cSld>
+    <p:spTree>
+      <p:nvGrpSpPr>
+        <p:cNvPr id="1" name=""/>
+        <p:cNvGrpSpPr/>
+        <p:nvPr/>
+      </p:nvGrpSpPr>
+      <p:grpSpPr>
+        <a:xfrm>
+          <a:off x="0" y="0"/>
+          <a:ext cx="0" cy="0"/>
+          <a:chOff x="0" y="0"/>
+          <a:chExt cx="0" cy="0"/>
+        </a:xfrm>
+      </p:grpSpPr>
+      <p:sp>
+        <p:nvSpPr>
+          <p:cNvPr id="2" name="タイトル 1"/>
+          <p:cNvSpPr>
+            <a:spLocks noGrp="1"/>
+          </p:cNvSpPr>
+          <p:nvPr>
+            <p:ph type="title"/>
+          </p:nvPr>
+        </p:nvSpPr>
+        <p:spPr/>
+        <p:txBody>
+          <a:bodyPr/>
+          <a:lstStyle/>
+          <a:p>
+            <a:r>
+              <a:rPr lang="en-US" altLang="zh-CN" dirty="0" smtClean="0"/>
+              <a:t>Future: Bandit for Long Tail &amp; Cold-Start</a:t>
+            </a:r>
+            <a:endParaRPr kumimoji="1" lang="ja-JP" altLang="en-US" dirty="0"/>
+          </a:p>
+        </p:txBody>
+      </p:sp>
+      <p:sp>
+        <p:nvSpPr>
+          <p:cNvPr id="3" name="コンテンツ プレースホルダ 2"/>
+          <p:cNvSpPr>
+            <a:spLocks noGrp="1"/>
+          </p:cNvSpPr>
+          <p:nvPr>
+            <p:ph idx="1"/>
+          </p:nvPr>
+        </p:nvSpPr>
+        <p:spPr/>
+        <p:txBody>
+          <a:bodyPr/>
+          <a:lstStyle/>
+          <a:p>
+            <a:r>
+              <a:rPr lang="en-US" altLang="ja-JP" dirty="0" smtClean="0"/>
+              <a:t>Task</a:t>
+            </a:r>
+          </a:p>
+          <a:p>
+            <a:pPr lvl="1"/>
+            <a:r>
+              <a:rPr lang="en-US" altLang="ja-JP" dirty="0" smtClean="0"/>
+              <a:t>How to analyze the long tail (incomplete) data?</a:t>
+            </a:r>
+          </a:p>
+          <a:p>
+            <a:pPr lvl="1"/>
+            <a:r>
+              <a:rPr lang="en-US" altLang="ja-JP" dirty="0" smtClean="0"/>
+              <a:t>What items should be recommended to light/new users?</a:t>
+            </a:r>
+          </a:p>
+          <a:p>
+            <a:pPr lvl="1"/>
+            <a:r>
+              <a:rPr lang="en-US" altLang="ja-JP" dirty="0" smtClean="0"/>
+              <a:t>Whom should light/new items be recommended to?</a:t>
+            </a:r>
+          </a:p>
+          <a:p>
+            <a:endParaRPr kumimoji="1" lang="en-US" altLang="ja-JP" dirty="0" smtClean="0"/>
+          </a:p>
+          <a:p>
+            <a:r>
+              <a:rPr lang="en-US" altLang="ja-JP" dirty="0" smtClean="0"/>
+              <a:t>Applications</a:t>
+            </a:r>
+          </a:p>
+          <a:p>
+            <a:pPr lvl="1"/>
+            <a:r>
+              <a:rPr lang="en-US" altLang="ja-JP" dirty="0" smtClean="0"/>
+              <a:t>Recommender system</a:t>
+            </a:r>
+          </a:p>
+          <a:p>
+            <a:pPr lvl="1"/>
+            <a:r>
+              <a:rPr lang="en-US" altLang="ja-JP" dirty="0" smtClean="0"/>
+              <a:t>Advertisement</a:t>
+            </a:r>
+          </a:p>
+          <a:p>
+            <a:pPr lvl="1"/>
+            <a:r>
+              <a:rPr lang="en-US" altLang="ja-JP" dirty="0" smtClean="0"/>
+              <a:t>User preference extraction</a:t>
+            </a:r>
+            <a:endParaRPr kumimoji="1" lang="ja-JP" altLang="en-US" dirty="0"/>
+          </a:p>
+        </p:txBody>
+      </p:sp>
+    </p:spTree>
+  </p:cSld>
+  <p:clrMapOvr>
+    <a:masterClrMapping/>
+  </p:clrMapOvr>
+</p:sld>
+</file>
+
+<file path=ppt/slides/slide7.xml><?xml version="1.0" encoding="utf-8"?>
 <p:sld xmlns:a="http://schemas.openxmlformats.org/drawingml/2006/main" xmlns:r="http://schemas.openxmlformats.org/officeDocument/2006/relationships" xmlns:p="http://schemas.openxmlformats.org/presentationml/2006/main">
   <p:cSld>
     <p:spTree>
@@ -9956,7 +11645,7 @@
           <p:cNvPr id="2" name="タイトル 1">
             <a:extLst>
               <a:ext uri="{FF2B5EF4-FFF2-40B4-BE49-F238E27FC236}">
-                <a16:creationId xmlns:a16="http://schemas.microsoft.com/office/drawing/2014/main" id="{5B320426-BEDA-4422-AEBA-468B02EEA701}"/>
+                <a16:creationId xmlns="" xmlns:a16="http://schemas.microsoft.com/office/drawing/2014/main" id="{5B320426-BEDA-4422-AEBA-468B02EEA701}"/>
               </a:ext>
             </a:extLst>
           </p:cNvPr>
@@ -9972,7 +11661,11 @@
           <a:bodyPr/>
           <a:lstStyle/>
           <a:p>
-            <a:endParaRPr kumimoji="1" lang="ja-JP" altLang="en-US"/>
+            <a:r>
+              <a:rPr lang="en-US" altLang="zh-CN" dirty="0" smtClean="0"/>
+              <a:t>Future: Bandit for Long Tail &amp; Cold-Start</a:t>
+            </a:r>
+            <a:endParaRPr kumimoji="1" lang="ja-JP" altLang="en-US" dirty="0"/>
           </a:p>
         </p:txBody>
       </p:sp>
@@ -9981,7 +11674,7 @@
           <p:cNvPr id="3" name="コンテンツ プレースホルダー 2">
             <a:extLst>
               <a:ext uri="{FF2B5EF4-FFF2-40B4-BE49-F238E27FC236}">
-                <a16:creationId xmlns:a16="http://schemas.microsoft.com/office/drawing/2014/main" id="{84A5E022-B4F5-47C5-85C8-E2A0648B2662}"/>
+                <a16:creationId xmlns="" xmlns:a16="http://schemas.microsoft.com/office/drawing/2014/main" id="{84A5E022-B4F5-47C5-85C8-E2A0648B2662}"/>
               </a:ext>
             </a:extLst>
           </p:cNvPr>
@@ -9997,6 +11690,10 @@
           <a:bodyPr/>
           <a:lstStyle/>
           <a:p>
+            <a:r>
+              <a:rPr kumimoji="1" lang="en-US" altLang="zh-CN" dirty="0" smtClean="0"/>
+              <a:t>Solution: Combining bandit mechanism with complex models.</a:t>
+            </a:r>
             <a:endParaRPr kumimoji="1" lang="ja-JP" altLang="en-US" dirty="0"/>
           </a:p>
         </p:txBody>
@@ -10006,7 +11703,7 @@
           <p:cNvPr id="4" name="図 3">
             <a:extLst>
               <a:ext uri="{FF2B5EF4-FFF2-40B4-BE49-F238E27FC236}">
-                <a16:creationId xmlns:a16="http://schemas.microsoft.com/office/drawing/2014/main" id="{6C36F402-4516-45A9-B4CD-6EDA6AD24A50}"/>
+                <a16:creationId xmlns="" xmlns:a16="http://schemas.microsoft.com/office/drawing/2014/main" id="{6C36F402-4516-45A9-B4CD-6EDA6AD24A50}"/>
               </a:ext>
             </a:extLst>
           </p:cNvPr>
@@ -10016,7 +11713,7 @@
           <p:nvPr/>
         </p:nvPicPr>
         <p:blipFill>
-          <a:blip r:embed="rId2"/>
+          <a:blip r:embed="rId2" cstate="print"/>
           <a:stretch>
             <a:fillRect/>
           </a:stretch>
@@ -10036,7 +11733,7 @@
           <p:cNvPr id="5" name="正方形/長方形 4">
             <a:extLst>
               <a:ext uri="{FF2B5EF4-FFF2-40B4-BE49-F238E27FC236}">
-                <a16:creationId xmlns:a16="http://schemas.microsoft.com/office/drawing/2014/main" id="{3017CD5F-B679-4FE1-8953-716A0A0F1E0F}"/>
+                <a16:creationId xmlns="" xmlns:a16="http://schemas.microsoft.com/office/drawing/2014/main" id="{3017CD5F-B679-4FE1-8953-716A0A0F1E0F}"/>
               </a:ext>
             </a:extLst>
           </p:cNvPr>
@@ -10078,8 +11775,7 @@
               <a:solidFill>
                 <a:schemeClr val="tx1"/>
               </a:solidFill>
-              <a:latin typeface="+mn-ea"/>
-              <a:ea typeface="+mn-ea"/>
+              <a:latin typeface="Arial Rounded MT Bold" pitchFamily="34" charset="0"/>
             </a:endParaRPr>
           </a:p>
         </p:txBody>
@@ -10089,7 +11785,7 @@
           <p:cNvPr id="6" name="楕円 5">
             <a:extLst>
               <a:ext uri="{FF2B5EF4-FFF2-40B4-BE49-F238E27FC236}">
-                <a16:creationId xmlns:a16="http://schemas.microsoft.com/office/drawing/2014/main" id="{15D548E0-C33C-4818-A34D-8949C03C5A8F}"/>
+                <a16:creationId xmlns="" xmlns:a16="http://schemas.microsoft.com/office/drawing/2014/main" id="{15D548E0-C33C-4818-A34D-8949C03C5A8F}"/>
               </a:ext>
             </a:extLst>
           </p:cNvPr>
@@ -10126,35 +11822,62 @@
           <a:p>
             <a:pPr algn="ctr"/>
             <a:r>
-              <a:rPr kumimoji="1" lang="ja-JP" altLang="en-US" sz="3200" b="1" dirty="0">
+              <a:rPr kumimoji="1" lang="en-US" altLang="ja-JP" sz="3200" b="1" dirty="0" smtClean="0">
                 <a:solidFill>
                   <a:schemeClr val="tx1"/>
                 </a:solidFill>
-                <a:latin typeface="+mn-ea"/>
-                <a:ea typeface="+mn-ea"/>
+                <a:latin typeface="Arial Rounded MT Bold" pitchFamily="34" charset="0"/>
               </a:rPr>
-              <a:t>強化</a:t>
-            </a:r>
-            <a:endParaRPr kumimoji="1" lang="en-US" altLang="ja-JP" sz="3200" b="1" dirty="0">
+              <a:t>RL</a:t>
+            </a:r>
+          </a:p>
+          <a:p>
+            <a:pPr algn="ctr"/>
+            <a:r>
+              <a:rPr lang="en-US" altLang="ja-JP" sz="1200" b="1" dirty="0" smtClean="0">
+                <a:latin typeface="Arial Rounded MT Bold" pitchFamily="34" charset="0"/>
+              </a:rPr>
+              <a:t>(</a:t>
+            </a:r>
+            <a:r>
+              <a:rPr lang="en-US" altLang="ja-JP" sz="1200" b="1" u="sng" dirty="0" smtClean="0">
+                <a:latin typeface="Arial Rounded MT Bold" pitchFamily="34" charset="0"/>
+              </a:rPr>
+              <a:t>R</a:t>
+            </a:r>
+            <a:r>
+              <a:rPr lang="en-US" altLang="ja-JP" sz="1200" b="1" dirty="0" smtClean="0">
+                <a:latin typeface="Arial Rounded MT Bold" pitchFamily="34" charset="0"/>
+              </a:rPr>
+              <a:t>einforcement</a:t>
+            </a:r>
+          </a:p>
+          <a:p>
+            <a:pPr algn="ctr"/>
+            <a:r>
+              <a:rPr kumimoji="1" lang="en-US" altLang="ja-JP" sz="1200" b="1" u="sng" dirty="0" smtClean="0">
+                <a:solidFill>
+                  <a:schemeClr val="tx1"/>
+                </a:solidFill>
+                <a:latin typeface="Arial Rounded MT Bold" pitchFamily="34" charset="0"/>
+              </a:rPr>
+              <a:t>L</a:t>
+            </a:r>
+            <a:r>
+              <a:rPr kumimoji="1" lang="en-US" altLang="ja-JP" sz="1200" b="1" dirty="0" smtClean="0">
+                <a:solidFill>
+                  <a:schemeClr val="tx1"/>
+                </a:solidFill>
+                <a:latin typeface="Arial Rounded MT Bold" pitchFamily="34" charset="0"/>
+              </a:rPr>
+              <a:t>earning)</a:t>
+            </a:r>
+            <a:endParaRPr kumimoji="1" lang="ja-JP" altLang="en-US" sz="3200" b="1" dirty="0">
               <a:solidFill>
                 <a:schemeClr val="tx1"/>
               </a:solidFill>
-              <a:latin typeface="+mn-ea"/>
-              <a:ea typeface="+mn-ea"/>
+              <a:latin typeface="Arial Rounded MT Bold" pitchFamily="34" charset="0"/>
             </a:endParaRPr>
-          </a:p>
-          <a:p>
-            <a:pPr algn="ctr"/>
-            <a:r>
-              <a:rPr kumimoji="1" lang="ja-JP" altLang="en-US" sz="3200" b="1" dirty="0">
-                <a:solidFill>
-                  <a:schemeClr val="tx1"/>
-                </a:solidFill>
-                <a:latin typeface="+mn-ea"/>
-                <a:ea typeface="+mn-ea"/>
-              </a:rPr>
-              <a:t>学習</a:t>
-            </a:r>
           </a:p>
         </p:txBody>
       </p:sp>
@@ -10163,7 +11886,7 @@
           <p:cNvPr id="7" name="グループ化 6">
             <a:extLst>
               <a:ext uri="{FF2B5EF4-FFF2-40B4-BE49-F238E27FC236}">
-                <a16:creationId xmlns:a16="http://schemas.microsoft.com/office/drawing/2014/main" id="{C7C040D4-3B4B-4DAA-8EB7-6E82C2A46562}"/>
+                <a16:creationId xmlns="" xmlns:a16="http://schemas.microsoft.com/office/drawing/2014/main" id="{C7C040D4-3B4B-4DAA-8EB7-6E82C2A46562}"/>
               </a:ext>
             </a:extLst>
           </p:cNvPr>
@@ -10183,7 +11906,7 @@
             <p:cNvPr id="8" name="図 7">
               <a:extLst>
                 <a:ext uri="{FF2B5EF4-FFF2-40B4-BE49-F238E27FC236}">
-                  <a16:creationId xmlns:a16="http://schemas.microsoft.com/office/drawing/2014/main" id="{DADF4055-5F77-4A1F-855F-FFFDDE7E5166}"/>
+                  <a16:creationId xmlns="" xmlns:a16="http://schemas.microsoft.com/office/drawing/2014/main" id="{DADF4055-5F77-4A1F-855F-FFFDDE7E5166}"/>
                 </a:ext>
               </a:extLst>
             </p:cNvPr>
@@ -10193,7 +11916,7 @@
             <p:nvPr/>
           </p:nvPicPr>
           <p:blipFill>
-            <a:blip r:embed="rId3"/>
+            <a:blip r:embed="rId3" cstate="print"/>
             <a:stretch>
               <a:fillRect/>
             </a:stretch>
@@ -10218,7 +11941,7 @@
             <p:cNvPr id="9" name="テキスト ボックス 8">
               <a:extLst>
                 <a:ext uri="{FF2B5EF4-FFF2-40B4-BE49-F238E27FC236}">
-                  <a16:creationId xmlns:a16="http://schemas.microsoft.com/office/drawing/2014/main" id="{14718B77-1DE0-4D15-B031-D3330DC02365}"/>
+                  <a16:creationId xmlns="" xmlns:a16="http://schemas.microsoft.com/office/drawing/2014/main" id="{14718B77-1DE0-4D15-B031-D3330DC02365}"/>
                 </a:ext>
               </a:extLst>
             </p:cNvPr>
@@ -10228,7 +11951,7 @@
           <p:spPr>
             <a:xfrm>
               <a:off x="4800898" y="3914913"/>
-              <a:ext cx="614271" cy="490904"/>
+              <a:ext cx="554960" cy="523220"/>
             </a:xfrm>
             <a:prstGeom prst="rect">
               <a:avLst/>
@@ -10246,8 +11969,7 @@
                   <a:solidFill>
                     <a:schemeClr val="tx1"/>
                   </a:solidFill>
-                  <a:latin typeface="Courier New" panose="02070309020205020404" pitchFamily="49" charset="0"/>
-                  <a:ea typeface="+mn-ea"/>
+                  <a:latin typeface="Arial Rounded MT Bold" pitchFamily="34" charset="0"/>
                   <a:cs typeface="Courier New" panose="02070309020205020404" pitchFamily="49" charset="0"/>
                 </a:rPr>
                 <a:t>AI</a:t>
@@ -10256,8 +11978,7 @@
                 <a:solidFill>
                   <a:schemeClr val="tx1"/>
                 </a:solidFill>
-                <a:latin typeface="Courier New" panose="02070309020205020404" pitchFamily="49" charset="0"/>
-                <a:ea typeface="+mn-ea"/>
+                <a:latin typeface="Arial Rounded MT Bold" pitchFamily="34" charset="0"/>
                 <a:cs typeface="Courier New" panose="02070309020205020404" pitchFamily="49" charset="0"/>
               </a:endParaRPr>
             </a:p>
@@ -10269,7 +11990,7 @@
           <p:cNvPr id="10" name="グループ化 9">
             <a:extLst>
               <a:ext uri="{FF2B5EF4-FFF2-40B4-BE49-F238E27FC236}">
-                <a16:creationId xmlns:a16="http://schemas.microsoft.com/office/drawing/2014/main" id="{8329EA09-CFB4-4D7B-BDBD-B3954FCDF12E}"/>
+                <a16:creationId xmlns="" xmlns:a16="http://schemas.microsoft.com/office/drawing/2014/main" id="{8329EA09-CFB4-4D7B-BDBD-B3954FCDF12E}"/>
               </a:ext>
             </a:extLst>
           </p:cNvPr>
@@ -10279,9 +12000,9 @@
         <p:grpSpPr>
           <a:xfrm>
             <a:off x="5226432" y="4034766"/>
-            <a:ext cx="1686339" cy="1691986"/>
+            <a:ext cx="1705383" cy="1691986"/>
             <a:chOff x="3728830" y="1451582"/>
-            <a:chExt cx="1686339" cy="1691986"/>
+            <a:chExt cx="1705383" cy="1691986"/>
           </a:xfrm>
           <a:solidFill>
             <a:schemeClr val="bg1"/>
@@ -10292,7 +12013,7 @@
             <p:cNvPr id="11" name="図 10">
               <a:extLst>
                 <a:ext uri="{FF2B5EF4-FFF2-40B4-BE49-F238E27FC236}">
-                  <a16:creationId xmlns:a16="http://schemas.microsoft.com/office/drawing/2014/main" id="{6AEDD89B-1501-46EA-A7C0-87950A6D25A4}"/>
+                  <a16:creationId xmlns="" xmlns:a16="http://schemas.microsoft.com/office/drawing/2014/main" id="{6AEDD89B-1501-46EA-A7C0-87950A6D25A4}"/>
                 </a:ext>
               </a:extLst>
             </p:cNvPr>
@@ -10302,7 +12023,7 @@
             <p:nvPr/>
           </p:nvPicPr>
           <p:blipFill>
-            <a:blip r:embed="rId4"/>
+            <a:blip r:embed="rId4" cstate="print"/>
             <a:stretch>
               <a:fillRect/>
             </a:stretch>
@@ -10328,7 +12049,7 @@
             <p:cNvPr id="12" name="テキスト ボックス 11">
               <a:extLst>
                 <a:ext uri="{FF2B5EF4-FFF2-40B4-BE49-F238E27FC236}">
-                  <a16:creationId xmlns:a16="http://schemas.microsoft.com/office/drawing/2014/main" id="{BB63F541-1A78-4163-9E0D-99F736B7E2EE}"/>
+                  <a16:creationId xmlns="" xmlns:a16="http://schemas.microsoft.com/office/drawing/2014/main" id="{BB63F541-1A78-4163-9E0D-99F736B7E2EE}"/>
                 </a:ext>
               </a:extLst>
             </p:cNvPr>
@@ -10337,8 +12058,8 @@
           </p:nvSpPr>
           <p:spPr>
             <a:xfrm>
-              <a:off x="4717542" y="1451582"/>
-              <a:ext cx="697627" cy="369332"/>
+              <a:off x="4147899" y="1451582"/>
+              <a:ext cx="1286314" cy="307777"/>
             </a:xfrm>
             <a:prstGeom prst="rect">
               <a:avLst/>
@@ -10351,16 +12072,22 @@
             </a:bodyPr>
             <a:lstStyle/>
             <a:p>
+              <a:pPr algn="r"/>
               <a:r>
-                <a:rPr kumimoji="1" lang="ja-JP" altLang="en-US" sz="2000" b="1" dirty="0">
+                <a:rPr kumimoji="1" lang="en-US" altLang="ja-JP" sz="1400" b="1" dirty="0" smtClean="0">
                   <a:solidFill>
                     <a:schemeClr val="tx1"/>
                   </a:solidFill>
-                  <a:latin typeface="+mn-ea"/>
-                  <a:ea typeface="+mn-ea"/>
+                  <a:latin typeface="Arial Rounded MT Bold" pitchFamily="34" charset="0"/>
                 </a:rPr>
-                <a:t>環境</a:t>
+                <a:t>Environment</a:t>
               </a:r>
+              <a:endParaRPr kumimoji="1" lang="ja-JP" altLang="en-US" sz="1400" b="1" dirty="0">
+                <a:solidFill>
+                  <a:schemeClr val="tx1"/>
+                </a:solidFill>
+                <a:latin typeface="Arial Rounded MT Bold" pitchFamily="34" charset="0"/>
+              </a:endParaRPr>
             </a:p>
           </p:txBody>
         </p:sp>
@@ -10370,7 +12097,7 @@
           <p:cNvPr id="13" name="矢印: 下カーブ 12">
             <a:extLst>
               <a:ext uri="{FF2B5EF4-FFF2-40B4-BE49-F238E27FC236}">
-                <a16:creationId xmlns:a16="http://schemas.microsoft.com/office/drawing/2014/main" id="{693C1AA4-956C-4C54-A85F-E91B1A9E9603}"/>
+                <a16:creationId xmlns="" xmlns:a16="http://schemas.microsoft.com/office/drawing/2014/main" id="{693C1AA4-956C-4C54-A85F-E91B1A9E9603}"/>
               </a:ext>
             </a:extLst>
           </p:cNvPr>
@@ -10416,8 +12143,7 @@
               <a:solidFill>
                 <a:schemeClr val="tx1"/>
               </a:solidFill>
-              <a:latin typeface="+mn-ea"/>
-              <a:ea typeface="+mn-ea"/>
+              <a:latin typeface="Arial Rounded MT Bold" pitchFamily="34" charset="0"/>
             </a:endParaRPr>
           </a:p>
         </p:txBody>
@@ -10427,7 +12153,7 @@
           <p:cNvPr id="14" name="矢印: 下カーブ 13">
             <a:extLst>
               <a:ext uri="{FF2B5EF4-FFF2-40B4-BE49-F238E27FC236}">
-                <a16:creationId xmlns:a16="http://schemas.microsoft.com/office/drawing/2014/main" id="{01CD7AA4-F0CB-455F-94D9-50DF6774128D}"/>
+                <a16:creationId xmlns="" xmlns:a16="http://schemas.microsoft.com/office/drawing/2014/main" id="{01CD7AA4-F0CB-455F-94D9-50DF6774128D}"/>
               </a:ext>
             </a:extLst>
           </p:cNvPr>
@@ -10473,8 +12199,7 @@
               <a:solidFill>
                 <a:schemeClr val="tx1"/>
               </a:solidFill>
-              <a:latin typeface="+mn-ea"/>
-              <a:ea typeface="+mn-ea"/>
+              <a:latin typeface="Arial Rounded MT Bold" pitchFamily="34" charset="0"/>
             </a:endParaRPr>
           </a:p>
         </p:txBody>
@@ -10484,7 +12209,7 @@
           <p:cNvPr id="15" name="テキスト ボックス 14">
             <a:extLst>
               <a:ext uri="{FF2B5EF4-FFF2-40B4-BE49-F238E27FC236}">
-                <a16:creationId xmlns:a16="http://schemas.microsoft.com/office/drawing/2014/main" id="{A2746008-BC38-4B22-9627-2D9D4771B2E1}"/>
+                <a16:creationId xmlns="" xmlns:a16="http://schemas.microsoft.com/office/drawing/2014/main" id="{A2746008-BC38-4B22-9627-2D9D4771B2E1}"/>
               </a:ext>
             </a:extLst>
           </p:cNvPr>
@@ -10493,8 +12218,8 @@
         </p:nvSpPr>
         <p:spPr>
           <a:xfrm>
-            <a:off x="3886919" y="3086173"/>
-            <a:ext cx="1415772" cy="424732"/>
+            <a:off x="3890127" y="3086173"/>
+            <a:ext cx="1409360" cy="461665"/>
           </a:xfrm>
           <a:prstGeom prst="rect">
             <a:avLst/>
@@ -10516,15 +12241,20 @@
           <a:p>
             <a:pPr algn="ctr"/>
             <a:r>
-              <a:rPr kumimoji="1" lang="ja-JP" altLang="en-US" sz="2400" dirty="0">
+              <a:rPr kumimoji="1" lang="en-US" altLang="ja-JP" sz="2400" dirty="0" smtClean="0">
                 <a:solidFill>
                   <a:schemeClr val="tx1"/>
                 </a:solidFill>
-                <a:latin typeface="+mn-ea"/>
-                <a:ea typeface="+mn-ea"/>
+                <a:latin typeface="Arial Rounded MT Bold" pitchFamily="34" charset="0"/>
               </a:rPr>
-              <a:t>探索戦略</a:t>
-            </a:r>
+              <a:t>Solution</a:t>
+            </a:r>
+            <a:endParaRPr kumimoji="1" lang="ja-JP" altLang="en-US" sz="2400" dirty="0">
+              <a:solidFill>
+                <a:schemeClr val="tx1"/>
+              </a:solidFill>
+              <a:latin typeface="Arial Rounded MT Bold" pitchFamily="34" charset="0"/>
+            </a:endParaRPr>
           </a:p>
         </p:txBody>
       </p:sp>
@@ -10533,7 +12263,7 @@
           <p:cNvPr id="16" name="テキスト ボックス 15">
             <a:extLst>
               <a:ext uri="{FF2B5EF4-FFF2-40B4-BE49-F238E27FC236}">
-                <a16:creationId xmlns:a16="http://schemas.microsoft.com/office/drawing/2014/main" id="{939048D3-E171-421B-9CC3-9D222DCAEFEF}"/>
+                <a16:creationId xmlns="" xmlns:a16="http://schemas.microsoft.com/office/drawing/2014/main" id="{939048D3-E171-421B-9CC3-9D222DCAEFEF}"/>
               </a:ext>
             </a:extLst>
           </p:cNvPr>
@@ -10542,8 +12272,8 @@
         </p:nvSpPr>
         <p:spPr>
           <a:xfrm>
-            <a:off x="3736983" y="6272732"/>
-            <a:ext cx="1689886" cy="424732"/>
+            <a:off x="3762344" y="6272732"/>
+            <a:ext cx="1639168" cy="461665"/>
           </a:xfrm>
           <a:prstGeom prst="rect">
             <a:avLst/>
@@ -10565,15 +12295,20 @@
           <a:p>
             <a:pPr algn="ctr"/>
             <a:r>
-              <a:rPr kumimoji="1" lang="ja-JP" altLang="en-US" sz="2400" dirty="0">
+              <a:rPr kumimoji="1" lang="en-US" altLang="ja-JP" sz="2400" dirty="0" smtClean="0">
                 <a:solidFill>
                   <a:schemeClr val="tx1"/>
                 </a:solidFill>
-                <a:latin typeface="+mn-ea"/>
-                <a:ea typeface="+mn-ea"/>
+                <a:latin typeface="Arial Rounded MT Bold" pitchFamily="34" charset="0"/>
               </a:rPr>
-              <a:t>フィードバック</a:t>
-            </a:r>
+              <a:t>Feedback</a:t>
+            </a:r>
+            <a:endParaRPr kumimoji="1" lang="ja-JP" altLang="en-US" sz="2400" dirty="0">
+              <a:solidFill>
+                <a:schemeClr val="tx1"/>
+              </a:solidFill>
+              <a:latin typeface="Arial Rounded MT Bold" pitchFamily="34" charset="0"/>
+            </a:endParaRPr>
           </a:p>
         </p:txBody>
       </p:sp>
@@ -10582,7 +12317,7 @@
           <p:cNvPr id="17" name="グループ化 16">
             <a:extLst>
               <a:ext uri="{FF2B5EF4-FFF2-40B4-BE49-F238E27FC236}">
-                <a16:creationId xmlns:a16="http://schemas.microsoft.com/office/drawing/2014/main" id="{75CB49E9-A332-4AC3-AC41-5536F3D1D852}"/>
+                <a16:creationId xmlns="" xmlns:a16="http://schemas.microsoft.com/office/drawing/2014/main" id="{75CB49E9-A332-4AC3-AC41-5536F3D1D852}"/>
               </a:ext>
             </a:extLst>
           </p:cNvPr>
@@ -10591,10 +12326,10 @@
         </p:nvGrpSpPr>
         <p:grpSpPr>
           <a:xfrm>
-            <a:off x="7200390" y="4040412"/>
-            <a:ext cx="1686339" cy="1686339"/>
-            <a:chOff x="5673224" y="4084405"/>
-            <a:chExt cx="2457576" cy="2317896"/>
+            <a:off x="7187594" y="4040412"/>
+            <a:ext cx="1699135" cy="1686339"/>
+            <a:chOff x="5654576" y="4084405"/>
+            <a:chExt cx="2476224" cy="2317896"/>
           </a:xfrm>
         </p:grpSpPr>
         <p:pic>
@@ -10602,7 +12337,7 @@
             <p:cNvPr id="18" name="table">
               <a:extLst>
                 <a:ext uri="{FF2B5EF4-FFF2-40B4-BE49-F238E27FC236}">
-                  <a16:creationId xmlns:a16="http://schemas.microsoft.com/office/drawing/2014/main" id="{2861A255-21F1-4670-B2EE-AC0DE4755A0F}"/>
+                  <a16:creationId xmlns="" xmlns:a16="http://schemas.microsoft.com/office/drawing/2014/main" id="{2861A255-21F1-4670-B2EE-AC0DE4755A0F}"/>
                 </a:ext>
               </a:extLst>
             </p:cNvPr>
@@ -10612,7 +12347,7 @@
             <p:nvPr/>
           </p:nvPicPr>
           <p:blipFill>
-            <a:blip r:embed="rId5"/>
+            <a:blip r:embed="rId5" cstate="print"/>
             <a:stretch>
               <a:fillRect/>
             </a:stretch>
@@ -10632,7 +12367,7 @@
             <p:cNvPr id="19" name="テキスト ボックス 32">
               <a:extLst>
                 <a:ext uri="{FF2B5EF4-FFF2-40B4-BE49-F238E27FC236}">
-                  <a16:creationId xmlns:a16="http://schemas.microsoft.com/office/drawing/2014/main" id="{6B9137AA-149E-4DC5-AB2F-242A09A0BE76}"/>
+                  <a16:creationId xmlns="" xmlns:a16="http://schemas.microsoft.com/office/drawing/2014/main" id="{6B9137AA-149E-4DC5-AB2F-242A09A0BE76}"/>
                 </a:ext>
               </a:extLst>
             </p:cNvPr>
@@ -10641,8 +12376,8 @@
           </p:nvSpPr>
           <p:spPr>
             <a:xfrm>
-              <a:off x="5736555" y="4084405"/>
-              <a:ext cx="373820" cy="369332"/>
+              <a:off x="5654576" y="4084405"/>
+              <a:ext cx="537777" cy="507652"/>
             </a:xfrm>
             <a:prstGeom prst="rect">
               <a:avLst/>
@@ -10800,7 +12535,7 @@
                   <a:solidFill>
                     <a:schemeClr val="bg1"/>
                   </a:solidFill>
-                  <a:latin typeface="Meiryo UI" panose="020B0604030504040204" pitchFamily="50" charset="-128"/>
+                  <a:latin typeface="Arial Rounded MT Bold" pitchFamily="34" charset="0"/>
                   <a:ea typeface="Meiryo UI" panose="020B0604030504040204" pitchFamily="50" charset="-128"/>
                   <a:cs typeface="Meiryo UI" panose="020B0604030504040204" pitchFamily="50" charset="-128"/>
                 </a:rPr>
@@ -10810,7 +12545,7 @@
                 <a:solidFill>
                   <a:schemeClr val="bg1"/>
                 </a:solidFill>
-                <a:latin typeface="Meiryo UI" panose="020B0604030504040204" pitchFamily="50" charset="-128"/>
+                <a:latin typeface="Arial Rounded MT Bold" pitchFamily="34" charset="0"/>
                 <a:ea typeface="Meiryo UI" panose="020B0604030504040204" pitchFamily="50" charset="-128"/>
                 <a:cs typeface="Meiryo UI" panose="020B0604030504040204" pitchFamily="50" charset="-128"/>
               </a:endParaRPr>
@@ -10822,7 +12557,7 @@
             <p:cNvPr id="20" name="テキスト ボックス 33">
               <a:extLst>
                 <a:ext uri="{FF2B5EF4-FFF2-40B4-BE49-F238E27FC236}">
-                  <a16:creationId xmlns:a16="http://schemas.microsoft.com/office/drawing/2014/main" id="{9E81E03C-CBBD-4A2C-B8D8-83AA60CE0264}"/>
+                  <a16:creationId xmlns="" xmlns:a16="http://schemas.microsoft.com/office/drawing/2014/main" id="{9E81E03C-CBBD-4A2C-B8D8-83AA60CE0264}"/>
                 </a:ext>
               </a:extLst>
             </p:cNvPr>
@@ -10831,8 +12566,8 @@
           </p:nvSpPr>
           <p:spPr>
             <a:xfrm>
-              <a:off x="5748564" y="4801291"/>
-              <a:ext cx="372218" cy="369332"/>
+              <a:off x="5665784" y="4801291"/>
+              <a:ext cx="537777" cy="507652"/>
             </a:xfrm>
             <a:prstGeom prst="rect">
               <a:avLst/>
@@ -10990,7 +12725,7 @@
                   <a:solidFill>
                     <a:schemeClr val="bg1"/>
                   </a:solidFill>
-                  <a:latin typeface="Meiryo UI" panose="020B0604030504040204" pitchFamily="50" charset="-128"/>
+                  <a:latin typeface="Arial Rounded MT Bold" pitchFamily="34" charset="0"/>
                   <a:ea typeface="Meiryo UI" panose="020B0604030504040204" pitchFamily="50" charset="-128"/>
                   <a:cs typeface="Meiryo UI" panose="020B0604030504040204" pitchFamily="50" charset="-128"/>
                 </a:rPr>
@@ -11000,7 +12735,7 @@
                 <a:solidFill>
                   <a:schemeClr val="bg1"/>
                 </a:solidFill>
-                <a:latin typeface="Meiryo UI" panose="020B0604030504040204" pitchFamily="50" charset="-128"/>
+                <a:latin typeface="Arial Rounded MT Bold" pitchFamily="34" charset="0"/>
                 <a:ea typeface="Meiryo UI" panose="020B0604030504040204" pitchFamily="50" charset="-128"/>
                 <a:cs typeface="Meiryo UI" panose="020B0604030504040204" pitchFamily="50" charset="-128"/>
               </a:endParaRPr>
@@ -11012,7 +12747,7 @@
             <p:cNvPr id="21" name="テキスト ボックス 34">
               <a:extLst>
                 <a:ext uri="{FF2B5EF4-FFF2-40B4-BE49-F238E27FC236}">
-                  <a16:creationId xmlns:a16="http://schemas.microsoft.com/office/drawing/2014/main" id="{EFBFC6BD-3333-49D9-999F-18B347B0836D}"/>
+                  <a16:creationId xmlns="" xmlns:a16="http://schemas.microsoft.com/office/drawing/2014/main" id="{EFBFC6BD-3333-49D9-999F-18B347B0836D}"/>
                 </a:ext>
               </a:extLst>
             </p:cNvPr>
@@ -11021,8 +12756,8 @@
           </p:nvSpPr>
           <p:spPr>
             <a:xfrm>
-              <a:off x="7270057" y="4883105"/>
-              <a:ext cx="360996" cy="369332"/>
+              <a:off x="7176995" y="4883105"/>
+              <a:ext cx="547122" cy="507652"/>
             </a:xfrm>
             <a:prstGeom prst="rect">
               <a:avLst/>
@@ -11180,7 +12915,7 @@
                   <a:solidFill>
                     <a:schemeClr val="bg1"/>
                   </a:solidFill>
-                  <a:latin typeface="Meiryo UI" panose="020B0604030504040204" pitchFamily="50" charset="-128"/>
+                  <a:latin typeface="Arial Rounded MT Bold" pitchFamily="34" charset="0"/>
                   <a:ea typeface="Meiryo UI" panose="020B0604030504040204" pitchFamily="50" charset="-128"/>
                   <a:cs typeface="Meiryo UI" panose="020B0604030504040204" pitchFamily="50" charset="-128"/>
                 </a:rPr>
@@ -11190,7 +12925,7 @@
                 <a:solidFill>
                   <a:schemeClr val="bg1"/>
                 </a:solidFill>
-                <a:latin typeface="Meiryo UI" panose="020B0604030504040204" pitchFamily="50" charset="-128"/>
+                <a:latin typeface="Arial Rounded MT Bold" pitchFamily="34" charset="0"/>
                 <a:ea typeface="Meiryo UI" panose="020B0604030504040204" pitchFamily="50" charset="-128"/>
                 <a:cs typeface="Meiryo UI" panose="020B0604030504040204" pitchFamily="50" charset="-128"/>
               </a:endParaRPr>
@@ -11203,7 +12938,7 @@
           <p:cNvPr id="22" name="テキスト ボックス 21">
             <a:extLst>
               <a:ext uri="{FF2B5EF4-FFF2-40B4-BE49-F238E27FC236}">
-                <a16:creationId xmlns:a16="http://schemas.microsoft.com/office/drawing/2014/main" id="{E0803442-7DBF-4045-921D-EB0C354C9497}"/>
+                <a16:creationId xmlns="" xmlns:a16="http://schemas.microsoft.com/office/drawing/2014/main" id="{E0803442-7DBF-4045-921D-EB0C354C9497}"/>
               </a:ext>
             </a:extLst>
           </p:cNvPr>
@@ -11212,8 +12947,8 @@
         </p:nvSpPr>
         <p:spPr>
           <a:xfrm>
-            <a:off x="7694742" y="5721047"/>
-            <a:ext cx="697627" cy="369332"/>
+            <a:off x="7674768" y="5721047"/>
+            <a:ext cx="737574" cy="400110"/>
           </a:xfrm>
           <a:prstGeom prst="rect">
             <a:avLst/>
@@ -11228,15 +12963,20 @@
           <a:p>
             <a:pPr algn="ctr"/>
             <a:r>
-              <a:rPr kumimoji="1" lang="ja-JP" altLang="en-US" sz="2000" b="1" dirty="0">
+              <a:rPr kumimoji="1" lang="en-US" altLang="ja-JP" sz="2000" b="1" dirty="0" smtClean="0">
                 <a:solidFill>
                   <a:schemeClr val="tx1"/>
                 </a:solidFill>
-                <a:latin typeface="+mn-ea"/>
-                <a:ea typeface="+mn-ea"/>
+                <a:latin typeface="Arial Rounded MT Bold" pitchFamily="34" charset="0"/>
               </a:rPr>
-              <a:t>試行</a:t>
-            </a:r>
+              <a:t>Trial</a:t>
+            </a:r>
+            <a:endParaRPr kumimoji="1" lang="ja-JP" altLang="en-US" sz="2000" b="1" dirty="0">
+              <a:solidFill>
+                <a:schemeClr val="tx1"/>
+              </a:solidFill>
+              <a:latin typeface="Arial Rounded MT Bold" pitchFamily="34" charset="0"/>
+            </a:endParaRPr>
           </a:p>
         </p:txBody>
       </p:sp>
@@ -11245,7 +12985,7 @@
           <p:cNvPr id="23" name="楕円 22">
             <a:extLst>
               <a:ext uri="{FF2B5EF4-FFF2-40B4-BE49-F238E27FC236}">
-                <a16:creationId xmlns:a16="http://schemas.microsoft.com/office/drawing/2014/main" id="{AE50AF4E-4BF9-43D7-8FF4-936B92F8CB73}"/>
+                <a16:creationId xmlns="" xmlns:a16="http://schemas.microsoft.com/office/drawing/2014/main" id="{AE50AF4E-4BF9-43D7-8FF4-936B92F8CB73}"/>
               </a:ext>
             </a:extLst>
           </p:cNvPr>
@@ -11285,8 +13025,7 @@
                 <a:solidFill>
                   <a:schemeClr val="tx1"/>
                 </a:solidFill>
-                <a:latin typeface="Courier New" panose="02070309020205020404" pitchFamily="49" charset="0"/>
-                <a:ea typeface="+mn-ea"/>
+                <a:latin typeface="Arial Rounded MT Bold" pitchFamily="34" charset="0"/>
                 <a:cs typeface="Courier New" panose="02070309020205020404" pitchFamily="49" charset="0"/>
               </a:rPr>
               <a:t>α</a:t>
@@ -11295,8 +13034,7 @@
               <a:solidFill>
                 <a:schemeClr val="tx1"/>
               </a:solidFill>
-              <a:latin typeface="Courier New" panose="02070309020205020404" pitchFamily="49" charset="0"/>
-              <a:ea typeface="+mn-ea"/>
+              <a:latin typeface="Arial Rounded MT Bold" pitchFamily="34" charset="0"/>
               <a:cs typeface="Courier New" panose="02070309020205020404" pitchFamily="49" charset="0"/>
             </a:endParaRPr>
           </a:p>
@@ -11307,7 +13045,7 @@
           <p:cNvPr id="24" name="正方形/長方形 23">
             <a:extLst>
               <a:ext uri="{FF2B5EF4-FFF2-40B4-BE49-F238E27FC236}">
-                <a16:creationId xmlns:a16="http://schemas.microsoft.com/office/drawing/2014/main" id="{EF270A10-BBE2-46D0-BAA9-EB7E6841EF2C}"/>
+                <a16:creationId xmlns="" xmlns:a16="http://schemas.microsoft.com/office/drawing/2014/main" id="{EF270A10-BBE2-46D0-BAA9-EB7E6841EF2C}"/>
               </a:ext>
             </a:extLst>
           </p:cNvPr>
@@ -11346,8 +13084,7 @@
               <a:solidFill>
                 <a:schemeClr val="tx1"/>
               </a:solidFill>
-              <a:latin typeface="+mn-ea"/>
-              <a:ea typeface="+mn-ea"/>
+              <a:latin typeface="Arial Rounded MT Bold" pitchFamily="34" charset="0"/>
             </a:endParaRPr>
           </a:p>
         </p:txBody>
@@ -11357,7 +13094,7 @@
           <p:cNvPr id="25" name="楕円 24">
             <a:extLst>
               <a:ext uri="{FF2B5EF4-FFF2-40B4-BE49-F238E27FC236}">
-                <a16:creationId xmlns:a16="http://schemas.microsoft.com/office/drawing/2014/main" id="{1BCF7952-6F65-4894-9720-5D2CE330B169}"/>
+                <a16:creationId xmlns="" xmlns:a16="http://schemas.microsoft.com/office/drawing/2014/main" id="{1BCF7952-6F65-4894-9720-5D2CE330B169}"/>
               </a:ext>
             </a:extLst>
           </p:cNvPr>
@@ -11397,8 +13134,7 @@
                 <a:solidFill>
                   <a:schemeClr val="tx1"/>
                 </a:solidFill>
-                <a:latin typeface="Courier New" panose="02070309020205020404" pitchFamily="49" charset="0"/>
-                <a:ea typeface="+mn-ea"/>
+                <a:latin typeface="Arial Rounded MT Bold" pitchFamily="34" charset="0"/>
                 <a:cs typeface="Courier New" panose="02070309020205020404" pitchFamily="49" charset="0"/>
               </a:rPr>
               <a:t>θ</a:t>
@@ -11407,8 +13143,7 @@
               <a:solidFill>
                 <a:schemeClr val="tx1"/>
               </a:solidFill>
-              <a:latin typeface="Courier New" panose="02070309020205020404" pitchFamily="49" charset="0"/>
-              <a:ea typeface="+mn-ea"/>
+              <a:latin typeface="Arial Rounded MT Bold" pitchFamily="34" charset="0"/>
               <a:cs typeface="Courier New" panose="02070309020205020404" pitchFamily="49" charset="0"/>
             </a:endParaRPr>
           </a:p>
@@ -11419,7 +13154,7 @@
           <p:cNvPr id="26" name="正方形/長方形 25">
             <a:extLst>
               <a:ext uri="{FF2B5EF4-FFF2-40B4-BE49-F238E27FC236}">
-                <a16:creationId xmlns:a16="http://schemas.microsoft.com/office/drawing/2014/main" id="{168E6753-9F1A-410F-B777-31A8CEEAF5C4}"/>
+                <a16:creationId xmlns="" xmlns:a16="http://schemas.microsoft.com/office/drawing/2014/main" id="{168E6753-9F1A-410F-B777-31A8CEEAF5C4}"/>
               </a:ext>
             </a:extLst>
           </p:cNvPr>
@@ -11458,8 +13193,7 @@
               <a:solidFill>
                 <a:schemeClr val="tx1"/>
               </a:solidFill>
-              <a:latin typeface="+mn-ea"/>
-              <a:ea typeface="+mn-ea"/>
+              <a:latin typeface="Arial Rounded MT Bold" pitchFamily="34" charset="0"/>
             </a:endParaRPr>
           </a:p>
         </p:txBody>
@@ -11469,7 +13203,7 @@
           <p:cNvPr id="27" name="楕円 26">
             <a:extLst>
               <a:ext uri="{FF2B5EF4-FFF2-40B4-BE49-F238E27FC236}">
-                <a16:creationId xmlns:a16="http://schemas.microsoft.com/office/drawing/2014/main" id="{B00A1E6D-CB85-4797-B91A-54273B3106CF}"/>
+                <a16:creationId xmlns="" xmlns:a16="http://schemas.microsoft.com/office/drawing/2014/main" id="{B00A1E6D-CB85-4797-B91A-54273B3106CF}"/>
               </a:ext>
             </a:extLst>
           </p:cNvPr>
@@ -11509,8 +13243,7 @@
                 <a:solidFill>
                   <a:schemeClr val="tx1"/>
                 </a:solidFill>
-                <a:latin typeface="Courier New" panose="02070309020205020404" pitchFamily="49" charset="0"/>
-                <a:ea typeface="+mn-ea"/>
+                <a:latin typeface="Arial Rounded MT Bold" pitchFamily="34" charset="0"/>
                 <a:cs typeface="Courier New" panose="02070309020205020404" pitchFamily="49" charset="0"/>
               </a:rPr>
               <a:t>Ｚ</a:t>
@@ -11519,8 +13252,7 @@
               <a:solidFill>
                 <a:schemeClr val="tx1"/>
               </a:solidFill>
-              <a:latin typeface="Courier New" panose="02070309020205020404" pitchFamily="49" charset="0"/>
-              <a:ea typeface="+mn-ea"/>
+              <a:latin typeface="Arial Rounded MT Bold" pitchFamily="34" charset="0"/>
               <a:cs typeface="Courier New" panose="02070309020205020404" pitchFamily="49" charset="0"/>
             </a:endParaRPr>
           </a:p>
@@ -11531,7 +13263,7 @@
           <p:cNvPr id="28" name="楕円 27">
             <a:extLst>
               <a:ext uri="{FF2B5EF4-FFF2-40B4-BE49-F238E27FC236}">
-                <a16:creationId xmlns:a16="http://schemas.microsoft.com/office/drawing/2014/main" id="{57835C5C-8EEB-4478-A11B-0A3A4397156A}"/>
+                <a16:creationId xmlns="" xmlns:a16="http://schemas.microsoft.com/office/drawing/2014/main" id="{57835C5C-8EEB-4478-A11B-0A3A4397156A}"/>
               </a:ext>
             </a:extLst>
           </p:cNvPr>
@@ -11573,8 +13305,7 @@
                 <a:solidFill>
                   <a:schemeClr val="tx1"/>
                 </a:solidFill>
-                <a:latin typeface="Courier New" panose="02070309020205020404" pitchFamily="49" charset="0"/>
-                <a:ea typeface="+mn-ea"/>
+                <a:latin typeface="Arial Rounded MT Bold" pitchFamily="34" charset="0"/>
                 <a:cs typeface="Courier New" panose="02070309020205020404" pitchFamily="49" charset="0"/>
               </a:rPr>
               <a:t>Ｘ</a:t>
@@ -11583,8 +13314,7 @@
               <a:solidFill>
                 <a:schemeClr val="tx1"/>
               </a:solidFill>
-              <a:latin typeface="Courier New" panose="02070309020205020404" pitchFamily="49" charset="0"/>
-              <a:ea typeface="+mn-ea"/>
+              <a:latin typeface="Arial Rounded MT Bold" pitchFamily="34" charset="0"/>
               <a:cs typeface="Courier New" panose="02070309020205020404" pitchFamily="49" charset="0"/>
             </a:endParaRPr>
           </a:p>
@@ -11595,7 +13325,7 @@
           <p:cNvPr id="29" name="楕円 28">
             <a:extLst>
               <a:ext uri="{FF2B5EF4-FFF2-40B4-BE49-F238E27FC236}">
-                <a16:creationId xmlns:a16="http://schemas.microsoft.com/office/drawing/2014/main" id="{B827ACAC-0A92-46CE-B439-4C3D691A07E5}"/>
+                <a16:creationId xmlns="" xmlns:a16="http://schemas.microsoft.com/office/drawing/2014/main" id="{B827ACAC-0A92-46CE-B439-4C3D691A07E5}"/>
               </a:ext>
             </a:extLst>
           </p:cNvPr>
@@ -11635,8 +13365,7 @@
                 <a:solidFill>
                   <a:schemeClr val="tx1"/>
                 </a:solidFill>
-                <a:latin typeface="Courier New" panose="02070309020205020404" pitchFamily="49" charset="0"/>
-                <a:ea typeface="+mn-ea"/>
+                <a:latin typeface="Arial Rounded MT Bold" pitchFamily="34" charset="0"/>
                 <a:cs typeface="Courier New" panose="02070309020205020404" pitchFamily="49" charset="0"/>
               </a:rPr>
               <a:t>β</a:t>
@@ -11645,8 +13374,7 @@
               <a:solidFill>
                 <a:schemeClr val="tx1"/>
               </a:solidFill>
-              <a:latin typeface="Courier New" panose="02070309020205020404" pitchFamily="49" charset="0"/>
-              <a:ea typeface="+mn-ea"/>
+              <a:latin typeface="Arial Rounded MT Bold" pitchFamily="34" charset="0"/>
               <a:cs typeface="Courier New" panose="02070309020205020404" pitchFamily="49" charset="0"/>
             </a:endParaRPr>
           </a:p>
@@ -11657,7 +13385,7 @@
           <p:cNvPr id="30" name="正方形/長方形 29">
             <a:extLst>
               <a:ext uri="{FF2B5EF4-FFF2-40B4-BE49-F238E27FC236}">
-                <a16:creationId xmlns:a16="http://schemas.microsoft.com/office/drawing/2014/main" id="{5927B315-6509-48EA-B5BE-64B80002BA6C}"/>
+                <a16:creationId xmlns="" xmlns:a16="http://schemas.microsoft.com/office/drawing/2014/main" id="{5927B315-6509-48EA-B5BE-64B80002BA6C}"/>
               </a:ext>
             </a:extLst>
           </p:cNvPr>
@@ -11696,8 +13424,7 @@
               <a:solidFill>
                 <a:schemeClr val="tx1"/>
               </a:solidFill>
-              <a:latin typeface="+mn-ea"/>
-              <a:ea typeface="+mn-ea"/>
+              <a:latin typeface="Arial Rounded MT Bold" pitchFamily="34" charset="0"/>
             </a:endParaRPr>
           </a:p>
         </p:txBody>
@@ -11707,7 +13434,7 @@
           <p:cNvPr id="31" name="楕円 30">
             <a:extLst>
               <a:ext uri="{FF2B5EF4-FFF2-40B4-BE49-F238E27FC236}">
-                <a16:creationId xmlns:a16="http://schemas.microsoft.com/office/drawing/2014/main" id="{B5138846-4E93-452F-9A9D-A43069749ABC}"/>
+                <a16:creationId xmlns="" xmlns:a16="http://schemas.microsoft.com/office/drawing/2014/main" id="{B5138846-4E93-452F-9A9D-A43069749ABC}"/>
               </a:ext>
             </a:extLst>
           </p:cNvPr>
@@ -11747,8 +13474,7 @@
                 <a:solidFill>
                   <a:schemeClr val="tx1"/>
                 </a:solidFill>
-                <a:latin typeface="Courier New" panose="02070309020205020404" pitchFamily="49" charset="0"/>
-                <a:ea typeface="+mn-ea"/>
+                <a:latin typeface="Arial Rounded MT Bold" pitchFamily="34" charset="0"/>
                 <a:cs typeface="Courier New" panose="02070309020205020404" pitchFamily="49" charset="0"/>
               </a:rPr>
               <a:t>φ</a:t>
@@ -11757,8 +13483,7 @@
               <a:solidFill>
                 <a:schemeClr val="tx1"/>
               </a:solidFill>
-              <a:latin typeface="Courier New" panose="02070309020205020404" pitchFamily="49" charset="0"/>
-              <a:ea typeface="+mn-ea"/>
+              <a:latin typeface="Arial Rounded MT Bold" pitchFamily="34" charset="0"/>
               <a:cs typeface="Courier New" panose="02070309020205020404" pitchFamily="49" charset="0"/>
             </a:endParaRPr>
           </a:p>
@@ -11769,7 +13494,7 @@
           <p:cNvPr id="32" name="直線矢印コネクタ 31">
             <a:extLst>
               <a:ext uri="{FF2B5EF4-FFF2-40B4-BE49-F238E27FC236}">
-                <a16:creationId xmlns:a16="http://schemas.microsoft.com/office/drawing/2014/main" id="{3DFE97E3-0F90-416B-8494-51A8DD40F1EE}"/>
+                <a16:creationId xmlns="" xmlns:a16="http://schemas.microsoft.com/office/drawing/2014/main" id="{3DFE97E3-0F90-416B-8494-51A8DD40F1EE}"/>
               </a:ext>
             </a:extLst>
           </p:cNvPr>
@@ -11805,7 +13530,7 @@
           <p:cNvPr id="33" name="直線矢印コネクタ 32">
             <a:extLst>
               <a:ext uri="{FF2B5EF4-FFF2-40B4-BE49-F238E27FC236}">
-                <a16:creationId xmlns:a16="http://schemas.microsoft.com/office/drawing/2014/main" id="{5A644BB2-623D-4E6E-A175-6EA3C2EAEF00}"/>
+                <a16:creationId xmlns="" xmlns:a16="http://schemas.microsoft.com/office/drawing/2014/main" id="{5A644BB2-623D-4E6E-A175-6EA3C2EAEF00}"/>
               </a:ext>
             </a:extLst>
           </p:cNvPr>
@@ -11842,7 +13567,7 @@
           <p:cNvPr id="34" name="直線矢印コネクタ 33">
             <a:extLst>
               <a:ext uri="{FF2B5EF4-FFF2-40B4-BE49-F238E27FC236}">
-                <a16:creationId xmlns:a16="http://schemas.microsoft.com/office/drawing/2014/main" id="{2418C84D-3024-4D6D-B0BB-5F2C1ECB5D11}"/>
+                <a16:creationId xmlns="" xmlns:a16="http://schemas.microsoft.com/office/drawing/2014/main" id="{2418C84D-3024-4D6D-B0BB-5F2C1ECB5D11}"/>
               </a:ext>
             </a:extLst>
           </p:cNvPr>
@@ -11879,7 +13604,7 @@
           <p:cNvPr id="35" name="直線矢印コネクタ 34">
             <a:extLst>
               <a:ext uri="{FF2B5EF4-FFF2-40B4-BE49-F238E27FC236}">
-                <a16:creationId xmlns:a16="http://schemas.microsoft.com/office/drawing/2014/main" id="{4351CA77-9E78-4119-BBAE-EF1E8BDC6B1C}"/>
+                <a16:creationId xmlns="" xmlns:a16="http://schemas.microsoft.com/office/drawing/2014/main" id="{4351CA77-9E78-4119-BBAE-EF1E8BDC6B1C}"/>
               </a:ext>
             </a:extLst>
           </p:cNvPr>
@@ -11916,7 +13641,7 @@
           <p:cNvPr id="36" name="直線矢印コネクタ 35">
             <a:extLst>
               <a:ext uri="{FF2B5EF4-FFF2-40B4-BE49-F238E27FC236}">
-                <a16:creationId xmlns:a16="http://schemas.microsoft.com/office/drawing/2014/main" id="{555A5CD7-6242-4B32-A184-15878E1FCA45}"/>
+                <a16:creationId xmlns="" xmlns:a16="http://schemas.microsoft.com/office/drawing/2014/main" id="{555A5CD7-6242-4B32-A184-15878E1FCA45}"/>
               </a:ext>
             </a:extLst>
           </p:cNvPr>
@@ -11953,7 +13678,7 @@
           <p:cNvPr id="37" name="テキスト ボックス 36">
             <a:extLst>
               <a:ext uri="{FF2B5EF4-FFF2-40B4-BE49-F238E27FC236}">
-                <a16:creationId xmlns:a16="http://schemas.microsoft.com/office/drawing/2014/main" id="{97F08A58-FC87-4651-A04F-EF52C35D3938}"/>
+                <a16:creationId xmlns="" xmlns:a16="http://schemas.microsoft.com/office/drawing/2014/main" id="{97F08A58-FC87-4651-A04F-EF52C35D3938}"/>
               </a:ext>
             </a:extLst>
           </p:cNvPr>
@@ -11962,8 +13687,8 @@
         </p:nvSpPr>
         <p:spPr>
           <a:xfrm>
-            <a:off x="511816" y="5717031"/>
-            <a:ext cx="1208984" cy="369332"/>
+            <a:off x="456515" y="5717031"/>
+            <a:ext cx="1319592" cy="400110"/>
           </a:xfrm>
           <a:prstGeom prst="rect">
             <a:avLst/>
@@ -11978,15 +13703,20 @@
           <a:p>
             <a:pPr algn="ctr"/>
             <a:r>
-              <a:rPr kumimoji="1" lang="ja-JP" altLang="en-US" sz="2000" b="1" dirty="0">
+              <a:rPr kumimoji="1" lang="en-US" altLang="ja-JP" sz="2000" b="1" dirty="0" smtClean="0">
                 <a:solidFill>
                   <a:schemeClr val="tx1"/>
                 </a:solidFill>
-                <a:latin typeface="+mn-ea"/>
-                <a:ea typeface="+mn-ea"/>
+                <a:latin typeface="Arial Rounded MT Bold" pitchFamily="34" charset="0"/>
               </a:rPr>
-              <a:t>モデリング</a:t>
-            </a:r>
+              <a:t>Modeling</a:t>
+            </a:r>
+            <a:endParaRPr kumimoji="1" lang="ja-JP" altLang="en-US" sz="2000" b="1" dirty="0">
+              <a:solidFill>
+                <a:schemeClr val="tx1"/>
+              </a:solidFill>
+              <a:latin typeface="Arial Rounded MT Bold" pitchFamily="34" charset="0"/>
+            </a:endParaRPr>
           </a:p>
         </p:txBody>
       </p:sp>
@@ -11995,7 +13725,7 @@
           <p:cNvPr id="38" name="テキスト ボックス 37">
             <a:extLst>
               <a:ext uri="{FF2B5EF4-FFF2-40B4-BE49-F238E27FC236}">
-                <a16:creationId xmlns:a16="http://schemas.microsoft.com/office/drawing/2014/main" id="{716F104E-92A9-48AB-8CF9-B84D40857398}"/>
+                <a16:creationId xmlns="" xmlns:a16="http://schemas.microsoft.com/office/drawing/2014/main" id="{716F104E-92A9-48AB-8CF9-B84D40857398}"/>
               </a:ext>
             </a:extLst>
           </p:cNvPr>
@@ -12004,8 +13734,8 @@
         </p:nvSpPr>
         <p:spPr>
           <a:xfrm>
-            <a:off x="204999" y="3299208"/>
-            <a:ext cx="1879040" cy="757130"/>
+            <a:off x="102856" y="3252558"/>
+            <a:ext cx="2083327" cy="830997"/>
           </a:xfrm>
           <a:prstGeom prst="rect">
             <a:avLst/>
@@ -12020,21 +13750,19 @@
           <a:p>
             <a:pPr algn="ctr"/>
             <a:r>
-              <a:rPr kumimoji="1" lang="ja-JP" altLang="en-US" sz="1600" dirty="0">
+              <a:rPr kumimoji="1" lang="en-US" altLang="ja-JP" sz="1600" dirty="0" smtClean="0">
                 <a:solidFill>
                   <a:schemeClr val="tx1"/>
                 </a:solidFill>
-                <a:latin typeface="+mn-ea"/>
-                <a:ea typeface="+mn-ea"/>
+                <a:latin typeface="Arial Rounded MT Bold" pitchFamily="34" charset="0"/>
               </a:rPr>
-              <a:t>伝統的な確率モデル</a:t>
+              <a:t>Probabilistic Model</a:t>
             </a:r>
             <a:endParaRPr kumimoji="1" lang="en-US" altLang="ja-JP" sz="1600" dirty="0">
               <a:solidFill>
                 <a:schemeClr val="tx1"/>
               </a:solidFill>
-              <a:latin typeface="+mn-ea"/>
-              <a:ea typeface="+mn-ea"/>
+              <a:latin typeface="Arial Rounded MT Bold" pitchFamily="34" charset="0"/>
             </a:endParaRPr>
           </a:p>
           <a:p>
@@ -12044,8 +13772,7 @@
                 <a:solidFill>
                   <a:schemeClr val="tx1"/>
                 </a:solidFill>
-                <a:latin typeface="+mn-ea"/>
-                <a:ea typeface="+mn-ea"/>
+                <a:latin typeface="Arial Rounded MT Bold" pitchFamily="34" charset="0"/>
               </a:rPr>
               <a:t>+</a:t>
             </a:r>
@@ -12053,31 +13780,28 @@
           <a:p>
             <a:pPr algn="ctr"/>
             <a:r>
-              <a:rPr kumimoji="1" lang="ja-JP" altLang="en-US" sz="1600" dirty="0">
+              <a:rPr kumimoji="1" lang="en-US" altLang="ja-JP" sz="1600" dirty="0" smtClean="0">
                 <a:solidFill>
                   <a:schemeClr val="tx1"/>
                 </a:solidFill>
-                <a:latin typeface="+mn-ea"/>
-                <a:ea typeface="+mn-ea"/>
+                <a:latin typeface="Arial Rounded MT Bold" pitchFamily="34" charset="0"/>
               </a:rPr>
-              <a:t>強化学習</a:t>
+              <a:t>RL(Bandit</a:t>
             </a:r>
             <a:r>
               <a:rPr kumimoji="1" lang="en-US" altLang="ja-JP" sz="1600" dirty="0">
                 <a:solidFill>
                   <a:schemeClr val="tx1"/>
                 </a:solidFill>
-                <a:latin typeface="+mn-ea"/>
-                <a:ea typeface="+mn-ea"/>
+                <a:latin typeface="Arial Rounded MT Bold" pitchFamily="34" charset="0"/>
               </a:rPr>
-              <a:t>(Bandit)</a:t>
+              <a:t>)</a:t>
             </a:r>
             <a:endParaRPr kumimoji="1" lang="ja-JP" altLang="en-US" sz="1600" dirty="0">
               <a:solidFill>
                 <a:schemeClr val="tx1"/>
               </a:solidFill>
-              <a:latin typeface="+mn-ea"/>
-              <a:ea typeface="+mn-ea"/>
+              <a:latin typeface="Arial Rounded MT Bold" pitchFamily="34" charset="0"/>
             </a:endParaRPr>
           </a:p>
         </p:txBody>
@@ -12087,7 +13811,7 @@
           <p:cNvPr id="39" name="グループ化 38">
             <a:extLst>
               <a:ext uri="{FF2B5EF4-FFF2-40B4-BE49-F238E27FC236}">
-                <a16:creationId xmlns:a16="http://schemas.microsoft.com/office/drawing/2014/main" id="{5100E22B-EF8D-40D9-8A72-91068392720B}"/>
+                <a16:creationId xmlns="" xmlns:a16="http://schemas.microsoft.com/office/drawing/2014/main" id="{5100E22B-EF8D-40D9-8A72-91068392720B}"/>
               </a:ext>
             </a:extLst>
           </p:cNvPr>
@@ -12107,7 +13831,7 @@
             <p:cNvPr id="40" name="正方形/長方形 39">
               <a:extLst>
                 <a:ext uri="{FF2B5EF4-FFF2-40B4-BE49-F238E27FC236}">
-                  <a16:creationId xmlns:a16="http://schemas.microsoft.com/office/drawing/2014/main" id="{77262283-C39D-4002-B9C7-08F717C2FF1A}"/>
+                  <a16:creationId xmlns="" xmlns:a16="http://schemas.microsoft.com/office/drawing/2014/main" id="{77262283-C39D-4002-B9C7-08F717C2FF1A}"/>
                 </a:ext>
               </a:extLst>
             </p:cNvPr>
@@ -12272,16 +13996,46 @@
             </a:lstStyle>
             <a:p>
               <a:r>
-                <a:rPr lang="ja-JP" altLang="en-US" sz="1400" dirty="0">
+                <a:rPr lang="en-US" altLang="ja-JP" sz="1100" dirty="0" smtClean="0">
                   <a:solidFill>
                     <a:schemeClr val="tx1"/>
                   </a:solidFill>
-                  <a:latin typeface="メイリオ" panose="020B0604030504040204" pitchFamily="50" charset="-128"/>
+                  <a:latin typeface="Arial Rounded MT Bold" pitchFamily="34" charset="0"/>
                   <a:ea typeface="メイリオ" panose="020B0604030504040204" pitchFamily="50" charset="-128"/>
                   <a:cs typeface="メイリオ" panose="020B0604030504040204" pitchFamily="50" charset="-128"/>
                 </a:rPr>
-                <a:t>探索＞利用</a:t>
+                <a:t>Exploration</a:t>
               </a:r>
+              <a:r>
+                <a:rPr lang="ja-JP" altLang="en-US" sz="1100" dirty="0" smtClean="0">
+                  <a:solidFill>
+                    <a:schemeClr val="tx1"/>
+                  </a:solidFill>
+                  <a:latin typeface="Arial Rounded MT Bold" pitchFamily="34" charset="0"/>
+                  <a:ea typeface="メイリオ" panose="020B0604030504040204" pitchFamily="50" charset="-128"/>
+                  <a:cs typeface="メイリオ" panose="020B0604030504040204" pitchFamily="50" charset="-128"/>
+                </a:rPr>
+                <a:t> </a:t>
+              </a:r>
+              <a:r>
+                <a:rPr lang="en-US" altLang="ja-JP" sz="1100" dirty="0" smtClean="0">
+                  <a:solidFill>
+                    <a:schemeClr val="tx1"/>
+                  </a:solidFill>
+                  <a:latin typeface="Arial Rounded MT Bold" pitchFamily="34" charset="0"/>
+                  <a:ea typeface="メイリオ" panose="020B0604030504040204" pitchFamily="50" charset="-128"/>
+                  <a:cs typeface="メイリオ" panose="020B0604030504040204" pitchFamily="50" charset="-128"/>
+                </a:rPr>
+                <a:t>&gt; Exploitation</a:t>
+              </a:r>
+              <a:endParaRPr lang="ja-JP" altLang="en-US" sz="1100" dirty="0">
+                <a:solidFill>
+                  <a:schemeClr val="tx1"/>
+                </a:solidFill>
+                <a:latin typeface="Arial Rounded MT Bold" pitchFamily="34" charset="0"/>
+                <a:ea typeface="メイリオ" panose="020B0604030504040204" pitchFamily="50" charset="-128"/>
+                <a:cs typeface="メイリオ" panose="020B0604030504040204" pitchFamily="50" charset="-128"/>
+              </a:endParaRPr>
             </a:p>
           </p:txBody>
         </p:sp>
@@ -12290,7 +14044,7 @@
             <p:cNvPr id="41" name="直線矢印コネクタ 40">
               <a:extLst>
                 <a:ext uri="{FF2B5EF4-FFF2-40B4-BE49-F238E27FC236}">
-                  <a16:creationId xmlns:a16="http://schemas.microsoft.com/office/drawing/2014/main" id="{D631E028-B4DB-44DB-9142-3E647CC4F9EC}"/>
+                  <a16:creationId xmlns="" xmlns:a16="http://schemas.microsoft.com/office/drawing/2014/main" id="{D631E028-B4DB-44DB-9142-3E647CC4F9EC}"/>
                 </a:ext>
               </a:extLst>
             </p:cNvPr>
@@ -12323,7 +14077,7 @@
             <p:cNvPr id="42" name="フリーフォーム 73">
               <a:extLst>
                 <a:ext uri="{FF2B5EF4-FFF2-40B4-BE49-F238E27FC236}">
-                  <a16:creationId xmlns:a16="http://schemas.microsoft.com/office/drawing/2014/main" id="{AA65498A-D08A-45AA-A710-1AD6EC04687B}"/>
+                  <a16:creationId xmlns="" xmlns:a16="http://schemas.microsoft.com/office/drawing/2014/main" id="{AA65498A-D08A-45AA-A710-1AD6EC04687B}"/>
                 </a:ext>
               </a:extLst>
             </p:cNvPr>
@@ -13143,7 +14897,9 @@
             </a:lstStyle>
             <a:p>
               <a:pPr algn="ctr"/>
-              <a:endParaRPr kumimoji="1" lang="ja-JP" altLang="en-US"/>
+              <a:endParaRPr kumimoji="1" lang="ja-JP" altLang="en-US">
+                <a:latin typeface="Arial Rounded MT Bold" pitchFamily="34" charset="0"/>
+              </a:endParaRPr>
             </a:p>
           </p:txBody>
         </p:sp>
@@ -13153,7 +14909,7 @@
           <p:cNvPr id="43" name="グループ化 42">
             <a:extLst>
               <a:ext uri="{FF2B5EF4-FFF2-40B4-BE49-F238E27FC236}">
-                <a16:creationId xmlns:a16="http://schemas.microsoft.com/office/drawing/2014/main" id="{7FAAD9A8-B059-494F-811F-ECE69488CA6C}"/>
+                <a16:creationId xmlns="" xmlns:a16="http://schemas.microsoft.com/office/drawing/2014/main" id="{7FAAD9A8-B059-494F-811F-ECE69488CA6C}"/>
               </a:ext>
             </a:extLst>
           </p:cNvPr>
@@ -13173,7 +14929,7 @@
             <p:cNvPr id="44" name="正方形/長方形 43">
               <a:extLst>
                 <a:ext uri="{FF2B5EF4-FFF2-40B4-BE49-F238E27FC236}">
-                  <a16:creationId xmlns:a16="http://schemas.microsoft.com/office/drawing/2014/main" id="{6D863688-411F-4FF9-B3D0-44F16CCB9483}"/>
+                  <a16:creationId xmlns="" xmlns:a16="http://schemas.microsoft.com/office/drawing/2014/main" id="{6D863688-411F-4FF9-B3D0-44F16CCB9483}"/>
                 </a:ext>
               </a:extLst>
             </p:cNvPr>
@@ -13338,16 +15094,46 @@
             </a:lstStyle>
             <a:p>
               <a:r>
-                <a:rPr lang="ja-JP" altLang="en-US" sz="1400" dirty="0">
+                <a:rPr lang="en-US" altLang="ja-JP" sz="1100" dirty="0" smtClean="0">
                   <a:solidFill>
                     <a:schemeClr val="tx1"/>
                   </a:solidFill>
-                  <a:latin typeface="メイリオ" panose="020B0604030504040204" pitchFamily="50" charset="-128"/>
+                  <a:latin typeface="Arial Rounded MT Bold" pitchFamily="34" charset="0"/>
                   <a:ea typeface="メイリオ" panose="020B0604030504040204" pitchFamily="50" charset="-128"/>
                   <a:cs typeface="メイリオ" panose="020B0604030504040204" pitchFamily="50" charset="-128"/>
                 </a:rPr>
-                <a:t>探索＜利用</a:t>
+                <a:t>Exploration</a:t>
               </a:r>
+              <a:r>
+                <a:rPr lang="ja-JP" altLang="en-US" sz="1100" dirty="0" smtClean="0">
+                  <a:solidFill>
+                    <a:schemeClr val="tx1"/>
+                  </a:solidFill>
+                  <a:latin typeface="Arial Rounded MT Bold" pitchFamily="34" charset="0"/>
+                  <a:ea typeface="メイリオ" panose="020B0604030504040204" pitchFamily="50" charset="-128"/>
+                  <a:cs typeface="メイリオ" panose="020B0604030504040204" pitchFamily="50" charset="-128"/>
+                </a:rPr>
+                <a:t> </a:t>
+              </a:r>
+              <a:r>
+                <a:rPr lang="en-US" altLang="ja-JP" sz="1100" dirty="0" smtClean="0">
+                  <a:solidFill>
+                    <a:schemeClr val="tx1"/>
+                  </a:solidFill>
+                  <a:latin typeface="Arial Rounded MT Bold" pitchFamily="34" charset="0"/>
+                  <a:ea typeface="メイリオ" panose="020B0604030504040204" pitchFamily="50" charset="-128"/>
+                  <a:cs typeface="メイリオ" panose="020B0604030504040204" pitchFamily="50" charset="-128"/>
+                </a:rPr>
+                <a:t>&lt; Exploitation</a:t>
+              </a:r>
+              <a:endParaRPr lang="ja-JP" altLang="en-US" sz="1100" dirty="0">
+                <a:solidFill>
+                  <a:schemeClr val="tx1"/>
+                </a:solidFill>
+                <a:latin typeface="Arial Rounded MT Bold" pitchFamily="34" charset="0"/>
+                <a:ea typeface="メイリオ" panose="020B0604030504040204" pitchFamily="50" charset="-128"/>
+                <a:cs typeface="メイリオ" panose="020B0604030504040204" pitchFamily="50" charset="-128"/>
+              </a:endParaRPr>
             </a:p>
           </p:txBody>
         </p:sp>
@@ -13356,7 +15142,7 @@
             <p:cNvPr id="45" name="直線矢印コネクタ 44">
               <a:extLst>
                 <a:ext uri="{FF2B5EF4-FFF2-40B4-BE49-F238E27FC236}">
-                  <a16:creationId xmlns:a16="http://schemas.microsoft.com/office/drawing/2014/main" id="{4C856C20-D35D-4C55-83AD-0EF5C6E96D4D}"/>
+                  <a16:creationId xmlns="" xmlns:a16="http://schemas.microsoft.com/office/drawing/2014/main" id="{4C856C20-D35D-4C55-83AD-0EF5C6E96D4D}"/>
                 </a:ext>
               </a:extLst>
             </p:cNvPr>
@@ -13389,7 +15175,7 @@
             <p:cNvPr id="46" name="フリーフォーム 74">
               <a:extLst>
                 <a:ext uri="{FF2B5EF4-FFF2-40B4-BE49-F238E27FC236}">
-                  <a16:creationId xmlns:a16="http://schemas.microsoft.com/office/drawing/2014/main" id="{365FB79A-A621-4F21-BAD9-995932678B6E}"/>
+                  <a16:creationId xmlns="" xmlns:a16="http://schemas.microsoft.com/office/drawing/2014/main" id="{365FB79A-A621-4F21-BAD9-995932678B6E}"/>
                 </a:ext>
               </a:extLst>
             </p:cNvPr>
@@ -14209,7 +15995,9 @@
             </a:lstStyle>
             <a:p>
               <a:pPr algn="ctr"/>
-              <a:endParaRPr kumimoji="1" lang="ja-JP" altLang="en-US"/>
+              <a:endParaRPr kumimoji="1" lang="ja-JP" altLang="en-US">
+                <a:latin typeface="Arial Rounded MT Bold" pitchFamily="34" charset="0"/>
+              </a:endParaRPr>
             </a:p>
           </p:txBody>
         </p:sp>
@@ -14219,7 +16007,7 @@
           <p:cNvPr id="47" name="二等辺三角形 46">
             <a:extLst>
               <a:ext uri="{FF2B5EF4-FFF2-40B4-BE49-F238E27FC236}">
-                <a16:creationId xmlns:a16="http://schemas.microsoft.com/office/drawing/2014/main" id="{28F0EA7D-309A-45BA-A265-F170179C15A9}"/>
+                <a16:creationId xmlns="" xmlns:a16="http://schemas.microsoft.com/office/drawing/2014/main" id="{28F0EA7D-309A-45BA-A265-F170179C15A9}"/>
               </a:ext>
             </a:extLst>
           </p:cNvPr>
@@ -14259,8 +16047,7 @@
               <a:solidFill>
                 <a:schemeClr val="tx1"/>
               </a:solidFill>
-              <a:latin typeface="+mn-ea"/>
-              <a:ea typeface="+mn-ea"/>
+              <a:latin typeface="Arial Rounded MT Bold" pitchFamily="34" charset="0"/>
             </a:endParaRPr>
           </a:p>
         </p:txBody>
@@ -14270,7 +16057,7 @@
           <p:cNvPr id="48" name="テキスト ボックス 47">
             <a:extLst>
               <a:ext uri="{FF2B5EF4-FFF2-40B4-BE49-F238E27FC236}">
-                <a16:creationId xmlns:a16="http://schemas.microsoft.com/office/drawing/2014/main" id="{BC858475-32B2-48A6-863C-CAAEE9F61A7C}"/>
+                <a16:creationId xmlns="" xmlns:a16="http://schemas.microsoft.com/office/drawing/2014/main" id="{BC858475-32B2-48A6-863C-CAAEE9F61A7C}"/>
               </a:ext>
             </a:extLst>
           </p:cNvPr>
@@ -14279,8 +16066,8 @@
         </p:nvSpPr>
         <p:spPr>
           <a:xfrm>
-            <a:off x="1033433" y="2135190"/>
-            <a:ext cx="1184941" cy="535531"/>
+            <a:off x="932444" y="2135190"/>
+            <a:ext cx="1386919" cy="584775"/>
           </a:xfrm>
           <a:prstGeom prst="rect">
             <a:avLst/>
@@ -14295,15 +16082,20 @@
           <a:p>
             <a:pPr algn="ctr"/>
             <a:r>
-              <a:rPr kumimoji="1" lang="ja-JP" altLang="en-US" sz="3200" b="1" dirty="0">
+              <a:rPr kumimoji="1" lang="en-US" altLang="ja-JP" sz="3200" b="1" dirty="0" smtClean="0">
                 <a:solidFill>
                   <a:schemeClr val="tx1"/>
                 </a:solidFill>
-                <a:latin typeface="+mn-ea"/>
-                <a:ea typeface="+mn-ea"/>
+                <a:latin typeface="Arial Rounded MT Bold" pitchFamily="34" charset="0"/>
               </a:rPr>
-              <a:t>モデル</a:t>
-            </a:r>
+              <a:t>Model</a:t>
+            </a:r>
+            <a:endParaRPr kumimoji="1" lang="ja-JP" altLang="en-US" sz="3200" b="1" dirty="0">
+              <a:solidFill>
+                <a:schemeClr val="tx1"/>
+              </a:solidFill>
+              <a:latin typeface="Arial Rounded MT Bold" pitchFamily="34" charset="0"/>
+            </a:endParaRPr>
           </a:p>
         </p:txBody>
       </p:sp>
@@ -14312,7 +16104,7 @@
           <p:cNvPr id="49" name="正方形/長方形 48">
             <a:extLst>
               <a:ext uri="{FF2B5EF4-FFF2-40B4-BE49-F238E27FC236}">
-                <a16:creationId xmlns:a16="http://schemas.microsoft.com/office/drawing/2014/main" id="{49559698-321D-4285-B872-698C38B7891B}"/>
+                <a16:creationId xmlns="" xmlns:a16="http://schemas.microsoft.com/office/drawing/2014/main" id="{49559698-321D-4285-B872-698C38B7891B}"/>
               </a:ext>
             </a:extLst>
           </p:cNvPr>
@@ -14359,8 +16151,7 @@
               <a:solidFill>
                 <a:schemeClr val="tx1"/>
               </a:solidFill>
-              <a:latin typeface="+mn-ea"/>
-              <a:ea typeface="+mn-ea"/>
+              <a:latin typeface="Arial Rounded MT Bold" pitchFamily="34" charset="0"/>
             </a:endParaRPr>
           </a:p>
         </p:txBody>
@@ -14370,7 +16161,7 @@
           <p:cNvPr id="50" name="テキスト ボックス 49">
             <a:extLst>
               <a:ext uri="{FF2B5EF4-FFF2-40B4-BE49-F238E27FC236}">
-                <a16:creationId xmlns:a16="http://schemas.microsoft.com/office/drawing/2014/main" id="{5D9D2205-6D0B-4584-BC3D-6B1F486753A0}"/>
+                <a16:creationId xmlns="" xmlns:a16="http://schemas.microsoft.com/office/drawing/2014/main" id="{5D9D2205-6D0B-4584-BC3D-6B1F486753A0}"/>
               </a:ext>
             </a:extLst>
           </p:cNvPr>
@@ -14379,8 +16170,8 @@
         </p:nvSpPr>
         <p:spPr>
           <a:xfrm>
-            <a:off x="3336599" y="1558645"/>
-            <a:ext cx="325730" cy="244682"/>
+            <a:off x="3321308" y="1558645"/>
+            <a:ext cx="412293" cy="261610"/>
           </a:xfrm>
           <a:prstGeom prst="rect">
             <a:avLst/>
@@ -14395,15 +16186,20 @@
           <a:p>
             <a:pPr algn="ctr"/>
             <a:r>
-              <a:rPr kumimoji="1" lang="ja-JP" altLang="en-US" sz="1100" b="1" dirty="0">
-                <a:solidFill>
-                  <a:schemeClr val="tx1"/>
-                </a:solidFill>
-                <a:latin typeface="+mn-ea"/>
-                <a:ea typeface="+mn-ea"/>
+              <a:rPr lang="en-US" altLang="ja-JP" sz="1100" b="1" dirty="0" smtClean="0">
+                <a:solidFill>
+                  <a:srgbClr val="00B050"/>
+                </a:solidFill>
+                <a:latin typeface="Arial Rounded MT Bold" pitchFamily="34" charset="0"/>
               </a:rPr>
-              <a:t>大</a:t>
-            </a:r>
+              <a:t>Big</a:t>
+            </a:r>
+            <a:endParaRPr kumimoji="1" lang="ja-JP" altLang="en-US" sz="1100" b="1" dirty="0">
+              <a:solidFill>
+                <a:srgbClr val="00B050"/>
+              </a:solidFill>
+              <a:latin typeface="Arial Rounded MT Bold" pitchFamily="34" charset="0"/>
+            </a:endParaRPr>
           </a:p>
         </p:txBody>
       </p:sp>
@@ -14412,7 +16208,7 @@
           <p:cNvPr id="51" name="テキスト ボックス 50">
             <a:extLst>
               <a:ext uri="{FF2B5EF4-FFF2-40B4-BE49-F238E27FC236}">
-                <a16:creationId xmlns:a16="http://schemas.microsoft.com/office/drawing/2014/main" id="{176B04BB-DC11-4E6A-8641-AFF2814F0227}"/>
+                <a16:creationId xmlns="" xmlns:a16="http://schemas.microsoft.com/office/drawing/2014/main" id="{176B04BB-DC11-4E6A-8641-AFF2814F0227}"/>
               </a:ext>
             </a:extLst>
           </p:cNvPr>
@@ -14421,8 +16217,8 @@
         </p:nvSpPr>
         <p:spPr>
           <a:xfrm>
-            <a:off x="3332168" y="3013989"/>
-            <a:ext cx="325730" cy="244682"/>
+            <a:off x="3315374" y="3013989"/>
+            <a:ext cx="564578" cy="261610"/>
           </a:xfrm>
           <a:prstGeom prst="rect">
             <a:avLst/>
@@ -14437,15 +16233,20 @@
           <a:p>
             <a:pPr algn="ctr"/>
             <a:r>
-              <a:rPr kumimoji="1" lang="ja-JP" altLang="en-US" sz="1100" b="1" dirty="0">
-                <a:solidFill>
-                  <a:schemeClr val="tx1"/>
-                </a:solidFill>
-                <a:latin typeface="+mn-ea"/>
-                <a:ea typeface="+mn-ea"/>
+              <a:rPr kumimoji="1" lang="en-US" altLang="ja-JP" sz="1100" b="1" dirty="0" smtClean="0">
+                <a:solidFill>
+                  <a:srgbClr val="00B050"/>
+                </a:solidFill>
+                <a:latin typeface="Arial Rounded MT Bold" pitchFamily="34" charset="0"/>
               </a:rPr>
-              <a:t>小</a:t>
-            </a:r>
+              <a:t>Small</a:t>
+            </a:r>
+            <a:endParaRPr kumimoji="1" lang="ja-JP" altLang="en-US" sz="1100" b="1" dirty="0">
+              <a:solidFill>
+                <a:srgbClr val="00B050"/>
+              </a:solidFill>
+              <a:latin typeface="Arial Rounded MT Bold" pitchFamily="34" charset="0"/>
+            </a:endParaRPr>
           </a:p>
         </p:txBody>
       </p:sp>
@@ -14454,7 +16255,7 @@
           <p:cNvPr id="52" name="テキスト ボックス 51">
             <a:extLst>
               <a:ext uri="{FF2B5EF4-FFF2-40B4-BE49-F238E27FC236}">
-                <a16:creationId xmlns:a16="http://schemas.microsoft.com/office/drawing/2014/main" id="{B7EAC6D2-48E4-48BD-BA94-8C690DF1442C}"/>
+                <a16:creationId xmlns="" xmlns:a16="http://schemas.microsoft.com/office/drawing/2014/main" id="{B7EAC6D2-48E4-48BD-BA94-8C690DF1442C}"/>
               </a:ext>
             </a:extLst>
           </p:cNvPr>
@@ -14463,8 +16264,8 @@
         </p:nvSpPr>
         <p:spPr>
           <a:xfrm>
-            <a:off x="3315367" y="2250136"/>
-            <a:ext cx="595035" cy="313932"/>
+            <a:off x="3344221" y="2250136"/>
+            <a:ext cx="537328" cy="338554"/>
           </a:xfrm>
           <a:prstGeom prst="rect">
             <a:avLst/>
@@ -14479,22 +16280,21 @@
           <a:p>
             <a:pPr algn="ctr"/>
             <a:r>
-              <a:rPr kumimoji="1" lang="ja-JP" altLang="en-US" sz="1600" b="1" dirty="0">
-                <a:solidFill>
-                  <a:srgbClr val="00B050"/>
-                </a:solidFill>
-                <a:latin typeface="+mn-ea"/>
-                <a:ea typeface="+mn-ea"/>
+              <a:rPr kumimoji="1" lang="en-US" altLang="ja-JP" sz="1600" b="1" dirty="0" smtClean="0">
+                <a:latin typeface="Arial Rounded MT Bold" pitchFamily="34" charset="0"/>
               </a:rPr>
-              <a:t>目標</a:t>
-            </a:r>
+              <a:t>KPI</a:t>
+            </a:r>
+            <a:endParaRPr kumimoji="1" lang="ja-JP" altLang="en-US" sz="1600" b="1" dirty="0">
+              <a:latin typeface="Arial Rounded MT Bold" pitchFamily="34" charset="0"/>
+            </a:endParaRPr>
           </a:p>
         </p:txBody>
       </p:sp>
     </p:spTree>
     <p:extLst>
       <p:ext uri="{BB962C8B-B14F-4D97-AF65-F5344CB8AC3E}">
-        <p14:creationId xmlns:p14="http://schemas.microsoft.com/office/powerpoint/2010/main" val="1596516640"/>
+        <p14:creationId xmlns="" xmlns:p14="http://schemas.microsoft.com/office/powerpoint/2010/main" val="1596516640"/>
       </p:ext>
     </p:extLst>
   </p:cSld>
@@ -14504,7 +16304,7 @@
 </p:sld>
 </file>
 
-<file path=ppt/slides/slide6.xml><?xml version="1.0" encoding="utf-8"?>
+<file path=ppt/slides/slide8.xml><?xml version="1.0" encoding="utf-8"?>
 <p:sld xmlns:a="http://schemas.openxmlformats.org/drawingml/2006/main" xmlns:r="http://schemas.openxmlformats.org/officeDocument/2006/relationships" xmlns:p="http://schemas.openxmlformats.org/presentationml/2006/main">
   <p:cSld>
     <p:spTree>
@@ -14526,7 +16326,7 @@
           <p:cNvPr id="2" name="タイトル 1">
             <a:extLst>
               <a:ext uri="{FF2B5EF4-FFF2-40B4-BE49-F238E27FC236}">
-                <a16:creationId xmlns:a16="http://schemas.microsoft.com/office/drawing/2014/main" id="{6605FBF3-D410-4D86-8DFE-7D98016FE53C}"/>
+                <a16:creationId xmlns="" xmlns:a16="http://schemas.microsoft.com/office/drawing/2014/main" id="{6605FBF3-D410-4D86-8DFE-7D98016FE53C}"/>
               </a:ext>
             </a:extLst>
           </p:cNvPr>
@@ -14542,7 +16342,11 @@
           <a:bodyPr/>
           <a:lstStyle/>
           <a:p>
-            <a:endParaRPr kumimoji="1" lang="ja-JP" altLang="en-US"/>
+            <a:r>
+              <a:rPr lang="en-US" altLang="zh-CN" dirty="0" smtClean="0"/>
+              <a:t>Future: Bandit for Long Tail &amp; Cold-Start</a:t>
+            </a:r>
+            <a:endParaRPr kumimoji="1" lang="ja-JP" altLang="en-US" dirty="0"/>
           </a:p>
         </p:txBody>
       </p:sp>
@@ -14551,7 +16355,7 @@
           <p:cNvPr id="3" name="コンテンツ プレースホルダー 2">
             <a:extLst>
               <a:ext uri="{FF2B5EF4-FFF2-40B4-BE49-F238E27FC236}">
-                <a16:creationId xmlns:a16="http://schemas.microsoft.com/office/drawing/2014/main" id="{5B6684E9-EE62-471A-99BD-20D53DCCDCCF}"/>
+                <a16:creationId xmlns="" xmlns:a16="http://schemas.microsoft.com/office/drawing/2014/main" id="{5B6684E9-EE62-471A-99BD-20D53DCCDCCF}"/>
               </a:ext>
             </a:extLst>
           </p:cNvPr>
@@ -14567,7 +16371,11 @@
           <a:bodyPr/>
           <a:lstStyle/>
           <a:p>
-            <a:endParaRPr kumimoji="1" lang="ja-JP" altLang="en-US"/>
+            <a:r>
+              <a:rPr kumimoji="1" lang="en-US" altLang="ja-JP" dirty="0" smtClean="0"/>
+              <a:t>Result: Lifting up the light and new users/items! </a:t>
+            </a:r>
+            <a:endParaRPr kumimoji="1" lang="ja-JP" altLang="en-US" dirty="0"/>
           </a:p>
         </p:txBody>
       </p:sp>
@@ -14576,7 +16384,7 @@
           <p:cNvPr id="4" name="吹き出し: 角を丸めた四角形 3">
             <a:extLst>
               <a:ext uri="{FF2B5EF4-FFF2-40B4-BE49-F238E27FC236}">
-                <a16:creationId xmlns:a16="http://schemas.microsoft.com/office/drawing/2014/main" id="{5AB49C36-5EBC-4F72-83AB-A8EC52568B83}"/>
+                <a16:creationId xmlns="" xmlns:a16="http://schemas.microsoft.com/office/drawing/2014/main" id="{5AB49C36-5EBC-4F72-83AB-A8EC52568B83}"/>
               </a:ext>
             </a:extLst>
           </p:cNvPr>
@@ -14619,8 +16427,7 @@
               <a:solidFill>
                 <a:schemeClr val="tx1"/>
               </a:solidFill>
-              <a:latin typeface="+mn-ea"/>
-              <a:ea typeface="+mn-ea"/>
+              <a:latin typeface="Arial Rounded MT Bold" pitchFamily="34" charset="0"/>
             </a:endParaRPr>
           </a:p>
         </p:txBody>
@@ -14630,7 +16437,7 @@
           <p:cNvPr id="5" name="楕円 4">
             <a:extLst>
               <a:ext uri="{FF2B5EF4-FFF2-40B4-BE49-F238E27FC236}">
-                <a16:creationId xmlns:a16="http://schemas.microsoft.com/office/drawing/2014/main" id="{71277A42-4177-4C9B-A61E-1AB1E439D8A9}"/>
+                <a16:creationId xmlns="" xmlns:a16="http://schemas.microsoft.com/office/drawing/2014/main" id="{71277A42-4177-4C9B-A61E-1AB1E439D8A9}"/>
               </a:ext>
             </a:extLst>
           </p:cNvPr>
@@ -14667,35 +16474,50 @@
           <a:p>
             <a:pPr algn="ctr"/>
             <a:r>
-              <a:rPr kumimoji="1" lang="ja-JP" altLang="en-US" sz="3200" b="1" dirty="0">
-                <a:solidFill>
-                  <a:schemeClr val="tx1"/>
-                </a:solidFill>
-                <a:latin typeface="+mn-ea"/>
-                <a:ea typeface="+mn-ea"/>
+              <a:rPr lang="en-US" altLang="ja-JP" sz="3200" b="1" dirty="0" smtClean="0">
+                <a:latin typeface="Arial Rounded MT Bold" pitchFamily="34" charset="0"/>
               </a:rPr>
-              <a:t>強化</a:t>
-            </a:r>
-            <a:endParaRPr kumimoji="1" lang="en-US" altLang="ja-JP" sz="3200" b="1" dirty="0">
-              <a:solidFill>
-                <a:schemeClr val="tx1"/>
-              </a:solidFill>
-              <a:latin typeface="+mn-ea"/>
-              <a:ea typeface="+mn-ea"/>
+              <a:t>RL</a:t>
+            </a:r>
+          </a:p>
+          <a:p>
+            <a:pPr algn="ctr"/>
+            <a:r>
+              <a:rPr lang="en-US" altLang="ja-JP" sz="1200" b="1" dirty="0" smtClean="0">
+                <a:latin typeface="Arial Rounded MT Bold" pitchFamily="34" charset="0"/>
+              </a:rPr>
+              <a:t>(</a:t>
+            </a:r>
+            <a:r>
+              <a:rPr lang="en-US" altLang="ja-JP" sz="1200" b="1" u="sng" dirty="0" smtClean="0">
+                <a:latin typeface="Arial Rounded MT Bold" pitchFamily="34" charset="0"/>
+              </a:rPr>
+              <a:t>R</a:t>
+            </a:r>
+            <a:r>
+              <a:rPr lang="en-US" altLang="ja-JP" sz="1200" b="1" dirty="0" smtClean="0">
+                <a:latin typeface="Arial Rounded MT Bold" pitchFamily="34" charset="0"/>
+              </a:rPr>
+              <a:t>einforcement</a:t>
+            </a:r>
+          </a:p>
+          <a:p>
+            <a:pPr algn="ctr"/>
+            <a:r>
+              <a:rPr lang="en-US" altLang="ja-JP" sz="1200" b="1" u="sng" dirty="0" smtClean="0">
+                <a:latin typeface="Arial Rounded MT Bold" pitchFamily="34" charset="0"/>
+              </a:rPr>
+              <a:t>L</a:t>
+            </a:r>
+            <a:r>
+              <a:rPr lang="en-US" altLang="ja-JP" sz="1200" b="1" dirty="0" smtClean="0">
+                <a:latin typeface="Arial Rounded MT Bold" pitchFamily="34" charset="0"/>
+              </a:rPr>
+              <a:t>earning)</a:t>
+            </a:r>
+            <a:endParaRPr lang="ja-JP" altLang="en-US" sz="3200" b="1" dirty="0">
+              <a:latin typeface="Arial Rounded MT Bold" pitchFamily="34" charset="0"/>
             </a:endParaRPr>
-          </a:p>
-          <a:p>
-            <a:pPr algn="ctr"/>
-            <a:r>
-              <a:rPr kumimoji="1" lang="ja-JP" altLang="en-US" sz="3200" b="1" dirty="0">
-                <a:solidFill>
-                  <a:schemeClr val="tx1"/>
-                </a:solidFill>
-                <a:latin typeface="+mn-ea"/>
-                <a:ea typeface="+mn-ea"/>
-              </a:rPr>
-              <a:t>学習</a:t>
-            </a:r>
           </a:p>
         </p:txBody>
       </p:sp>
@@ -14704,7 +16526,7 @@
           <p:cNvPr id="6" name="正方形/長方形 5">
             <a:extLst>
               <a:ext uri="{FF2B5EF4-FFF2-40B4-BE49-F238E27FC236}">
-                <a16:creationId xmlns:a16="http://schemas.microsoft.com/office/drawing/2014/main" id="{39B500B5-6930-43CA-86CB-AE597A332BDC}"/>
+                <a16:creationId xmlns="" xmlns:a16="http://schemas.microsoft.com/office/drawing/2014/main" id="{39B500B5-6930-43CA-86CB-AE597A332BDC}"/>
               </a:ext>
             </a:extLst>
           </p:cNvPr>
@@ -14743,8 +16565,7 @@
               <a:solidFill>
                 <a:schemeClr val="tx1"/>
               </a:solidFill>
-              <a:latin typeface="+mn-ea"/>
-              <a:ea typeface="+mn-ea"/>
+              <a:latin typeface="Arial Rounded MT Bold" pitchFamily="34" charset="0"/>
             </a:endParaRPr>
           </a:p>
         </p:txBody>
@@ -14754,7 +16575,7 @@
           <p:cNvPr id="7" name="正方形/長方形 6">
             <a:extLst>
               <a:ext uri="{FF2B5EF4-FFF2-40B4-BE49-F238E27FC236}">
-                <a16:creationId xmlns:a16="http://schemas.microsoft.com/office/drawing/2014/main" id="{D9C1C1FB-31AA-4307-90CA-6FEEC016AF14}"/>
+                <a16:creationId xmlns="" xmlns:a16="http://schemas.microsoft.com/office/drawing/2014/main" id="{D9C1C1FB-31AA-4307-90CA-6FEEC016AF14}"/>
               </a:ext>
             </a:extLst>
           </p:cNvPr>
@@ -14796,8 +16617,7 @@
               <a:solidFill>
                 <a:schemeClr val="tx1"/>
               </a:solidFill>
-              <a:latin typeface="+mn-ea"/>
-              <a:ea typeface="+mn-ea"/>
+              <a:latin typeface="Arial Rounded MT Bold" pitchFamily="34" charset="0"/>
             </a:endParaRPr>
           </a:p>
         </p:txBody>
@@ -14807,7 +16627,7 @@
           <p:cNvPr id="8" name="グループ化 7">
             <a:extLst>
               <a:ext uri="{FF2B5EF4-FFF2-40B4-BE49-F238E27FC236}">
-                <a16:creationId xmlns:a16="http://schemas.microsoft.com/office/drawing/2014/main" id="{59E73FA3-3364-4AEE-BB0A-3F5FA506141B}"/>
+                <a16:creationId xmlns="" xmlns:a16="http://schemas.microsoft.com/office/drawing/2014/main" id="{59E73FA3-3364-4AEE-BB0A-3F5FA506141B}"/>
               </a:ext>
             </a:extLst>
           </p:cNvPr>
@@ -14827,7 +16647,7 @@
             <p:cNvPr id="9" name="図 8">
               <a:extLst>
                 <a:ext uri="{FF2B5EF4-FFF2-40B4-BE49-F238E27FC236}">
-                  <a16:creationId xmlns:a16="http://schemas.microsoft.com/office/drawing/2014/main" id="{B2D6D53A-975D-4D39-AD1C-A6C1C47FC59C}"/>
+                  <a16:creationId xmlns="" xmlns:a16="http://schemas.microsoft.com/office/drawing/2014/main" id="{B2D6D53A-975D-4D39-AD1C-A6C1C47FC59C}"/>
                 </a:ext>
               </a:extLst>
             </p:cNvPr>
@@ -14837,7 +16657,7 @@
             <p:nvPr/>
           </p:nvPicPr>
           <p:blipFill>
-            <a:blip r:embed="rId2"/>
+            <a:blip r:embed="rId2" cstate="print"/>
             <a:stretch>
               <a:fillRect/>
             </a:stretch>
@@ -14862,7 +16682,7 @@
             <p:cNvPr id="10" name="テキスト ボックス 9">
               <a:extLst>
                 <a:ext uri="{FF2B5EF4-FFF2-40B4-BE49-F238E27FC236}">
-                  <a16:creationId xmlns:a16="http://schemas.microsoft.com/office/drawing/2014/main" id="{CF8DE224-2887-4E31-AD74-69889C1FFC16}"/>
+                  <a16:creationId xmlns="" xmlns:a16="http://schemas.microsoft.com/office/drawing/2014/main" id="{CF8DE224-2887-4E31-AD74-69889C1FFC16}"/>
                 </a:ext>
               </a:extLst>
             </p:cNvPr>
@@ -14872,7 +16692,7 @@
           <p:spPr>
             <a:xfrm>
               <a:off x="4800898" y="3914913"/>
-              <a:ext cx="614271" cy="490904"/>
+              <a:ext cx="554960" cy="523220"/>
             </a:xfrm>
             <a:prstGeom prst="rect">
               <a:avLst/>
@@ -14890,8 +16710,7 @@
                   <a:solidFill>
                     <a:schemeClr val="tx1"/>
                   </a:solidFill>
-                  <a:latin typeface="Courier New" panose="02070309020205020404" pitchFamily="49" charset="0"/>
-                  <a:ea typeface="+mn-ea"/>
+                  <a:latin typeface="Arial Rounded MT Bold" pitchFamily="34" charset="0"/>
                   <a:cs typeface="Courier New" panose="02070309020205020404" pitchFamily="49" charset="0"/>
                 </a:rPr>
                 <a:t>AI</a:t>
@@ -14900,8 +16719,7 @@
                 <a:solidFill>
                   <a:schemeClr val="tx1"/>
                 </a:solidFill>
-                <a:latin typeface="Courier New" panose="02070309020205020404" pitchFamily="49" charset="0"/>
-                <a:ea typeface="+mn-ea"/>
+                <a:latin typeface="Arial Rounded MT Bold" pitchFamily="34" charset="0"/>
                 <a:cs typeface="Courier New" panose="02070309020205020404" pitchFamily="49" charset="0"/>
               </a:endParaRPr>
             </a:p>
@@ -14913,7 +16731,7 @@
           <p:cNvPr id="11" name="テキスト ボックス 10">
             <a:extLst>
               <a:ext uri="{FF2B5EF4-FFF2-40B4-BE49-F238E27FC236}">
-                <a16:creationId xmlns:a16="http://schemas.microsoft.com/office/drawing/2014/main" id="{6A30569D-1D14-452F-A60E-0E49406B5633}"/>
+                <a16:creationId xmlns="" xmlns:a16="http://schemas.microsoft.com/office/drawing/2014/main" id="{6A30569D-1D14-452F-A60E-0E49406B5633}"/>
               </a:ext>
             </a:extLst>
           </p:cNvPr>
@@ -14922,8 +16740,8 @@
         </p:nvSpPr>
         <p:spPr>
           <a:xfrm>
-            <a:off x="5252101" y="2588656"/>
-            <a:ext cx="1609736" cy="369332"/>
+            <a:off x="5375321" y="2588656"/>
+            <a:ext cx="1378711" cy="400110"/>
           </a:xfrm>
           <a:prstGeom prst="rect">
             <a:avLst/>
@@ -14936,16 +16754,22 @@
           </a:bodyPr>
           <a:lstStyle/>
           <a:p>
-            <a:r>
-              <a:rPr kumimoji="1" lang="ja-JP" altLang="en-US" sz="2000" b="1" dirty="0">
+            <a:pPr algn="ctr"/>
+            <a:r>
+              <a:rPr kumimoji="1" lang="en-US" altLang="ja-JP" sz="2000" b="1" dirty="0" smtClean="0">
                 <a:solidFill>
                   <a:srgbClr val="FF0000"/>
                 </a:solidFill>
-                <a:latin typeface="+mn-ea"/>
-                <a:ea typeface="+mn-ea"/>
+                <a:latin typeface="Arial Rounded MT Bold" pitchFamily="34" charset="0"/>
               </a:rPr>
-              <a:t>シミュレーター</a:t>
-            </a:r>
+              <a:t>Simulator</a:t>
+            </a:r>
+            <a:endParaRPr kumimoji="1" lang="ja-JP" altLang="en-US" sz="2000" b="1" dirty="0">
+              <a:solidFill>
+                <a:srgbClr val="FF0000"/>
+              </a:solidFill>
+              <a:latin typeface="Arial Rounded MT Bold" pitchFamily="34" charset="0"/>
+            </a:endParaRPr>
           </a:p>
         </p:txBody>
       </p:sp>
@@ -14954,7 +16778,7 @@
           <p:cNvPr id="12" name="矢印: 下カーブ 11">
             <a:extLst>
               <a:ext uri="{FF2B5EF4-FFF2-40B4-BE49-F238E27FC236}">
-                <a16:creationId xmlns:a16="http://schemas.microsoft.com/office/drawing/2014/main" id="{7498E7D6-B6C4-4849-AFD2-3D6177578A6F}"/>
+                <a16:creationId xmlns="" xmlns:a16="http://schemas.microsoft.com/office/drawing/2014/main" id="{7498E7D6-B6C4-4849-AFD2-3D6177578A6F}"/>
               </a:ext>
             </a:extLst>
           </p:cNvPr>
@@ -15000,8 +16824,7 @@
               <a:solidFill>
                 <a:schemeClr val="tx1"/>
               </a:solidFill>
-              <a:latin typeface="+mn-ea"/>
-              <a:ea typeface="+mn-ea"/>
+              <a:latin typeface="Arial Rounded MT Bold" pitchFamily="34" charset="0"/>
             </a:endParaRPr>
           </a:p>
         </p:txBody>
@@ -15011,7 +16834,7 @@
           <p:cNvPr id="13" name="矢印: 下カーブ 12">
             <a:extLst>
               <a:ext uri="{FF2B5EF4-FFF2-40B4-BE49-F238E27FC236}">
-                <a16:creationId xmlns:a16="http://schemas.microsoft.com/office/drawing/2014/main" id="{8C2549AB-09F0-4036-9120-C64A1535C406}"/>
+                <a16:creationId xmlns="" xmlns:a16="http://schemas.microsoft.com/office/drawing/2014/main" id="{8C2549AB-09F0-4036-9120-C64A1535C406}"/>
               </a:ext>
             </a:extLst>
           </p:cNvPr>
@@ -15057,8 +16880,7 @@
               <a:solidFill>
                 <a:schemeClr val="tx1"/>
               </a:solidFill>
-              <a:latin typeface="+mn-ea"/>
-              <a:ea typeface="+mn-ea"/>
+              <a:latin typeface="Arial Rounded MT Bold" pitchFamily="34" charset="0"/>
             </a:endParaRPr>
           </a:p>
         </p:txBody>
@@ -15068,7 +16890,7 @@
           <p:cNvPr id="14" name="テキスト ボックス 13">
             <a:extLst>
               <a:ext uri="{FF2B5EF4-FFF2-40B4-BE49-F238E27FC236}">
-                <a16:creationId xmlns:a16="http://schemas.microsoft.com/office/drawing/2014/main" id="{9B50588C-8C2D-4F0D-83A2-435549BCB555}"/>
+                <a16:creationId xmlns="" xmlns:a16="http://schemas.microsoft.com/office/drawing/2014/main" id="{9B50588C-8C2D-4F0D-83A2-435549BCB555}"/>
               </a:ext>
             </a:extLst>
           </p:cNvPr>
@@ -15077,8 +16899,8 @@
         </p:nvSpPr>
         <p:spPr>
           <a:xfrm>
-            <a:off x="3872892" y="1628767"/>
-            <a:ext cx="1415772" cy="424732"/>
+            <a:off x="3876100" y="1628767"/>
+            <a:ext cx="1409360" cy="461665"/>
           </a:xfrm>
           <a:prstGeom prst="rect">
             <a:avLst/>
@@ -15100,15 +16922,20 @@
           <a:p>
             <a:pPr algn="ctr"/>
             <a:r>
-              <a:rPr kumimoji="1" lang="ja-JP" altLang="en-US" sz="2400" dirty="0">
+              <a:rPr kumimoji="1" lang="en-US" altLang="ja-JP" sz="2400" dirty="0" smtClean="0">
                 <a:solidFill>
                   <a:schemeClr val="tx1"/>
                 </a:solidFill>
-                <a:latin typeface="+mn-ea"/>
-                <a:ea typeface="+mn-ea"/>
+                <a:latin typeface="Arial Rounded MT Bold" pitchFamily="34" charset="0"/>
               </a:rPr>
-              <a:t>探索戦略</a:t>
-            </a:r>
+              <a:t>Solution</a:t>
+            </a:r>
+            <a:endParaRPr kumimoji="1" lang="ja-JP" altLang="en-US" sz="2400" dirty="0">
+              <a:solidFill>
+                <a:schemeClr val="tx1"/>
+              </a:solidFill>
+              <a:latin typeface="Arial Rounded MT Bold" pitchFamily="34" charset="0"/>
+            </a:endParaRPr>
           </a:p>
         </p:txBody>
       </p:sp>
@@ -15117,7 +16944,7 @@
           <p:cNvPr id="15" name="テキスト ボックス 14">
             <a:extLst>
               <a:ext uri="{FF2B5EF4-FFF2-40B4-BE49-F238E27FC236}">
-                <a16:creationId xmlns:a16="http://schemas.microsoft.com/office/drawing/2014/main" id="{A38AD782-6B27-4F6F-B6E1-30E9C6D55FB4}"/>
+                <a16:creationId xmlns="" xmlns:a16="http://schemas.microsoft.com/office/drawing/2014/main" id="{A38AD782-6B27-4F6F-B6E1-30E9C6D55FB4}"/>
               </a:ext>
             </a:extLst>
           </p:cNvPr>
@@ -15126,8 +16953,8 @@
         </p:nvSpPr>
         <p:spPr>
           <a:xfrm>
-            <a:off x="3727056" y="4854255"/>
-            <a:ext cx="1689886" cy="424732"/>
+            <a:off x="3752417" y="4854255"/>
+            <a:ext cx="1639168" cy="461665"/>
           </a:xfrm>
           <a:prstGeom prst="rect">
             <a:avLst/>
@@ -15149,15 +16976,20 @@
           <a:p>
             <a:pPr algn="ctr"/>
             <a:r>
-              <a:rPr kumimoji="1" lang="ja-JP" altLang="en-US" sz="2400" dirty="0">
+              <a:rPr kumimoji="1" lang="en-US" altLang="ja-JP" sz="2400" dirty="0" smtClean="0">
                 <a:solidFill>
                   <a:schemeClr val="tx1"/>
                 </a:solidFill>
-                <a:latin typeface="+mn-ea"/>
-                <a:ea typeface="+mn-ea"/>
+                <a:latin typeface="Arial Rounded MT Bold" pitchFamily="34" charset="0"/>
               </a:rPr>
-              <a:t>フィードバック</a:t>
-            </a:r>
+              <a:t>Feedback</a:t>
+            </a:r>
+            <a:endParaRPr kumimoji="1" lang="ja-JP" altLang="en-US" sz="2400" dirty="0">
+              <a:solidFill>
+                <a:schemeClr val="tx1"/>
+              </a:solidFill>
+              <a:latin typeface="Arial Rounded MT Bold" pitchFamily="34" charset="0"/>
+            </a:endParaRPr>
           </a:p>
         </p:txBody>
       </p:sp>
@@ -15166,7 +16998,7 @@
           <p:cNvPr id="16" name="グループ化 15">
             <a:extLst>
               <a:ext uri="{FF2B5EF4-FFF2-40B4-BE49-F238E27FC236}">
-                <a16:creationId xmlns:a16="http://schemas.microsoft.com/office/drawing/2014/main" id="{FBC1186A-7EFF-4705-99A3-ED363D194964}"/>
+                <a16:creationId xmlns="" xmlns:a16="http://schemas.microsoft.com/office/drawing/2014/main" id="{FBC1186A-7EFF-4705-99A3-ED363D194964}"/>
               </a:ext>
             </a:extLst>
           </p:cNvPr>
@@ -15175,10 +17007,10 @@
         </p:nvGrpSpPr>
         <p:grpSpPr>
           <a:xfrm>
-            <a:off x="7186363" y="2583006"/>
-            <a:ext cx="1686339" cy="1686339"/>
-            <a:chOff x="5673224" y="4084405"/>
-            <a:chExt cx="2457576" cy="2317896"/>
+            <a:off x="7173567" y="2583006"/>
+            <a:ext cx="1699135" cy="1686339"/>
+            <a:chOff x="5654576" y="4084405"/>
+            <a:chExt cx="2476224" cy="2317896"/>
           </a:xfrm>
         </p:grpSpPr>
         <p:pic>
@@ -15186,7 +17018,7 @@
             <p:cNvPr id="17" name="table">
               <a:extLst>
                 <a:ext uri="{FF2B5EF4-FFF2-40B4-BE49-F238E27FC236}">
-                  <a16:creationId xmlns:a16="http://schemas.microsoft.com/office/drawing/2014/main" id="{44D5CF2D-67B4-4E26-B3C4-57D183A58BEC}"/>
+                  <a16:creationId xmlns="" xmlns:a16="http://schemas.microsoft.com/office/drawing/2014/main" id="{44D5CF2D-67B4-4E26-B3C4-57D183A58BEC}"/>
                 </a:ext>
               </a:extLst>
             </p:cNvPr>
@@ -15196,7 +17028,7 @@
             <p:nvPr/>
           </p:nvPicPr>
           <p:blipFill>
-            <a:blip r:embed="rId3"/>
+            <a:blip r:embed="rId3" cstate="print"/>
             <a:stretch>
               <a:fillRect/>
             </a:stretch>
@@ -15216,7 +17048,7 @@
             <p:cNvPr id="18" name="テキスト ボックス 32">
               <a:extLst>
                 <a:ext uri="{FF2B5EF4-FFF2-40B4-BE49-F238E27FC236}">
-                  <a16:creationId xmlns:a16="http://schemas.microsoft.com/office/drawing/2014/main" id="{E9E1106C-6C33-4605-8913-24D96D006203}"/>
+                  <a16:creationId xmlns="" xmlns:a16="http://schemas.microsoft.com/office/drawing/2014/main" id="{E9E1106C-6C33-4605-8913-24D96D006203}"/>
                 </a:ext>
               </a:extLst>
             </p:cNvPr>
@@ -15225,8 +17057,8 @@
           </p:nvSpPr>
           <p:spPr>
             <a:xfrm>
-              <a:off x="5736555" y="4084405"/>
-              <a:ext cx="373820" cy="369332"/>
+              <a:off x="5654576" y="4084405"/>
+              <a:ext cx="537777" cy="507652"/>
             </a:xfrm>
             <a:prstGeom prst="rect">
               <a:avLst/>
@@ -15384,7 +17216,7 @@
                   <a:solidFill>
                     <a:schemeClr val="bg1"/>
                   </a:solidFill>
-                  <a:latin typeface="Meiryo UI" panose="020B0604030504040204" pitchFamily="50" charset="-128"/>
+                  <a:latin typeface="Arial Rounded MT Bold" pitchFamily="34" charset="0"/>
                   <a:ea typeface="Meiryo UI" panose="020B0604030504040204" pitchFamily="50" charset="-128"/>
                   <a:cs typeface="Meiryo UI" panose="020B0604030504040204" pitchFamily="50" charset="-128"/>
                 </a:rPr>
@@ -15394,7 +17226,7 @@
                 <a:solidFill>
                   <a:schemeClr val="bg1"/>
                 </a:solidFill>
-                <a:latin typeface="Meiryo UI" panose="020B0604030504040204" pitchFamily="50" charset="-128"/>
+                <a:latin typeface="Arial Rounded MT Bold" pitchFamily="34" charset="0"/>
                 <a:ea typeface="Meiryo UI" panose="020B0604030504040204" pitchFamily="50" charset="-128"/>
                 <a:cs typeface="Meiryo UI" panose="020B0604030504040204" pitchFamily="50" charset="-128"/>
               </a:endParaRPr>
@@ -15406,7 +17238,7 @@
             <p:cNvPr id="19" name="テキスト ボックス 33">
               <a:extLst>
                 <a:ext uri="{FF2B5EF4-FFF2-40B4-BE49-F238E27FC236}">
-                  <a16:creationId xmlns:a16="http://schemas.microsoft.com/office/drawing/2014/main" id="{9EFDF77F-2FE1-47CB-8F67-373C4A9E0F85}"/>
+                  <a16:creationId xmlns="" xmlns:a16="http://schemas.microsoft.com/office/drawing/2014/main" id="{9EFDF77F-2FE1-47CB-8F67-373C4A9E0F85}"/>
                 </a:ext>
               </a:extLst>
             </p:cNvPr>
@@ -15415,8 +17247,8 @@
           </p:nvSpPr>
           <p:spPr>
             <a:xfrm>
-              <a:off x="5748564" y="4801291"/>
-              <a:ext cx="372218" cy="369332"/>
+              <a:off x="5665784" y="4801291"/>
+              <a:ext cx="537777" cy="507652"/>
             </a:xfrm>
             <a:prstGeom prst="rect">
               <a:avLst/>
@@ -15574,7 +17406,7 @@
                   <a:solidFill>
                     <a:schemeClr val="bg1"/>
                   </a:solidFill>
-                  <a:latin typeface="Meiryo UI" panose="020B0604030504040204" pitchFamily="50" charset="-128"/>
+                  <a:latin typeface="Arial Rounded MT Bold" pitchFamily="34" charset="0"/>
                   <a:ea typeface="Meiryo UI" panose="020B0604030504040204" pitchFamily="50" charset="-128"/>
                   <a:cs typeface="Meiryo UI" panose="020B0604030504040204" pitchFamily="50" charset="-128"/>
                 </a:rPr>
@@ -15584,7 +17416,7 @@
                 <a:solidFill>
                   <a:schemeClr val="bg1"/>
                 </a:solidFill>
-                <a:latin typeface="Meiryo UI" panose="020B0604030504040204" pitchFamily="50" charset="-128"/>
+                <a:latin typeface="Arial Rounded MT Bold" pitchFamily="34" charset="0"/>
                 <a:ea typeface="Meiryo UI" panose="020B0604030504040204" pitchFamily="50" charset="-128"/>
                 <a:cs typeface="Meiryo UI" panose="020B0604030504040204" pitchFamily="50" charset="-128"/>
               </a:endParaRPr>
@@ -15596,7 +17428,7 @@
             <p:cNvPr id="20" name="テキスト ボックス 34">
               <a:extLst>
                 <a:ext uri="{FF2B5EF4-FFF2-40B4-BE49-F238E27FC236}">
-                  <a16:creationId xmlns:a16="http://schemas.microsoft.com/office/drawing/2014/main" id="{56C1504B-D993-4BE5-A548-0E70F2ED81C7}"/>
+                  <a16:creationId xmlns="" xmlns:a16="http://schemas.microsoft.com/office/drawing/2014/main" id="{56C1504B-D993-4BE5-A548-0E70F2ED81C7}"/>
                 </a:ext>
               </a:extLst>
             </p:cNvPr>
@@ -15605,8 +17437,8 @@
           </p:nvSpPr>
           <p:spPr>
             <a:xfrm>
-              <a:off x="7270057" y="4883105"/>
-              <a:ext cx="360996" cy="369332"/>
+              <a:off x="7176995" y="4883105"/>
+              <a:ext cx="547122" cy="507652"/>
             </a:xfrm>
             <a:prstGeom prst="rect">
               <a:avLst/>
@@ -15764,7 +17596,7 @@
                   <a:solidFill>
                     <a:schemeClr val="bg1"/>
                   </a:solidFill>
-                  <a:latin typeface="Meiryo UI" panose="020B0604030504040204" pitchFamily="50" charset="-128"/>
+                  <a:latin typeface="Arial Rounded MT Bold" pitchFamily="34" charset="0"/>
                   <a:ea typeface="Meiryo UI" panose="020B0604030504040204" pitchFamily="50" charset="-128"/>
                   <a:cs typeface="Meiryo UI" panose="020B0604030504040204" pitchFamily="50" charset="-128"/>
                 </a:rPr>
@@ -15774,7 +17606,7 @@
                 <a:solidFill>
                   <a:schemeClr val="bg1"/>
                 </a:solidFill>
-                <a:latin typeface="Meiryo UI" panose="020B0604030504040204" pitchFamily="50" charset="-128"/>
+                <a:latin typeface="Arial Rounded MT Bold" pitchFamily="34" charset="0"/>
                 <a:ea typeface="Meiryo UI" panose="020B0604030504040204" pitchFamily="50" charset="-128"/>
                 <a:cs typeface="Meiryo UI" panose="020B0604030504040204" pitchFamily="50" charset="-128"/>
               </a:endParaRPr>
@@ -15787,7 +17619,7 @@
           <p:cNvPr id="21" name="テキスト ボックス 20">
             <a:extLst>
               <a:ext uri="{FF2B5EF4-FFF2-40B4-BE49-F238E27FC236}">
-                <a16:creationId xmlns:a16="http://schemas.microsoft.com/office/drawing/2014/main" id="{C4875C9F-D6D1-4110-A2CF-39CE6A4FFFAB}"/>
+                <a16:creationId xmlns="" xmlns:a16="http://schemas.microsoft.com/office/drawing/2014/main" id="{C4875C9F-D6D1-4110-A2CF-39CE6A4FFFAB}"/>
               </a:ext>
             </a:extLst>
           </p:cNvPr>
@@ -15796,8 +17628,8 @@
         </p:nvSpPr>
         <p:spPr>
           <a:xfrm>
-            <a:off x="7680715" y="4263641"/>
-            <a:ext cx="697627" cy="369332"/>
+            <a:off x="7660742" y="4263641"/>
+            <a:ext cx="737573" cy="400110"/>
           </a:xfrm>
           <a:prstGeom prst="rect">
             <a:avLst/>
@@ -15812,15 +17644,20 @@
           <a:p>
             <a:pPr algn="ctr"/>
             <a:r>
-              <a:rPr kumimoji="1" lang="ja-JP" altLang="en-US" sz="2000" b="1" dirty="0">
+              <a:rPr kumimoji="1" lang="en-US" altLang="ja-JP" sz="2000" b="1" dirty="0" smtClean="0">
                 <a:solidFill>
                   <a:schemeClr val="tx1"/>
                 </a:solidFill>
-                <a:latin typeface="+mn-ea"/>
-                <a:ea typeface="+mn-ea"/>
+                <a:latin typeface="Arial Rounded MT Bold" pitchFamily="34" charset="0"/>
               </a:rPr>
-              <a:t>試行</a:t>
-            </a:r>
+              <a:t>Trial</a:t>
+            </a:r>
+            <a:endParaRPr kumimoji="1" lang="ja-JP" altLang="en-US" sz="2000" b="1" dirty="0">
+              <a:solidFill>
+                <a:schemeClr val="tx1"/>
+              </a:solidFill>
+              <a:latin typeface="Arial Rounded MT Bold" pitchFamily="34" charset="0"/>
+            </a:endParaRPr>
           </a:p>
         </p:txBody>
       </p:sp>
@@ -15829,7 +17666,7 @@
           <p:cNvPr id="22" name="楕円 21">
             <a:extLst>
               <a:ext uri="{FF2B5EF4-FFF2-40B4-BE49-F238E27FC236}">
-                <a16:creationId xmlns:a16="http://schemas.microsoft.com/office/drawing/2014/main" id="{22DA3659-26C7-4777-A69C-1441E0AF3A89}"/>
+                <a16:creationId xmlns="" xmlns:a16="http://schemas.microsoft.com/office/drawing/2014/main" id="{22DA3659-26C7-4777-A69C-1441E0AF3A89}"/>
               </a:ext>
             </a:extLst>
           </p:cNvPr>
@@ -15869,8 +17706,7 @@
                 <a:solidFill>
                   <a:schemeClr val="tx1"/>
                 </a:solidFill>
-                <a:latin typeface="Courier New" panose="02070309020205020404" pitchFamily="49" charset="0"/>
-                <a:ea typeface="+mn-ea"/>
+                <a:latin typeface="Arial Rounded MT Bold" pitchFamily="34" charset="0"/>
                 <a:cs typeface="Courier New" panose="02070309020205020404" pitchFamily="49" charset="0"/>
               </a:rPr>
               <a:t>α</a:t>
@@ -15879,8 +17715,7 @@
               <a:solidFill>
                 <a:schemeClr val="tx1"/>
               </a:solidFill>
-              <a:latin typeface="Courier New" panose="02070309020205020404" pitchFamily="49" charset="0"/>
-              <a:ea typeface="+mn-ea"/>
+              <a:latin typeface="Arial Rounded MT Bold" pitchFamily="34" charset="0"/>
               <a:cs typeface="Courier New" panose="02070309020205020404" pitchFamily="49" charset="0"/>
             </a:endParaRPr>
           </a:p>
@@ -15891,7 +17726,7 @@
           <p:cNvPr id="23" name="正方形/長方形 22">
             <a:extLst>
               <a:ext uri="{FF2B5EF4-FFF2-40B4-BE49-F238E27FC236}">
-                <a16:creationId xmlns:a16="http://schemas.microsoft.com/office/drawing/2014/main" id="{1E7CCE8F-EBBD-4882-98E0-85B70D36FAA0}"/>
+                <a16:creationId xmlns="" xmlns:a16="http://schemas.microsoft.com/office/drawing/2014/main" id="{1E7CCE8F-EBBD-4882-98E0-85B70D36FAA0}"/>
               </a:ext>
             </a:extLst>
           </p:cNvPr>
@@ -15930,8 +17765,7 @@
               <a:solidFill>
                 <a:schemeClr val="tx1"/>
               </a:solidFill>
-              <a:latin typeface="+mn-ea"/>
-              <a:ea typeface="+mn-ea"/>
+              <a:latin typeface="Arial Rounded MT Bold" pitchFamily="34" charset="0"/>
             </a:endParaRPr>
           </a:p>
         </p:txBody>
@@ -15941,7 +17775,7 @@
           <p:cNvPr id="24" name="楕円 23">
             <a:extLst>
               <a:ext uri="{FF2B5EF4-FFF2-40B4-BE49-F238E27FC236}">
-                <a16:creationId xmlns:a16="http://schemas.microsoft.com/office/drawing/2014/main" id="{546594A9-C1FF-4BA0-996B-364E71836C05}"/>
+                <a16:creationId xmlns="" xmlns:a16="http://schemas.microsoft.com/office/drawing/2014/main" id="{546594A9-C1FF-4BA0-996B-364E71836C05}"/>
               </a:ext>
             </a:extLst>
           </p:cNvPr>
@@ -15981,8 +17815,7 @@
                 <a:solidFill>
                   <a:schemeClr val="tx1"/>
                 </a:solidFill>
-                <a:latin typeface="Courier New" panose="02070309020205020404" pitchFamily="49" charset="0"/>
-                <a:ea typeface="+mn-ea"/>
+                <a:latin typeface="Arial Rounded MT Bold" pitchFamily="34" charset="0"/>
                 <a:cs typeface="Courier New" panose="02070309020205020404" pitchFamily="49" charset="0"/>
               </a:rPr>
               <a:t>θ</a:t>
@@ -15991,8 +17824,7 @@
               <a:solidFill>
                 <a:schemeClr val="tx1"/>
               </a:solidFill>
-              <a:latin typeface="Courier New" panose="02070309020205020404" pitchFamily="49" charset="0"/>
-              <a:ea typeface="+mn-ea"/>
+              <a:latin typeface="Arial Rounded MT Bold" pitchFamily="34" charset="0"/>
               <a:cs typeface="Courier New" panose="02070309020205020404" pitchFamily="49" charset="0"/>
             </a:endParaRPr>
           </a:p>
@@ -16003,7 +17835,7 @@
           <p:cNvPr id="25" name="正方形/長方形 24">
             <a:extLst>
               <a:ext uri="{FF2B5EF4-FFF2-40B4-BE49-F238E27FC236}">
-                <a16:creationId xmlns:a16="http://schemas.microsoft.com/office/drawing/2014/main" id="{7659758C-4841-4CDB-866B-78B8A3D94A11}"/>
+                <a16:creationId xmlns="" xmlns:a16="http://schemas.microsoft.com/office/drawing/2014/main" id="{7659758C-4841-4CDB-866B-78B8A3D94A11}"/>
               </a:ext>
             </a:extLst>
           </p:cNvPr>
@@ -16042,8 +17874,7 @@
               <a:solidFill>
                 <a:schemeClr val="tx1"/>
               </a:solidFill>
-              <a:latin typeface="+mn-ea"/>
-              <a:ea typeface="+mn-ea"/>
+              <a:latin typeface="Arial Rounded MT Bold" pitchFamily="34" charset="0"/>
             </a:endParaRPr>
           </a:p>
         </p:txBody>
@@ -16053,7 +17884,7 @@
           <p:cNvPr id="26" name="楕円 25">
             <a:extLst>
               <a:ext uri="{FF2B5EF4-FFF2-40B4-BE49-F238E27FC236}">
-                <a16:creationId xmlns:a16="http://schemas.microsoft.com/office/drawing/2014/main" id="{086DFA6F-F420-4D4F-AFBE-50C29A70C856}"/>
+                <a16:creationId xmlns="" xmlns:a16="http://schemas.microsoft.com/office/drawing/2014/main" id="{086DFA6F-F420-4D4F-AFBE-50C29A70C856}"/>
               </a:ext>
             </a:extLst>
           </p:cNvPr>
@@ -16093,8 +17924,7 @@
                 <a:solidFill>
                   <a:schemeClr val="tx1"/>
                 </a:solidFill>
-                <a:latin typeface="Courier New" panose="02070309020205020404" pitchFamily="49" charset="0"/>
-                <a:ea typeface="+mn-ea"/>
+                <a:latin typeface="Arial Rounded MT Bold" pitchFamily="34" charset="0"/>
                 <a:cs typeface="Courier New" panose="02070309020205020404" pitchFamily="49" charset="0"/>
               </a:rPr>
               <a:t>Ｚ</a:t>
@@ -16103,8 +17933,7 @@
               <a:solidFill>
                 <a:schemeClr val="tx1"/>
               </a:solidFill>
-              <a:latin typeface="Courier New" panose="02070309020205020404" pitchFamily="49" charset="0"/>
-              <a:ea typeface="+mn-ea"/>
+              <a:latin typeface="Arial Rounded MT Bold" pitchFamily="34" charset="0"/>
               <a:cs typeface="Courier New" panose="02070309020205020404" pitchFamily="49" charset="0"/>
             </a:endParaRPr>
           </a:p>
@@ -16115,7 +17944,7 @@
           <p:cNvPr id="27" name="楕円 26">
             <a:extLst>
               <a:ext uri="{FF2B5EF4-FFF2-40B4-BE49-F238E27FC236}">
-                <a16:creationId xmlns:a16="http://schemas.microsoft.com/office/drawing/2014/main" id="{2F4D71A3-C7E5-4B4F-8F71-062260BFF637}"/>
+                <a16:creationId xmlns="" xmlns:a16="http://schemas.microsoft.com/office/drawing/2014/main" id="{2F4D71A3-C7E5-4B4F-8F71-062260BFF637}"/>
               </a:ext>
             </a:extLst>
           </p:cNvPr>
@@ -16157,8 +17986,7 @@
                 <a:solidFill>
                   <a:schemeClr val="tx1"/>
                 </a:solidFill>
-                <a:latin typeface="Courier New" panose="02070309020205020404" pitchFamily="49" charset="0"/>
-                <a:ea typeface="+mn-ea"/>
+                <a:latin typeface="Arial Rounded MT Bold" pitchFamily="34" charset="0"/>
                 <a:cs typeface="Courier New" panose="02070309020205020404" pitchFamily="49" charset="0"/>
               </a:rPr>
               <a:t>Ｘ</a:t>
@@ -16167,8 +17995,7 @@
               <a:solidFill>
                 <a:schemeClr val="tx1"/>
               </a:solidFill>
-              <a:latin typeface="Courier New" panose="02070309020205020404" pitchFamily="49" charset="0"/>
-              <a:ea typeface="+mn-ea"/>
+              <a:latin typeface="Arial Rounded MT Bold" pitchFamily="34" charset="0"/>
               <a:cs typeface="Courier New" panose="02070309020205020404" pitchFamily="49" charset="0"/>
             </a:endParaRPr>
           </a:p>
@@ -16179,7 +18006,7 @@
           <p:cNvPr id="28" name="楕円 27">
             <a:extLst>
               <a:ext uri="{FF2B5EF4-FFF2-40B4-BE49-F238E27FC236}">
-                <a16:creationId xmlns:a16="http://schemas.microsoft.com/office/drawing/2014/main" id="{5D495AB2-65D5-4F55-9930-E7AA960800EF}"/>
+                <a16:creationId xmlns="" xmlns:a16="http://schemas.microsoft.com/office/drawing/2014/main" id="{5D495AB2-65D5-4F55-9930-E7AA960800EF}"/>
               </a:ext>
             </a:extLst>
           </p:cNvPr>
@@ -16219,8 +18046,7 @@
                 <a:solidFill>
                   <a:schemeClr val="tx1"/>
                 </a:solidFill>
-                <a:latin typeface="Courier New" panose="02070309020205020404" pitchFamily="49" charset="0"/>
-                <a:ea typeface="+mn-ea"/>
+                <a:latin typeface="Arial Rounded MT Bold" pitchFamily="34" charset="0"/>
                 <a:cs typeface="Courier New" panose="02070309020205020404" pitchFamily="49" charset="0"/>
               </a:rPr>
               <a:t>β</a:t>
@@ -16229,8 +18055,7 @@
               <a:solidFill>
                 <a:schemeClr val="tx1"/>
               </a:solidFill>
-              <a:latin typeface="Courier New" panose="02070309020205020404" pitchFamily="49" charset="0"/>
-              <a:ea typeface="+mn-ea"/>
+              <a:latin typeface="Arial Rounded MT Bold" pitchFamily="34" charset="0"/>
               <a:cs typeface="Courier New" panose="02070309020205020404" pitchFamily="49" charset="0"/>
             </a:endParaRPr>
           </a:p>
@@ -16241,7 +18066,7 @@
           <p:cNvPr id="29" name="正方形/長方形 28">
             <a:extLst>
               <a:ext uri="{FF2B5EF4-FFF2-40B4-BE49-F238E27FC236}">
-                <a16:creationId xmlns:a16="http://schemas.microsoft.com/office/drawing/2014/main" id="{5382B2B3-DB64-43EF-831B-3BD794D2CD21}"/>
+                <a16:creationId xmlns="" xmlns:a16="http://schemas.microsoft.com/office/drawing/2014/main" id="{5382B2B3-DB64-43EF-831B-3BD794D2CD21}"/>
               </a:ext>
             </a:extLst>
           </p:cNvPr>
@@ -16280,8 +18105,7 @@
               <a:solidFill>
                 <a:schemeClr val="tx1"/>
               </a:solidFill>
-              <a:latin typeface="+mn-ea"/>
-              <a:ea typeface="+mn-ea"/>
+              <a:latin typeface="Arial Rounded MT Bold" pitchFamily="34" charset="0"/>
             </a:endParaRPr>
           </a:p>
         </p:txBody>
@@ -16291,7 +18115,7 @@
           <p:cNvPr id="30" name="楕円 29">
             <a:extLst>
               <a:ext uri="{FF2B5EF4-FFF2-40B4-BE49-F238E27FC236}">
-                <a16:creationId xmlns:a16="http://schemas.microsoft.com/office/drawing/2014/main" id="{14F473B4-DF4F-448E-8F32-2206BCC2CBF1}"/>
+                <a16:creationId xmlns="" xmlns:a16="http://schemas.microsoft.com/office/drawing/2014/main" id="{14F473B4-DF4F-448E-8F32-2206BCC2CBF1}"/>
               </a:ext>
             </a:extLst>
           </p:cNvPr>
@@ -16331,8 +18155,7 @@
                 <a:solidFill>
                   <a:schemeClr val="tx1"/>
                 </a:solidFill>
-                <a:latin typeface="Courier New" panose="02070309020205020404" pitchFamily="49" charset="0"/>
-                <a:ea typeface="+mn-ea"/>
+                <a:latin typeface="Arial Rounded MT Bold" pitchFamily="34" charset="0"/>
                 <a:cs typeface="Courier New" panose="02070309020205020404" pitchFamily="49" charset="0"/>
               </a:rPr>
               <a:t>φ</a:t>
@@ -16341,8 +18164,7 @@
               <a:solidFill>
                 <a:schemeClr val="tx1"/>
               </a:solidFill>
-              <a:latin typeface="Courier New" panose="02070309020205020404" pitchFamily="49" charset="0"/>
-              <a:ea typeface="+mn-ea"/>
+              <a:latin typeface="Arial Rounded MT Bold" pitchFamily="34" charset="0"/>
               <a:cs typeface="Courier New" panose="02070309020205020404" pitchFamily="49" charset="0"/>
             </a:endParaRPr>
           </a:p>
@@ -16353,7 +18175,7 @@
           <p:cNvPr id="31" name="直線矢印コネクタ 30">
             <a:extLst>
               <a:ext uri="{FF2B5EF4-FFF2-40B4-BE49-F238E27FC236}">
-                <a16:creationId xmlns:a16="http://schemas.microsoft.com/office/drawing/2014/main" id="{47CC9691-C4D4-4685-838A-BCC4C62A5446}"/>
+                <a16:creationId xmlns="" xmlns:a16="http://schemas.microsoft.com/office/drawing/2014/main" id="{47CC9691-C4D4-4685-838A-BCC4C62A5446}"/>
               </a:ext>
             </a:extLst>
           </p:cNvPr>
@@ -16389,7 +18211,7 @@
           <p:cNvPr id="32" name="直線矢印コネクタ 31">
             <a:extLst>
               <a:ext uri="{FF2B5EF4-FFF2-40B4-BE49-F238E27FC236}">
-                <a16:creationId xmlns:a16="http://schemas.microsoft.com/office/drawing/2014/main" id="{2EF6C453-353D-41B6-AE4E-11EB39D9FBF9}"/>
+                <a16:creationId xmlns="" xmlns:a16="http://schemas.microsoft.com/office/drawing/2014/main" id="{2EF6C453-353D-41B6-AE4E-11EB39D9FBF9}"/>
               </a:ext>
             </a:extLst>
           </p:cNvPr>
@@ -16426,7 +18248,7 @@
           <p:cNvPr id="33" name="直線矢印コネクタ 32">
             <a:extLst>
               <a:ext uri="{FF2B5EF4-FFF2-40B4-BE49-F238E27FC236}">
-                <a16:creationId xmlns:a16="http://schemas.microsoft.com/office/drawing/2014/main" id="{5DCE5B91-A104-4564-8D5A-1BF3FB2598FC}"/>
+                <a16:creationId xmlns="" xmlns:a16="http://schemas.microsoft.com/office/drawing/2014/main" id="{5DCE5B91-A104-4564-8D5A-1BF3FB2598FC}"/>
               </a:ext>
             </a:extLst>
           </p:cNvPr>
@@ -16463,7 +18285,7 @@
           <p:cNvPr id="34" name="直線矢印コネクタ 33">
             <a:extLst>
               <a:ext uri="{FF2B5EF4-FFF2-40B4-BE49-F238E27FC236}">
-                <a16:creationId xmlns:a16="http://schemas.microsoft.com/office/drawing/2014/main" id="{1DBC9EB7-00F8-492E-90F0-D68B63014CF4}"/>
+                <a16:creationId xmlns="" xmlns:a16="http://schemas.microsoft.com/office/drawing/2014/main" id="{1DBC9EB7-00F8-492E-90F0-D68B63014CF4}"/>
               </a:ext>
             </a:extLst>
           </p:cNvPr>
@@ -16500,7 +18322,7 @@
           <p:cNvPr id="35" name="直線矢印コネクタ 34">
             <a:extLst>
               <a:ext uri="{FF2B5EF4-FFF2-40B4-BE49-F238E27FC236}">
-                <a16:creationId xmlns:a16="http://schemas.microsoft.com/office/drawing/2014/main" id="{E6E00A7E-42A7-48C9-833C-27E8C6C66224}"/>
+                <a16:creationId xmlns="" xmlns:a16="http://schemas.microsoft.com/office/drawing/2014/main" id="{E6E00A7E-42A7-48C9-833C-27E8C6C66224}"/>
               </a:ext>
             </a:extLst>
           </p:cNvPr>
@@ -16537,7 +18359,7 @@
           <p:cNvPr id="36" name="テキスト ボックス 35">
             <a:extLst>
               <a:ext uri="{FF2B5EF4-FFF2-40B4-BE49-F238E27FC236}">
-                <a16:creationId xmlns:a16="http://schemas.microsoft.com/office/drawing/2014/main" id="{150412F5-614C-477A-B848-929E5607F60A}"/>
+                <a16:creationId xmlns="" xmlns:a16="http://schemas.microsoft.com/office/drawing/2014/main" id="{150412F5-614C-477A-B848-929E5607F60A}"/>
               </a:ext>
             </a:extLst>
           </p:cNvPr>
@@ -16546,8 +18368,8 @@
         </p:nvSpPr>
         <p:spPr>
           <a:xfrm>
-            <a:off x="497789" y="4259625"/>
-            <a:ext cx="1208984" cy="369332"/>
+            <a:off x="442488" y="4259625"/>
+            <a:ext cx="1319592" cy="400110"/>
           </a:xfrm>
           <a:prstGeom prst="rect">
             <a:avLst/>
@@ -16562,15 +18384,20 @@
           <a:p>
             <a:pPr algn="ctr"/>
             <a:r>
-              <a:rPr kumimoji="1" lang="ja-JP" altLang="en-US" sz="2000" b="1" dirty="0">
+              <a:rPr kumimoji="1" lang="en-US" altLang="ja-JP" sz="2000" b="1" dirty="0" smtClean="0">
                 <a:solidFill>
                   <a:schemeClr val="tx1"/>
                 </a:solidFill>
-                <a:latin typeface="+mn-ea"/>
-                <a:ea typeface="+mn-ea"/>
+                <a:latin typeface="Arial Rounded MT Bold" pitchFamily="34" charset="0"/>
               </a:rPr>
-              <a:t>モデリング</a:t>
-            </a:r>
+              <a:t>Modeling</a:t>
+            </a:r>
+            <a:endParaRPr kumimoji="1" lang="ja-JP" altLang="en-US" sz="2000" b="1" dirty="0">
+              <a:solidFill>
+                <a:schemeClr val="tx1"/>
+              </a:solidFill>
+              <a:latin typeface="Arial Rounded MT Bold" pitchFamily="34" charset="0"/>
+            </a:endParaRPr>
           </a:p>
         </p:txBody>
       </p:sp>
@@ -16579,7 +18406,7 @@
           <p:cNvPr id="37" name="テキスト ボックス 36">
             <a:extLst>
               <a:ext uri="{FF2B5EF4-FFF2-40B4-BE49-F238E27FC236}">
-                <a16:creationId xmlns:a16="http://schemas.microsoft.com/office/drawing/2014/main" id="{59F2DE62-0837-4E94-A8F9-BC01B13BAE16}"/>
+                <a16:creationId xmlns="" xmlns:a16="http://schemas.microsoft.com/office/drawing/2014/main" id="{59F2DE62-0837-4E94-A8F9-BC01B13BAE16}"/>
               </a:ext>
             </a:extLst>
           </p:cNvPr>
@@ -16588,8 +18415,8 @@
         </p:nvSpPr>
         <p:spPr>
           <a:xfrm>
-            <a:off x="190972" y="1841802"/>
-            <a:ext cx="1879040" cy="757130"/>
+            <a:off x="88829" y="1795152"/>
+            <a:ext cx="2083327" cy="830997"/>
           </a:xfrm>
           <a:prstGeom prst="rect">
             <a:avLst/>
@@ -16604,21 +18431,19 @@
           <a:p>
             <a:pPr algn="ctr"/>
             <a:r>
-              <a:rPr kumimoji="1" lang="ja-JP" altLang="en-US" sz="1600" dirty="0">
+              <a:rPr kumimoji="1" lang="en-US" altLang="ja-JP" sz="1600" dirty="0" smtClean="0">
                 <a:solidFill>
                   <a:schemeClr val="tx1"/>
                 </a:solidFill>
-                <a:latin typeface="+mn-ea"/>
-                <a:ea typeface="+mn-ea"/>
+                <a:latin typeface="Arial Rounded MT Bold" pitchFamily="34" charset="0"/>
               </a:rPr>
-              <a:t>伝統的な確率モデル</a:t>
+              <a:t>Probabilistic Model</a:t>
             </a:r>
             <a:endParaRPr kumimoji="1" lang="en-US" altLang="ja-JP" sz="1600" dirty="0">
               <a:solidFill>
                 <a:schemeClr val="tx1"/>
               </a:solidFill>
-              <a:latin typeface="+mn-ea"/>
-              <a:ea typeface="+mn-ea"/>
+              <a:latin typeface="Arial Rounded MT Bold" pitchFamily="34" charset="0"/>
             </a:endParaRPr>
           </a:p>
           <a:p>
@@ -16628,8 +18453,7 @@
                 <a:solidFill>
                   <a:schemeClr val="tx1"/>
                 </a:solidFill>
-                <a:latin typeface="+mn-ea"/>
-                <a:ea typeface="+mn-ea"/>
+                <a:latin typeface="Arial Rounded MT Bold" pitchFamily="34" charset="0"/>
               </a:rPr>
               <a:t>+</a:t>
             </a:r>
@@ -16637,31 +18461,28 @@
           <a:p>
             <a:pPr algn="ctr"/>
             <a:r>
-              <a:rPr kumimoji="1" lang="ja-JP" altLang="en-US" sz="1600" dirty="0">
+              <a:rPr kumimoji="1" lang="en-US" altLang="ja-JP" sz="1600" dirty="0" smtClean="0">
                 <a:solidFill>
                   <a:schemeClr val="tx1"/>
                 </a:solidFill>
-                <a:latin typeface="+mn-ea"/>
-                <a:ea typeface="+mn-ea"/>
+                <a:latin typeface="Arial Rounded MT Bold" pitchFamily="34" charset="0"/>
               </a:rPr>
-              <a:t>強化学習</a:t>
+              <a:t>RL(Bandit</a:t>
             </a:r>
             <a:r>
               <a:rPr kumimoji="1" lang="en-US" altLang="ja-JP" sz="1600" dirty="0">
                 <a:solidFill>
                   <a:schemeClr val="tx1"/>
                 </a:solidFill>
-                <a:latin typeface="+mn-ea"/>
-                <a:ea typeface="+mn-ea"/>
+                <a:latin typeface="Arial Rounded MT Bold" pitchFamily="34" charset="0"/>
               </a:rPr>
-              <a:t>(Bandit)</a:t>
+              <a:t>)</a:t>
             </a:r>
             <a:endParaRPr kumimoji="1" lang="ja-JP" altLang="en-US" sz="1600" dirty="0">
               <a:solidFill>
                 <a:schemeClr val="tx1"/>
               </a:solidFill>
-              <a:latin typeface="+mn-ea"/>
-              <a:ea typeface="+mn-ea"/>
+              <a:latin typeface="Arial Rounded MT Bold" pitchFamily="34" charset="0"/>
             </a:endParaRPr>
           </a:p>
         </p:txBody>
@@ -16671,7 +18492,7 @@
           <p:cNvPr id="38" name="グループ化 37">
             <a:extLst>
               <a:ext uri="{FF2B5EF4-FFF2-40B4-BE49-F238E27FC236}">
-                <a16:creationId xmlns:a16="http://schemas.microsoft.com/office/drawing/2014/main" id="{E4F8F21C-0AD8-4981-BB1D-DB4CACE5CD9A}"/>
+                <a16:creationId xmlns="" xmlns:a16="http://schemas.microsoft.com/office/drawing/2014/main" id="{E4F8F21C-0AD8-4981-BB1D-DB4CACE5CD9A}"/>
               </a:ext>
             </a:extLst>
           </p:cNvPr>
@@ -16697,7 +18518,7 @@
             <p:cNvPr id="39" name="直線コネクタ 38">
               <a:extLst>
                 <a:ext uri="{FF2B5EF4-FFF2-40B4-BE49-F238E27FC236}">
-                  <a16:creationId xmlns:a16="http://schemas.microsoft.com/office/drawing/2014/main" id="{D1643D2D-F8BD-4D10-AB7E-1409DE015EF1}"/>
+                  <a16:creationId xmlns="" xmlns:a16="http://schemas.microsoft.com/office/drawing/2014/main" id="{D1643D2D-F8BD-4D10-AB7E-1409DE015EF1}"/>
                 </a:ext>
               </a:extLst>
             </p:cNvPr>
@@ -16730,7 +18551,7 @@
             <p:cNvPr id="40" name="正方形/長方形 39">
               <a:extLst>
                 <a:ext uri="{FF2B5EF4-FFF2-40B4-BE49-F238E27FC236}">
-                  <a16:creationId xmlns:a16="http://schemas.microsoft.com/office/drawing/2014/main" id="{B6A31FC6-4992-4342-897F-E64C371E2B77}"/>
+                  <a16:creationId xmlns="" xmlns:a16="http://schemas.microsoft.com/office/drawing/2014/main" id="{B6A31FC6-4992-4342-897F-E64C371E2B77}"/>
                 </a:ext>
               </a:extLst>
             </p:cNvPr>
@@ -16767,8 +18588,7 @@
                 <a:solidFill>
                   <a:schemeClr val="tx1"/>
                 </a:solidFill>
-                <a:latin typeface="+mn-ea"/>
-                <a:ea typeface="+mn-ea"/>
+                <a:latin typeface="Arial Rounded MT Bold" pitchFamily="34" charset="0"/>
               </a:endParaRPr>
             </a:p>
           </p:txBody>
@@ -16778,7 +18598,7 @@
             <p:cNvPr id="41" name="正方形/長方形 40">
               <a:extLst>
                 <a:ext uri="{FF2B5EF4-FFF2-40B4-BE49-F238E27FC236}">
-                  <a16:creationId xmlns:a16="http://schemas.microsoft.com/office/drawing/2014/main" id="{A06B4F86-A31A-409A-837C-3D3556D098D4}"/>
+                  <a16:creationId xmlns="" xmlns:a16="http://schemas.microsoft.com/office/drawing/2014/main" id="{A06B4F86-A31A-409A-837C-3D3556D098D4}"/>
                 </a:ext>
               </a:extLst>
             </p:cNvPr>
@@ -16815,8 +18635,7 @@
                 <a:solidFill>
                   <a:schemeClr val="tx1"/>
                 </a:solidFill>
-                <a:latin typeface="+mn-ea"/>
-                <a:ea typeface="+mn-ea"/>
+                <a:latin typeface="Arial Rounded MT Bold" pitchFamily="34" charset="0"/>
               </a:endParaRPr>
             </a:p>
           </p:txBody>
@@ -16826,7 +18645,7 @@
             <p:cNvPr id="42" name="正方形/長方形 41">
               <a:extLst>
                 <a:ext uri="{FF2B5EF4-FFF2-40B4-BE49-F238E27FC236}">
-                  <a16:creationId xmlns:a16="http://schemas.microsoft.com/office/drawing/2014/main" id="{C065C59E-9ED7-4C1F-B57E-C904D4DAB3EA}"/>
+                  <a16:creationId xmlns="" xmlns:a16="http://schemas.microsoft.com/office/drawing/2014/main" id="{C065C59E-9ED7-4C1F-B57E-C904D4DAB3EA}"/>
                 </a:ext>
               </a:extLst>
             </p:cNvPr>
@@ -16863,8 +18682,7 @@
                 <a:solidFill>
                   <a:schemeClr val="tx1"/>
                 </a:solidFill>
-                <a:latin typeface="+mn-ea"/>
-                <a:ea typeface="+mn-ea"/>
+                <a:latin typeface="Arial Rounded MT Bold" pitchFamily="34" charset="0"/>
               </a:endParaRPr>
             </a:p>
           </p:txBody>
@@ -16874,7 +18692,7 @@
             <p:cNvPr id="43" name="正方形/長方形 42">
               <a:extLst>
                 <a:ext uri="{FF2B5EF4-FFF2-40B4-BE49-F238E27FC236}">
-                  <a16:creationId xmlns:a16="http://schemas.microsoft.com/office/drawing/2014/main" id="{9AD2CEA9-D152-4267-BAF0-0C9C0ABEB735}"/>
+                  <a16:creationId xmlns="" xmlns:a16="http://schemas.microsoft.com/office/drawing/2014/main" id="{9AD2CEA9-D152-4267-BAF0-0C9C0ABEB735}"/>
                 </a:ext>
               </a:extLst>
             </p:cNvPr>
@@ -16911,8 +18729,7 @@
                 <a:solidFill>
                   <a:schemeClr val="tx1"/>
                 </a:solidFill>
-                <a:latin typeface="+mn-ea"/>
-                <a:ea typeface="+mn-ea"/>
+                <a:latin typeface="Arial Rounded MT Bold" pitchFamily="34" charset="0"/>
               </a:endParaRPr>
             </a:p>
           </p:txBody>
@@ -16920,10 +18737,10 @@
       </p:grpSp>
       <p:sp>
         <p:nvSpPr>
-          <p:cNvPr id="44" name="テキスト ボックス 43">
+          <p:cNvPr id="45" name="テキスト ボックス 44">
             <a:extLst>
               <a:ext uri="{FF2B5EF4-FFF2-40B4-BE49-F238E27FC236}">
-                <a16:creationId xmlns:a16="http://schemas.microsoft.com/office/drawing/2014/main" id="{52809F0A-5F5A-4EF5-9B44-946EC630E558}"/>
+                <a16:creationId xmlns="" xmlns:a16="http://schemas.microsoft.com/office/drawing/2014/main" id="{EA1DC80F-02F4-430A-87AA-108A3A4C6C89}"/>
               </a:ext>
             </a:extLst>
           </p:cNvPr>
@@ -16932,8 +18749,8 @@
         </p:nvSpPr>
         <p:spPr>
           <a:xfrm>
-            <a:off x="271298" y="4736705"/>
-            <a:ext cx="2433680" cy="1588127"/>
+            <a:off x="4575268" y="5709239"/>
+            <a:ext cx="1822808" cy="646331"/>
           </a:xfrm>
           <a:prstGeom prst="rect">
             <a:avLst/>
@@ -16946,167 +18763,43 @@
           </a:bodyPr>
           <a:lstStyle/>
           <a:p>
-            <a:r>
-              <a:rPr kumimoji="1" lang="ja-JP" altLang="en-US" sz="1800" dirty="0">
-                <a:solidFill>
-                  <a:srgbClr val="0070C0"/>
-                </a:solidFill>
-                <a:latin typeface="+mn-ea"/>
-                <a:ea typeface="+mn-ea"/>
+            <a:pPr algn="ctr"/>
+            <a:r>
+              <a:rPr kumimoji="1" lang="en-US" altLang="ja-JP" sz="1800" dirty="0" smtClean="0">
+                <a:solidFill>
+                  <a:srgbClr val="FF0000"/>
+                </a:solidFill>
+                <a:latin typeface="Arial Rounded MT Bold" pitchFamily="34" charset="0"/>
               </a:rPr>
-              <a:t>シミュレーターをデータの</a:t>
-            </a:r>
-            <a:endParaRPr kumimoji="1" lang="en-US" altLang="ja-JP" sz="1800" dirty="0">
-              <a:solidFill>
-                <a:srgbClr val="0070C0"/>
-              </a:solidFill>
-              <a:latin typeface="+mn-ea"/>
-              <a:ea typeface="+mn-ea"/>
-            </a:endParaRPr>
-          </a:p>
-          <a:p>
-            <a:r>
-              <a:rPr kumimoji="1" lang="ja-JP" altLang="en-US" sz="1800" dirty="0">
-                <a:solidFill>
-                  <a:srgbClr val="0070C0"/>
-                </a:solidFill>
-                <a:latin typeface="+mn-ea"/>
-                <a:ea typeface="+mn-ea"/>
+              <a:t>Simulate Web</a:t>
+            </a:r>
+          </a:p>
+          <a:p>
+            <a:pPr algn="ctr"/>
+            <a:r>
+              <a:rPr kumimoji="1" lang="en-US" altLang="ja-JP" sz="1800" dirty="0" smtClean="0">
+                <a:solidFill>
+                  <a:srgbClr val="FF0000"/>
+                </a:solidFill>
+                <a:latin typeface="Arial Rounded MT Bold" pitchFamily="34" charset="0"/>
               </a:rPr>
-              <a:t>生成器</a:t>
-            </a:r>
-            <a:r>
-              <a:rPr lang="ja-JP" altLang="en-US" sz="1800" dirty="0">
-                <a:solidFill>
-                  <a:srgbClr val="0070C0"/>
-                </a:solidFill>
-                <a:latin typeface="+mn-ea"/>
-                <a:ea typeface="+mn-ea"/>
-              </a:rPr>
-              <a:t>として使う；</a:t>
-            </a:r>
-            <a:endParaRPr kumimoji="1" lang="en-US" altLang="ja-JP" sz="1800" dirty="0">
-              <a:solidFill>
-                <a:srgbClr val="0070C0"/>
-              </a:solidFill>
-              <a:latin typeface="+mn-ea"/>
-              <a:ea typeface="+mn-ea"/>
-            </a:endParaRPr>
-          </a:p>
-          <a:p>
-            <a:r>
-              <a:rPr kumimoji="1" lang="en-US" altLang="ja-JP" sz="1800" dirty="0">
-                <a:solidFill>
-                  <a:srgbClr val="0070C0"/>
-                </a:solidFill>
-                <a:latin typeface="+mn-ea"/>
-                <a:ea typeface="+mn-ea"/>
-              </a:rPr>
-              <a:t>AI</a:t>
-            </a:r>
-            <a:r>
-              <a:rPr kumimoji="1" lang="ja-JP" altLang="en-US" sz="1800" dirty="0">
-                <a:solidFill>
-                  <a:srgbClr val="0070C0"/>
-                </a:solidFill>
-                <a:latin typeface="+mn-ea"/>
-                <a:ea typeface="+mn-ea"/>
-              </a:rPr>
-              <a:t>側ではフィードバックを</a:t>
-            </a:r>
-            <a:endParaRPr kumimoji="1" lang="en-US" altLang="ja-JP" sz="1800" dirty="0">
-              <a:solidFill>
-                <a:srgbClr val="0070C0"/>
-              </a:solidFill>
-              <a:latin typeface="+mn-ea"/>
-              <a:ea typeface="+mn-ea"/>
-            </a:endParaRPr>
-          </a:p>
-          <a:p>
-            <a:r>
-              <a:rPr kumimoji="1" lang="ja-JP" altLang="en-US" sz="1800" dirty="0">
-                <a:solidFill>
-                  <a:srgbClr val="0070C0"/>
-                </a:solidFill>
-                <a:latin typeface="+mn-ea"/>
-                <a:ea typeface="+mn-ea"/>
-              </a:rPr>
-              <a:t>入力として、解析する；</a:t>
-            </a:r>
-            <a:endParaRPr kumimoji="1" lang="en-US" altLang="ja-JP" sz="1800" dirty="0">
-              <a:solidFill>
-                <a:srgbClr val="0070C0"/>
-              </a:solidFill>
-              <a:latin typeface="+mn-ea"/>
-              <a:ea typeface="+mn-ea"/>
-            </a:endParaRPr>
-          </a:p>
-          <a:p>
-            <a:r>
-              <a:rPr kumimoji="1" lang="en-US" altLang="ja-JP" sz="1800" dirty="0">
-                <a:solidFill>
-                  <a:srgbClr val="0070C0"/>
-                </a:solidFill>
-                <a:latin typeface="+mn-ea"/>
-                <a:ea typeface="+mn-ea"/>
-              </a:rPr>
-              <a:t>(</a:t>
-            </a:r>
-            <a:r>
-              <a:rPr kumimoji="1" lang="ja-JP" altLang="en-US" sz="1800" dirty="0">
-                <a:solidFill>
-                  <a:srgbClr val="0070C0"/>
-                </a:solidFill>
-                <a:latin typeface="+mn-ea"/>
-                <a:ea typeface="+mn-ea"/>
-              </a:rPr>
-              <a:t>シミュレーターの情報を</a:t>
-            </a:r>
-            <a:endParaRPr kumimoji="1" lang="en-US" altLang="ja-JP" sz="1800" dirty="0">
-              <a:solidFill>
-                <a:srgbClr val="0070C0"/>
-              </a:solidFill>
-              <a:latin typeface="+mn-ea"/>
-              <a:ea typeface="+mn-ea"/>
-            </a:endParaRPr>
-          </a:p>
-          <a:p>
-            <a:r>
-              <a:rPr lang="ja-JP" altLang="en-US" sz="1800" dirty="0">
-                <a:solidFill>
-                  <a:srgbClr val="0070C0"/>
-                </a:solidFill>
-                <a:latin typeface="+mn-ea"/>
-                <a:ea typeface="+mn-ea"/>
-              </a:rPr>
-              <a:t>一切使わない。</a:t>
-            </a:r>
-            <a:r>
-              <a:rPr lang="en-US" altLang="ja-JP" sz="1800" dirty="0">
-                <a:solidFill>
-                  <a:srgbClr val="0070C0"/>
-                </a:solidFill>
-                <a:latin typeface="+mn-ea"/>
-                <a:ea typeface="+mn-ea"/>
-              </a:rPr>
-              <a:t>)</a:t>
+              <a:t>Browsing Data</a:t>
             </a:r>
             <a:endParaRPr kumimoji="1" lang="ja-JP" altLang="en-US" sz="1800" dirty="0">
               <a:solidFill>
-                <a:srgbClr val="0070C0"/>
+                <a:srgbClr val="FF0000"/>
               </a:solidFill>
-              <a:latin typeface="+mn-ea"/>
-              <a:ea typeface="+mn-ea"/>
+              <a:latin typeface="Arial Rounded MT Bold" pitchFamily="34" charset="0"/>
             </a:endParaRPr>
           </a:p>
         </p:txBody>
       </p:sp>
       <p:sp>
         <p:nvSpPr>
-          <p:cNvPr id="45" name="テキスト ボックス 44">
+          <p:cNvPr id="46" name="テキスト ボックス 45">
             <a:extLst>
               <a:ext uri="{FF2B5EF4-FFF2-40B4-BE49-F238E27FC236}">
-                <a16:creationId xmlns:a16="http://schemas.microsoft.com/office/drawing/2014/main" id="{EA1DC80F-02F4-430A-87AA-108A3A4C6C89}"/>
+                <a16:creationId xmlns="" xmlns:a16="http://schemas.microsoft.com/office/drawing/2014/main" id="{2A6657B2-4017-448F-9433-749E751F400A}"/>
               </a:ext>
             </a:extLst>
           </p:cNvPr>
@@ -17115,90 +18808,8 @@
         </p:nvSpPr>
         <p:spPr>
           <a:xfrm>
-            <a:off x="4593679" y="6049806"/>
-            <a:ext cx="1776640" cy="590931"/>
-          </a:xfrm>
-          <a:prstGeom prst="rect">
-            <a:avLst/>
-          </a:prstGeom>
-          <a:noFill/>
-        </p:spPr>
-        <p:txBody>
-          <a:bodyPr wrap="none" rtlCol="0">
-            <a:spAutoFit/>
-          </a:bodyPr>
-          <a:lstStyle/>
-          <a:p>
-            <a:pPr algn="ctr"/>
-            <a:r>
-              <a:rPr kumimoji="1" lang="en-US" altLang="ja-JP" sz="1800" dirty="0">
-                <a:solidFill>
-                  <a:srgbClr val="FF0000"/>
-                </a:solidFill>
-                <a:latin typeface="+mn-ea"/>
-                <a:ea typeface="+mn-ea"/>
-              </a:rPr>
-              <a:t>Web</a:t>
-            </a:r>
-            <a:r>
-              <a:rPr kumimoji="1" lang="ja-JP" altLang="en-US" sz="1800" dirty="0">
-                <a:solidFill>
-                  <a:srgbClr val="FF0000"/>
-                </a:solidFill>
-                <a:latin typeface="+mn-ea"/>
-                <a:ea typeface="+mn-ea"/>
-              </a:rPr>
-              <a:t>閲覧履歴を</a:t>
-            </a:r>
-            <a:endParaRPr kumimoji="1" lang="en-US" altLang="ja-JP" sz="1800" dirty="0">
-              <a:solidFill>
-                <a:srgbClr val="FF0000"/>
-              </a:solidFill>
-              <a:latin typeface="+mn-ea"/>
-              <a:ea typeface="+mn-ea"/>
-            </a:endParaRPr>
-          </a:p>
-          <a:p>
-            <a:pPr algn="ctr"/>
-            <a:r>
-              <a:rPr lang="ja-JP" altLang="en-US" sz="1800" dirty="0">
-                <a:solidFill>
-                  <a:srgbClr val="FF0000"/>
-                </a:solidFill>
-                <a:latin typeface="+mn-ea"/>
-                <a:ea typeface="+mn-ea"/>
-              </a:rPr>
-              <a:t>シミュレート</a:t>
-            </a:r>
-            <a:r>
-              <a:rPr kumimoji="1" lang="ja-JP" altLang="en-US" sz="1800" dirty="0">
-                <a:solidFill>
-                  <a:srgbClr val="FF0000"/>
-                </a:solidFill>
-                <a:latin typeface="+mn-ea"/>
-                <a:ea typeface="+mn-ea"/>
-              </a:rPr>
-              <a:t>する</a:t>
-            </a:r>
-          </a:p>
-        </p:txBody>
-      </p:sp>
-      <p:sp>
-        <p:nvSpPr>
-          <p:cNvPr id="46" name="テキスト ボックス 45">
-            <a:extLst>
-              <a:ext uri="{FF2B5EF4-FFF2-40B4-BE49-F238E27FC236}">
-                <a16:creationId xmlns:a16="http://schemas.microsoft.com/office/drawing/2014/main" id="{2A6657B2-4017-448F-9433-749E751F400A}"/>
-              </a:ext>
-            </a:extLst>
-          </p:cNvPr>
-          <p:cNvSpPr txBox="1"/>
-          <p:nvPr/>
-        </p:nvSpPr>
-        <p:spPr>
-          <a:xfrm>
-            <a:off x="6243441" y="1585787"/>
-            <a:ext cx="2646878" cy="674031"/>
+            <a:off x="6038181" y="1469162"/>
+            <a:ext cx="3024802" cy="738664"/>
           </a:xfrm>
           <a:prstGeom prst="rect">
             <a:avLst/>
@@ -17217,22 +18828,20 @@
           <a:lstStyle/>
           <a:p>
             <a:r>
-              <a:rPr kumimoji="1" lang="ja-JP" altLang="en-US" sz="1800" u="sng" dirty="0">
+              <a:rPr kumimoji="1" lang="en-US" altLang="ja-JP" sz="1800" u="sng" dirty="0" smtClean="0">
                 <a:solidFill>
                   <a:schemeClr val="tx1"/>
                 </a:solidFill>
-                <a:latin typeface="+mn-ea"/>
-                <a:ea typeface="+mn-ea"/>
+                <a:latin typeface="Arial Rounded MT Bold" pitchFamily="34" charset="0"/>
               </a:rPr>
-              <a:t>シミュレーション結果</a:t>
-            </a:r>
-            <a:r>
-              <a:rPr kumimoji="1" lang="ja-JP" altLang="en-US" sz="1800" dirty="0">
+              <a:t>Simulation Result</a:t>
+            </a:r>
+            <a:r>
+              <a:rPr kumimoji="1" lang="ja-JP" altLang="en-US" sz="1800" dirty="0" smtClean="0">
                 <a:solidFill>
                   <a:schemeClr val="tx1"/>
                 </a:solidFill>
-                <a:latin typeface="+mn-ea"/>
-                <a:ea typeface="+mn-ea"/>
+                <a:latin typeface="Arial Rounded MT Bold" pitchFamily="34" charset="0"/>
               </a:rPr>
               <a:t>：</a:t>
             </a:r>
@@ -17240,28 +18849,34 @@
               <a:solidFill>
                 <a:schemeClr val="tx1"/>
               </a:solidFill>
-              <a:latin typeface="+mn-ea"/>
-              <a:ea typeface="+mn-ea"/>
+              <a:latin typeface="Arial Rounded MT Bold" pitchFamily="34" charset="0"/>
             </a:endParaRPr>
           </a:p>
           <a:p>
             <a:r>
-              <a:rPr lang="ja-JP" altLang="en-US" sz="1800" dirty="0">
+              <a:rPr lang="en-US" altLang="ja-JP" sz="1800" dirty="0" smtClean="0">
                 <a:solidFill>
                   <a:schemeClr val="tx1"/>
                 </a:solidFill>
-                <a:latin typeface="+mn-ea"/>
-                <a:ea typeface="+mn-ea"/>
+                <a:latin typeface="Arial Rounded MT Bold" pitchFamily="34" charset="0"/>
               </a:rPr>
-              <a:t>改善率：</a:t>
+              <a:t>Improvement</a:t>
+            </a:r>
+            <a:r>
+              <a:rPr lang="ja-JP" altLang="en-US" sz="1800" dirty="0" smtClean="0">
+                <a:solidFill>
+                  <a:schemeClr val="tx1"/>
+                </a:solidFill>
+                <a:latin typeface="Arial Rounded MT Bold" pitchFamily="34" charset="0"/>
+              </a:rPr>
+              <a:t>：</a:t>
             </a:r>
             <a:r>
               <a:rPr lang="ja-JP" altLang="en-US" sz="2400" b="1" dirty="0">
                 <a:solidFill>
                   <a:srgbClr val="FF0000"/>
                 </a:solidFill>
-                <a:latin typeface="+mn-ea"/>
-                <a:ea typeface="+mn-ea"/>
+                <a:latin typeface="Arial Rounded MT Bold" pitchFamily="34" charset="0"/>
               </a:rPr>
               <a:t>５～１０％</a:t>
             </a:r>
@@ -17269,8 +18884,7 @@
               <a:solidFill>
                 <a:srgbClr val="FF0000"/>
               </a:solidFill>
-              <a:latin typeface="+mn-ea"/>
-              <a:ea typeface="+mn-ea"/>
+              <a:latin typeface="Arial Rounded MT Bold" pitchFamily="34" charset="0"/>
             </a:endParaRPr>
           </a:p>
         </p:txBody>
@@ -17280,7 +18894,7 @@
           <p:cNvPr id="47" name="グループ化 46">
             <a:extLst>
               <a:ext uri="{FF2B5EF4-FFF2-40B4-BE49-F238E27FC236}">
-                <a16:creationId xmlns:a16="http://schemas.microsoft.com/office/drawing/2014/main" id="{8CA1CE18-4E07-4D6F-95AF-49FC31EFA87A}"/>
+                <a16:creationId xmlns="" xmlns:a16="http://schemas.microsoft.com/office/drawing/2014/main" id="{8CA1CE18-4E07-4D6F-95AF-49FC31EFA87A}"/>
               </a:ext>
             </a:extLst>
           </p:cNvPr>
@@ -17300,7 +18914,7 @@
             <p:cNvPr id="48" name="四角形: 角を丸くする 47">
               <a:extLst>
                 <a:ext uri="{FF2B5EF4-FFF2-40B4-BE49-F238E27FC236}">
-                  <a16:creationId xmlns:a16="http://schemas.microsoft.com/office/drawing/2014/main" id="{D7123F0F-1A31-4BFF-B506-859C2A2D877B}"/>
+                  <a16:creationId xmlns="" xmlns:a16="http://schemas.microsoft.com/office/drawing/2014/main" id="{D7123F0F-1A31-4BFF-B506-859C2A2D877B}"/>
                 </a:ext>
               </a:extLst>
             </p:cNvPr>
@@ -17344,8 +18958,7 @@
                 <a:solidFill>
                   <a:schemeClr val="tx1"/>
                 </a:solidFill>
-                <a:latin typeface="+mn-ea"/>
-                <a:ea typeface="+mn-ea"/>
+                <a:latin typeface="Arial Rounded MT Bold" pitchFamily="34" charset="0"/>
               </a:endParaRPr>
             </a:p>
           </p:txBody>
@@ -17355,7 +18968,7 @@
             <p:cNvPr id="49" name="正方形/長方形 48">
               <a:extLst>
                 <a:ext uri="{FF2B5EF4-FFF2-40B4-BE49-F238E27FC236}">
-                  <a16:creationId xmlns:a16="http://schemas.microsoft.com/office/drawing/2014/main" id="{AC501D01-1157-4BE5-980F-83487461154B}"/>
+                  <a16:creationId xmlns="" xmlns:a16="http://schemas.microsoft.com/office/drawing/2014/main" id="{AC501D01-1157-4BE5-980F-83487461154B}"/>
                 </a:ext>
               </a:extLst>
             </p:cNvPr>
@@ -17394,8 +19007,7 @@
                 <a:solidFill>
                   <a:schemeClr val="tx1"/>
                 </a:solidFill>
-                <a:latin typeface="+mn-ea"/>
-                <a:ea typeface="+mn-ea"/>
+                <a:latin typeface="Arial Rounded MT Bold" pitchFamily="34" charset="0"/>
               </a:endParaRPr>
             </a:p>
           </p:txBody>
@@ -17405,7 +19017,7 @@
             <p:cNvPr id="50" name="グループ化 49">
               <a:extLst>
                 <a:ext uri="{FF2B5EF4-FFF2-40B4-BE49-F238E27FC236}">
-                  <a16:creationId xmlns:a16="http://schemas.microsoft.com/office/drawing/2014/main" id="{DF804C83-76BE-46D8-AD5D-1C550CFC4FA5}"/>
+                  <a16:creationId xmlns="" xmlns:a16="http://schemas.microsoft.com/office/drawing/2014/main" id="{DF804C83-76BE-46D8-AD5D-1C550CFC4FA5}"/>
                 </a:ext>
               </a:extLst>
             </p:cNvPr>
@@ -17414,10 +19026,10 @@
           </p:nvGrpSpPr>
           <p:grpSpPr>
             <a:xfrm>
-              <a:off x="2943522" y="4988869"/>
-              <a:ext cx="503921" cy="666478"/>
-              <a:chOff x="3466436" y="5596339"/>
-              <a:chExt cx="503921" cy="666478"/>
+              <a:off x="2954070" y="4988869"/>
+              <a:ext cx="482824" cy="684945"/>
+              <a:chOff x="3476984" y="5596339"/>
+              <a:chExt cx="482824" cy="684945"/>
             </a:xfrm>
           </p:grpSpPr>
           <p:grpSp>
@@ -17425,7 +19037,7 @@
               <p:cNvPr id="73" name="グループ化 72">
                 <a:extLst>
                   <a:ext uri="{FF2B5EF4-FFF2-40B4-BE49-F238E27FC236}">
-                    <a16:creationId xmlns:a16="http://schemas.microsoft.com/office/drawing/2014/main" id="{38D4CF09-0B47-4CFB-9079-C75C6A23C1B8}"/>
+                    <a16:creationId xmlns="" xmlns:a16="http://schemas.microsoft.com/office/drawing/2014/main" id="{38D4CF09-0B47-4CFB-9079-C75C6A23C1B8}"/>
                   </a:ext>
                 </a:extLst>
               </p:cNvPr>
@@ -17445,7 +19057,7 @@
                 <p:cNvPr id="75" name="正方形/長方形 74">
                   <a:extLst>
                     <a:ext uri="{FF2B5EF4-FFF2-40B4-BE49-F238E27FC236}">
-                      <a16:creationId xmlns:a16="http://schemas.microsoft.com/office/drawing/2014/main" id="{A2FF247E-2E9F-41A9-97B7-9A71B63CD8C5}"/>
+                      <a16:creationId xmlns="" xmlns:a16="http://schemas.microsoft.com/office/drawing/2014/main" id="{A2FF247E-2E9F-41A9-97B7-9A71B63CD8C5}"/>
                     </a:ext>
                   </a:extLst>
                 </p:cNvPr>
@@ -17484,8 +19096,7 @@
                     <a:solidFill>
                       <a:schemeClr val="tx1"/>
                     </a:solidFill>
-                    <a:latin typeface="+mn-ea"/>
-                    <a:ea typeface="+mn-ea"/>
+                    <a:latin typeface="Arial Rounded MT Bold" pitchFamily="34" charset="0"/>
                   </a:endParaRPr>
                 </a:p>
               </p:txBody>
@@ -17495,7 +19106,7 @@
                 <p:cNvPr id="76" name="二等辺三角形 75">
                   <a:extLst>
                     <a:ext uri="{FF2B5EF4-FFF2-40B4-BE49-F238E27FC236}">
-                      <a16:creationId xmlns:a16="http://schemas.microsoft.com/office/drawing/2014/main" id="{68997CF1-99AB-49E7-8F29-50B41BCC2171}"/>
+                      <a16:creationId xmlns="" xmlns:a16="http://schemas.microsoft.com/office/drawing/2014/main" id="{68997CF1-99AB-49E7-8F29-50B41BCC2171}"/>
                     </a:ext>
                   </a:extLst>
                 </p:cNvPr>
@@ -17535,8 +19146,7 @@
                     <a:solidFill>
                       <a:schemeClr val="tx1"/>
                     </a:solidFill>
-                    <a:latin typeface="+mn-ea"/>
-                    <a:ea typeface="+mn-ea"/>
+                    <a:latin typeface="Arial Rounded MT Bold" pitchFamily="34" charset="0"/>
                   </a:endParaRPr>
                 </a:p>
               </p:txBody>
@@ -17546,7 +19156,7 @@
                 <p:cNvPr id="77" name="二等辺三角形 76">
                   <a:extLst>
                     <a:ext uri="{FF2B5EF4-FFF2-40B4-BE49-F238E27FC236}">
-                      <a16:creationId xmlns:a16="http://schemas.microsoft.com/office/drawing/2014/main" id="{C6174488-6AB3-48A9-9FA8-DA3CAF6668F2}"/>
+                      <a16:creationId xmlns="" xmlns:a16="http://schemas.microsoft.com/office/drawing/2014/main" id="{C6174488-6AB3-48A9-9FA8-DA3CAF6668F2}"/>
                     </a:ext>
                   </a:extLst>
                 </p:cNvPr>
@@ -17586,8 +19196,7 @@
                     <a:solidFill>
                       <a:schemeClr val="tx1"/>
                     </a:solidFill>
-                    <a:latin typeface="+mn-ea"/>
-                    <a:ea typeface="+mn-ea"/>
+                    <a:latin typeface="Arial Rounded MT Bold" pitchFamily="34" charset="0"/>
                   </a:endParaRPr>
                 </a:p>
               </p:txBody>
@@ -17597,7 +19206,7 @@
                 <p:cNvPr id="78" name="楕円 77">
                   <a:extLst>
                     <a:ext uri="{FF2B5EF4-FFF2-40B4-BE49-F238E27FC236}">
-                      <a16:creationId xmlns:a16="http://schemas.microsoft.com/office/drawing/2014/main" id="{88C637E8-89B6-45F9-89EB-1F66425C3B7B}"/>
+                      <a16:creationId xmlns="" xmlns:a16="http://schemas.microsoft.com/office/drawing/2014/main" id="{88C637E8-89B6-45F9-89EB-1F66425C3B7B}"/>
                     </a:ext>
                   </a:extLst>
                 </p:cNvPr>
@@ -17634,8 +19243,7 @@
                     <a:solidFill>
                       <a:schemeClr val="tx1"/>
                     </a:solidFill>
-                    <a:latin typeface="+mn-ea"/>
-                    <a:ea typeface="+mn-ea"/>
+                    <a:latin typeface="Arial Rounded MT Bold" pitchFamily="34" charset="0"/>
                   </a:endParaRPr>
                 </a:p>
               </p:txBody>
@@ -17646,7 +19254,7 @@
               <p:cNvPr id="74" name="テキスト ボックス 73">
                 <a:extLst>
                   <a:ext uri="{FF2B5EF4-FFF2-40B4-BE49-F238E27FC236}">
-                    <a16:creationId xmlns:a16="http://schemas.microsoft.com/office/drawing/2014/main" id="{FCD96F8A-2105-4CFE-9361-FC0E4905EE4D}"/>
+                    <a16:creationId xmlns="" xmlns:a16="http://schemas.microsoft.com/office/drawing/2014/main" id="{FCD96F8A-2105-4CFE-9361-FC0E4905EE4D}"/>
                   </a:ext>
                 </a:extLst>
               </p:cNvPr>
@@ -17655,8 +19263,8 @@
             </p:nvSpPr>
             <p:spPr>
               <a:xfrm>
-                <a:off x="3466436" y="6004285"/>
-                <a:ext cx="503921" cy="258532"/>
+                <a:off x="3476984" y="6004285"/>
+                <a:ext cx="482824" cy="276999"/>
               </a:xfrm>
               <a:prstGeom prst="rect">
                 <a:avLst/>
@@ -17675,8 +19283,7 @@
                     <a:solidFill>
                       <a:srgbClr val="FF0000"/>
                     </a:solidFill>
-                    <a:latin typeface="+mn-ea"/>
-                    <a:ea typeface="+mn-ea"/>
+                    <a:latin typeface="Arial Rounded MT Bold" pitchFamily="34" charset="0"/>
                   </a:rPr>
                   <a:t>Ad1</a:t>
                 </a:r>
@@ -17684,8 +19291,7 @@
                   <a:solidFill>
                     <a:srgbClr val="FF0000"/>
                   </a:solidFill>
-                  <a:latin typeface="+mn-ea"/>
-                  <a:ea typeface="+mn-ea"/>
+                  <a:latin typeface="Arial Rounded MT Bold" pitchFamily="34" charset="0"/>
                 </a:endParaRPr>
               </a:p>
             </p:txBody>
@@ -17696,7 +19302,7 @@
             <p:cNvPr id="51" name="グループ化 50">
               <a:extLst>
                 <a:ext uri="{FF2B5EF4-FFF2-40B4-BE49-F238E27FC236}">
-                  <a16:creationId xmlns:a16="http://schemas.microsoft.com/office/drawing/2014/main" id="{8FA2F176-A11C-4632-95DF-B0455ED22D1B}"/>
+                  <a16:creationId xmlns="" xmlns:a16="http://schemas.microsoft.com/office/drawing/2014/main" id="{8FA2F176-A11C-4632-95DF-B0455ED22D1B}"/>
                 </a:ext>
               </a:extLst>
             </p:cNvPr>
@@ -17705,10 +19311,10 @@
           </p:nvGrpSpPr>
           <p:grpSpPr>
             <a:xfrm>
-              <a:off x="3513082" y="4988869"/>
-              <a:ext cx="503921" cy="666478"/>
-              <a:chOff x="3466436" y="5596339"/>
-              <a:chExt cx="503921" cy="666478"/>
+              <a:off x="3523630" y="4988869"/>
+              <a:ext cx="482824" cy="684945"/>
+              <a:chOff x="3476984" y="5596339"/>
+              <a:chExt cx="482824" cy="684945"/>
             </a:xfrm>
           </p:grpSpPr>
           <p:grpSp>
@@ -17716,7 +19322,7 @@
               <p:cNvPr id="67" name="グループ化 66">
                 <a:extLst>
                   <a:ext uri="{FF2B5EF4-FFF2-40B4-BE49-F238E27FC236}">
-                    <a16:creationId xmlns:a16="http://schemas.microsoft.com/office/drawing/2014/main" id="{2FC7305C-51EC-427C-A03B-C2DE975C44F4}"/>
+                    <a16:creationId xmlns="" xmlns:a16="http://schemas.microsoft.com/office/drawing/2014/main" id="{2FC7305C-51EC-427C-A03B-C2DE975C44F4}"/>
                   </a:ext>
                 </a:extLst>
               </p:cNvPr>
@@ -17736,7 +19342,7 @@
                 <p:cNvPr id="69" name="正方形/長方形 68">
                   <a:extLst>
                     <a:ext uri="{FF2B5EF4-FFF2-40B4-BE49-F238E27FC236}">
-                      <a16:creationId xmlns:a16="http://schemas.microsoft.com/office/drawing/2014/main" id="{86994F13-7454-47E2-BE39-DC3C756B8FE7}"/>
+                      <a16:creationId xmlns="" xmlns:a16="http://schemas.microsoft.com/office/drawing/2014/main" id="{86994F13-7454-47E2-BE39-DC3C756B8FE7}"/>
                     </a:ext>
                   </a:extLst>
                 </p:cNvPr>
@@ -17775,8 +19381,7 @@
                     <a:solidFill>
                       <a:schemeClr val="tx1"/>
                     </a:solidFill>
-                    <a:latin typeface="+mn-ea"/>
-                    <a:ea typeface="+mn-ea"/>
+                    <a:latin typeface="Arial Rounded MT Bold" pitchFamily="34" charset="0"/>
                   </a:endParaRPr>
                 </a:p>
               </p:txBody>
@@ -17786,7 +19391,7 @@
                 <p:cNvPr id="70" name="二等辺三角形 69">
                   <a:extLst>
                     <a:ext uri="{FF2B5EF4-FFF2-40B4-BE49-F238E27FC236}">
-                      <a16:creationId xmlns:a16="http://schemas.microsoft.com/office/drawing/2014/main" id="{D7662D6B-5130-486B-868A-A03E9DF35FF2}"/>
+                      <a16:creationId xmlns="" xmlns:a16="http://schemas.microsoft.com/office/drawing/2014/main" id="{D7662D6B-5130-486B-868A-A03E9DF35FF2}"/>
                     </a:ext>
                   </a:extLst>
                 </p:cNvPr>
@@ -17826,8 +19431,7 @@
                     <a:solidFill>
                       <a:schemeClr val="tx1"/>
                     </a:solidFill>
-                    <a:latin typeface="+mn-ea"/>
-                    <a:ea typeface="+mn-ea"/>
+                    <a:latin typeface="Arial Rounded MT Bold" pitchFamily="34" charset="0"/>
                   </a:endParaRPr>
                 </a:p>
               </p:txBody>
@@ -17837,7 +19441,7 @@
                 <p:cNvPr id="71" name="二等辺三角形 70">
                   <a:extLst>
                     <a:ext uri="{FF2B5EF4-FFF2-40B4-BE49-F238E27FC236}">
-                      <a16:creationId xmlns:a16="http://schemas.microsoft.com/office/drawing/2014/main" id="{6D696947-1A28-495C-A97A-6FA1AF57E853}"/>
+                      <a16:creationId xmlns="" xmlns:a16="http://schemas.microsoft.com/office/drawing/2014/main" id="{6D696947-1A28-495C-A97A-6FA1AF57E853}"/>
                     </a:ext>
                   </a:extLst>
                 </p:cNvPr>
@@ -17877,8 +19481,7 @@
                     <a:solidFill>
                       <a:schemeClr val="tx1"/>
                     </a:solidFill>
-                    <a:latin typeface="+mn-ea"/>
-                    <a:ea typeface="+mn-ea"/>
+                    <a:latin typeface="Arial Rounded MT Bold" pitchFamily="34" charset="0"/>
                   </a:endParaRPr>
                 </a:p>
               </p:txBody>
@@ -17888,7 +19491,7 @@
                 <p:cNvPr id="72" name="楕円 71">
                   <a:extLst>
                     <a:ext uri="{FF2B5EF4-FFF2-40B4-BE49-F238E27FC236}">
-                      <a16:creationId xmlns:a16="http://schemas.microsoft.com/office/drawing/2014/main" id="{3D46F98A-DE44-4D93-BDA2-45DECD97A2F9}"/>
+                      <a16:creationId xmlns="" xmlns:a16="http://schemas.microsoft.com/office/drawing/2014/main" id="{3D46F98A-DE44-4D93-BDA2-45DECD97A2F9}"/>
                     </a:ext>
                   </a:extLst>
                 </p:cNvPr>
@@ -17925,8 +19528,7 @@
                     <a:solidFill>
                       <a:schemeClr val="tx1"/>
                     </a:solidFill>
-                    <a:latin typeface="+mn-ea"/>
-                    <a:ea typeface="+mn-ea"/>
+                    <a:latin typeface="Arial Rounded MT Bold" pitchFamily="34" charset="0"/>
                   </a:endParaRPr>
                 </a:p>
               </p:txBody>
@@ -17937,7 +19539,7 @@
               <p:cNvPr id="68" name="テキスト ボックス 67">
                 <a:extLst>
                   <a:ext uri="{FF2B5EF4-FFF2-40B4-BE49-F238E27FC236}">
-                    <a16:creationId xmlns:a16="http://schemas.microsoft.com/office/drawing/2014/main" id="{B38A1C66-4E32-43DB-8B5F-2C1A411B2212}"/>
+                    <a16:creationId xmlns="" xmlns:a16="http://schemas.microsoft.com/office/drawing/2014/main" id="{B38A1C66-4E32-43DB-8B5F-2C1A411B2212}"/>
                   </a:ext>
                 </a:extLst>
               </p:cNvPr>
@@ -17946,8 +19548,8 @@
             </p:nvSpPr>
             <p:spPr>
               <a:xfrm>
-                <a:off x="3466436" y="6004285"/>
-                <a:ext cx="503921" cy="258532"/>
+                <a:off x="3476984" y="6004285"/>
+                <a:ext cx="482824" cy="276999"/>
               </a:xfrm>
               <a:prstGeom prst="rect">
                 <a:avLst/>
@@ -17966,8 +19568,7 @@
                     <a:solidFill>
                       <a:srgbClr val="FF0000"/>
                     </a:solidFill>
-                    <a:latin typeface="+mn-ea"/>
-                    <a:ea typeface="+mn-ea"/>
+                    <a:latin typeface="Arial Rounded MT Bold" pitchFamily="34" charset="0"/>
                   </a:rPr>
                   <a:t>Ad2</a:t>
                 </a:r>
@@ -17975,8 +19576,7 @@
                   <a:solidFill>
                     <a:srgbClr val="FF0000"/>
                   </a:solidFill>
-                  <a:latin typeface="+mn-ea"/>
-                  <a:ea typeface="+mn-ea"/>
+                  <a:latin typeface="Arial Rounded MT Bold" pitchFamily="34" charset="0"/>
                 </a:endParaRPr>
               </a:p>
             </p:txBody>
@@ -17987,7 +19587,7 @@
             <p:cNvPr id="52" name="グループ化 51">
               <a:extLst>
                 <a:ext uri="{FF2B5EF4-FFF2-40B4-BE49-F238E27FC236}">
-                  <a16:creationId xmlns:a16="http://schemas.microsoft.com/office/drawing/2014/main" id="{0B863976-02A6-4426-BB66-0C36C63F08E5}"/>
+                  <a16:creationId xmlns="" xmlns:a16="http://schemas.microsoft.com/office/drawing/2014/main" id="{0B863976-02A6-4426-BB66-0C36C63F08E5}"/>
                 </a:ext>
               </a:extLst>
             </p:cNvPr>
@@ -17996,10 +19596,10 @@
           </p:nvGrpSpPr>
           <p:grpSpPr>
             <a:xfrm>
-              <a:off x="2943522" y="5725222"/>
-              <a:ext cx="503921" cy="666478"/>
-              <a:chOff x="3466436" y="5596339"/>
-              <a:chExt cx="503921" cy="666478"/>
+              <a:off x="2954070" y="5725222"/>
+              <a:ext cx="482824" cy="684945"/>
+              <a:chOff x="3476984" y="5596339"/>
+              <a:chExt cx="482824" cy="684945"/>
             </a:xfrm>
           </p:grpSpPr>
           <p:grpSp>
@@ -18007,7 +19607,7 @@
               <p:cNvPr id="61" name="グループ化 60">
                 <a:extLst>
                   <a:ext uri="{FF2B5EF4-FFF2-40B4-BE49-F238E27FC236}">
-                    <a16:creationId xmlns:a16="http://schemas.microsoft.com/office/drawing/2014/main" id="{C8F9600A-B0DA-455D-9466-F611D54D4AA6}"/>
+                    <a16:creationId xmlns="" xmlns:a16="http://schemas.microsoft.com/office/drawing/2014/main" id="{C8F9600A-B0DA-455D-9466-F611D54D4AA6}"/>
                   </a:ext>
                 </a:extLst>
               </p:cNvPr>
@@ -18027,7 +19627,7 @@
                 <p:cNvPr id="63" name="正方形/長方形 62">
                   <a:extLst>
                     <a:ext uri="{FF2B5EF4-FFF2-40B4-BE49-F238E27FC236}">
-                      <a16:creationId xmlns:a16="http://schemas.microsoft.com/office/drawing/2014/main" id="{E05028D5-0BEA-431D-873E-0271EB010F50}"/>
+                      <a16:creationId xmlns="" xmlns:a16="http://schemas.microsoft.com/office/drawing/2014/main" id="{E05028D5-0BEA-431D-873E-0271EB010F50}"/>
                     </a:ext>
                   </a:extLst>
                 </p:cNvPr>
@@ -18066,8 +19666,7 @@
                     <a:solidFill>
                       <a:schemeClr val="tx1"/>
                     </a:solidFill>
-                    <a:latin typeface="+mn-ea"/>
-                    <a:ea typeface="+mn-ea"/>
+                    <a:latin typeface="Arial Rounded MT Bold" pitchFamily="34" charset="0"/>
                   </a:endParaRPr>
                 </a:p>
               </p:txBody>
@@ -18077,7 +19676,7 @@
                 <p:cNvPr id="64" name="二等辺三角形 63">
                   <a:extLst>
                     <a:ext uri="{FF2B5EF4-FFF2-40B4-BE49-F238E27FC236}">
-                      <a16:creationId xmlns:a16="http://schemas.microsoft.com/office/drawing/2014/main" id="{82EA0C36-F27F-407C-A8CA-9477CEFEE478}"/>
+                      <a16:creationId xmlns="" xmlns:a16="http://schemas.microsoft.com/office/drawing/2014/main" id="{82EA0C36-F27F-407C-A8CA-9477CEFEE478}"/>
                     </a:ext>
                   </a:extLst>
                 </p:cNvPr>
@@ -18117,8 +19716,7 @@
                     <a:solidFill>
                       <a:schemeClr val="tx1"/>
                     </a:solidFill>
-                    <a:latin typeface="+mn-ea"/>
-                    <a:ea typeface="+mn-ea"/>
+                    <a:latin typeface="Arial Rounded MT Bold" pitchFamily="34" charset="0"/>
                   </a:endParaRPr>
                 </a:p>
               </p:txBody>
@@ -18128,7 +19726,7 @@
                 <p:cNvPr id="65" name="二等辺三角形 64">
                   <a:extLst>
                     <a:ext uri="{FF2B5EF4-FFF2-40B4-BE49-F238E27FC236}">
-                      <a16:creationId xmlns:a16="http://schemas.microsoft.com/office/drawing/2014/main" id="{2C44B34B-4800-4B28-93A1-12EF4D707A43}"/>
+                      <a16:creationId xmlns="" xmlns:a16="http://schemas.microsoft.com/office/drawing/2014/main" id="{2C44B34B-4800-4B28-93A1-12EF4D707A43}"/>
                     </a:ext>
                   </a:extLst>
                 </p:cNvPr>
@@ -18168,8 +19766,7 @@
                     <a:solidFill>
                       <a:schemeClr val="tx1"/>
                     </a:solidFill>
-                    <a:latin typeface="+mn-ea"/>
-                    <a:ea typeface="+mn-ea"/>
+                    <a:latin typeface="Arial Rounded MT Bold" pitchFamily="34" charset="0"/>
                   </a:endParaRPr>
                 </a:p>
               </p:txBody>
@@ -18179,7 +19776,7 @@
                 <p:cNvPr id="66" name="楕円 65">
                   <a:extLst>
                     <a:ext uri="{FF2B5EF4-FFF2-40B4-BE49-F238E27FC236}">
-                      <a16:creationId xmlns:a16="http://schemas.microsoft.com/office/drawing/2014/main" id="{11845773-FD44-40AF-B7A6-AC974D17A27D}"/>
+                      <a16:creationId xmlns="" xmlns:a16="http://schemas.microsoft.com/office/drawing/2014/main" id="{11845773-FD44-40AF-B7A6-AC974D17A27D}"/>
                     </a:ext>
                   </a:extLst>
                 </p:cNvPr>
@@ -18216,8 +19813,7 @@
                     <a:solidFill>
                       <a:schemeClr val="tx1"/>
                     </a:solidFill>
-                    <a:latin typeface="+mn-ea"/>
-                    <a:ea typeface="+mn-ea"/>
+                    <a:latin typeface="Arial Rounded MT Bold" pitchFamily="34" charset="0"/>
                   </a:endParaRPr>
                 </a:p>
               </p:txBody>
@@ -18228,7 +19824,7 @@
               <p:cNvPr id="62" name="テキスト ボックス 61">
                 <a:extLst>
                   <a:ext uri="{FF2B5EF4-FFF2-40B4-BE49-F238E27FC236}">
-                    <a16:creationId xmlns:a16="http://schemas.microsoft.com/office/drawing/2014/main" id="{425B1ED2-5354-454D-A3A2-71B997571430}"/>
+                    <a16:creationId xmlns="" xmlns:a16="http://schemas.microsoft.com/office/drawing/2014/main" id="{425B1ED2-5354-454D-A3A2-71B997571430}"/>
                   </a:ext>
                 </a:extLst>
               </p:cNvPr>
@@ -18237,8 +19833,8 @@
             </p:nvSpPr>
             <p:spPr>
               <a:xfrm>
-                <a:off x="3466436" y="6004285"/>
-                <a:ext cx="503921" cy="258532"/>
+                <a:off x="3476984" y="6004285"/>
+                <a:ext cx="482824" cy="276999"/>
               </a:xfrm>
               <a:prstGeom prst="rect">
                 <a:avLst/>
@@ -18257,8 +19853,7 @@
                     <a:solidFill>
                       <a:srgbClr val="FF0000"/>
                     </a:solidFill>
-                    <a:latin typeface="+mn-ea"/>
-                    <a:ea typeface="+mn-ea"/>
+                    <a:latin typeface="Arial Rounded MT Bold" pitchFamily="34" charset="0"/>
                   </a:rPr>
                   <a:t>Ad3</a:t>
                 </a:r>
@@ -18266,8 +19861,7 @@
                   <a:solidFill>
                     <a:srgbClr val="FF0000"/>
                   </a:solidFill>
-                  <a:latin typeface="+mn-ea"/>
-                  <a:ea typeface="+mn-ea"/>
+                  <a:latin typeface="Arial Rounded MT Bold" pitchFamily="34" charset="0"/>
                 </a:endParaRPr>
               </a:p>
             </p:txBody>
@@ -18278,7 +19872,7 @@
             <p:cNvPr id="53" name="グループ化 52">
               <a:extLst>
                 <a:ext uri="{FF2B5EF4-FFF2-40B4-BE49-F238E27FC236}">
-                  <a16:creationId xmlns:a16="http://schemas.microsoft.com/office/drawing/2014/main" id="{BAE407CB-3429-4E84-ACB7-79F581F28E07}"/>
+                  <a16:creationId xmlns="" xmlns:a16="http://schemas.microsoft.com/office/drawing/2014/main" id="{BAE407CB-3429-4E84-ACB7-79F581F28E07}"/>
                 </a:ext>
               </a:extLst>
             </p:cNvPr>
@@ -18287,10 +19881,10 @@
           </p:nvGrpSpPr>
           <p:grpSpPr>
             <a:xfrm>
-              <a:off x="3513082" y="5725222"/>
-              <a:ext cx="503921" cy="666478"/>
-              <a:chOff x="3466436" y="5596339"/>
-              <a:chExt cx="503921" cy="666478"/>
+              <a:off x="3523630" y="5725222"/>
+              <a:ext cx="482824" cy="684945"/>
+              <a:chOff x="3476984" y="5596339"/>
+              <a:chExt cx="482824" cy="684945"/>
             </a:xfrm>
           </p:grpSpPr>
           <p:grpSp>
@@ -18298,7 +19892,7 @@
               <p:cNvPr id="55" name="グループ化 54">
                 <a:extLst>
                   <a:ext uri="{FF2B5EF4-FFF2-40B4-BE49-F238E27FC236}">
-                    <a16:creationId xmlns:a16="http://schemas.microsoft.com/office/drawing/2014/main" id="{D14B08F2-A8DC-4DE8-BE60-BEAD0572B68A}"/>
+                    <a16:creationId xmlns="" xmlns:a16="http://schemas.microsoft.com/office/drawing/2014/main" id="{D14B08F2-A8DC-4DE8-BE60-BEAD0572B68A}"/>
                   </a:ext>
                 </a:extLst>
               </p:cNvPr>
@@ -18318,7 +19912,7 @@
                 <p:cNvPr id="57" name="正方形/長方形 56">
                   <a:extLst>
                     <a:ext uri="{FF2B5EF4-FFF2-40B4-BE49-F238E27FC236}">
-                      <a16:creationId xmlns:a16="http://schemas.microsoft.com/office/drawing/2014/main" id="{8FB5A774-EA8F-424E-9632-2A02E485D095}"/>
+                      <a16:creationId xmlns="" xmlns:a16="http://schemas.microsoft.com/office/drawing/2014/main" id="{8FB5A774-EA8F-424E-9632-2A02E485D095}"/>
                     </a:ext>
                   </a:extLst>
                 </p:cNvPr>
@@ -18357,8 +19951,7 @@
                     <a:solidFill>
                       <a:schemeClr val="tx1"/>
                     </a:solidFill>
-                    <a:latin typeface="+mn-ea"/>
-                    <a:ea typeface="+mn-ea"/>
+                    <a:latin typeface="Arial Rounded MT Bold" pitchFamily="34" charset="0"/>
                   </a:endParaRPr>
                 </a:p>
               </p:txBody>
@@ -18368,7 +19961,7 @@
                 <p:cNvPr id="58" name="二等辺三角形 57">
                   <a:extLst>
                     <a:ext uri="{FF2B5EF4-FFF2-40B4-BE49-F238E27FC236}">
-                      <a16:creationId xmlns:a16="http://schemas.microsoft.com/office/drawing/2014/main" id="{3EAA8940-DC4C-44F0-91A3-D27CD52436AE}"/>
+                      <a16:creationId xmlns="" xmlns:a16="http://schemas.microsoft.com/office/drawing/2014/main" id="{3EAA8940-DC4C-44F0-91A3-D27CD52436AE}"/>
                     </a:ext>
                   </a:extLst>
                 </p:cNvPr>
@@ -18408,8 +20001,7 @@
                     <a:solidFill>
                       <a:schemeClr val="tx1"/>
                     </a:solidFill>
-                    <a:latin typeface="+mn-ea"/>
-                    <a:ea typeface="+mn-ea"/>
+                    <a:latin typeface="Arial Rounded MT Bold" pitchFamily="34" charset="0"/>
                   </a:endParaRPr>
                 </a:p>
               </p:txBody>
@@ -18419,7 +20011,7 @@
                 <p:cNvPr id="59" name="二等辺三角形 58">
                   <a:extLst>
                     <a:ext uri="{FF2B5EF4-FFF2-40B4-BE49-F238E27FC236}">
-                      <a16:creationId xmlns:a16="http://schemas.microsoft.com/office/drawing/2014/main" id="{D529BC97-736E-48C3-96D7-85CDE9877665}"/>
+                      <a16:creationId xmlns="" xmlns:a16="http://schemas.microsoft.com/office/drawing/2014/main" id="{D529BC97-736E-48C3-96D7-85CDE9877665}"/>
                     </a:ext>
                   </a:extLst>
                 </p:cNvPr>
@@ -18459,8 +20051,7 @@
                     <a:solidFill>
                       <a:schemeClr val="tx1"/>
                     </a:solidFill>
-                    <a:latin typeface="+mn-ea"/>
-                    <a:ea typeface="+mn-ea"/>
+                    <a:latin typeface="Arial Rounded MT Bold" pitchFamily="34" charset="0"/>
                   </a:endParaRPr>
                 </a:p>
               </p:txBody>
@@ -18470,7 +20061,7 @@
                 <p:cNvPr id="60" name="楕円 59">
                   <a:extLst>
                     <a:ext uri="{FF2B5EF4-FFF2-40B4-BE49-F238E27FC236}">
-                      <a16:creationId xmlns:a16="http://schemas.microsoft.com/office/drawing/2014/main" id="{857DE45D-3875-43E7-95F6-A9921D3891EA}"/>
+                      <a16:creationId xmlns="" xmlns:a16="http://schemas.microsoft.com/office/drawing/2014/main" id="{857DE45D-3875-43E7-95F6-A9921D3891EA}"/>
                     </a:ext>
                   </a:extLst>
                 </p:cNvPr>
@@ -18507,8 +20098,7 @@
                     <a:solidFill>
                       <a:schemeClr val="tx1"/>
                     </a:solidFill>
-                    <a:latin typeface="+mn-ea"/>
-                    <a:ea typeface="+mn-ea"/>
+                    <a:latin typeface="Arial Rounded MT Bold" pitchFamily="34" charset="0"/>
                   </a:endParaRPr>
                 </a:p>
               </p:txBody>
@@ -18519,7 +20109,7 @@
               <p:cNvPr id="56" name="テキスト ボックス 55">
                 <a:extLst>
                   <a:ext uri="{FF2B5EF4-FFF2-40B4-BE49-F238E27FC236}">
-                    <a16:creationId xmlns:a16="http://schemas.microsoft.com/office/drawing/2014/main" id="{F5F9B9AC-9C88-4D91-9BBD-076F348E9A95}"/>
+                    <a16:creationId xmlns="" xmlns:a16="http://schemas.microsoft.com/office/drawing/2014/main" id="{F5F9B9AC-9C88-4D91-9BBD-076F348E9A95}"/>
                   </a:ext>
                 </a:extLst>
               </p:cNvPr>
@@ -18528,8 +20118,8 @@
             </p:nvSpPr>
             <p:spPr>
               <a:xfrm>
-                <a:off x="3466436" y="6004285"/>
-                <a:ext cx="503921" cy="258532"/>
+                <a:off x="3476984" y="6004285"/>
+                <a:ext cx="482824" cy="276999"/>
               </a:xfrm>
               <a:prstGeom prst="rect">
                 <a:avLst/>
@@ -18548,8 +20138,7 @@
                     <a:solidFill>
                       <a:srgbClr val="FF0000"/>
                     </a:solidFill>
-                    <a:latin typeface="+mn-ea"/>
-                    <a:ea typeface="+mn-ea"/>
+                    <a:latin typeface="Arial Rounded MT Bold" pitchFamily="34" charset="0"/>
                   </a:rPr>
                   <a:t>Ad4</a:t>
                 </a:r>
@@ -18557,8 +20146,7 @@
                   <a:solidFill>
                     <a:srgbClr val="FF0000"/>
                   </a:solidFill>
-                  <a:latin typeface="+mn-ea"/>
-                  <a:ea typeface="+mn-ea"/>
+                  <a:latin typeface="Arial Rounded MT Bold" pitchFamily="34" charset="0"/>
                 </a:endParaRPr>
               </a:p>
             </p:txBody>
@@ -18569,7 +20157,7 @@
             <p:cNvPr id="54" name="楕円 53">
               <a:extLst>
                 <a:ext uri="{FF2B5EF4-FFF2-40B4-BE49-F238E27FC236}">
-                  <a16:creationId xmlns:a16="http://schemas.microsoft.com/office/drawing/2014/main" id="{6E3C551B-747B-48B8-A630-593A60C67A79}"/>
+                  <a16:creationId xmlns="" xmlns:a16="http://schemas.microsoft.com/office/drawing/2014/main" id="{6E3C551B-747B-48B8-A630-593A60C67A79}"/>
                 </a:ext>
               </a:extLst>
             </p:cNvPr>
@@ -18611,8 +20199,7 @@
                 <a:solidFill>
                   <a:schemeClr val="tx1"/>
                 </a:solidFill>
-                <a:latin typeface="+mn-ea"/>
-                <a:ea typeface="+mn-ea"/>
+                <a:latin typeface="Arial Rounded MT Bold" pitchFamily="34" charset="0"/>
               </a:endParaRPr>
             </a:p>
           </p:txBody>
@@ -18623,7 +20210,7 @@
           <p:cNvPr id="79" name="直線コネクタ 78">
             <a:extLst>
               <a:ext uri="{FF2B5EF4-FFF2-40B4-BE49-F238E27FC236}">
-                <a16:creationId xmlns:a16="http://schemas.microsoft.com/office/drawing/2014/main" id="{D1702687-DBD6-4863-BC15-F2B940E56686}"/>
+                <a16:creationId xmlns="" xmlns:a16="http://schemas.microsoft.com/office/drawing/2014/main" id="{D1702687-DBD6-4863-BC15-F2B940E56686}"/>
               </a:ext>
             </a:extLst>
           </p:cNvPr>
@@ -18658,7 +20245,7 @@
           <p:cNvPr id="80" name="直線コネクタ 79">
             <a:extLst>
               <a:ext uri="{FF2B5EF4-FFF2-40B4-BE49-F238E27FC236}">
-                <a16:creationId xmlns:a16="http://schemas.microsoft.com/office/drawing/2014/main" id="{CECF5FD1-E696-4075-A7DF-F857CEFFE934}"/>
+                <a16:creationId xmlns="" xmlns:a16="http://schemas.microsoft.com/office/drawing/2014/main" id="{CECF5FD1-E696-4075-A7DF-F857CEFFE934}"/>
               </a:ext>
             </a:extLst>
           </p:cNvPr>
@@ -18693,7 +20280,7 @@
           <p:cNvPr id="81" name="直線コネクタ 80">
             <a:extLst>
               <a:ext uri="{FF2B5EF4-FFF2-40B4-BE49-F238E27FC236}">
-                <a16:creationId xmlns:a16="http://schemas.microsoft.com/office/drawing/2014/main" id="{0091A932-FBC1-4C01-986B-2C747D67739E}"/>
+                <a16:creationId xmlns="" xmlns:a16="http://schemas.microsoft.com/office/drawing/2014/main" id="{0091A932-FBC1-4C01-986B-2C747D67739E}"/>
               </a:ext>
             </a:extLst>
           </p:cNvPr>
@@ -18723,12 +20310,340 @@
           <a:effectLst/>
         </p:spPr>
       </p:cxnSp>
+      <p:sp>
+        <p:nvSpPr>
+          <p:cNvPr id="82" name="コンテンツ プレースホルダ 2"/>
+          <p:cNvSpPr txBox="1">
+            <a:spLocks/>
+          </p:cNvSpPr>
+          <p:nvPr/>
+        </p:nvSpPr>
+        <p:spPr>
+          <a:xfrm>
+            <a:off x="256592" y="5117840"/>
+            <a:ext cx="4348067" cy="1450911"/>
+          </a:xfrm>
+          <a:prstGeom prst="rect">
+            <a:avLst/>
+          </a:prstGeom>
+        </p:spPr>
+        <p:txBody>
+          <a:bodyPr vert="horz" lIns="91440" tIns="45720" rIns="91440" bIns="45720" rtlCol="0">
+            <a:normAutofit/>
+          </a:bodyPr>
+          <a:lstStyle/>
+          <a:p>
+            <a:pPr marL="171450" marR="0" lvl="0" indent="-171450" algn="l" defTabSz="685800" rtl="0" eaLnBrk="1" fontAlgn="auto" latinLnBrk="0" hangingPunct="1">
+              <a:lnSpc>
+                <a:spcPct val="90000"/>
+              </a:lnSpc>
+              <a:spcBef>
+                <a:spcPts val="750"/>
+              </a:spcBef>
+              <a:spcAft>
+                <a:spcPts val="0"/>
+              </a:spcAft>
+              <a:buClrTx/>
+              <a:buSzTx/>
+              <a:buFont typeface="Arial" panose="020B0604020202020204" pitchFamily="34" charset="0"/>
+              <a:buChar char="•"/>
+              <a:tabLst/>
+              <a:defRPr/>
+            </a:pPr>
+            <a:r>
+              <a:rPr kumimoji="1" lang="en-US" altLang="ja-JP" sz="2100" b="0" i="0" u="none" strike="noStrike" kern="1200" cap="none" spc="0" normalizeH="0" baseline="0" noProof="0" dirty="0" smtClean="0">
+                <a:ln>
+                  <a:noFill/>
+                </a:ln>
+                <a:solidFill>
+                  <a:schemeClr val="tx1"/>
+                </a:solidFill>
+                <a:effectLst/>
+                <a:uLnTx/>
+                <a:uFillTx/>
+                <a:latin typeface="Arial Rounded MT Bold" panose="020F0704030504030204" pitchFamily="34" charset="0"/>
+                <a:ea typeface="+mn-ea"/>
+                <a:cs typeface="Arial" panose="020B0604020202020204" pitchFamily="34" charset="0"/>
+              </a:rPr>
+              <a:t>Merits</a:t>
+            </a:r>
+          </a:p>
+          <a:p>
+            <a:pPr marL="514350" marR="0" lvl="1" indent="-171450" algn="l" defTabSz="685800" rtl="0" eaLnBrk="1" fontAlgn="auto" latinLnBrk="0" hangingPunct="1">
+              <a:lnSpc>
+                <a:spcPct val="90000"/>
+              </a:lnSpc>
+              <a:spcBef>
+                <a:spcPts val="375"/>
+              </a:spcBef>
+              <a:spcAft>
+                <a:spcPts val="0"/>
+              </a:spcAft>
+              <a:buClrTx/>
+              <a:buSzTx/>
+              <a:buFont typeface="Arial" panose="020B0604020202020204" pitchFamily="34" charset="0"/>
+              <a:buChar char="•"/>
+              <a:tabLst/>
+              <a:defRPr/>
+            </a:pPr>
+            <a:r>
+              <a:rPr kumimoji="1" lang="en-US" altLang="ja-JP" sz="1800" b="0" i="0" u="none" strike="noStrike" kern="1200" cap="none" spc="0" normalizeH="0" baseline="0" noProof="0" dirty="0" smtClean="0">
+                <a:ln>
+                  <a:noFill/>
+                </a:ln>
+                <a:solidFill>
+                  <a:schemeClr val="tx1"/>
+                </a:solidFill>
+                <a:effectLst/>
+                <a:uLnTx/>
+                <a:uFillTx/>
+                <a:latin typeface="Arial Rounded MT Bold" panose="020F0704030504030204" pitchFamily="34" charset="0"/>
+                <a:ea typeface="+mn-ea"/>
+                <a:cs typeface="Arial" panose="020B0604020202020204" pitchFamily="34" charset="0"/>
+              </a:rPr>
+              <a:t>Lifting up the Long Tail data</a:t>
+            </a:r>
+          </a:p>
+          <a:p>
+            <a:pPr marL="514350" marR="0" lvl="1" indent="-171450" algn="l" defTabSz="685800" rtl="0" eaLnBrk="1" fontAlgn="auto" latinLnBrk="0" hangingPunct="1">
+              <a:lnSpc>
+                <a:spcPct val="90000"/>
+              </a:lnSpc>
+              <a:spcBef>
+                <a:spcPts val="375"/>
+              </a:spcBef>
+              <a:spcAft>
+                <a:spcPts val="0"/>
+              </a:spcAft>
+              <a:buClrTx/>
+              <a:buSzTx/>
+              <a:buFont typeface="Arial" panose="020B0604020202020204" pitchFamily="34" charset="0"/>
+              <a:buChar char="•"/>
+              <a:tabLst/>
+              <a:defRPr/>
+            </a:pPr>
+            <a:r>
+              <a:rPr kumimoji="1" lang="en-US" altLang="ja-JP" sz="1800" b="0" i="0" u="none" strike="noStrike" kern="1200" cap="none" spc="0" normalizeH="0" baseline="0" noProof="0" dirty="0" smtClean="0">
+                <a:ln>
+                  <a:noFill/>
+                </a:ln>
+                <a:solidFill>
+                  <a:schemeClr val="tx1"/>
+                </a:solidFill>
+                <a:effectLst/>
+                <a:uLnTx/>
+                <a:uFillTx/>
+                <a:latin typeface="Arial Rounded MT Bold" panose="020F0704030504030204" pitchFamily="34" charset="0"/>
+                <a:ea typeface="+mn-ea"/>
+                <a:cs typeface="Arial" panose="020B0604020202020204" pitchFamily="34" charset="0"/>
+              </a:rPr>
+              <a:t>Dealing with Cold-Start problem</a:t>
+            </a:r>
+          </a:p>
+          <a:p>
+            <a:pPr marL="514350" marR="0" lvl="1" indent="-171450" algn="l" defTabSz="685800" rtl="0" eaLnBrk="1" fontAlgn="auto" latinLnBrk="0" hangingPunct="1">
+              <a:lnSpc>
+                <a:spcPct val="90000"/>
+              </a:lnSpc>
+              <a:spcBef>
+                <a:spcPts val="375"/>
+              </a:spcBef>
+              <a:spcAft>
+                <a:spcPts val="0"/>
+              </a:spcAft>
+              <a:buClrTx/>
+              <a:buSzTx/>
+              <a:buFont typeface="Arial" panose="020B0604020202020204" pitchFamily="34" charset="0"/>
+              <a:buChar char="•"/>
+              <a:tabLst/>
+              <a:defRPr/>
+            </a:pPr>
+            <a:r>
+              <a:rPr kumimoji="1" lang="en-US" altLang="ja-JP" sz="1800" b="0" i="0" u="none" strike="noStrike" kern="1200" cap="none" spc="0" normalizeH="0" baseline="0" noProof="0" dirty="0" smtClean="0">
+                <a:ln>
+                  <a:noFill/>
+                </a:ln>
+                <a:solidFill>
+                  <a:schemeClr val="tx1"/>
+                </a:solidFill>
+                <a:effectLst/>
+                <a:uLnTx/>
+                <a:uFillTx/>
+                <a:latin typeface="Arial Rounded MT Bold" panose="020F0704030504030204" pitchFamily="34" charset="0"/>
+                <a:ea typeface="+mn-ea"/>
+                <a:cs typeface="Arial" panose="020B0604020202020204" pitchFamily="34" charset="0"/>
+              </a:rPr>
+              <a:t>Improving both users and items</a:t>
+            </a:r>
+          </a:p>
+          <a:p>
+            <a:pPr marL="514350" marR="0" lvl="1" indent="-171450" algn="l" defTabSz="685800" rtl="0" eaLnBrk="1" fontAlgn="auto" latinLnBrk="0" hangingPunct="1">
+              <a:lnSpc>
+                <a:spcPct val="90000"/>
+              </a:lnSpc>
+              <a:spcBef>
+                <a:spcPts val="375"/>
+              </a:spcBef>
+              <a:spcAft>
+                <a:spcPts val="0"/>
+              </a:spcAft>
+              <a:buClrTx/>
+              <a:buSzTx/>
+              <a:buFont typeface="Arial" panose="020B0604020202020204" pitchFamily="34" charset="0"/>
+              <a:buChar char="•"/>
+              <a:tabLst/>
+              <a:defRPr/>
+            </a:pPr>
+            <a:endParaRPr kumimoji="1" lang="en-US" altLang="ja-JP" sz="1800" b="0" i="0" u="none" strike="noStrike" kern="1200" cap="none" spc="0" normalizeH="0" baseline="0" noProof="0" dirty="0" smtClean="0">
+              <a:ln>
+                <a:noFill/>
+              </a:ln>
+              <a:solidFill>
+                <a:schemeClr val="tx1"/>
+              </a:solidFill>
+              <a:effectLst/>
+              <a:uLnTx/>
+              <a:uFillTx/>
+              <a:latin typeface="Arial Rounded MT Bold" panose="020F0704030504030204" pitchFamily="34" charset="0"/>
+              <a:ea typeface="+mn-ea"/>
+              <a:cs typeface="Arial" panose="020B0604020202020204" pitchFamily="34" charset="0"/>
+            </a:endParaRPr>
+          </a:p>
+        </p:txBody>
+      </p:sp>
     </p:spTree>
     <p:extLst>
       <p:ext uri="{BB962C8B-B14F-4D97-AF65-F5344CB8AC3E}">
-        <p14:creationId xmlns:p14="http://schemas.microsoft.com/office/powerpoint/2010/main" val="4042898453"/>
+        <p14:creationId xmlns="" xmlns:p14="http://schemas.microsoft.com/office/powerpoint/2010/main" val="4042898453"/>
       </p:ext>
     </p:extLst>
+  </p:cSld>
+  <p:clrMapOvr>
+    <a:masterClrMapping/>
+  </p:clrMapOvr>
+</p:sld>
+</file>
+
+<file path=ppt/slides/slide9.xml><?xml version="1.0" encoding="utf-8"?>
+<p:sld xmlns:a="http://schemas.openxmlformats.org/drawingml/2006/main" xmlns:r="http://schemas.openxmlformats.org/officeDocument/2006/relationships" xmlns:p="http://schemas.openxmlformats.org/presentationml/2006/main">
+  <p:cSld>
+    <p:spTree>
+      <p:nvGrpSpPr>
+        <p:cNvPr id="1" name=""/>
+        <p:cNvGrpSpPr/>
+        <p:nvPr/>
+      </p:nvGrpSpPr>
+      <p:grpSpPr>
+        <a:xfrm>
+          <a:off x="0" y="0"/>
+          <a:ext cx="0" cy="0"/>
+          <a:chOff x="0" y="0"/>
+          <a:chExt cx="0" cy="0"/>
+        </a:xfrm>
+      </p:grpSpPr>
+      <p:sp>
+        <p:nvSpPr>
+          <p:cNvPr id="2" name="タイトル 1"/>
+          <p:cNvSpPr>
+            <a:spLocks noGrp="1"/>
+          </p:cNvSpPr>
+          <p:nvPr>
+            <p:ph type="title"/>
+          </p:nvPr>
+        </p:nvSpPr>
+        <p:spPr/>
+        <p:txBody>
+          <a:bodyPr/>
+          <a:lstStyle/>
+          <a:p>
+            <a:r>
+              <a:rPr lang="en-US" altLang="zh-CN" dirty="0" smtClean="0"/>
+              <a:t>Future: Bandit for Long Tail &amp; Cold-Start</a:t>
+            </a:r>
+            <a:endParaRPr kumimoji="1" lang="ja-JP" altLang="en-US" dirty="0"/>
+          </a:p>
+        </p:txBody>
+      </p:sp>
+      <p:sp>
+        <p:nvSpPr>
+          <p:cNvPr id="3" name="コンテンツ プレースホルダ 2"/>
+          <p:cNvSpPr>
+            <a:spLocks noGrp="1"/>
+          </p:cNvSpPr>
+          <p:nvPr>
+            <p:ph idx="1"/>
+          </p:nvPr>
+        </p:nvSpPr>
+        <p:spPr/>
+        <p:txBody>
+          <a:bodyPr/>
+          <a:lstStyle/>
+          <a:p>
+            <a:r>
+              <a:rPr kumimoji="1" lang="en-US" altLang="ja-JP" dirty="0" smtClean="0"/>
+              <a:t>Merits</a:t>
+            </a:r>
+          </a:p>
+          <a:p>
+            <a:pPr lvl="1"/>
+            <a:r>
+              <a:rPr lang="en-US" altLang="ja-JP" dirty="0" smtClean="0"/>
+              <a:t>Lifting up the Long Tail data</a:t>
+            </a:r>
+          </a:p>
+          <a:p>
+            <a:pPr lvl="1"/>
+            <a:r>
+              <a:rPr kumimoji="1" lang="en-US" altLang="ja-JP" dirty="0" smtClean="0"/>
+              <a:t>Dealing with Cold-Start problem</a:t>
+            </a:r>
+          </a:p>
+          <a:p>
+            <a:pPr lvl="1"/>
+            <a:r>
+              <a:rPr lang="en-US" altLang="ja-JP" dirty="0" smtClean="0"/>
+              <a:t>Improving both users and items</a:t>
+            </a:r>
+            <a:endParaRPr kumimoji="1" lang="en-US" altLang="ja-JP" dirty="0" smtClean="0"/>
+          </a:p>
+          <a:p>
+            <a:pPr lvl="1"/>
+            <a:endParaRPr kumimoji="1" lang="en-US" altLang="ja-JP" dirty="0" smtClean="0"/>
+          </a:p>
+          <a:p>
+            <a:r>
+              <a:rPr lang="en-US" altLang="ja-JP" dirty="0" smtClean="0"/>
+              <a:t>Applications</a:t>
+            </a:r>
+          </a:p>
+          <a:p>
+            <a:pPr lvl="1"/>
+            <a:r>
+              <a:rPr kumimoji="1" lang="en-US" altLang="ja-JP" dirty="0" smtClean="0"/>
+              <a:t>Recommender system</a:t>
+            </a:r>
+          </a:p>
+          <a:p>
+            <a:pPr lvl="1"/>
+            <a:r>
+              <a:rPr lang="en-US" altLang="ja-JP" dirty="0" smtClean="0"/>
+              <a:t>Advertisement</a:t>
+            </a:r>
+          </a:p>
+          <a:p>
+            <a:pPr lvl="1"/>
+            <a:r>
+              <a:rPr kumimoji="1" lang="en-US" altLang="ja-JP" dirty="0" smtClean="0"/>
+              <a:t>User preference extraction</a:t>
+            </a:r>
+          </a:p>
+          <a:p>
+            <a:pPr lvl="1"/>
+            <a:endParaRPr kumimoji="1" lang="ja-JP" altLang="en-US" dirty="0"/>
+          </a:p>
+        </p:txBody>
+      </p:sp>
+    </p:spTree>
   </p:cSld>
   <p:clrMapOvr>
     <a:masterClrMapping/>
@@ -18779,7 +20694,7 @@
     </a:clrScheme>
     <a:fontScheme name="Cambria-Calibri">
       <a:majorFont>
-        <a:latin typeface="Cambria" panose="02040503050406030204"/>
+        <a:latin typeface="Cambria"/>
         <a:ea typeface=""/>
         <a:cs typeface=""/>
         <a:font script="Jpan" typeface="ＭＳ Ｐゴシック"/>
@@ -18814,7 +20729,7 @@
         <a:font script="Geor" typeface="Sylfaen"/>
       </a:majorFont>
       <a:minorFont>
-        <a:latin typeface="Calibri" panose="020F0502020204030204"/>
+        <a:latin typeface="Calibri"/>
         <a:ea typeface=""/>
         <a:cs typeface=""/>
         <a:font script="Jpan" typeface="ＭＳ Ｐゴシック"/>
@@ -18991,7 +20906,7 @@
   <a:extraClrSchemeLst/>
   <a:extLst>
     <a:ext uri="{05A4C25C-085E-4340-85A3-A5531E510DB2}">
-      <thm15:themeFamily xmlns:thm15="http://schemas.microsoft.com/office/thememl/2012/main" name="プレゼンテーション1" id="{7B84EBDF-B67E-4C66-91FF-56597A6707C6}" vid="{1E872F42-5119-4C9A-9BA2-5A204B2EAF79}"/>
+      <thm15:themeFamily xmlns="" xmlns:thm15="http://schemas.microsoft.com/office/thememl/2012/main" name="プレゼンテーション1" id="{7B84EBDF-B67E-4C66-91FF-56597A6707C6}" vid="{1E872F42-5119-4C9A-9BA2-5A204B2EAF79}"/>
     </a:ext>
   </a:extLst>
 </a:theme>
